--- a/doc/OLED1.pptx
+++ b/doc/OLED1.pptx
@@ -5,20 +5,28 @@
     <p:sldMasterId id="2147483648" r:id="rId5"/>
   </p:sldMasterIdLst>
   <p:notesMasterIdLst>
-    <p:notesMasterId r:id="rId14"/>
+    <p:notesMasterId r:id="rId22"/>
   </p:notesMasterIdLst>
   <p:handoutMasterIdLst>
-    <p:handoutMasterId r:id="rId15"/>
+    <p:handoutMasterId r:id="rId23"/>
   </p:handoutMasterIdLst>
   <p:sldIdLst>
     <p:sldId id="1954" r:id="rId6"/>
     <p:sldId id="1959" r:id="rId7"/>
-    <p:sldId id="1963" r:id="rId8"/>
-    <p:sldId id="1964" r:id="rId9"/>
-    <p:sldId id="1962" r:id="rId10"/>
-    <p:sldId id="1965" r:id="rId11"/>
-    <p:sldId id="1966" r:id="rId12"/>
-    <p:sldId id="1960" r:id="rId13"/>
+    <p:sldId id="1967" r:id="rId8"/>
+    <p:sldId id="1963" r:id="rId9"/>
+    <p:sldId id="1964" r:id="rId10"/>
+    <p:sldId id="1974" r:id="rId11"/>
+    <p:sldId id="1962" r:id="rId12"/>
+    <p:sldId id="1968" r:id="rId13"/>
+    <p:sldId id="1969" r:id="rId14"/>
+    <p:sldId id="1971" r:id="rId15"/>
+    <p:sldId id="1972" r:id="rId16"/>
+    <p:sldId id="1966" r:id="rId17"/>
+    <p:sldId id="1960" r:id="rId18"/>
+    <p:sldId id="1975" r:id="rId19"/>
+    <p:sldId id="1976" r:id="rId20"/>
+    <p:sldId id="1973" r:id="rId21"/>
   </p:sldIdLst>
   <p:sldSz cx="12188825" cy="6858000"/>
   <p:notesSz cx="6858000" cy="9144000"/>
@@ -243,7 +251,7 @@
           <a:p>
             <a:fld id="{98615C2D-FB91-8740-95C2-23C11A10F2F2}" type="datetimeFigureOut">
               <a:rPr lang="en-US" smtClean="0"/>
-              <a:t>6/1/2023</a:t>
+              <a:t>6/5/2023</a:t>
             </a:fld>
             <a:endParaRPr lang="en-US"/>
           </a:p>
@@ -421,7 +429,7 @@
           <a:p>
             <a:fld id="{F154E49F-5C3A-ED4E-A68A-CCB3AA3B5D59}" type="datetimeFigureOut">
               <a:rPr lang="en-US" smtClean="0"/>
-              <a:t>6/1/2023</a:t>
+              <a:t>6/5/2023</a:t>
             </a:fld>
             <a:endParaRPr lang="en-US"/>
           </a:p>
@@ -4564,6 +4572,2467 @@
 </p:sld>
 </file>
 
+<file path=ppt/slides/slide10.xml><?xml version="1.0" encoding="utf-8"?>
+<p:sld xmlns:a="http://schemas.openxmlformats.org/drawingml/2006/main" xmlns:r="http://schemas.openxmlformats.org/officeDocument/2006/relationships" xmlns:p="http://schemas.openxmlformats.org/presentationml/2006/main">
+  <p:cSld>
+    <p:spTree>
+      <p:nvGrpSpPr>
+        <p:cNvPr id="1" name=""/>
+        <p:cNvGrpSpPr/>
+        <p:nvPr/>
+      </p:nvGrpSpPr>
+      <p:grpSpPr>
+        <a:xfrm>
+          <a:off x="0" y="0"/>
+          <a:ext cx="0" cy="0"/>
+          <a:chOff x="0" y="0"/>
+          <a:chExt cx="0" cy="0"/>
+        </a:xfrm>
+      </p:grpSpPr>
+      <p:sp>
+        <p:nvSpPr>
+          <p:cNvPr id="2" name="Title 1">
+            <a:extLst>
+              <a:ext uri="{FF2B5EF4-FFF2-40B4-BE49-F238E27FC236}">
+                <a16:creationId xmlns:a16="http://schemas.microsoft.com/office/drawing/2014/main" id="{DA897B50-70D2-CAE0-2E3C-3BF8DEFE2CD3}"/>
+              </a:ext>
+            </a:extLst>
+          </p:cNvPr>
+          <p:cNvSpPr>
+            <a:spLocks noGrp="1"/>
+          </p:cNvSpPr>
+          <p:nvPr>
+            <p:ph type="title"/>
+          </p:nvPr>
+        </p:nvSpPr>
+        <p:spPr/>
+        <p:txBody>
+          <a:bodyPr/>
+          <a:lstStyle/>
+          <a:p>
+            <a:endParaRPr lang="de-DE"/>
+          </a:p>
+        </p:txBody>
+      </p:sp>
+      <p:pic>
+        <p:nvPicPr>
+          <p:cNvPr id="5" name="Picture 4">
+            <a:extLst>
+              <a:ext uri="{FF2B5EF4-FFF2-40B4-BE49-F238E27FC236}">
+                <a16:creationId xmlns:a16="http://schemas.microsoft.com/office/drawing/2014/main" id="{CB695B64-BF58-BBC2-F2C1-F1F1405C8133}"/>
+              </a:ext>
+            </a:extLst>
+          </p:cNvPr>
+          <p:cNvPicPr>
+            <a:picLocks noChangeAspect="1"/>
+          </p:cNvPicPr>
+          <p:nvPr/>
+        </p:nvPicPr>
+        <p:blipFill>
+          <a:blip r:embed="rId2"/>
+          <a:stretch>
+            <a:fillRect/>
+          </a:stretch>
+        </p:blipFill>
+        <p:spPr>
+          <a:xfrm>
+            <a:off x="3468460" y="1560803"/>
+            <a:ext cx="6025233" cy="4123560"/>
+          </a:xfrm>
+          <a:prstGeom prst="rect">
+            <a:avLst/>
+          </a:prstGeom>
+        </p:spPr>
+      </p:pic>
+      <p:pic>
+        <p:nvPicPr>
+          <p:cNvPr id="6" name="Picture 5">
+            <a:extLst>
+              <a:ext uri="{FF2B5EF4-FFF2-40B4-BE49-F238E27FC236}">
+                <a16:creationId xmlns:a16="http://schemas.microsoft.com/office/drawing/2014/main" id="{B5E2CC5F-EA3D-5E7E-2E5F-1E8801133550}"/>
+              </a:ext>
+            </a:extLst>
+          </p:cNvPr>
+          <p:cNvPicPr>
+            <a:picLocks noChangeAspect="1"/>
+          </p:cNvPicPr>
+          <p:nvPr/>
+        </p:nvPicPr>
+        <p:blipFill>
+          <a:blip r:embed="rId3"/>
+          <a:stretch>
+            <a:fillRect/>
+          </a:stretch>
+        </p:blipFill>
+        <p:spPr>
+          <a:xfrm>
+            <a:off x="355509" y="1005547"/>
+            <a:ext cx="2679922" cy="1723195"/>
+          </a:xfrm>
+          <a:prstGeom prst="rect">
+            <a:avLst/>
+          </a:prstGeom>
+        </p:spPr>
+      </p:pic>
+      <p:pic>
+        <p:nvPicPr>
+          <p:cNvPr id="8" name="Picture 7">
+            <a:extLst>
+              <a:ext uri="{FF2B5EF4-FFF2-40B4-BE49-F238E27FC236}">
+                <a16:creationId xmlns:a16="http://schemas.microsoft.com/office/drawing/2014/main" id="{99F18C78-23A8-1715-4C94-931735EA16DA}"/>
+              </a:ext>
+            </a:extLst>
+          </p:cNvPr>
+          <p:cNvPicPr>
+            <a:picLocks noChangeAspect="1"/>
+          </p:cNvPicPr>
+          <p:nvPr/>
+        </p:nvPicPr>
+        <p:blipFill>
+          <a:blip r:embed="rId4"/>
+          <a:stretch>
+            <a:fillRect/>
+          </a:stretch>
+        </p:blipFill>
+        <p:spPr>
+          <a:xfrm>
+            <a:off x="9741817" y="2121031"/>
+            <a:ext cx="2404923" cy="3966271"/>
+          </a:xfrm>
+          <a:prstGeom prst="rect">
+            <a:avLst/>
+          </a:prstGeom>
+        </p:spPr>
+      </p:pic>
+    </p:spTree>
+    <p:extLst>
+      <p:ext uri="{BB962C8B-B14F-4D97-AF65-F5344CB8AC3E}">
+        <p14:creationId xmlns:p14="http://schemas.microsoft.com/office/powerpoint/2010/main" val="1876001676"/>
+      </p:ext>
+    </p:extLst>
+  </p:cSld>
+  <p:clrMapOvr>
+    <a:masterClrMapping/>
+  </p:clrMapOvr>
+</p:sld>
+</file>
+
+<file path=ppt/slides/slide11.xml><?xml version="1.0" encoding="utf-8"?>
+<p:sld xmlns:a="http://schemas.openxmlformats.org/drawingml/2006/main" xmlns:r="http://schemas.openxmlformats.org/officeDocument/2006/relationships" xmlns:p="http://schemas.openxmlformats.org/presentationml/2006/main">
+  <p:cSld>
+    <p:spTree>
+      <p:nvGrpSpPr>
+        <p:cNvPr id="1" name=""/>
+        <p:cNvGrpSpPr/>
+        <p:nvPr/>
+      </p:nvGrpSpPr>
+      <p:grpSpPr>
+        <a:xfrm>
+          <a:off x="0" y="0"/>
+          <a:ext cx="0" cy="0"/>
+          <a:chOff x="0" y="0"/>
+          <a:chExt cx="0" cy="0"/>
+        </a:xfrm>
+      </p:grpSpPr>
+      <p:sp>
+        <p:nvSpPr>
+          <p:cNvPr id="2" name="Title 1">
+            <a:extLst>
+              <a:ext uri="{FF2B5EF4-FFF2-40B4-BE49-F238E27FC236}">
+                <a16:creationId xmlns:a16="http://schemas.microsoft.com/office/drawing/2014/main" id="{265CE20D-44E6-33BE-26E6-49FE8F951793}"/>
+              </a:ext>
+            </a:extLst>
+          </p:cNvPr>
+          <p:cNvSpPr>
+            <a:spLocks noGrp="1"/>
+          </p:cNvSpPr>
+          <p:nvPr>
+            <p:ph type="title"/>
+          </p:nvPr>
+        </p:nvSpPr>
+        <p:spPr/>
+        <p:txBody>
+          <a:bodyPr/>
+          <a:lstStyle/>
+          <a:p>
+            <a:r>
+              <a:rPr lang="de-DE" dirty="0"/>
+              <a:t>Add gxf_mono Glue</a:t>
+            </a:r>
+          </a:p>
+        </p:txBody>
+      </p:sp>
+      <p:sp>
+        <p:nvSpPr>
+          <p:cNvPr id="3" name="Content Placeholder 2">
+            <a:extLst>
+              <a:ext uri="{FF2B5EF4-FFF2-40B4-BE49-F238E27FC236}">
+                <a16:creationId xmlns:a16="http://schemas.microsoft.com/office/drawing/2014/main" id="{7C9C77AA-5B35-3E1E-A52F-09A3977712DE}"/>
+              </a:ext>
+            </a:extLst>
+          </p:cNvPr>
+          <p:cNvSpPr>
+            <a:spLocks noGrp="1"/>
+          </p:cNvSpPr>
+          <p:nvPr>
+            <p:ph sz="quarter" idx="13"/>
+          </p:nvPr>
+        </p:nvSpPr>
+        <p:spPr/>
+        <p:txBody>
+          <a:bodyPr>
+            <a:normAutofit fontScale="85000" lnSpcReduction="20000"/>
+          </a:bodyPr>
+          <a:lstStyle/>
+          <a:p>
+            <a:pPr marL="0" indent="0">
+              <a:buNone/>
+            </a:pPr>
+            <a:r>
+              <a:rPr lang="de-DE" sz="1900" dirty="0">
+                <a:latin typeface="Courier New" panose="02070309020205020404" pitchFamily="49" charset="0"/>
+                <a:cs typeface="Courier New" panose="02070309020205020404" pitchFamily="49" charset="0"/>
+              </a:rPr>
+              <a:t>\src\gfx_mono\gfx_definitions.h </a:t>
+            </a:r>
+          </a:p>
+          <a:p>
+            <a:pPr marL="0" indent="0">
+              <a:buNone/>
+            </a:pPr>
+            <a:endParaRPr lang="de-DE" sz="1900" dirty="0">
+              <a:latin typeface="Courier New" panose="02070309020205020404" pitchFamily="49" charset="0"/>
+              <a:cs typeface="Courier New" panose="02070309020205020404" pitchFamily="49" charset="0"/>
+            </a:endParaRPr>
+          </a:p>
+          <a:p>
+            <a:pPr marL="0" indent="0">
+              <a:buNone/>
+            </a:pPr>
+            <a:endParaRPr lang="de-DE" sz="1900" dirty="0">
+              <a:latin typeface="Courier New" panose="02070309020205020404" pitchFamily="49" charset="0"/>
+              <a:cs typeface="Courier New" panose="02070309020205020404" pitchFamily="49" charset="0"/>
+            </a:endParaRPr>
+          </a:p>
+          <a:p>
+            <a:pPr marL="0" indent="0">
+              <a:buNone/>
+            </a:pPr>
+            <a:r>
+              <a:rPr lang="de-DE" sz="1900" dirty="0">
+                <a:latin typeface="Courier New" panose="02070309020205020404" pitchFamily="49" charset="0"/>
+                <a:cs typeface="Courier New" panose="02070309020205020404" pitchFamily="49" charset="0"/>
+              </a:rPr>
+              <a:t>#include "../peripheral/port/plib_port.h"</a:t>
+            </a:r>
+          </a:p>
+          <a:p>
+            <a:pPr marL="0" indent="0">
+              <a:buNone/>
+            </a:pPr>
+            <a:r>
+              <a:rPr lang="de-DE" sz="1900" dirty="0">
+                <a:latin typeface="Courier New" panose="02070309020205020404" pitchFamily="49" charset="0"/>
+                <a:cs typeface="Courier New" panose="02070309020205020404" pitchFamily="49" charset="0"/>
+              </a:rPr>
+              <a:t>#include "../peripheral/sercom/spi_master/plib_sercom0_spi_master.h"</a:t>
+            </a:r>
+          </a:p>
+          <a:p>
+            <a:pPr marL="0" indent="0">
+              <a:buNone/>
+            </a:pPr>
+            <a:r>
+              <a:rPr lang="de-DE" sz="1900" dirty="0">
+                <a:latin typeface="Courier New" panose="02070309020205020404" pitchFamily="49" charset="0"/>
+                <a:cs typeface="Courier New" panose="02070309020205020404" pitchFamily="49" charset="0"/>
+              </a:rPr>
+              <a:t>#include "../system/time/sys_time.h"</a:t>
+            </a:r>
+          </a:p>
+          <a:p>
+            <a:pPr marL="0" indent="0">
+              <a:buNone/>
+            </a:pPr>
+            <a:endParaRPr lang="de-DE" sz="1900" dirty="0">
+              <a:latin typeface="Courier New" panose="02070309020205020404" pitchFamily="49" charset="0"/>
+              <a:cs typeface="Courier New" panose="02070309020205020404" pitchFamily="49" charset="0"/>
+            </a:endParaRPr>
+          </a:p>
+          <a:p>
+            <a:pPr marL="0" indent="0">
+              <a:buNone/>
+            </a:pPr>
+            <a:r>
+              <a:rPr lang="de-DE" sz="1900" dirty="0">
+                <a:latin typeface="Courier New" panose="02070309020205020404" pitchFamily="49" charset="0"/>
+                <a:cs typeface="Courier New" panose="02070309020205020404" pitchFamily="49" charset="0"/>
+              </a:rPr>
+              <a:t>#define GFX_DELAY_FUNCTION(x)  \</a:t>
+            </a:r>
+          </a:p>
+          <a:p>
+            <a:pPr marL="0" indent="0">
+              <a:buNone/>
+            </a:pPr>
+            <a:r>
+              <a:rPr lang="de-DE" sz="1900" dirty="0">
+                <a:latin typeface="Courier New" panose="02070309020205020404" pitchFamily="49" charset="0"/>
+                <a:cs typeface="Courier New" panose="02070309020205020404" pitchFamily="49" charset="0"/>
+              </a:rPr>
+              <a:t>   { \</a:t>
+            </a:r>
+          </a:p>
+          <a:p>
+            <a:pPr marL="0" indent="0">
+              <a:buNone/>
+            </a:pPr>
+            <a:r>
+              <a:rPr lang="de-DE" sz="1900" dirty="0">
+                <a:latin typeface="Courier New" panose="02070309020205020404" pitchFamily="49" charset="0"/>
+                <a:cs typeface="Courier New" panose="02070309020205020404" pitchFamily="49" charset="0"/>
+              </a:rPr>
+              <a:t>      SYS_TIME_HANDLE tm_hdl; \</a:t>
+            </a:r>
+          </a:p>
+          <a:p>
+            <a:pPr marL="0" indent="0">
+              <a:buNone/>
+            </a:pPr>
+            <a:r>
+              <a:rPr lang="de-DE" sz="1900" dirty="0">
+                <a:latin typeface="Courier New" panose="02070309020205020404" pitchFamily="49" charset="0"/>
+                <a:cs typeface="Courier New" panose="02070309020205020404" pitchFamily="49" charset="0"/>
+              </a:rPr>
+              <a:t>      SYS_TIME_DelayMS ( x, &amp;tm_hdl ); \</a:t>
+            </a:r>
+          </a:p>
+          <a:p>
+            <a:pPr marL="0" indent="0">
+              <a:buNone/>
+            </a:pPr>
+            <a:r>
+              <a:rPr lang="de-DE" sz="1900" dirty="0">
+                <a:latin typeface="Courier New" panose="02070309020205020404" pitchFamily="49" charset="0"/>
+                <a:cs typeface="Courier New" panose="02070309020205020404" pitchFamily="49" charset="0"/>
+              </a:rPr>
+              <a:t>      while(SYS_TIME_DelayIsComplete(tm_hdl) == false); \</a:t>
+            </a:r>
+          </a:p>
+          <a:p>
+            <a:pPr marL="0" indent="0">
+              <a:buNone/>
+            </a:pPr>
+            <a:r>
+              <a:rPr lang="de-DE" sz="1900" dirty="0">
+                <a:latin typeface="Courier New" panose="02070309020205020404" pitchFamily="49" charset="0"/>
+                <a:cs typeface="Courier New" panose="02070309020205020404" pitchFamily="49" charset="0"/>
+              </a:rPr>
+              <a:t>   }</a:t>
+            </a:r>
+          </a:p>
+          <a:p>
+            <a:pPr marL="0" indent="0">
+              <a:buNone/>
+            </a:pPr>
+            <a:endParaRPr lang="de-DE" sz="1900" dirty="0">
+              <a:latin typeface="Courier New" panose="02070309020205020404" pitchFamily="49" charset="0"/>
+              <a:cs typeface="Courier New" panose="02070309020205020404" pitchFamily="49" charset="0"/>
+            </a:endParaRPr>
+          </a:p>
+          <a:p>
+            <a:pPr marL="0" indent="0">
+              <a:buNone/>
+            </a:pPr>
+            <a:r>
+              <a:rPr lang="de-DE" sz="1900" dirty="0">
+                <a:latin typeface="Courier New" panose="02070309020205020404" pitchFamily="49" charset="0"/>
+                <a:cs typeface="Courier New" panose="02070309020205020404" pitchFamily="49" charset="0"/>
+              </a:rPr>
+              <a:t>#define GFX_SPI_WRITE_FUNCTION(x,y)     SERCOM0_SPI_Write(x,y)</a:t>
+            </a:r>
+          </a:p>
+          <a:p>
+            <a:pPr marL="0" indent="0">
+              <a:buNone/>
+            </a:pPr>
+            <a:r>
+              <a:rPr lang="de-DE" sz="1900" dirty="0">
+                <a:latin typeface="Courier New" panose="02070309020205020404" pitchFamily="49" charset="0"/>
+                <a:cs typeface="Courier New" panose="02070309020205020404" pitchFamily="49" charset="0"/>
+              </a:rPr>
+              <a:t>#define GFX_SPI_IS_BUSY()               SERCOM0_SPI_IsBusy()</a:t>
+            </a:r>
+          </a:p>
+          <a:p>
+            <a:pPr marL="0" indent="0">
+              <a:buNone/>
+            </a:pPr>
+            <a:r>
+              <a:rPr lang="de-DE" sz="1900" dirty="0">
+                <a:latin typeface="Courier New" panose="02070309020205020404" pitchFamily="49" charset="0"/>
+                <a:cs typeface="Courier New" panose="02070309020205020404" pitchFamily="49" charset="0"/>
+              </a:rPr>
+              <a:t>#define GFX_DISPLAY_RESET_CLEAR()       DISPLAY_RESET_Clear()</a:t>
+            </a:r>
+          </a:p>
+          <a:p>
+            <a:pPr marL="0" indent="0">
+              <a:buNone/>
+            </a:pPr>
+            <a:r>
+              <a:rPr lang="de-DE" sz="1900" dirty="0">
+                <a:latin typeface="Courier New" panose="02070309020205020404" pitchFamily="49" charset="0"/>
+                <a:cs typeface="Courier New" panose="02070309020205020404" pitchFamily="49" charset="0"/>
+              </a:rPr>
+              <a:t>#define GFX_DISPLAY_RESET_SET()         DISPLAY_RESET_Set()</a:t>
+            </a:r>
+          </a:p>
+          <a:p>
+            <a:pPr marL="0" indent="0">
+              <a:buNone/>
+            </a:pPr>
+            <a:r>
+              <a:rPr lang="de-DE" sz="1900" dirty="0">
+                <a:latin typeface="Courier New" panose="02070309020205020404" pitchFamily="49" charset="0"/>
+                <a:cs typeface="Courier New" panose="02070309020205020404" pitchFamily="49" charset="0"/>
+              </a:rPr>
+              <a:t>#define GFX_DISPLAY_SS_N_CLEAR()        DISPLAY_SS_N_Clear()</a:t>
+            </a:r>
+          </a:p>
+          <a:p>
+            <a:pPr marL="0" indent="0">
+              <a:buNone/>
+            </a:pPr>
+            <a:r>
+              <a:rPr lang="de-DE" sz="1900" dirty="0">
+                <a:latin typeface="Courier New" panose="02070309020205020404" pitchFamily="49" charset="0"/>
+                <a:cs typeface="Courier New" panose="02070309020205020404" pitchFamily="49" charset="0"/>
+              </a:rPr>
+              <a:t>#define GFX_DISPLAY_SS_N_SET()          DISPLAY_SS_N_Set()</a:t>
+            </a:r>
+          </a:p>
+          <a:p>
+            <a:pPr marL="0" indent="0">
+              <a:buNone/>
+            </a:pPr>
+            <a:r>
+              <a:rPr lang="de-DE" sz="1900" dirty="0">
+                <a:latin typeface="Courier New" panose="02070309020205020404" pitchFamily="49" charset="0"/>
+                <a:cs typeface="Courier New" panose="02070309020205020404" pitchFamily="49" charset="0"/>
+              </a:rPr>
+              <a:t>#define GFX_DATA_CMD_SEL_CLEAR()        DATA_CMD_SEL_Clear()</a:t>
+            </a:r>
+          </a:p>
+          <a:p>
+            <a:pPr marL="0" indent="0">
+              <a:buNone/>
+            </a:pPr>
+            <a:r>
+              <a:rPr lang="de-DE" sz="1900" dirty="0">
+                <a:latin typeface="Courier New" panose="02070309020205020404" pitchFamily="49" charset="0"/>
+                <a:cs typeface="Courier New" panose="02070309020205020404" pitchFamily="49" charset="0"/>
+              </a:rPr>
+              <a:t>#define GFX_DATA_CMD_SEL_SET()          DATA_CMD_SEL_Set()</a:t>
+            </a:r>
+          </a:p>
+          <a:p>
+            <a:pPr marL="0" indent="0">
+              <a:buNone/>
+            </a:pPr>
+            <a:endParaRPr lang="de-DE" sz="1800" dirty="0">
+              <a:latin typeface="Courier New" panose="02070309020205020404" pitchFamily="49" charset="0"/>
+              <a:cs typeface="Courier New" panose="02070309020205020404" pitchFamily="49" charset="0"/>
+            </a:endParaRPr>
+          </a:p>
+          <a:p>
+            <a:pPr marL="0" indent="0">
+              <a:buNone/>
+            </a:pPr>
+            <a:endParaRPr lang="de-DE" sz="1800" dirty="0">
+              <a:latin typeface="Courier New" panose="02070309020205020404" pitchFamily="49" charset="0"/>
+              <a:cs typeface="Courier New" panose="02070309020205020404" pitchFamily="49" charset="0"/>
+            </a:endParaRPr>
+          </a:p>
+          <a:p>
+            <a:pPr marL="0" indent="0">
+              <a:buNone/>
+            </a:pPr>
+            <a:endParaRPr lang="de-DE" sz="1800" dirty="0">
+              <a:latin typeface="Courier New" panose="02070309020205020404" pitchFamily="49" charset="0"/>
+              <a:cs typeface="Courier New" panose="02070309020205020404" pitchFamily="49" charset="0"/>
+            </a:endParaRPr>
+          </a:p>
+        </p:txBody>
+      </p:sp>
+    </p:spTree>
+    <p:extLst>
+      <p:ext uri="{BB962C8B-B14F-4D97-AF65-F5344CB8AC3E}">
+        <p14:creationId xmlns:p14="http://schemas.microsoft.com/office/powerpoint/2010/main" val="2398874771"/>
+      </p:ext>
+    </p:extLst>
+  </p:cSld>
+  <p:clrMapOvr>
+    <a:masterClrMapping/>
+  </p:clrMapOvr>
+</p:sld>
+</file>
+
+<file path=ppt/slides/slide12.xml><?xml version="1.0" encoding="utf-8"?>
+<p:sld xmlns:a="http://schemas.openxmlformats.org/drawingml/2006/main" xmlns:r="http://schemas.openxmlformats.org/officeDocument/2006/relationships" xmlns:p="http://schemas.openxmlformats.org/presentationml/2006/main">
+  <p:cSld>
+    <p:spTree>
+      <p:nvGrpSpPr>
+        <p:cNvPr id="1" name=""/>
+        <p:cNvGrpSpPr/>
+        <p:nvPr/>
+      </p:nvGrpSpPr>
+      <p:grpSpPr>
+        <a:xfrm>
+          <a:off x="0" y="0"/>
+          <a:ext cx="0" cy="0"/>
+          <a:chOff x="0" y="0"/>
+          <a:chExt cx="0" cy="0"/>
+        </a:xfrm>
+      </p:grpSpPr>
+      <p:sp>
+        <p:nvSpPr>
+          <p:cNvPr id="2" name="Title 1">
+            <a:extLst>
+              <a:ext uri="{FF2B5EF4-FFF2-40B4-BE49-F238E27FC236}">
+                <a16:creationId xmlns:a16="http://schemas.microsoft.com/office/drawing/2014/main" id="{BB275688-C8BF-752F-AEF3-0AA67AD61B04}"/>
+              </a:ext>
+            </a:extLst>
+          </p:cNvPr>
+          <p:cNvSpPr>
+            <a:spLocks noGrp="1"/>
+          </p:cNvSpPr>
+          <p:nvPr>
+            <p:ph type="title"/>
+          </p:nvPr>
+        </p:nvSpPr>
+        <p:spPr/>
+        <p:txBody>
+          <a:bodyPr/>
+          <a:lstStyle/>
+          <a:p>
+            <a:r>
+              <a:rPr lang="de-DE" dirty="0"/>
+              <a:t>gfx_mono Initialization</a:t>
+            </a:r>
+          </a:p>
+        </p:txBody>
+      </p:sp>
+      <p:sp>
+        <p:nvSpPr>
+          <p:cNvPr id="3" name="Content Placeholder 2">
+            <a:extLst>
+              <a:ext uri="{FF2B5EF4-FFF2-40B4-BE49-F238E27FC236}">
+                <a16:creationId xmlns:a16="http://schemas.microsoft.com/office/drawing/2014/main" id="{7DC7BA39-6ACB-A42F-ED02-EF4854A1C035}"/>
+              </a:ext>
+            </a:extLst>
+          </p:cNvPr>
+          <p:cNvSpPr>
+            <a:spLocks noGrp="1"/>
+          </p:cNvSpPr>
+          <p:nvPr>
+            <p:ph sz="quarter" idx="13"/>
+          </p:nvPr>
+        </p:nvSpPr>
+        <p:spPr/>
+        <p:txBody>
+          <a:bodyPr>
+            <a:normAutofit/>
+          </a:bodyPr>
+          <a:lstStyle/>
+          <a:p>
+            <a:pPr marL="0" indent="0" rtl="0" fontAlgn="ctr">
+              <a:spcBef>
+                <a:spcPts val="0"/>
+              </a:spcBef>
+              <a:spcAft>
+                <a:spcPts val="0"/>
+              </a:spcAft>
+              <a:buNone/>
+            </a:pPr>
+            <a:r>
+              <a:rPr lang="en-US" dirty="0"/>
+              <a:t>Add GFX Init at the end of </a:t>
+            </a:r>
+            <a:r>
+              <a:rPr lang="en-US" dirty="0" err="1"/>
+              <a:t>SYS_Initialize</a:t>
+            </a:r>
+            <a:r>
+              <a:rPr lang="en-US" dirty="0"/>
+              <a:t> </a:t>
+            </a:r>
+          </a:p>
+          <a:p>
+            <a:pPr marL="0" indent="0" rtl="0" fontAlgn="ctr">
+              <a:spcBef>
+                <a:spcPts val="0"/>
+              </a:spcBef>
+              <a:spcAft>
+                <a:spcPts val="0"/>
+              </a:spcAft>
+              <a:buNone/>
+            </a:pPr>
+            <a:endParaRPr lang="en-US" sz="1600" dirty="0">
+              <a:latin typeface="Courier New" panose="02070309020205020404" pitchFamily="49" charset="0"/>
+              <a:cs typeface="Courier New" panose="02070309020205020404" pitchFamily="49" charset="0"/>
+            </a:endParaRPr>
+          </a:p>
+          <a:p>
+            <a:pPr marL="0" indent="0" rtl="0" fontAlgn="ctr">
+              <a:spcBef>
+                <a:spcPts val="0"/>
+              </a:spcBef>
+              <a:spcAft>
+                <a:spcPts val="0"/>
+              </a:spcAft>
+              <a:buNone/>
+            </a:pPr>
+            <a:r>
+              <a:rPr lang="en-US" sz="1600" dirty="0">
+                <a:latin typeface="Courier New" panose="02070309020205020404" pitchFamily="49" charset="0"/>
+                <a:cs typeface="Courier New" panose="02070309020205020404" pitchFamily="49" charset="0"/>
+              </a:rPr>
+              <a:t>void </a:t>
+            </a:r>
+            <a:r>
+              <a:rPr lang="en-US" sz="1600" dirty="0" err="1">
+                <a:latin typeface="Courier New" panose="02070309020205020404" pitchFamily="49" charset="0"/>
+                <a:cs typeface="Courier New" panose="02070309020205020404" pitchFamily="49" charset="0"/>
+              </a:rPr>
+              <a:t>SYS_Initialize</a:t>
+            </a:r>
+            <a:r>
+              <a:rPr lang="en-US" sz="1600" dirty="0">
+                <a:latin typeface="Courier New" panose="02070309020205020404" pitchFamily="49" charset="0"/>
+                <a:cs typeface="Courier New" panose="02070309020205020404" pitchFamily="49" charset="0"/>
+              </a:rPr>
+              <a:t> ( void* data )</a:t>
+            </a:r>
+          </a:p>
+          <a:p>
+            <a:pPr marL="0" indent="0" rtl="0" fontAlgn="ctr">
+              <a:spcBef>
+                <a:spcPts val="0"/>
+              </a:spcBef>
+              <a:spcAft>
+                <a:spcPts val="0"/>
+              </a:spcAft>
+              <a:buNone/>
+            </a:pPr>
+            <a:r>
+              <a:rPr lang="en-US" sz="1600" dirty="0">
+                <a:latin typeface="Courier New" panose="02070309020205020404" pitchFamily="49" charset="0"/>
+                <a:cs typeface="Courier New" panose="02070309020205020404" pitchFamily="49" charset="0"/>
+              </a:rPr>
+              <a:t>{</a:t>
+            </a:r>
+          </a:p>
+          <a:p>
+            <a:pPr marL="0" indent="0" rtl="0" fontAlgn="ctr">
+              <a:spcBef>
+                <a:spcPts val="0"/>
+              </a:spcBef>
+              <a:spcAft>
+                <a:spcPts val="0"/>
+              </a:spcAft>
+              <a:buNone/>
+            </a:pPr>
+            <a:r>
+              <a:rPr lang="en-US" sz="1600" dirty="0">
+                <a:latin typeface="Courier New" panose="02070309020205020404" pitchFamily="49" charset="0"/>
+                <a:cs typeface="Courier New" panose="02070309020205020404" pitchFamily="49" charset="0"/>
+              </a:rPr>
+              <a:t>   ...</a:t>
+            </a:r>
+          </a:p>
+          <a:p>
+            <a:pPr marL="0" indent="0" rtl="0" fontAlgn="ctr">
+              <a:spcBef>
+                <a:spcPts val="0"/>
+              </a:spcBef>
+              <a:spcAft>
+                <a:spcPts val="0"/>
+              </a:spcAft>
+              <a:buNone/>
+            </a:pPr>
+            <a:r>
+              <a:rPr lang="en-US" sz="1600" dirty="0">
+                <a:latin typeface="Courier New" panose="02070309020205020404" pitchFamily="49" charset="0"/>
+                <a:cs typeface="Courier New" panose="02070309020205020404" pitchFamily="49" charset="0"/>
+              </a:rPr>
+              <a:t>   </a:t>
+            </a:r>
+            <a:r>
+              <a:rPr lang="en-US" sz="1600" dirty="0" err="1">
+                <a:latin typeface="Courier New" panose="02070309020205020404" pitchFamily="49" charset="0"/>
+                <a:cs typeface="Courier New" panose="02070309020205020404" pitchFamily="49" charset="0"/>
+              </a:rPr>
+              <a:t>init</a:t>
+            </a:r>
+            <a:r>
+              <a:rPr lang="en-US" sz="1600" dirty="0">
+                <a:latin typeface="Courier New" panose="02070309020205020404" pitchFamily="49" charset="0"/>
+                <a:cs typeface="Courier New" panose="02070309020205020404" pitchFamily="49" charset="0"/>
+              </a:rPr>
+              <a:t> system function</a:t>
+            </a:r>
+          </a:p>
+          <a:p>
+            <a:pPr marL="0" indent="0" rtl="0" fontAlgn="ctr">
+              <a:spcBef>
+                <a:spcPts val="0"/>
+              </a:spcBef>
+              <a:spcAft>
+                <a:spcPts val="0"/>
+              </a:spcAft>
+              <a:buNone/>
+            </a:pPr>
+            <a:r>
+              <a:rPr lang="en-US" sz="1600" dirty="0">
+                <a:latin typeface="Courier New" panose="02070309020205020404" pitchFamily="49" charset="0"/>
+                <a:cs typeface="Courier New" panose="02070309020205020404" pitchFamily="49" charset="0"/>
+              </a:rPr>
+              <a:t>   ...</a:t>
+            </a:r>
+          </a:p>
+          <a:p>
+            <a:pPr marL="0" indent="0" rtl="0" fontAlgn="ctr">
+              <a:spcBef>
+                <a:spcPts val="0"/>
+              </a:spcBef>
+              <a:spcAft>
+                <a:spcPts val="0"/>
+              </a:spcAft>
+              <a:buNone/>
+            </a:pPr>
+            <a:endParaRPr lang="en-US" sz="1600" dirty="0">
+              <a:latin typeface="Courier New" panose="02070309020205020404" pitchFamily="49" charset="0"/>
+              <a:cs typeface="Courier New" panose="02070309020205020404" pitchFamily="49" charset="0"/>
+            </a:endParaRPr>
+          </a:p>
+          <a:p>
+            <a:pPr marL="0" indent="0" rtl="0" fontAlgn="ctr">
+              <a:spcBef>
+                <a:spcPts val="0"/>
+              </a:spcBef>
+              <a:spcAft>
+                <a:spcPts val="0"/>
+              </a:spcAft>
+              <a:buNone/>
+            </a:pPr>
+            <a:endParaRPr lang="en-US" sz="1600" dirty="0">
+              <a:latin typeface="Courier New" panose="02070309020205020404" pitchFamily="49" charset="0"/>
+              <a:cs typeface="Courier New" panose="02070309020205020404" pitchFamily="49" charset="0"/>
+            </a:endParaRPr>
+          </a:p>
+          <a:p>
+            <a:pPr marL="0" indent="0" rtl="0" fontAlgn="ctr">
+              <a:spcBef>
+                <a:spcPts val="0"/>
+              </a:spcBef>
+              <a:spcAft>
+                <a:spcPts val="0"/>
+              </a:spcAft>
+              <a:buNone/>
+            </a:pPr>
+            <a:r>
+              <a:rPr lang="en-US" sz="1600" dirty="0">
+                <a:latin typeface="Courier New" panose="02070309020205020404" pitchFamily="49" charset="0"/>
+                <a:cs typeface="Courier New" panose="02070309020205020404" pitchFamily="49" charset="0"/>
+              </a:rPr>
+              <a:t>   </a:t>
+            </a:r>
+            <a:r>
+              <a:rPr lang="en-US" sz="1600" dirty="0" err="1">
+                <a:latin typeface="Courier New" panose="02070309020205020404" pitchFamily="49" charset="0"/>
+                <a:cs typeface="Courier New" panose="02070309020205020404" pitchFamily="49" charset="0"/>
+              </a:rPr>
+              <a:t>APP_Initialize</a:t>
+            </a:r>
+            <a:r>
+              <a:rPr lang="en-US" sz="1600" dirty="0">
+                <a:latin typeface="Courier New" panose="02070309020205020404" pitchFamily="49" charset="0"/>
+                <a:cs typeface="Courier New" panose="02070309020205020404" pitchFamily="49" charset="0"/>
+              </a:rPr>
+              <a:t>();</a:t>
+            </a:r>
+          </a:p>
+          <a:p>
+            <a:pPr marL="0" indent="0" rtl="0" fontAlgn="ctr">
+              <a:spcBef>
+                <a:spcPts val="0"/>
+              </a:spcBef>
+              <a:spcAft>
+                <a:spcPts val="0"/>
+              </a:spcAft>
+              <a:buNone/>
+            </a:pPr>
+            <a:r>
+              <a:rPr lang="en-US" sz="1600" dirty="0">
+                <a:latin typeface="Courier New" panose="02070309020205020404" pitchFamily="49" charset="0"/>
+                <a:cs typeface="Courier New" panose="02070309020205020404" pitchFamily="49" charset="0"/>
+              </a:rPr>
+              <a:t>   </a:t>
+            </a:r>
+            <a:r>
+              <a:rPr lang="en-US" sz="1600" dirty="0" err="1">
+                <a:latin typeface="Courier New" panose="02070309020205020404" pitchFamily="49" charset="0"/>
+                <a:cs typeface="Courier New" panose="02070309020205020404" pitchFamily="49" charset="0"/>
+              </a:rPr>
+              <a:t>NVIC_Initialize</a:t>
+            </a:r>
+            <a:r>
+              <a:rPr lang="en-US" sz="1600" dirty="0">
+                <a:latin typeface="Courier New" panose="02070309020205020404" pitchFamily="49" charset="0"/>
+                <a:cs typeface="Courier New" panose="02070309020205020404" pitchFamily="49" charset="0"/>
+              </a:rPr>
+              <a:t>();</a:t>
+            </a:r>
+          </a:p>
+          <a:p>
+            <a:pPr marL="0" indent="0" rtl="0" fontAlgn="ctr">
+              <a:spcBef>
+                <a:spcPts val="0"/>
+              </a:spcBef>
+              <a:spcAft>
+                <a:spcPts val="0"/>
+              </a:spcAft>
+              <a:buNone/>
+            </a:pPr>
+            <a:endParaRPr lang="en-US" sz="1600" dirty="0">
+              <a:latin typeface="Courier New" panose="02070309020205020404" pitchFamily="49" charset="0"/>
+              <a:cs typeface="Courier New" panose="02070309020205020404" pitchFamily="49" charset="0"/>
+            </a:endParaRPr>
+          </a:p>
+          <a:p>
+            <a:pPr marL="0" indent="0" rtl="0" fontAlgn="ctr">
+              <a:spcBef>
+                <a:spcPts val="0"/>
+              </a:spcBef>
+              <a:spcAft>
+                <a:spcPts val="0"/>
+              </a:spcAft>
+              <a:buNone/>
+            </a:pPr>
+            <a:r>
+              <a:rPr lang="en-US" sz="1600" dirty="0">
+                <a:latin typeface="Courier New" panose="02070309020205020404" pitchFamily="49" charset="0"/>
+                <a:cs typeface="Courier New" panose="02070309020205020404" pitchFamily="49" charset="0"/>
+              </a:rPr>
+              <a:t>   gfx_mono_ssd1306_init();</a:t>
+            </a:r>
+          </a:p>
+          <a:p>
+            <a:pPr marL="0" indent="0" rtl="0" fontAlgn="ctr">
+              <a:spcBef>
+                <a:spcPts val="0"/>
+              </a:spcBef>
+              <a:spcAft>
+                <a:spcPts val="0"/>
+              </a:spcAft>
+              <a:buNone/>
+            </a:pPr>
+            <a:r>
+              <a:rPr lang="en-US" sz="1600" dirty="0">
+                <a:latin typeface="Courier New" panose="02070309020205020404" pitchFamily="49" charset="0"/>
+                <a:cs typeface="Courier New" panose="02070309020205020404" pitchFamily="49" charset="0"/>
+              </a:rPr>
+              <a:t>   </a:t>
+            </a:r>
+            <a:r>
+              <a:rPr lang="en-US" sz="1600" dirty="0" err="1">
+                <a:latin typeface="Courier New" panose="02070309020205020404" pitchFamily="49" charset="0"/>
+                <a:cs typeface="Courier New" panose="02070309020205020404" pitchFamily="49" charset="0"/>
+              </a:rPr>
+              <a:t>gfx_mono_print_scroll</a:t>
+            </a:r>
+            <a:r>
+              <a:rPr lang="en-US" sz="1600" dirty="0">
+                <a:latin typeface="Courier New" panose="02070309020205020404" pitchFamily="49" charset="0"/>
+                <a:cs typeface="Courier New" panose="02070309020205020404" pitchFamily="49" charset="0"/>
+              </a:rPr>
+              <a:t>("LAN867x PLCA Node: %</a:t>
+            </a:r>
+            <a:r>
+              <a:rPr lang="en-US" sz="1600" dirty="0" err="1">
+                <a:latin typeface="Courier New" panose="02070309020205020404" pitchFamily="49" charset="0"/>
+                <a:cs typeface="Courier New" panose="02070309020205020404" pitchFamily="49" charset="0"/>
+              </a:rPr>
+              <a:t>d",DRV_ETHPHY_PLCA_LOCAL_NODE_ID</a:t>
+            </a:r>
+            <a:r>
+              <a:rPr lang="en-US" sz="1600" dirty="0">
+                <a:latin typeface="Courier New" panose="02070309020205020404" pitchFamily="49" charset="0"/>
+                <a:cs typeface="Courier New" panose="02070309020205020404" pitchFamily="49" charset="0"/>
+              </a:rPr>
+              <a:t>); </a:t>
+            </a:r>
+          </a:p>
+          <a:p>
+            <a:pPr marL="0" indent="0" rtl="0" fontAlgn="ctr">
+              <a:spcBef>
+                <a:spcPts val="0"/>
+              </a:spcBef>
+              <a:spcAft>
+                <a:spcPts val="0"/>
+              </a:spcAft>
+              <a:buNone/>
+            </a:pPr>
+            <a:r>
+              <a:rPr lang="en-US" sz="1600" dirty="0">
+                <a:latin typeface="Courier New" panose="02070309020205020404" pitchFamily="49" charset="0"/>
+                <a:cs typeface="Courier New" panose="02070309020205020404" pitchFamily="49" charset="0"/>
+              </a:rPr>
+              <a:t>   </a:t>
+            </a:r>
+            <a:r>
+              <a:rPr lang="en-US" sz="1600" dirty="0" err="1">
+                <a:latin typeface="Courier New" panose="02070309020205020404" pitchFamily="49" charset="0"/>
+                <a:cs typeface="Courier New" panose="02070309020205020404" pitchFamily="49" charset="0"/>
+              </a:rPr>
+              <a:t>gfx_mono_print_scroll</a:t>
+            </a:r>
+            <a:r>
+              <a:rPr lang="en-US" sz="1600" dirty="0">
+                <a:latin typeface="Courier New" panose="02070309020205020404" pitchFamily="49" charset="0"/>
+                <a:cs typeface="Courier New" panose="02070309020205020404" pitchFamily="49" charset="0"/>
+              </a:rPr>
+              <a:t>("%s",TCPIP_NETWORK_DEFAULT_MAC_ADDR_IDX0); </a:t>
+            </a:r>
+          </a:p>
+          <a:p>
+            <a:pPr marL="0" indent="0" rtl="0" fontAlgn="ctr">
+              <a:spcBef>
+                <a:spcPts val="0"/>
+              </a:spcBef>
+              <a:spcAft>
+                <a:spcPts val="0"/>
+              </a:spcAft>
+              <a:buNone/>
+            </a:pPr>
+            <a:r>
+              <a:rPr lang="en-US" sz="1600" dirty="0">
+                <a:latin typeface="Courier New" panose="02070309020205020404" pitchFamily="49" charset="0"/>
+                <a:cs typeface="Courier New" panose="02070309020205020404" pitchFamily="49" charset="0"/>
+              </a:rPr>
+              <a:t>   </a:t>
+            </a:r>
+            <a:r>
+              <a:rPr lang="en-US" sz="1600" dirty="0" err="1">
+                <a:latin typeface="Courier New" panose="02070309020205020404" pitchFamily="49" charset="0"/>
+                <a:cs typeface="Courier New" panose="02070309020205020404" pitchFamily="49" charset="0"/>
+              </a:rPr>
+              <a:t>gfx_mono_print_scroll</a:t>
+            </a:r>
+            <a:r>
+              <a:rPr lang="en-US" sz="1600" dirty="0">
+                <a:latin typeface="Courier New" panose="02070309020205020404" pitchFamily="49" charset="0"/>
+                <a:cs typeface="Courier New" panose="02070309020205020404" pitchFamily="49" charset="0"/>
+              </a:rPr>
+              <a:t>("%s",TCPIP_NETWORK_DEFAULT_IP_ADDRESS_IDX0);</a:t>
+            </a:r>
+          </a:p>
+          <a:p>
+            <a:pPr marL="0" indent="0" rtl="0" fontAlgn="ctr">
+              <a:spcBef>
+                <a:spcPts val="0"/>
+              </a:spcBef>
+              <a:spcAft>
+                <a:spcPts val="0"/>
+              </a:spcAft>
+              <a:buNone/>
+            </a:pPr>
+            <a:endParaRPr lang="en-US" sz="1600" dirty="0">
+              <a:latin typeface="Courier New" panose="02070309020205020404" pitchFamily="49" charset="0"/>
+              <a:cs typeface="Courier New" panose="02070309020205020404" pitchFamily="49" charset="0"/>
+            </a:endParaRPr>
+          </a:p>
+          <a:p>
+            <a:pPr marL="0" indent="0" rtl="0" fontAlgn="ctr">
+              <a:spcBef>
+                <a:spcPts val="0"/>
+              </a:spcBef>
+              <a:spcAft>
+                <a:spcPts val="0"/>
+              </a:spcAft>
+              <a:buNone/>
+            </a:pPr>
+            <a:r>
+              <a:rPr lang="en-US" sz="1600" dirty="0">
+                <a:latin typeface="Courier New" panose="02070309020205020404" pitchFamily="49" charset="0"/>
+                <a:cs typeface="Courier New" panose="02070309020205020404" pitchFamily="49" charset="0"/>
+              </a:rPr>
+              <a:t>}</a:t>
+            </a:r>
+            <a:endParaRPr lang="de-DE" sz="1600" dirty="0">
+              <a:latin typeface="Courier New" panose="02070309020205020404" pitchFamily="49" charset="0"/>
+              <a:cs typeface="Courier New" panose="02070309020205020404" pitchFamily="49" charset="0"/>
+            </a:endParaRPr>
+          </a:p>
+        </p:txBody>
+      </p:sp>
+      <p:pic>
+        <p:nvPicPr>
+          <p:cNvPr id="4" name="Picture 3">
+            <a:extLst>
+              <a:ext uri="{FF2B5EF4-FFF2-40B4-BE49-F238E27FC236}">
+                <a16:creationId xmlns:a16="http://schemas.microsoft.com/office/drawing/2014/main" id="{C908AE14-8AB7-DA74-0DF3-0A80EEC1DFE2}"/>
+              </a:ext>
+            </a:extLst>
+          </p:cNvPr>
+          <p:cNvPicPr>
+            <a:picLocks noChangeAspect="1"/>
+          </p:cNvPicPr>
+          <p:nvPr/>
+        </p:nvPicPr>
+        <p:blipFill>
+          <a:blip r:embed="rId2"/>
+          <a:stretch>
+            <a:fillRect/>
+          </a:stretch>
+        </p:blipFill>
+        <p:spPr>
+          <a:xfrm>
+            <a:off x="5806030" y="2259576"/>
+            <a:ext cx="3612193" cy="1356478"/>
+          </a:xfrm>
+          <a:prstGeom prst="rect">
+            <a:avLst/>
+          </a:prstGeom>
+        </p:spPr>
+      </p:pic>
+    </p:spTree>
+    <p:extLst>
+      <p:ext uri="{BB962C8B-B14F-4D97-AF65-F5344CB8AC3E}">
+        <p14:creationId xmlns:p14="http://schemas.microsoft.com/office/powerpoint/2010/main" val="1180749696"/>
+      </p:ext>
+    </p:extLst>
+  </p:cSld>
+  <p:clrMapOvr>
+    <a:masterClrMapping/>
+  </p:clrMapOvr>
+</p:sld>
+</file>
+
+<file path=ppt/slides/slide13.xml><?xml version="1.0" encoding="utf-8"?>
+<p:sld xmlns:a="http://schemas.openxmlformats.org/drawingml/2006/main" xmlns:r="http://schemas.openxmlformats.org/officeDocument/2006/relationships" xmlns:p="http://schemas.openxmlformats.org/presentationml/2006/main">
+  <p:cSld>
+    <p:spTree>
+      <p:nvGrpSpPr>
+        <p:cNvPr id="1" name=""/>
+        <p:cNvGrpSpPr/>
+        <p:nvPr/>
+      </p:nvGrpSpPr>
+      <p:grpSpPr>
+        <a:xfrm>
+          <a:off x="0" y="0"/>
+          <a:ext cx="0" cy="0"/>
+          <a:chOff x="0" y="0"/>
+          <a:chExt cx="0" cy="0"/>
+        </a:xfrm>
+      </p:grpSpPr>
+      <p:sp>
+        <p:nvSpPr>
+          <p:cNvPr id="2" name="Title 1">
+            <a:extLst>
+              <a:ext uri="{FF2B5EF4-FFF2-40B4-BE49-F238E27FC236}">
+                <a16:creationId xmlns:a16="http://schemas.microsoft.com/office/drawing/2014/main" id="{A4EFFCAE-BDED-2745-84BF-7C0ED2DC6553}"/>
+              </a:ext>
+            </a:extLst>
+          </p:cNvPr>
+          <p:cNvSpPr>
+            <a:spLocks noGrp="1"/>
+          </p:cNvSpPr>
+          <p:nvPr>
+            <p:ph type="title"/>
+          </p:nvPr>
+        </p:nvSpPr>
+        <p:spPr/>
+        <p:txBody>
+          <a:bodyPr/>
+          <a:lstStyle/>
+          <a:p>
+            <a:r>
+              <a:rPr lang="en-US" dirty="0"/>
+              <a:t>Wait 1000 milli seconds</a:t>
+            </a:r>
+          </a:p>
+        </p:txBody>
+      </p:sp>
+      <p:sp>
+        <p:nvSpPr>
+          <p:cNvPr id="3" name="Text Placeholder 2">
+            <a:extLst>
+              <a:ext uri="{FF2B5EF4-FFF2-40B4-BE49-F238E27FC236}">
+                <a16:creationId xmlns:a16="http://schemas.microsoft.com/office/drawing/2014/main" id="{63243689-041C-E840-A442-34D397287D77}"/>
+              </a:ext>
+            </a:extLst>
+          </p:cNvPr>
+          <p:cNvSpPr>
+            <a:spLocks noGrp="1"/>
+          </p:cNvSpPr>
+          <p:nvPr>
+            <p:ph type="body" sz="quarter" idx="13"/>
+          </p:nvPr>
+        </p:nvSpPr>
+        <p:spPr/>
+        <p:txBody>
+          <a:bodyPr/>
+          <a:lstStyle/>
+          <a:p>
+            <a:endParaRPr lang="en-US"/>
+          </a:p>
+        </p:txBody>
+      </p:sp>
+      <p:sp>
+        <p:nvSpPr>
+          <p:cNvPr id="4" name="Content Placeholder 3">
+            <a:extLst>
+              <a:ext uri="{FF2B5EF4-FFF2-40B4-BE49-F238E27FC236}">
+                <a16:creationId xmlns:a16="http://schemas.microsoft.com/office/drawing/2014/main" id="{9A6FC5AF-200C-E244-8F0A-68FB1F10D72C}"/>
+              </a:ext>
+            </a:extLst>
+          </p:cNvPr>
+          <p:cNvSpPr>
+            <a:spLocks noGrp="1"/>
+          </p:cNvSpPr>
+          <p:nvPr>
+            <p:ph sz="quarter" idx="15"/>
+          </p:nvPr>
+        </p:nvSpPr>
+        <p:spPr/>
+        <p:txBody>
+          <a:bodyPr>
+            <a:normAutofit/>
+          </a:bodyPr>
+          <a:lstStyle/>
+          <a:p>
+            <a:pPr marL="0" indent="0">
+              <a:buNone/>
+            </a:pPr>
+            <a:r>
+              <a:rPr lang="en-US" sz="1700" dirty="0">
+                <a:latin typeface="Courier New" panose="02070309020205020404" pitchFamily="49" charset="0"/>
+                <a:cs typeface="Courier New" panose="02070309020205020404" pitchFamily="49" charset="0"/>
+              </a:rPr>
+              <a:t>SYS_TIME_HANDLE </a:t>
+            </a:r>
+            <a:r>
+              <a:rPr lang="en-US" sz="1700" dirty="0" err="1">
+                <a:latin typeface="Courier New" panose="02070309020205020404" pitchFamily="49" charset="0"/>
+                <a:cs typeface="Courier New" panose="02070309020205020404" pitchFamily="49" charset="0"/>
+              </a:rPr>
+              <a:t>tm_hdl</a:t>
+            </a:r>
+            <a:r>
+              <a:rPr lang="en-US" sz="1700" dirty="0">
+                <a:latin typeface="Courier New" panose="02070309020205020404" pitchFamily="49" charset="0"/>
+                <a:cs typeface="Courier New" panose="02070309020205020404" pitchFamily="49" charset="0"/>
+              </a:rPr>
+              <a:t>;</a:t>
+            </a:r>
+          </a:p>
+          <a:p>
+            <a:pPr marL="0" indent="0">
+              <a:buNone/>
+            </a:pPr>
+            <a:endParaRPr lang="en-US" sz="1700" dirty="0">
+              <a:latin typeface="Courier New" panose="02070309020205020404" pitchFamily="49" charset="0"/>
+              <a:cs typeface="Courier New" panose="02070309020205020404" pitchFamily="49" charset="0"/>
+            </a:endParaRPr>
+          </a:p>
+          <a:p>
+            <a:pPr marL="0" indent="0">
+              <a:buNone/>
+            </a:pPr>
+            <a:r>
+              <a:rPr lang="en-US" sz="1700" dirty="0">
+                <a:latin typeface="Courier New" panose="02070309020205020404" pitchFamily="49" charset="0"/>
+                <a:cs typeface="Courier New" panose="02070309020205020404" pitchFamily="49" charset="0"/>
+              </a:rPr>
+              <a:t>while(1){</a:t>
+            </a:r>
+          </a:p>
+          <a:p>
+            <a:pPr marL="0" indent="0">
+              <a:buNone/>
+            </a:pPr>
+            <a:r>
+              <a:rPr lang="en-US" sz="1700" dirty="0">
+                <a:latin typeface="Courier New" panose="02070309020205020404" pitchFamily="49" charset="0"/>
+                <a:cs typeface="Courier New" panose="02070309020205020404" pitchFamily="49" charset="0"/>
+              </a:rPr>
+              <a:t>   </a:t>
+            </a:r>
+            <a:r>
+              <a:rPr lang="en-US" sz="1700" dirty="0" err="1">
+                <a:latin typeface="Courier New" panose="02070309020205020404" pitchFamily="49" charset="0"/>
+                <a:cs typeface="Courier New" panose="02070309020205020404" pitchFamily="49" charset="0"/>
+              </a:rPr>
+              <a:t>SYS_TIME_DelayMS</a:t>
+            </a:r>
+            <a:r>
+              <a:rPr lang="en-US" sz="1700" dirty="0">
+                <a:latin typeface="Courier New" panose="02070309020205020404" pitchFamily="49" charset="0"/>
+                <a:cs typeface="Courier New" panose="02070309020205020404" pitchFamily="49" charset="0"/>
+              </a:rPr>
+              <a:t> ( 1000, &amp;</a:t>
+            </a:r>
+            <a:r>
+              <a:rPr lang="en-US" sz="1700" dirty="0" err="1">
+                <a:latin typeface="Courier New" panose="02070309020205020404" pitchFamily="49" charset="0"/>
+                <a:cs typeface="Courier New" panose="02070309020205020404" pitchFamily="49" charset="0"/>
+              </a:rPr>
+              <a:t>tm_hdl</a:t>
+            </a:r>
+            <a:r>
+              <a:rPr lang="en-US" sz="1700" dirty="0">
+                <a:latin typeface="Courier New" panose="02070309020205020404" pitchFamily="49" charset="0"/>
+                <a:cs typeface="Courier New" panose="02070309020205020404" pitchFamily="49" charset="0"/>
+              </a:rPr>
+              <a:t> );</a:t>
+            </a:r>
+          </a:p>
+          <a:p>
+            <a:pPr marL="0" indent="0">
+              <a:buNone/>
+            </a:pPr>
+            <a:r>
+              <a:rPr lang="en-US" sz="1700" dirty="0">
+                <a:latin typeface="Courier New" panose="02070309020205020404" pitchFamily="49" charset="0"/>
+                <a:cs typeface="Courier New" panose="02070309020205020404" pitchFamily="49" charset="0"/>
+              </a:rPr>
+              <a:t>   while(</a:t>
+            </a:r>
+            <a:r>
+              <a:rPr lang="en-US" sz="1700" dirty="0" err="1">
+                <a:latin typeface="Courier New" panose="02070309020205020404" pitchFamily="49" charset="0"/>
+                <a:cs typeface="Courier New" panose="02070309020205020404" pitchFamily="49" charset="0"/>
+              </a:rPr>
+              <a:t>SYS_TIME_DelayIsComplete</a:t>
+            </a:r>
+            <a:r>
+              <a:rPr lang="en-US" sz="1700" dirty="0">
+                <a:latin typeface="Courier New" panose="02070309020205020404" pitchFamily="49" charset="0"/>
+                <a:cs typeface="Courier New" panose="02070309020205020404" pitchFamily="49" charset="0"/>
+              </a:rPr>
+              <a:t>(</a:t>
+            </a:r>
+            <a:r>
+              <a:rPr lang="en-US" sz="1700" dirty="0" err="1">
+                <a:latin typeface="Courier New" panose="02070309020205020404" pitchFamily="49" charset="0"/>
+                <a:cs typeface="Courier New" panose="02070309020205020404" pitchFamily="49" charset="0"/>
+              </a:rPr>
+              <a:t>tm_hdl</a:t>
+            </a:r>
+            <a:r>
+              <a:rPr lang="en-US" sz="1700" dirty="0">
+                <a:latin typeface="Courier New" panose="02070309020205020404" pitchFamily="49" charset="0"/>
+                <a:cs typeface="Courier New" panose="02070309020205020404" pitchFamily="49" charset="0"/>
+              </a:rPr>
+              <a:t>)==false);</a:t>
+            </a:r>
+          </a:p>
+          <a:p>
+            <a:pPr marL="0" indent="0">
+              <a:buNone/>
+            </a:pPr>
+            <a:r>
+              <a:rPr lang="en-US" sz="1700" dirty="0">
+                <a:latin typeface="Courier New" panose="02070309020205020404" pitchFamily="49" charset="0"/>
+                <a:cs typeface="Courier New" panose="02070309020205020404" pitchFamily="49" charset="0"/>
+              </a:rPr>
+              <a:t>   LED3_Toggle();</a:t>
+            </a:r>
+          </a:p>
+          <a:p>
+            <a:pPr marL="0" indent="0">
+              <a:buNone/>
+            </a:pPr>
+            <a:r>
+              <a:rPr lang="en-US" sz="1700" dirty="0">
+                <a:latin typeface="Courier New" panose="02070309020205020404" pitchFamily="49" charset="0"/>
+                <a:cs typeface="Courier New" panose="02070309020205020404" pitchFamily="49" charset="0"/>
+              </a:rPr>
+              <a:t>}</a:t>
+            </a:r>
+          </a:p>
+          <a:p>
+            <a:pPr marL="0" indent="0">
+              <a:buNone/>
+            </a:pPr>
+            <a:endParaRPr lang="en-US" sz="1700" dirty="0">
+              <a:latin typeface="Courier New" panose="02070309020205020404" pitchFamily="49" charset="0"/>
+              <a:cs typeface="Courier New" panose="02070309020205020404" pitchFamily="49" charset="0"/>
+            </a:endParaRPr>
+          </a:p>
+          <a:p>
+            <a:pPr marL="0" indent="0">
+              <a:buNone/>
+            </a:pPr>
+            <a:endParaRPr lang="en-US" sz="1700" dirty="0">
+              <a:latin typeface="Courier New" panose="02070309020205020404" pitchFamily="49" charset="0"/>
+              <a:cs typeface="Courier New" panose="02070309020205020404" pitchFamily="49" charset="0"/>
+            </a:endParaRPr>
+          </a:p>
+          <a:p>
+            <a:pPr marL="0" indent="0">
+              <a:buNone/>
+            </a:pPr>
+            <a:r>
+              <a:rPr lang="en-US" sz="1700" dirty="0" err="1">
+                <a:latin typeface="Courier New" panose="02070309020205020404" pitchFamily="49" charset="0"/>
+                <a:cs typeface="Courier New" panose="02070309020205020404" pitchFamily="49" charset="0"/>
+              </a:rPr>
+              <a:t>SYS_TIME_DelayMS</a:t>
+            </a:r>
+            <a:r>
+              <a:rPr lang="en-US" sz="1700" dirty="0">
+                <a:latin typeface="Courier New" panose="02070309020205020404" pitchFamily="49" charset="0"/>
+                <a:cs typeface="Courier New" panose="02070309020205020404" pitchFamily="49" charset="0"/>
+              </a:rPr>
+              <a:t> ( 1000, &amp;</a:t>
+            </a:r>
+            <a:r>
+              <a:rPr lang="en-US" sz="1700" dirty="0" err="1">
+                <a:latin typeface="Courier New" panose="02070309020205020404" pitchFamily="49" charset="0"/>
+                <a:cs typeface="Courier New" panose="02070309020205020404" pitchFamily="49" charset="0"/>
+              </a:rPr>
+              <a:t>tm_hdl</a:t>
+            </a:r>
+            <a:r>
+              <a:rPr lang="en-US" sz="1700" dirty="0">
+                <a:latin typeface="Courier New" panose="02070309020205020404" pitchFamily="49" charset="0"/>
+                <a:cs typeface="Courier New" panose="02070309020205020404" pitchFamily="49" charset="0"/>
+              </a:rPr>
+              <a:t> );</a:t>
+            </a:r>
+          </a:p>
+          <a:p>
+            <a:pPr marL="0" indent="0">
+              <a:buNone/>
+            </a:pPr>
+            <a:r>
+              <a:rPr lang="en-US" sz="1700" dirty="0">
+                <a:latin typeface="Courier New" panose="02070309020205020404" pitchFamily="49" charset="0"/>
+                <a:cs typeface="Courier New" panose="02070309020205020404" pitchFamily="49" charset="0"/>
+              </a:rPr>
+              <a:t>while(1){        </a:t>
+            </a:r>
+          </a:p>
+          <a:p>
+            <a:pPr marL="0" indent="0">
+              <a:buNone/>
+            </a:pPr>
+            <a:r>
+              <a:rPr lang="en-US" sz="1700" dirty="0">
+                <a:latin typeface="Courier New" panose="02070309020205020404" pitchFamily="49" charset="0"/>
+                <a:cs typeface="Courier New" panose="02070309020205020404" pitchFamily="49" charset="0"/>
+              </a:rPr>
+              <a:t>   if(</a:t>
+            </a:r>
+            <a:r>
+              <a:rPr lang="en-US" sz="1700" dirty="0" err="1">
+                <a:latin typeface="Courier New" panose="02070309020205020404" pitchFamily="49" charset="0"/>
+                <a:cs typeface="Courier New" panose="02070309020205020404" pitchFamily="49" charset="0"/>
+              </a:rPr>
+              <a:t>SYS_TIME_DelayIsComplete</a:t>
+            </a:r>
+            <a:r>
+              <a:rPr lang="en-US" sz="1700" dirty="0">
+                <a:latin typeface="Courier New" panose="02070309020205020404" pitchFamily="49" charset="0"/>
+                <a:cs typeface="Courier New" panose="02070309020205020404" pitchFamily="49" charset="0"/>
+              </a:rPr>
+              <a:t>(</a:t>
+            </a:r>
+            <a:r>
+              <a:rPr lang="en-US" sz="1700" dirty="0" err="1">
+                <a:latin typeface="Courier New" panose="02070309020205020404" pitchFamily="49" charset="0"/>
+                <a:cs typeface="Courier New" panose="02070309020205020404" pitchFamily="49" charset="0"/>
+              </a:rPr>
+              <a:t>tm_hdl</a:t>
+            </a:r>
+            <a:r>
+              <a:rPr lang="en-US" sz="1700" dirty="0">
+                <a:latin typeface="Courier New" panose="02070309020205020404" pitchFamily="49" charset="0"/>
+                <a:cs typeface="Courier New" panose="02070309020205020404" pitchFamily="49" charset="0"/>
+              </a:rPr>
+              <a:t>)==true){</a:t>
+            </a:r>
+          </a:p>
+          <a:p>
+            <a:pPr marL="0" indent="0">
+              <a:buNone/>
+            </a:pPr>
+            <a:r>
+              <a:rPr lang="en-US" sz="1700" dirty="0">
+                <a:latin typeface="Courier New" panose="02070309020205020404" pitchFamily="49" charset="0"/>
+                <a:cs typeface="Courier New" panose="02070309020205020404" pitchFamily="49" charset="0"/>
+              </a:rPr>
+              <a:t>      LED3_Toggle();</a:t>
+            </a:r>
+          </a:p>
+          <a:p>
+            <a:pPr marL="0" indent="0">
+              <a:buNone/>
+            </a:pPr>
+            <a:r>
+              <a:rPr lang="en-US" sz="1700" dirty="0">
+                <a:latin typeface="Courier New" panose="02070309020205020404" pitchFamily="49" charset="0"/>
+                <a:cs typeface="Courier New" panose="02070309020205020404" pitchFamily="49" charset="0"/>
+              </a:rPr>
+              <a:t>      </a:t>
+            </a:r>
+            <a:r>
+              <a:rPr lang="en-US" sz="1700" dirty="0" err="1">
+                <a:latin typeface="Courier New" panose="02070309020205020404" pitchFamily="49" charset="0"/>
+                <a:cs typeface="Courier New" panose="02070309020205020404" pitchFamily="49" charset="0"/>
+              </a:rPr>
+              <a:t>SYS_TIME_DelayMS</a:t>
+            </a:r>
+            <a:r>
+              <a:rPr lang="en-US" sz="1700" dirty="0">
+                <a:latin typeface="Courier New" panose="02070309020205020404" pitchFamily="49" charset="0"/>
+                <a:cs typeface="Courier New" panose="02070309020205020404" pitchFamily="49" charset="0"/>
+              </a:rPr>
+              <a:t> ( 1000, &amp;</a:t>
+            </a:r>
+            <a:r>
+              <a:rPr lang="en-US" sz="1700" dirty="0" err="1">
+                <a:latin typeface="Courier New" panose="02070309020205020404" pitchFamily="49" charset="0"/>
+                <a:cs typeface="Courier New" panose="02070309020205020404" pitchFamily="49" charset="0"/>
+              </a:rPr>
+              <a:t>tm_hdl</a:t>
+            </a:r>
+            <a:r>
+              <a:rPr lang="en-US" sz="1700" dirty="0">
+                <a:latin typeface="Courier New" panose="02070309020205020404" pitchFamily="49" charset="0"/>
+                <a:cs typeface="Courier New" panose="02070309020205020404" pitchFamily="49" charset="0"/>
+              </a:rPr>
+              <a:t> );</a:t>
+            </a:r>
+          </a:p>
+          <a:p>
+            <a:pPr marL="0" indent="0">
+              <a:buNone/>
+            </a:pPr>
+            <a:r>
+              <a:rPr lang="en-US" sz="1700" dirty="0">
+                <a:latin typeface="Courier New" panose="02070309020205020404" pitchFamily="49" charset="0"/>
+                <a:cs typeface="Courier New" panose="02070309020205020404" pitchFamily="49" charset="0"/>
+              </a:rPr>
+              <a:t>   }</a:t>
+            </a:r>
+          </a:p>
+          <a:p>
+            <a:pPr marL="0" indent="0">
+              <a:buNone/>
+            </a:pPr>
+            <a:r>
+              <a:rPr lang="en-US" sz="1700" dirty="0">
+                <a:latin typeface="Courier New" panose="02070309020205020404" pitchFamily="49" charset="0"/>
+                <a:cs typeface="Courier New" panose="02070309020205020404" pitchFamily="49" charset="0"/>
+              </a:rPr>
+              <a:t>}</a:t>
+            </a:r>
+          </a:p>
+          <a:p>
+            <a:pPr marL="0" indent="0">
+              <a:buNone/>
+            </a:pPr>
+            <a:endParaRPr lang="en-US" sz="2000" dirty="0">
+              <a:latin typeface="Courier New" panose="02070309020205020404" pitchFamily="49" charset="0"/>
+              <a:cs typeface="Courier New" panose="02070309020205020404" pitchFamily="49" charset="0"/>
+            </a:endParaRPr>
+          </a:p>
+        </p:txBody>
+      </p:sp>
+    </p:spTree>
+    <p:extLst>
+      <p:ext uri="{BB962C8B-B14F-4D97-AF65-F5344CB8AC3E}">
+        <p14:creationId xmlns:p14="http://schemas.microsoft.com/office/powerpoint/2010/main" val="19653411"/>
+      </p:ext>
+    </p:extLst>
+  </p:cSld>
+  <p:clrMapOvr>
+    <a:masterClrMapping/>
+  </p:clrMapOvr>
+</p:sld>
+</file>
+
+<file path=ppt/slides/slide14.xml><?xml version="1.0" encoding="utf-8"?>
+<p:sld xmlns:a="http://schemas.openxmlformats.org/drawingml/2006/main" xmlns:r="http://schemas.openxmlformats.org/officeDocument/2006/relationships" xmlns:p="http://schemas.openxmlformats.org/presentationml/2006/main">
+  <p:cSld>
+    <p:spTree>
+      <p:nvGrpSpPr>
+        <p:cNvPr id="1" name=""/>
+        <p:cNvGrpSpPr/>
+        <p:nvPr/>
+      </p:nvGrpSpPr>
+      <p:grpSpPr>
+        <a:xfrm>
+          <a:off x="0" y="0"/>
+          <a:ext cx="0" cy="0"/>
+          <a:chOff x="0" y="0"/>
+          <a:chExt cx="0" cy="0"/>
+        </a:xfrm>
+      </p:grpSpPr>
+      <p:sp>
+        <p:nvSpPr>
+          <p:cNvPr id="2" name="Title 1">
+            <a:extLst>
+              <a:ext uri="{FF2B5EF4-FFF2-40B4-BE49-F238E27FC236}">
+                <a16:creationId xmlns:a16="http://schemas.microsoft.com/office/drawing/2014/main" id="{710A8873-7487-0842-3F44-9784C8AC5497}"/>
+              </a:ext>
+            </a:extLst>
+          </p:cNvPr>
+          <p:cNvSpPr>
+            <a:spLocks noGrp="1"/>
+          </p:cNvSpPr>
+          <p:nvPr>
+            <p:ph type="title"/>
+          </p:nvPr>
+        </p:nvSpPr>
+        <p:spPr/>
+        <p:txBody>
+          <a:bodyPr/>
+          <a:lstStyle/>
+          <a:p>
+            <a:r>
+              <a:rPr lang="de-DE" dirty="0"/>
+              <a:t>Add Virtuel UART Receive Funtion </a:t>
+            </a:r>
+          </a:p>
+        </p:txBody>
+      </p:sp>
+      <p:sp>
+        <p:nvSpPr>
+          <p:cNvPr id="3" name="Text Placeholder 2">
+            <a:extLst>
+              <a:ext uri="{FF2B5EF4-FFF2-40B4-BE49-F238E27FC236}">
+                <a16:creationId xmlns:a16="http://schemas.microsoft.com/office/drawing/2014/main" id="{26B6EE00-5CF9-94C4-02BB-DAC9714B6C89}"/>
+              </a:ext>
+            </a:extLst>
+          </p:cNvPr>
+          <p:cNvSpPr>
+            <a:spLocks noGrp="1"/>
+          </p:cNvSpPr>
+          <p:nvPr>
+            <p:ph type="body" sz="quarter" idx="13"/>
+          </p:nvPr>
+        </p:nvSpPr>
+        <p:spPr/>
+        <p:txBody>
+          <a:bodyPr/>
+          <a:lstStyle/>
+          <a:p>
+            <a:r>
+              <a:rPr lang="de-DE" dirty="0"/>
+              <a:t>„send to terminal commands from firmware“</a:t>
+            </a:r>
+          </a:p>
+        </p:txBody>
+      </p:sp>
+      <p:sp>
+        <p:nvSpPr>
+          <p:cNvPr id="4" name="Content Placeholder 3">
+            <a:extLst>
+              <a:ext uri="{FF2B5EF4-FFF2-40B4-BE49-F238E27FC236}">
+                <a16:creationId xmlns:a16="http://schemas.microsoft.com/office/drawing/2014/main" id="{DCD7F7A2-4CB6-7A3A-A584-DAEA41519843}"/>
+              </a:ext>
+            </a:extLst>
+          </p:cNvPr>
+          <p:cNvSpPr>
+            <a:spLocks noGrp="1"/>
+          </p:cNvSpPr>
+          <p:nvPr>
+            <p:ph sz="quarter" idx="15"/>
+          </p:nvPr>
+        </p:nvSpPr>
+        <p:spPr/>
+        <p:txBody>
+          <a:bodyPr>
+            <a:normAutofit/>
+          </a:bodyPr>
+          <a:lstStyle/>
+          <a:p>
+            <a:pPr marL="0" indent="0">
+              <a:buNone/>
+            </a:pPr>
+            <a:r>
+              <a:rPr lang="de-DE" sz="1600" dirty="0">
+                <a:latin typeface="Courier New" panose="02070309020205020404" pitchFamily="49" charset="0"/>
+                <a:cs typeface="Courier New" panose="02070309020205020404" pitchFamily="49" charset="0"/>
+              </a:rPr>
+              <a:t>\peripheral\sercom\usart\plib_sercom1_usart.c</a:t>
+            </a:r>
+          </a:p>
+          <a:p>
+            <a:pPr marL="0" indent="0">
+              <a:buNone/>
+            </a:pPr>
+            <a:endParaRPr lang="de-DE" sz="1600" dirty="0">
+              <a:latin typeface="Courier New" panose="02070309020205020404" pitchFamily="49" charset="0"/>
+              <a:cs typeface="Courier New" panose="02070309020205020404" pitchFamily="49" charset="0"/>
+            </a:endParaRPr>
+          </a:p>
+          <a:p>
+            <a:pPr marL="0" indent="0">
+              <a:buNone/>
+            </a:pPr>
+            <a:r>
+              <a:rPr lang="de-DE" sz="1600" dirty="0">
+                <a:latin typeface="Courier New" panose="02070309020205020404" pitchFamily="49" charset="0"/>
+                <a:cs typeface="Courier New" panose="02070309020205020404" pitchFamily="49" charset="0"/>
+              </a:rPr>
+              <a:t>void SERCOM1_USART_Virtual_Receive(char *str) {</a:t>
+            </a:r>
+          </a:p>
+          <a:p>
+            <a:pPr marL="0" indent="0">
+              <a:buNone/>
+            </a:pPr>
+            <a:r>
+              <a:rPr lang="de-DE" sz="1600" dirty="0">
+                <a:latin typeface="Courier New" panose="02070309020205020404" pitchFamily="49" charset="0"/>
+                <a:cs typeface="Courier New" panose="02070309020205020404" pitchFamily="49" charset="0"/>
+              </a:rPr>
+              <a:t>    while (*str!=0) {</a:t>
+            </a:r>
+          </a:p>
+          <a:p>
+            <a:pPr marL="0" indent="0">
+              <a:buNone/>
+            </a:pPr>
+            <a:r>
+              <a:rPr lang="de-DE" sz="1600" dirty="0">
+                <a:latin typeface="Courier New" panose="02070309020205020404" pitchFamily="49" charset="0"/>
+                <a:cs typeface="Courier New" panose="02070309020205020404" pitchFamily="49" charset="0"/>
+              </a:rPr>
+              <a:t>        if (SERCOM1_USART_RxPushByte(*str) == true) {</a:t>
+            </a:r>
+          </a:p>
+          <a:p>
+            <a:pPr marL="0" indent="0">
+              <a:buNone/>
+            </a:pPr>
+            <a:r>
+              <a:rPr lang="de-DE" sz="1600" dirty="0">
+                <a:latin typeface="Courier New" panose="02070309020205020404" pitchFamily="49" charset="0"/>
+                <a:cs typeface="Courier New" panose="02070309020205020404" pitchFamily="49" charset="0"/>
+              </a:rPr>
+              <a:t>            SERCOM1_USART_ReadNotificationSend();</a:t>
+            </a:r>
+          </a:p>
+          <a:p>
+            <a:pPr marL="0" indent="0">
+              <a:buNone/>
+            </a:pPr>
+            <a:r>
+              <a:rPr lang="de-DE" sz="1600" dirty="0">
+                <a:latin typeface="Courier New" panose="02070309020205020404" pitchFamily="49" charset="0"/>
+                <a:cs typeface="Courier New" panose="02070309020205020404" pitchFamily="49" charset="0"/>
+              </a:rPr>
+              <a:t>        }</a:t>
+            </a:r>
+          </a:p>
+          <a:p>
+            <a:pPr marL="0" indent="0">
+              <a:buNone/>
+            </a:pPr>
+            <a:r>
+              <a:rPr lang="de-DE" sz="1600" dirty="0">
+                <a:latin typeface="Courier New" panose="02070309020205020404" pitchFamily="49" charset="0"/>
+                <a:cs typeface="Courier New" panose="02070309020205020404" pitchFamily="49" charset="0"/>
+              </a:rPr>
+              <a:t>        str++;</a:t>
+            </a:r>
+          </a:p>
+          <a:p>
+            <a:pPr marL="0" indent="0">
+              <a:buNone/>
+            </a:pPr>
+            <a:r>
+              <a:rPr lang="de-DE" sz="1600" dirty="0">
+                <a:latin typeface="Courier New" panose="02070309020205020404" pitchFamily="49" charset="0"/>
+                <a:cs typeface="Courier New" panose="02070309020205020404" pitchFamily="49" charset="0"/>
+              </a:rPr>
+              <a:t>    }</a:t>
+            </a:r>
+          </a:p>
+          <a:p>
+            <a:pPr marL="0" indent="0">
+              <a:buNone/>
+            </a:pPr>
+            <a:r>
+              <a:rPr lang="de-DE" sz="1600" dirty="0">
+                <a:latin typeface="Courier New" panose="02070309020205020404" pitchFamily="49" charset="0"/>
+                <a:cs typeface="Courier New" panose="02070309020205020404" pitchFamily="49" charset="0"/>
+              </a:rPr>
+              <a:t>}</a:t>
+            </a:r>
+          </a:p>
+          <a:p>
+            <a:pPr marL="0" indent="0">
+              <a:buNone/>
+            </a:pPr>
+            <a:endParaRPr lang="de-DE" sz="1600" dirty="0">
+              <a:latin typeface="Courier New" panose="02070309020205020404" pitchFamily="49" charset="0"/>
+              <a:cs typeface="Courier New" panose="02070309020205020404" pitchFamily="49" charset="0"/>
+            </a:endParaRPr>
+          </a:p>
+          <a:p>
+            <a:pPr marL="0" indent="0">
+              <a:buNone/>
+            </a:pPr>
+            <a:r>
+              <a:rPr lang="de-DE" sz="1600" dirty="0">
+                <a:latin typeface="Courier New" panose="02070309020205020404" pitchFamily="49" charset="0"/>
+                <a:cs typeface="Courier New" panose="02070309020205020404" pitchFamily="49" charset="0"/>
+              </a:rPr>
+              <a:t>\peripheral\sercom\usart\plib_sercom1_usart.h</a:t>
+            </a:r>
+          </a:p>
+          <a:p>
+            <a:pPr marL="0" indent="0">
+              <a:buNone/>
+            </a:pPr>
+            <a:endParaRPr lang="de-DE" sz="1600" dirty="0">
+              <a:latin typeface="Courier New" panose="02070309020205020404" pitchFamily="49" charset="0"/>
+              <a:cs typeface="Courier New" panose="02070309020205020404" pitchFamily="49" charset="0"/>
+            </a:endParaRPr>
+          </a:p>
+          <a:p>
+            <a:pPr marL="0" indent="0">
+              <a:buNone/>
+            </a:pPr>
+            <a:r>
+              <a:rPr lang="en-US" sz="1600" dirty="0">
+                <a:latin typeface="Courier New" panose="02070309020205020404" pitchFamily="49" charset="0"/>
+                <a:cs typeface="Courier New" panose="02070309020205020404" pitchFamily="49" charset="0"/>
+              </a:rPr>
+              <a:t>void SERCOM1_USART_Virtual_Receive(char *str);</a:t>
+            </a:r>
+            <a:endParaRPr lang="de-DE" sz="1600" dirty="0">
+              <a:latin typeface="Courier New" panose="02070309020205020404" pitchFamily="49" charset="0"/>
+              <a:cs typeface="Courier New" panose="02070309020205020404" pitchFamily="49" charset="0"/>
+            </a:endParaRPr>
+          </a:p>
+        </p:txBody>
+      </p:sp>
+    </p:spTree>
+    <p:extLst>
+      <p:ext uri="{BB962C8B-B14F-4D97-AF65-F5344CB8AC3E}">
+        <p14:creationId xmlns:p14="http://schemas.microsoft.com/office/powerpoint/2010/main" val="1765707923"/>
+      </p:ext>
+    </p:extLst>
+  </p:cSld>
+  <p:clrMapOvr>
+    <a:masterClrMapping/>
+  </p:clrMapOvr>
+</p:sld>
+</file>
+
+<file path=ppt/slides/slide15.xml><?xml version="1.0" encoding="utf-8"?>
+<p:sld xmlns:a="http://schemas.openxmlformats.org/drawingml/2006/main" xmlns:r="http://schemas.openxmlformats.org/officeDocument/2006/relationships" xmlns:p="http://schemas.openxmlformats.org/presentationml/2006/main">
+  <p:cSld>
+    <p:spTree>
+      <p:nvGrpSpPr>
+        <p:cNvPr id="1" name=""/>
+        <p:cNvGrpSpPr/>
+        <p:nvPr/>
+      </p:nvGrpSpPr>
+      <p:grpSpPr>
+        <a:xfrm>
+          <a:off x="0" y="0"/>
+          <a:ext cx="0" cy="0"/>
+          <a:chOff x="0" y="0"/>
+          <a:chExt cx="0" cy="0"/>
+        </a:xfrm>
+      </p:grpSpPr>
+      <p:sp>
+        <p:nvSpPr>
+          <p:cNvPr id="2" name="Title 1">
+            <a:extLst>
+              <a:ext uri="{FF2B5EF4-FFF2-40B4-BE49-F238E27FC236}">
+                <a16:creationId xmlns:a16="http://schemas.microsoft.com/office/drawing/2014/main" id="{4A3E75E6-5891-CDC6-490A-07C11D7CA17E}"/>
+              </a:ext>
+            </a:extLst>
+          </p:cNvPr>
+          <p:cNvSpPr>
+            <a:spLocks noGrp="1"/>
+          </p:cNvSpPr>
+          <p:nvPr>
+            <p:ph type="title"/>
+          </p:nvPr>
+        </p:nvSpPr>
+        <p:spPr/>
+        <p:txBody>
+          <a:bodyPr/>
+          <a:lstStyle/>
+          <a:p>
+            <a:r>
+              <a:rPr lang="de-DE" dirty="0"/>
+              <a:t>Add Button Poll and Action</a:t>
+            </a:r>
+          </a:p>
+        </p:txBody>
+      </p:sp>
+      <p:sp>
+        <p:nvSpPr>
+          <p:cNvPr id="4" name="Content Placeholder 3">
+            <a:extLst>
+              <a:ext uri="{FF2B5EF4-FFF2-40B4-BE49-F238E27FC236}">
+                <a16:creationId xmlns:a16="http://schemas.microsoft.com/office/drawing/2014/main" id="{97C75FC7-01C6-1B46-586C-4EFA45A569FF}"/>
+              </a:ext>
+            </a:extLst>
+          </p:cNvPr>
+          <p:cNvSpPr>
+            <a:spLocks noGrp="1"/>
+          </p:cNvSpPr>
+          <p:nvPr>
+            <p:ph sz="quarter" idx="15"/>
+          </p:nvPr>
+        </p:nvSpPr>
+        <p:spPr>
+          <a:xfrm>
+            <a:off x="355509" y="952107"/>
+            <a:ext cx="11400660" cy="5356929"/>
+          </a:xfrm>
+        </p:spPr>
+        <p:txBody>
+          <a:bodyPr>
+            <a:noAutofit/>
+          </a:bodyPr>
+          <a:lstStyle/>
+          <a:p>
+            <a:pPr marL="0" indent="0">
+              <a:buNone/>
+            </a:pPr>
+            <a:r>
+              <a:rPr lang="en-US" sz="700" dirty="0">
+                <a:latin typeface="Courier New" panose="02070309020205020404" pitchFamily="49" charset="0"/>
+                <a:cs typeface="Courier New" panose="02070309020205020404" pitchFamily="49" charset="0"/>
+              </a:rPr>
+              <a:t>{</a:t>
+            </a:r>
+          </a:p>
+          <a:p>
+            <a:pPr marL="0" indent="0">
+              <a:buNone/>
+            </a:pPr>
+            <a:r>
+              <a:rPr lang="en-US" sz="700" dirty="0">
+                <a:latin typeface="Courier New" panose="02070309020205020404" pitchFamily="49" charset="0"/>
+                <a:cs typeface="Courier New" panose="02070309020205020404" pitchFamily="49" charset="0"/>
+              </a:rPr>
+              <a:t>    static int old_but1 = 0;</a:t>
+            </a:r>
+          </a:p>
+          <a:p>
+            <a:pPr marL="0" indent="0">
+              <a:buNone/>
+            </a:pPr>
+            <a:r>
+              <a:rPr lang="en-US" sz="700" dirty="0">
+                <a:latin typeface="Courier New" panose="02070309020205020404" pitchFamily="49" charset="0"/>
+                <a:cs typeface="Courier New" panose="02070309020205020404" pitchFamily="49" charset="0"/>
+              </a:rPr>
+              <a:t>    int temp_but1 = BUTTON1_Get();</a:t>
+            </a:r>
+          </a:p>
+          <a:p>
+            <a:pPr marL="0" indent="0">
+              <a:buNone/>
+            </a:pPr>
+            <a:r>
+              <a:rPr lang="en-US" sz="700" dirty="0">
+                <a:latin typeface="Courier New" panose="02070309020205020404" pitchFamily="49" charset="0"/>
+                <a:cs typeface="Courier New" panose="02070309020205020404" pitchFamily="49" charset="0"/>
+              </a:rPr>
+              <a:t>    if (temp_but1 &amp;&amp; !old_but1) {</a:t>
+            </a:r>
+          </a:p>
+          <a:p>
+            <a:pPr marL="0" indent="0">
+              <a:buNone/>
+            </a:pPr>
+            <a:r>
+              <a:rPr lang="en-US" sz="700" dirty="0">
+                <a:latin typeface="Courier New" panose="02070309020205020404" pitchFamily="49" charset="0"/>
+                <a:cs typeface="Courier New" panose="02070309020205020404" pitchFamily="49" charset="0"/>
+              </a:rPr>
+              <a:t>        LED1_Set();</a:t>
+            </a:r>
+          </a:p>
+          <a:p>
+            <a:pPr marL="0" indent="0">
+              <a:buNone/>
+            </a:pPr>
+            <a:r>
+              <a:rPr lang="en-US" sz="700" dirty="0">
+                <a:latin typeface="Courier New" panose="02070309020205020404" pitchFamily="49" charset="0"/>
+                <a:cs typeface="Courier New" panose="02070309020205020404" pitchFamily="49" charset="0"/>
+              </a:rPr>
+              <a:t>    }</a:t>
+            </a:r>
+          </a:p>
+          <a:p>
+            <a:pPr marL="0" indent="0">
+              <a:buNone/>
+            </a:pPr>
+            <a:r>
+              <a:rPr lang="en-US" sz="700" dirty="0">
+                <a:latin typeface="Courier New" panose="02070309020205020404" pitchFamily="49" charset="0"/>
+                <a:cs typeface="Courier New" panose="02070309020205020404" pitchFamily="49" charset="0"/>
+              </a:rPr>
+              <a:t>    if (!temp_but1 &amp;&amp; old_but1) {</a:t>
+            </a:r>
+          </a:p>
+          <a:p>
+            <a:pPr marL="0" indent="0">
+              <a:buNone/>
+            </a:pPr>
+            <a:r>
+              <a:rPr lang="en-US" sz="700" dirty="0">
+                <a:latin typeface="Courier New" panose="02070309020205020404" pitchFamily="49" charset="0"/>
+                <a:cs typeface="Courier New" panose="02070309020205020404" pitchFamily="49" charset="0"/>
+              </a:rPr>
+              <a:t>        LED1_Clear();</a:t>
+            </a:r>
+          </a:p>
+          <a:p>
+            <a:pPr marL="0" indent="0">
+              <a:buNone/>
+            </a:pPr>
+            <a:r>
+              <a:rPr lang="en-US" sz="700" dirty="0">
+                <a:latin typeface="Courier New" panose="02070309020205020404" pitchFamily="49" charset="0"/>
+                <a:cs typeface="Courier New" panose="02070309020205020404" pitchFamily="49" charset="0"/>
+              </a:rPr>
+              <a:t>        SERCOM1_USART_Virtual_Receive("iperf -s\n");</a:t>
+            </a:r>
+          </a:p>
+          <a:p>
+            <a:pPr marL="0" indent="0">
+              <a:buNone/>
+            </a:pPr>
+            <a:r>
+              <a:rPr lang="en-US" sz="700" dirty="0">
+                <a:latin typeface="Courier New" panose="02070309020205020404" pitchFamily="49" charset="0"/>
+                <a:cs typeface="Courier New" panose="02070309020205020404" pitchFamily="49" charset="0"/>
+              </a:rPr>
+              <a:t>        </a:t>
+            </a:r>
+            <a:r>
+              <a:rPr lang="en-US" sz="700" dirty="0" err="1">
+                <a:latin typeface="Courier New" panose="02070309020205020404" pitchFamily="49" charset="0"/>
+                <a:cs typeface="Courier New" panose="02070309020205020404" pitchFamily="49" charset="0"/>
+              </a:rPr>
+              <a:t>gfx_mono_print_scroll</a:t>
+            </a:r>
+            <a:r>
+              <a:rPr lang="en-US" sz="700" dirty="0">
+                <a:latin typeface="Courier New" panose="02070309020205020404" pitchFamily="49" charset="0"/>
+                <a:cs typeface="Courier New" panose="02070309020205020404" pitchFamily="49" charset="0"/>
+              </a:rPr>
+              <a:t>("iperf TCP server");</a:t>
+            </a:r>
+          </a:p>
+          <a:p>
+            <a:pPr marL="0" indent="0">
+              <a:buNone/>
+            </a:pPr>
+            <a:r>
+              <a:rPr lang="en-US" sz="700" dirty="0">
+                <a:latin typeface="Courier New" panose="02070309020205020404" pitchFamily="49" charset="0"/>
+                <a:cs typeface="Courier New" panose="02070309020205020404" pitchFamily="49" charset="0"/>
+              </a:rPr>
+              <a:t>    }</a:t>
+            </a:r>
+          </a:p>
+          <a:p>
+            <a:pPr marL="0" indent="0">
+              <a:buNone/>
+            </a:pPr>
+            <a:r>
+              <a:rPr lang="en-US" sz="700" dirty="0">
+                <a:latin typeface="Courier New" panose="02070309020205020404" pitchFamily="49" charset="0"/>
+                <a:cs typeface="Courier New" panose="02070309020205020404" pitchFamily="49" charset="0"/>
+              </a:rPr>
+              <a:t>    old_but1 = temp_but1;</a:t>
+            </a:r>
+          </a:p>
+          <a:p>
+            <a:pPr marL="0" indent="0">
+              <a:buNone/>
+            </a:pPr>
+            <a:endParaRPr lang="en-US" sz="700" dirty="0">
+              <a:latin typeface="Courier New" panose="02070309020205020404" pitchFamily="49" charset="0"/>
+              <a:cs typeface="Courier New" panose="02070309020205020404" pitchFamily="49" charset="0"/>
+            </a:endParaRPr>
+          </a:p>
+          <a:p>
+            <a:pPr marL="0" indent="0">
+              <a:buNone/>
+            </a:pPr>
+            <a:r>
+              <a:rPr lang="en-US" sz="700" dirty="0">
+                <a:latin typeface="Courier New" panose="02070309020205020404" pitchFamily="49" charset="0"/>
+                <a:cs typeface="Courier New" panose="02070309020205020404" pitchFamily="49" charset="0"/>
+              </a:rPr>
+              <a:t>    static int old_but2 = 0;</a:t>
+            </a:r>
+          </a:p>
+          <a:p>
+            <a:pPr marL="0" indent="0">
+              <a:buNone/>
+            </a:pPr>
+            <a:r>
+              <a:rPr lang="en-US" sz="700" dirty="0">
+                <a:latin typeface="Courier New" panose="02070309020205020404" pitchFamily="49" charset="0"/>
+                <a:cs typeface="Courier New" panose="02070309020205020404" pitchFamily="49" charset="0"/>
+              </a:rPr>
+              <a:t>    int temp_but2 = BUTTON2_Get();</a:t>
+            </a:r>
+          </a:p>
+          <a:p>
+            <a:pPr marL="0" indent="0">
+              <a:buNone/>
+            </a:pPr>
+            <a:r>
+              <a:rPr lang="en-US" sz="700" dirty="0">
+                <a:latin typeface="Courier New" panose="02070309020205020404" pitchFamily="49" charset="0"/>
+                <a:cs typeface="Courier New" panose="02070309020205020404" pitchFamily="49" charset="0"/>
+              </a:rPr>
+              <a:t>    if (temp_but2 &amp;&amp; !old_but2) {</a:t>
+            </a:r>
+          </a:p>
+          <a:p>
+            <a:pPr marL="0" indent="0">
+              <a:buNone/>
+            </a:pPr>
+            <a:r>
+              <a:rPr lang="en-US" sz="700" dirty="0">
+                <a:latin typeface="Courier New" panose="02070309020205020404" pitchFamily="49" charset="0"/>
+                <a:cs typeface="Courier New" panose="02070309020205020404" pitchFamily="49" charset="0"/>
+              </a:rPr>
+              <a:t>        LED2_Set();</a:t>
+            </a:r>
+          </a:p>
+          <a:p>
+            <a:pPr marL="0" indent="0">
+              <a:buNone/>
+            </a:pPr>
+            <a:r>
+              <a:rPr lang="en-US" sz="700" dirty="0">
+                <a:latin typeface="Courier New" panose="02070309020205020404" pitchFamily="49" charset="0"/>
+                <a:cs typeface="Courier New" panose="02070309020205020404" pitchFamily="49" charset="0"/>
+              </a:rPr>
+              <a:t>    }</a:t>
+            </a:r>
+          </a:p>
+          <a:p>
+            <a:pPr marL="0" indent="0">
+              <a:buNone/>
+            </a:pPr>
+            <a:r>
+              <a:rPr lang="en-US" sz="700" dirty="0">
+                <a:latin typeface="Courier New" panose="02070309020205020404" pitchFamily="49" charset="0"/>
+                <a:cs typeface="Courier New" panose="02070309020205020404" pitchFamily="49" charset="0"/>
+              </a:rPr>
+              <a:t>    if (!temp_but2 &amp;&amp; old_but2) {</a:t>
+            </a:r>
+          </a:p>
+          <a:p>
+            <a:pPr marL="0" indent="0">
+              <a:buNone/>
+            </a:pPr>
+            <a:r>
+              <a:rPr lang="en-US" sz="700" dirty="0">
+                <a:latin typeface="Courier New" panose="02070309020205020404" pitchFamily="49" charset="0"/>
+                <a:cs typeface="Courier New" panose="02070309020205020404" pitchFamily="49" charset="0"/>
+              </a:rPr>
+              <a:t>        LED2_Clear();</a:t>
+            </a:r>
+          </a:p>
+          <a:p>
+            <a:pPr marL="0" indent="0">
+              <a:buNone/>
+            </a:pPr>
+            <a:r>
+              <a:rPr lang="en-US" sz="700" dirty="0">
+                <a:latin typeface="Courier New" panose="02070309020205020404" pitchFamily="49" charset="0"/>
+                <a:cs typeface="Courier New" panose="02070309020205020404" pitchFamily="49" charset="0"/>
+              </a:rPr>
+              <a:t>        SERCOM1_USART_Virtual_Receive("iperf -s -u\n");</a:t>
+            </a:r>
+          </a:p>
+          <a:p>
+            <a:pPr marL="0" indent="0">
+              <a:buNone/>
+            </a:pPr>
+            <a:r>
+              <a:rPr lang="en-US" sz="700" dirty="0">
+                <a:latin typeface="Courier New" panose="02070309020205020404" pitchFamily="49" charset="0"/>
+                <a:cs typeface="Courier New" panose="02070309020205020404" pitchFamily="49" charset="0"/>
+              </a:rPr>
+              <a:t>        </a:t>
+            </a:r>
+            <a:r>
+              <a:rPr lang="en-US" sz="700" dirty="0" err="1">
+                <a:latin typeface="Courier New" panose="02070309020205020404" pitchFamily="49" charset="0"/>
+                <a:cs typeface="Courier New" panose="02070309020205020404" pitchFamily="49" charset="0"/>
+              </a:rPr>
+              <a:t>gfx_mono_print_scroll</a:t>
+            </a:r>
+            <a:r>
+              <a:rPr lang="en-US" sz="700" dirty="0">
+                <a:latin typeface="Courier New" panose="02070309020205020404" pitchFamily="49" charset="0"/>
+                <a:cs typeface="Courier New" panose="02070309020205020404" pitchFamily="49" charset="0"/>
+              </a:rPr>
+              <a:t>("iperf UDP server");</a:t>
+            </a:r>
+          </a:p>
+          <a:p>
+            <a:pPr marL="0" indent="0">
+              <a:buNone/>
+            </a:pPr>
+            <a:r>
+              <a:rPr lang="en-US" sz="700" dirty="0">
+                <a:latin typeface="Courier New" panose="02070309020205020404" pitchFamily="49" charset="0"/>
+                <a:cs typeface="Courier New" panose="02070309020205020404" pitchFamily="49" charset="0"/>
+              </a:rPr>
+              <a:t>    }</a:t>
+            </a:r>
+          </a:p>
+          <a:p>
+            <a:pPr marL="0" indent="0">
+              <a:buNone/>
+            </a:pPr>
+            <a:r>
+              <a:rPr lang="en-US" sz="700" dirty="0">
+                <a:latin typeface="Courier New" panose="02070309020205020404" pitchFamily="49" charset="0"/>
+                <a:cs typeface="Courier New" panose="02070309020205020404" pitchFamily="49" charset="0"/>
+              </a:rPr>
+              <a:t>    old_but2 = temp_but2;</a:t>
+            </a:r>
+          </a:p>
+          <a:p>
+            <a:pPr marL="0" indent="0">
+              <a:buNone/>
+            </a:pPr>
+            <a:endParaRPr lang="en-US" sz="700" dirty="0">
+              <a:latin typeface="Courier New" panose="02070309020205020404" pitchFamily="49" charset="0"/>
+              <a:cs typeface="Courier New" panose="02070309020205020404" pitchFamily="49" charset="0"/>
+            </a:endParaRPr>
+          </a:p>
+          <a:p>
+            <a:pPr marL="0" indent="0">
+              <a:buNone/>
+            </a:pPr>
+            <a:r>
+              <a:rPr lang="en-US" sz="700" dirty="0">
+                <a:latin typeface="Courier New" panose="02070309020205020404" pitchFamily="49" charset="0"/>
+                <a:cs typeface="Courier New" panose="02070309020205020404" pitchFamily="49" charset="0"/>
+              </a:rPr>
+              <a:t>    static int old_but3 = 0;</a:t>
+            </a:r>
+          </a:p>
+          <a:p>
+            <a:pPr marL="0" indent="0">
+              <a:buNone/>
+            </a:pPr>
+            <a:r>
+              <a:rPr lang="en-US" sz="700" dirty="0">
+                <a:latin typeface="Courier New" panose="02070309020205020404" pitchFamily="49" charset="0"/>
+                <a:cs typeface="Courier New" panose="02070309020205020404" pitchFamily="49" charset="0"/>
+              </a:rPr>
+              <a:t>    int temp_but3 = BUTTON3_Get();</a:t>
+            </a:r>
+          </a:p>
+          <a:p>
+            <a:pPr marL="0" indent="0">
+              <a:buNone/>
+            </a:pPr>
+            <a:r>
+              <a:rPr lang="en-US" sz="700" dirty="0">
+                <a:latin typeface="Courier New" panose="02070309020205020404" pitchFamily="49" charset="0"/>
+                <a:cs typeface="Courier New" panose="02070309020205020404" pitchFamily="49" charset="0"/>
+              </a:rPr>
+              <a:t>    if (temp_but3 &amp;&amp; !old_but3) {</a:t>
+            </a:r>
+          </a:p>
+          <a:p>
+            <a:pPr marL="0" indent="0">
+              <a:buNone/>
+            </a:pPr>
+            <a:r>
+              <a:rPr lang="en-US" sz="700" dirty="0">
+                <a:latin typeface="Courier New" panose="02070309020205020404" pitchFamily="49" charset="0"/>
+                <a:cs typeface="Courier New" panose="02070309020205020404" pitchFamily="49" charset="0"/>
+              </a:rPr>
+              <a:t>        LED3_Set();</a:t>
+            </a:r>
+          </a:p>
+          <a:p>
+            <a:pPr marL="0" indent="0">
+              <a:buNone/>
+            </a:pPr>
+            <a:r>
+              <a:rPr lang="en-US" sz="700" dirty="0">
+                <a:latin typeface="Courier New" panose="02070309020205020404" pitchFamily="49" charset="0"/>
+                <a:cs typeface="Courier New" panose="02070309020205020404" pitchFamily="49" charset="0"/>
+              </a:rPr>
+              <a:t>    }</a:t>
+            </a:r>
+          </a:p>
+          <a:p>
+            <a:pPr marL="0" indent="0">
+              <a:buNone/>
+            </a:pPr>
+            <a:r>
+              <a:rPr lang="en-US" sz="700" dirty="0">
+                <a:latin typeface="Courier New" panose="02070309020205020404" pitchFamily="49" charset="0"/>
+                <a:cs typeface="Courier New" panose="02070309020205020404" pitchFamily="49" charset="0"/>
+              </a:rPr>
+              <a:t>    if (!temp_but3 &amp;&amp; old_but3) {</a:t>
+            </a:r>
+          </a:p>
+          <a:p>
+            <a:pPr marL="0" indent="0">
+              <a:buNone/>
+            </a:pPr>
+            <a:r>
+              <a:rPr lang="en-US" sz="700" dirty="0">
+                <a:latin typeface="Courier New" panose="02070309020205020404" pitchFamily="49" charset="0"/>
+                <a:cs typeface="Courier New" panose="02070309020205020404" pitchFamily="49" charset="0"/>
+              </a:rPr>
+              <a:t>        LED3_Clear();</a:t>
+            </a:r>
+          </a:p>
+          <a:p>
+            <a:pPr marL="0" indent="0">
+              <a:buNone/>
+            </a:pPr>
+            <a:r>
+              <a:rPr lang="en-US" sz="700" dirty="0">
+                <a:latin typeface="Courier New" panose="02070309020205020404" pitchFamily="49" charset="0"/>
+                <a:cs typeface="Courier New" panose="02070309020205020404" pitchFamily="49" charset="0"/>
+              </a:rPr>
+              <a:t>        SERCOM1_USART_Virtual_Receive("</a:t>
+            </a:r>
+            <a:r>
+              <a:rPr lang="en-US" sz="700" dirty="0" err="1">
+                <a:latin typeface="Courier New" panose="02070309020205020404" pitchFamily="49" charset="0"/>
+                <a:cs typeface="Courier New" panose="02070309020205020404" pitchFamily="49" charset="0"/>
+              </a:rPr>
+              <a:t>iperfk</a:t>
+            </a:r>
+            <a:r>
+              <a:rPr lang="en-US" sz="700" dirty="0">
+                <a:latin typeface="Courier New" panose="02070309020205020404" pitchFamily="49" charset="0"/>
+                <a:cs typeface="Courier New" panose="02070309020205020404" pitchFamily="49" charset="0"/>
+              </a:rPr>
+              <a:t>\n");</a:t>
+            </a:r>
+          </a:p>
+          <a:p>
+            <a:pPr marL="0" indent="0">
+              <a:buNone/>
+            </a:pPr>
+            <a:r>
+              <a:rPr lang="en-US" sz="700" dirty="0">
+                <a:latin typeface="Courier New" panose="02070309020205020404" pitchFamily="49" charset="0"/>
+                <a:cs typeface="Courier New" panose="02070309020205020404" pitchFamily="49" charset="0"/>
+              </a:rPr>
+              <a:t>        </a:t>
+            </a:r>
+            <a:r>
+              <a:rPr lang="en-US" sz="700" dirty="0" err="1">
+                <a:latin typeface="Courier New" panose="02070309020205020404" pitchFamily="49" charset="0"/>
+                <a:cs typeface="Courier New" panose="02070309020205020404" pitchFamily="49" charset="0"/>
+              </a:rPr>
+              <a:t>gfx_mono_print_scroll</a:t>
+            </a:r>
+            <a:r>
+              <a:rPr lang="en-US" sz="700" dirty="0">
+                <a:latin typeface="Courier New" panose="02070309020205020404" pitchFamily="49" charset="0"/>
+                <a:cs typeface="Courier New" panose="02070309020205020404" pitchFamily="49" charset="0"/>
+              </a:rPr>
+              <a:t>("iperf kill server");</a:t>
+            </a:r>
+          </a:p>
+          <a:p>
+            <a:pPr marL="0" indent="0">
+              <a:buNone/>
+            </a:pPr>
+            <a:r>
+              <a:rPr lang="en-US" sz="700" dirty="0">
+                <a:latin typeface="Courier New" panose="02070309020205020404" pitchFamily="49" charset="0"/>
+                <a:cs typeface="Courier New" panose="02070309020205020404" pitchFamily="49" charset="0"/>
+              </a:rPr>
+              <a:t>    }</a:t>
+            </a:r>
+          </a:p>
+          <a:p>
+            <a:pPr marL="0" indent="0">
+              <a:buNone/>
+            </a:pPr>
+            <a:r>
+              <a:rPr lang="en-US" sz="700" dirty="0">
+                <a:latin typeface="Courier New" panose="02070309020205020404" pitchFamily="49" charset="0"/>
+                <a:cs typeface="Courier New" panose="02070309020205020404" pitchFamily="49" charset="0"/>
+              </a:rPr>
+              <a:t>    old_but3 = temp_but3;</a:t>
+            </a:r>
+          </a:p>
+          <a:p>
+            <a:pPr marL="0" indent="0">
+              <a:buNone/>
+            </a:pPr>
+            <a:r>
+              <a:rPr lang="en-US" sz="700" dirty="0">
+                <a:latin typeface="Courier New" panose="02070309020205020404" pitchFamily="49" charset="0"/>
+                <a:cs typeface="Courier New" panose="02070309020205020404" pitchFamily="49" charset="0"/>
+              </a:rPr>
+              <a:t>}</a:t>
+            </a:r>
+          </a:p>
+        </p:txBody>
+      </p:sp>
+    </p:spTree>
+    <p:extLst>
+      <p:ext uri="{BB962C8B-B14F-4D97-AF65-F5344CB8AC3E}">
+        <p14:creationId xmlns:p14="http://schemas.microsoft.com/office/powerpoint/2010/main" val="1895587039"/>
+      </p:ext>
+    </p:extLst>
+  </p:cSld>
+  <p:clrMapOvr>
+    <a:masterClrMapping/>
+  </p:clrMapOvr>
+</p:sld>
+</file>
+
+<file path=ppt/slides/slide16.xml><?xml version="1.0" encoding="utf-8"?>
+<p:sld xmlns:a="http://schemas.openxmlformats.org/drawingml/2006/main" xmlns:r="http://schemas.openxmlformats.org/officeDocument/2006/relationships" xmlns:p="http://schemas.openxmlformats.org/presentationml/2006/main">
+  <p:cSld>
+    <p:spTree>
+      <p:nvGrpSpPr>
+        <p:cNvPr id="1" name=""/>
+        <p:cNvGrpSpPr/>
+        <p:nvPr/>
+      </p:nvGrpSpPr>
+      <p:grpSpPr>
+        <a:xfrm>
+          <a:off x="0" y="0"/>
+          <a:ext cx="0" cy="0"/>
+          <a:chOff x="0" y="0"/>
+          <a:chExt cx="0" cy="0"/>
+        </a:xfrm>
+      </p:grpSpPr>
+      <p:sp>
+        <p:nvSpPr>
+          <p:cNvPr id="2" name="Title 1">
+            <a:extLst>
+              <a:ext uri="{FF2B5EF4-FFF2-40B4-BE49-F238E27FC236}">
+                <a16:creationId xmlns:a16="http://schemas.microsoft.com/office/drawing/2014/main" id="{E2E933C6-1DE3-1BB9-EAEA-7849290D9641}"/>
+              </a:ext>
+            </a:extLst>
+          </p:cNvPr>
+          <p:cNvSpPr>
+            <a:spLocks noGrp="1"/>
+          </p:cNvSpPr>
+          <p:nvPr>
+            <p:ph type="title"/>
+          </p:nvPr>
+        </p:nvSpPr>
+        <p:spPr/>
+        <p:txBody>
+          <a:bodyPr/>
+          <a:lstStyle/>
+          <a:p>
+            <a:r>
+              <a:rPr lang="de-DE" dirty="0"/>
+              <a:t>set programming speed up</a:t>
+            </a:r>
+          </a:p>
+        </p:txBody>
+      </p:sp>
+      <p:sp>
+        <p:nvSpPr>
+          <p:cNvPr id="3" name="Text Placeholder 2">
+            <a:extLst>
+              <a:ext uri="{FF2B5EF4-FFF2-40B4-BE49-F238E27FC236}">
+                <a16:creationId xmlns:a16="http://schemas.microsoft.com/office/drawing/2014/main" id="{6F493E74-1A24-2F29-9DBE-43088592C3C2}"/>
+              </a:ext>
+            </a:extLst>
+          </p:cNvPr>
+          <p:cNvSpPr>
+            <a:spLocks noGrp="1"/>
+          </p:cNvSpPr>
+          <p:nvPr>
+            <p:ph type="body" sz="quarter" idx="13"/>
+          </p:nvPr>
+        </p:nvSpPr>
+        <p:spPr/>
+        <p:txBody>
+          <a:bodyPr/>
+          <a:lstStyle/>
+          <a:p>
+            <a:endParaRPr lang="de-DE"/>
+          </a:p>
+        </p:txBody>
+      </p:sp>
+      <p:pic>
+        <p:nvPicPr>
+          <p:cNvPr id="6" name="Picture 5">
+            <a:extLst>
+              <a:ext uri="{FF2B5EF4-FFF2-40B4-BE49-F238E27FC236}">
+                <a16:creationId xmlns:a16="http://schemas.microsoft.com/office/drawing/2014/main" id="{1EB03FEA-B36F-6189-0219-2E82EC8483EA}"/>
+              </a:ext>
+            </a:extLst>
+          </p:cNvPr>
+          <p:cNvPicPr>
+            <a:picLocks noChangeAspect="1"/>
+          </p:cNvPicPr>
+          <p:nvPr/>
+        </p:nvPicPr>
+        <p:blipFill>
+          <a:blip r:embed="rId2"/>
+          <a:stretch>
+            <a:fillRect/>
+          </a:stretch>
+        </p:blipFill>
+        <p:spPr>
+          <a:xfrm>
+            <a:off x="2962321" y="2514521"/>
+            <a:ext cx="6264183" cy="1828958"/>
+          </a:xfrm>
+          <a:prstGeom prst="rect">
+            <a:avLst/>
+          </a:prstGeom>
+        </p:spPr>
+      </p:pic>
+    </p:spTree>
+    <p:extLst>
+      <p:ext uri="{BB962C8B-B14F-4D97-AF65-F5344CB8AC3E}">
+        <p14:creationId xmlns:p14="http://schemas.microsoft.com/office/powerpoint/2010/main" val="250667662"/>
+      </p:ext>
+    </p:extLst>
+  </p:cSld>
+  <p:clrMapOvr>
+    <a:masterClrMapping/>
+  </p:clrMapOvr>
+</p:sld>
+</file>
+
 <file path=ppt/slides/slide2.xml><?xml version="1.0" encoding="utf-8"?>
 <p:sld xmlns:a="http://schemas.openxmlformats.org/drawingml/2006/main" xmlns:r="http://schemas.openxmlformats.org/officeDocument/2006/relationships" xmlns:p="http://schemas.openxmlformats.org/presentationml/2006/main">
   <p:cSld>
@@ -4892,6 +7361,91 @@
           <p:cNvPr id="2" name="Title 1">
             <a:extLst>
               <a:ext uri="{FF2B5EF4-FFF2-40B4-BE49-F238E27FC236}">
+                <a16:creationId xmlns:a16="http://schemas.microsoft.com/office/drawing/2014/main" id="{D2ECC4F6-8C49-1293-47A8-89BA51EE6B8B}"/>
+              </a:ext>
+            </a:extLst>
+          </p:cNvPr>
+          <p:cNvSpPr>
+            <a:spLocks noGrp="1"/>
+          </p:cNvSpPr>
+          <p:nvPr>
+            <p:ph type="title"/>
+          </p:nvPr>
+        </p:nvSpPr>
+        <p:spPr/>
+        <p:txBody>
+          <a:bodyPr/>
+          <a:lstStyle/>
+          <a:p>
+            <a:endParaRPr lang="de-DE"/>
+          </a:p>
+        </p:txBody>
+      </p:sp>
+      <p:pic>
+        <p:nvPicPr>
+          <p:cNvPr id="5" name="Picture 4">
+            <a:extLst>
+              <a:ext uri="{FF2B5EF4-FFF2-40B4-BE49-F238E27FC236}">
+                <a16:creationId xmlns:a16="http://schemas.microsoft.com/office/drawing/2014/main" id="{3CCD4E1B-6413-13D0-2BD2-FDC6B82BB1E7}"/>
+              </a:ext>
+            </a:extLst>
+          </p:cNvPr>
+          <p:cNvPicPr>
+            <a:picLocks noChangeAspect="1"/>
+          </p:cNvPicPr>
+          <p:nvPr/>
+        </p:nvPicPr>
+        <p:blipFill>
+          <a:blip r:embed="rId2"/>
+          <a:stretch>
+            <a:fillRect/>
+          </a:stretch>
+        </p:blipFill>
+        <p:spPr>
+          <a:xfrm>
+            <a:off x="1358338" y="1094329"/>
+            <a:ext cx="2911092" cy="5555461"/>
+          </a:xfrm>
+          <a:prstGeom prst="rect">
+            <a:avLst/>
+          </a:prstGeom>
+        </p:spPr>
+      </p:pic>
+    </p:spTree>
+    <p:extLst>
+      <p:ext uri="{BB962C8B-B14F-4D97-AF65-F5344CB8AC3E}">
+        <p14:creationId xmlns:p14="http://schemas.microsoft.com/office/powerpoint/2010/main" val="4267731009"/>
+      </p:ext>
+    </p:extLst>
+  </p:cSld>
+  <p:clrMapOvr>
+    <a:masterClrMapping/>
+  </p:clrMapOvr>
+</p:sld>
+</file>
+
+<file path=ppt/slides/slide4.xml><?xml version="1.0" encoding="utf-8"?>
+<p:sld xmlns:a="http://schemas.openxmlformats.org/drawingml/2006/main" xmlns:r="http://schemas.openxmlformats.org/officeDocument/2006/relationships" xmlns:p="http://schemas.openxmlformats.org/presentationml/2006/main">
+  <p:cSld>
+    <p:spTree>
+      <p:nvGrpSpPr>
+        <p:cNvPr id="1" name=""/>
+        <p:cNvGrpSpPr/>
+        <p:nvPr/>
+      </p:nvGrpSpPr>
+      <p:grpSpPr>
+        <a:xfrm>
+          <a:off x="0" y="0"/>
+          <a:ext cx="0" cy="0"/>
+          <a:chOff x="0" y="0"/>
+          <a:chExt cx="0" cy="0"/>
+        </a:xfrm>
+      </p:grpSpPr>
+      <p:sp>
+        <p:nvSpPr>
+          <p:cNvPr id="2" name="Title 1">
+            <a:extLst>
+              <a:ext uri="{FF2B5EF4-FFF2-40B4-BE49-F238E27FC236}">
                 <a16:creationId xmlns:a16="http://schemas.microsoft.com/office/drawing/2014/main" id="{5C13664B-7434-C67B-6D25-B81B08DA4B11}"/>
               </a:ext>
             </a:extLst>
@@ -5006,7 +7560,7 @@
 </p:sld>
 </file>
 
-<file path=ppt/slides/slide4.xml><?xml version="1.0" encoding="utf-8"?>
+<file path=ppt/slides/slide5.xml><?xml version="1.0" encoding="utf-8"?>
 <p:sld xmlns:a="http://schemas.openxmlformats.org/drawingml/2006/main" xmlns:r="http://schemas.openxmlformats.org/officeDocument/2006/relationships" xmlns:p="http://schemas.openxmlformats.org/presentationml/2006/main">
   <p:cSld>
     <p:spTree>
@@ -5300,7 +7854,95 @@
 </p:sld>
 </file>
 
-<file path=ppt/slides/slide5.xml><?xml version="1.0" encoding="utf-8"?>
+<file path=ppt/slides/slide6.xml><?xml version="1.0" encoding="utf-8"?>
+<p:sld xmlns:a="http://schemas.openxmlformats.org/drawingml/2006/main" xmlns:r="http://schemas.openxmlformats.org/officeDocument/2006/relationships" xmlns:p="http://schemas.openxmlformats.org/presentationml/2006/main">
+  <p:cSld>
+    <p:spTree>
+      <p:nvGrpSpPr>
+        <p:cNvPr id="1" name=""/>
+        <p:cNvGrpSpPr/>
+        <p:nvPr/>
+      </p:nvGrpSpPr>
+      <p:grpSpPr>
+        <a:xfrm>
+          <a:off x="0" y="0"/>
+          <a:ext cx="0" cy="0"/>
+          <a:chOff x="0" y="0"/>
+          <a:chExt cx="0" cy="0"/>
+        </a:xfrm>
+      </p:grpSpPr>
+      <p:sp>
+        <p:nvSpPr>
+          <p:cNvPr id="2" name="Title 1">
+            <a:extLst>
+              <a:ext uri="{FF2B5EF4-FFF2-40B4-BE49-F238E27FC236}">
+                <a16:creationId xmlns:a16="http://schemas.microsoft.com/office/drawing/2014/main" id="{6D5D6677-03E1-CE5D-7CAB-67F9C8B0FDE8}"/>
+              </a:ext>
+            </a:extLst>
+          </p:cNvPr>
+          <p:cNvSpPr>
+            <a:spLocks noGrp="1"/>
+          </p:cNvSpPr>
+          <p:nvPr>
+            <p:ph type="title"/>
+          </p:nvPr>
+        </p:nvSpPr>
+        <p:spPr/>
+        <p:txBody>
+          <a:bodyPr/>
+          <a:lstStyle/>
+          <a:p>
+            <a:r>
+              <a:rPr lang="de-DE" dirty="0"/>
+              <a:t>LED‘s and Buttons</a:t>
+            </a:r>
+          </a:p>
+        </p:txBody>
+      </p:sp>
+      <p:pic>
+        <p:nvPicPr>
+          <p:cNvPr id="6" name="Picture 5">
+            <a:extLst>
+              <a:ext uri="{FF2B5EF4-FFF2-40B4-BE49-F238E27FC236}">
+                <a16:creationId xmlns:a16="http://schemas.microsoft.com/office/drawing/2014/main" id="{6030171C-E742-45D1-4201-85959BE0944B}"/>
+              </a:ext>
+            </a:extLst>
+          </p:cNvPr>
+          <p:cNvPicPr>
+            <a:picLocks noChangeAspect="1"/>
+          </p:cNvPicPr>
+          <p:nvPr/>
+        </p:nvPicPr>
+        <p:blipFill>
+          <a:blip r:embed="rId2"/>
+          <a:stretch>
+            <a:fillRect/>
+          </a:stretch>
+        </p:blipFill>
+        <p:spPr>
+          <a:xfrm>
+            <a:off x="4409455" y="1559981"/>
+            <a:ext cx="3520745" cy="4473328"/>
+          </a:xfrm>
+          <a:prstGeom prst="rect">
+            <a:avLst/>
+          </a:prstGeom>
+        </p:spPr>
+      </p:pic>
+    </p:spTree>
+    <p:extLst>
+      <p:ext uri="{BB962C8B-B14F-4D97-AF65-F5344CB8AC3E}">
+        <p14:creationId xmlns:p14="http://schemas.microsoft.com/office/powerpoint/2010/main" val="3459072783"/>
+      </p:ext>
+    </p:extLst>
+  </p:cSld>
+  <p:clrMapOvr>
+    <a:masterClrMapping/>
+  </p:clrMapOvr>
+</p:sld>
+</file>
+
+<file path=ppt/slides/slide7.xml><?xml version="1.0" encoding="utf-8"?>
 <p:sld xmlns:a="http://schemas.openxmlformats.org/drawingml/2006/main" xmlns:r="http://schemas.openxmlformats.org/officeDocument/2006/relationships" xmlns:p="http://schemas.openxmlformats.org/presentationml/2006/main">
   <p:cSld>
     <p:spTree>
@@ -5418,468 +8060,6 @@
 </p:sld>
 </file>
 
-<file path=ppt/slides/slide6.xml><?xml version="1.0" encoding="utf-8"?>
-<p:sld xmlns:a="http://schemas.openxmlformats.org/drawingml/2006/main" xmlns:r="http://schemas.openxmlformats.org/officeDocument/2006/relationships" xmlns:p="http://schemas.openxmlformats.org/presentationml/2006/main">
-  <p:cSld>
-    <p:spTree>
-      <p:nvGrpSpPr>
-        <p:cNvPr id="1" name=""/>
-        <p:cNvGrpSpPr/>
-        <p:nvPr/>
-      </p:nvGrpSpPr>
-      <p:grpSpPr>
-        <a:xfrm>
-          <a:off x="0" y="0"/>
-          <a:ext cx="0" cy="0"/>
-          <a:chOff x="0" y="0"/>
-          <a:chExt cx="0" cy="0"/>
-        </a:xfrm>
-      </p:grpSpPr>
-      <p:sp>
-        <p:nvSpPr>
-          <p:cNvPr id="2" name="Title 1">
-            <a:extLst>
-              <a:ext uri="{FF2B5EF4-FFF2-40B4-BE49-F238E27FC236}">
-                <a16:creationId xmlns:a16="http://schemas.microsoft.com/office/drawing/2014/main" id="{CB8A09C4-5375-85EF-82C5-F5B1F6161022}"/>
-              </a:ext>
-            </a:extLst>
-          </p:cNvPr>
-          <p:cNvSpPr>
-            <a:spLocks noGrp="1"/>
-          </p:cNvSpPr>
-          <p:nvPr>
-            <p:ph type="title"/>
-          </p:nvPr>
-        </p:nvSpPr>
-        <p:spPr/>
-        <p:txBody>
-          <a:bodyPr/>
-          <a:lstStyle/>
-          <a:p>
-            <a:r>
-              <a:rPr lang="en-US" sz="2400" dirty="0">
-                <a:effectLst/>
-                <a:latin typeface="Calibri" panose="020F0502020204030204" pitchFamily="34" charset="0"/>
-              </a:rPr>
-              <a:t>In \apps\tcpip_iperf_10base_t1s\firmware\</a:t>
-            </a:r>
-            <a:r>
-              <a:rPr lang="en-US" sz="2400" dirty="0" err="1">
-                <a:effectLst/>
-                <a:latin typeface="Calibri" panose="020F0502020204030204" pitchFamily="34" charset="0"/>
-              </a:rPr>
-              <a:t>src</a:t>
-            </a:r>
-            <a:r>
-              <a:rPr lang="en-US" sz="2400" dirty="0">
-                <a:effectLst/>
-                <a:latin typeface="Calibri" panose="020F0502020204030204" pitchFamily="34" charset="0"/>
-              </a:rPr>
-              <a:t>\</a:t>
-            </a:r>
-            <a:r>
-              <a:rPr lang="en-US" sz="2400" dirty="0" err="1">
-                <a:effectLst/>
-                <a:latin typeface="Calibri" panose="020F0502020204030204" pitchFamily="34" charset="0"/>
-              </a:rPr>
-              <a:t>gfx_mono</a:t>
-            </a:r>
-            <a:r>
-              <a:rPr lang="en-US" sz="2400" dirty="0">
-                <a:effectLst/>
-                <a:latin typeface="Calibri" panose="020F0502020204030204" pitchFamily="34" charset="0"/>
-              </a:rPr>
-              <a:t>\</a:t>
-            </a:r>
-            <a:r>
-              <a:rPr lang="en-US" sz="2400" dirty="0" err="1">
-                <a:solidFill>
-                  <a:srgbClr val="FF0000"/>
-                </a:solidFill>
-                <a:effectLst/>
-                <a:latin typeface="Calibri" panose="020F0502020204030204" pitchFamily="34" charset="0"/>
-              </a:rPr>
-              <a:t>gfx_definitions.h</a:t>
-            </a:r>
-            <a:br>
-              <a:rPr lang="en-US" sz="2400" dirty="0">
-                <a:solidFill>
-                  <a:srgbClr val="FF0000"/>
-                </a:solidFill>
-                <a:effectLst/>
-                <a:latin typeface="Calibri" panose="020F0502020204030204" pitchFamily="34" charset="0"/>
-              </a:rPr>
-            </a:br>
-            <a:r>
-              <a:rPr lang="en-US" sz="2400" dirty="0">
-                <a:effectLst/>
-                <a:latin typeface="Calibri" panose="020F0502020204030204" pitchFamily="34" charset="0"/>
-              </a:rPr>
-              <a:t>are the Wrappers defined</a:t>
-            </a:r>
-            <a:endParaRPr lang="de-DE" sz="5400" dirty="0"/>
-          </a:p>
-        </p:txBody>
-      </p:sp>
-      <p:pic>
-        <p:nvPicPr>
-          <p:cNvPr id="5" name="Picture 4">
-            <a:extLst>
-              <a:ext uri="{FF2B5EF4-FFF2-40B4-BE49-F238E27FC236}">
-                <a16:creationId xmlns:a16="http://schemas.microsoft.com/office/drawing/2014/main" id="{CED91F10-D9EB-202D-A88C-222E5CEE5286}"/>
-              </a:ext>
-            </a:extLst>
-          </p:cNvPr>
-          <p:cNvPicPr>
-            <a:picLocks noChangeAspect="1"/>
-          </p:cNvPicPr>
-          <p:nvPr/>
-        </p:nvPicPr>
-        <p:blipFill>
-          <a:blip r:embed="rId2"/>
-          <a:stretch>
-            <a:fillRect/>
-          </a:stretch>
-        </p:blipFill>
-        <p:spPr>
-          <a:xfrm>
-            <a:off x="1022719" y="2126430"/>
-            <a:ext cx="10515408" cy="2786734"/>
-          </a:xfrm>
-          <a:prstGeom prst="rect">
-            <a:avLst/>
-          </a:prstGeom>
-        </p:spPr>
-      </p:pic>
-    </p:spTree>
-    <p:extLst>
-      <p:ext uri="{BB962C8B-B14F-4D97-AF65-F5344CB8AC3E}">
-        <p14:creationId xmlns:p14="http://schemas.microsoft.com/office/powerpoint/2010/main" val="3484821720"/>
-      </p:ext>
-    </p:extLst>
-  </p:cSld>
-  <p:clrMapOvr>
-    <a:masterClrMapping/>
-  </p:clrMapOvr>
-</p:sld>
-</file>
-
-<file path=ppt/slides/slide7.xml><?xml version="1.0" encoding="utf-8"?>
-<p:sld xmlns:a="http://schemas.openxmlformats.org/drawingml/2006/main" xmlns:r="http://schemas.openxmlformats.org/officeDocument/2006/relationships" xmlns:p="http://schemas.openxmlformats.org/presentationml/2006/main">
-  <p:cSld>
-    <p:spTree>
-      <p:nvGrpSpPr>
-        <p:cNvPr id="1" name=""/>
-        <p:cNvGrpSpPr/>
-        <p:nvPr/>
-      </p:nvGrpSpPr>
-      <p:grpSpPr>
-        <a:xfrm>
-          <a:off x="0" y="0"/>
-          <a:ext cx="0" cy="0"/>
-          <a:chOff x="0" y="0"/>
-          <a:chExt cx="0" cy="0"/>
-        </a:xfrm>
-      </p:grpSpPr>
-      <p:sp>
-        <p:nvSpPr>
-          <p:cNvPr id="2" name="Title 1">
-            <a:extLst>
-              <a:ext uri="{FF2B5EF4-FFF2-40B4-BE49-F238E27FC236}">
-                <a16:creationId xmlns:a16="http://schemas.microsoft.com/office/drawing/2014/main" id="{BB275688-C8BF-752F-AEF3-0AA67AD61B04}"/>
-              </a:ext>
-            </a:extLst>
-          </p:cNvPr>
-          <p:cNvSpPr>
-            <a:spLocks noGrp="1"/>
-          </p:cNvSpPr>
-          <p:nvPr>
-            <p:ph type="title"/>
-          </p:nvPr>
-        </p:nvSpPr>
-        <p:spPr/>
-        <p:txBody>
-          <a:bodyPr/>
-          <a:lstStyle/>
-          <a:p>
-            <a:r>
-              <a:rPr lang="de-DE" dirty="0"/>
-              <a:t>Initialization</a:t>
-            </a:r>
-          </a:p>
-        </p:txBody>
-      </p:sp>
-      <p:sp>
-        <p:nvSpPr>
-          <p:cNvPr id="3" name="Content Placeholder 2">
-            <a:extLst>
-              <a:ext uri="{FF2B5EF4-FFF2-40B4-BE49-F238E27FC236}">
-                <a16:creationId xmlns:a16="http://schemas.microsoft.com/office/drawing/2014/main" id="{7DC7BA39-6ACB-A42F-ED02-EF4854A1C035}"/>
-              </a:ext>
-            </a:extLst>
-          </p:cNvPr>
-          <p:cNvSpPr>
-            <a:spLocks noGrp="1"/>
-          </p:cNvSpPr>
-          <p:nvPr>
-            <p:ph sz="quarter" idx="13"/>
-          </p:nvPr>
-        </p:nvSpPr>
-        <p:spPr/>
-        <p:txBody>
-          <a:bodyPr>
-            <a:normAutofit fontScale="85000" lnSpcReduction="20000"/>
-          </a:bodyPr>
-          <a:lstStyle/>
-          <a:p>
-            <a:pPr marL="0" indent="0" rtl="0" fontAlgn="ctr">
-              <a:spcBef>
-                <a:spcPts val="0"/>
-              </a:spcBef>
-              <a:spcAft>
-                <a:spcPts val="0"/>
-              </a:spcAft>
-              <a:buNone/>
-            </a:pPr>
-            <a:r>
-              <a:rPr lang="en-US" dirty="0"/>
-              <a:t>Init the Ports and the SERCOM0 with </a:t>
-            </a:r>
-            <a:r>
-              <a:rPr lang="en-US" dirty="0" err="1">
-                <a:latin typeface="Courier New" panose="02070309020205020404" pitchFamily="49" charset="0"/>
-                <a:cs typeface="Courier New" panose="02070309020205020404" pitchFamily="49" charset="0"/>
-              </a:rPr>
-              <a:t>PORT_Initialize</a:t>
-            </a:r>
-            <a:r>
-              <a:rPr lang="en-US" dirty="0">
-                <a:latin typeface="Courier New" panose="02070309020205020404" pitchFamily="49" charset="0"/>
-                <a:cs typeface="Courier New" panose="02070309020205020404" pitchFamily="49" charset="0"/>
-              </a:rPr>
-              <a:t>()</a:t>
-            </a:r>
-            <a:r>
-              <a:rPr lang="en-US" dirty="0"/>
-              <a:t>and </a:t>
-            </a:r>
-            <a:r>
-              <a:rPr lang="en-US" dirty="0">
-                <a:latin typeface="Courier New" panose="02070309020205020404" pitchFamily="49" charset="0"/>
-                <a:cs typeface="Courier New" panose="02070309020205020404" pitchFamily="49" charset="0"/>
-              </a:rPr>
-              <a:t>SERCOM0_SPI_Initialize()</a:t>
-            </a:r>
-          </a:p>
-          <a:p>
-            <a:pPr marL="0" indent="0" rtl="0" fontAlgn="ctr">
-              <a:spcBef>
-                <a:spcPts val="0"/>
-              </a:spcBef>
-              <a:spcAft>
-                <a:spcPts val="0"/>
-              </a:spcAft>
-              <a:buNone/>
-            </a:pPr>
-            <a:r>
-              <a:rPr lang="en-US" dirty="0"/>
-              <a:t> </a:t>
-            </a:r>
-          </a:p>
-          <a:p>
-            <a:pPr marL="0" indent="0" rtl="0" fontAlgn="ctr">
-              <a:spcBef>
-                <a:spcPts val="0"/>
-              </a:spcBef>
-              <a:spcAft>
-                <a:spcPts val="0"/>
-              </a:spcAft>
-              <a:buNone/>
-            </a:pPr>
-            <a:r>
-              <a:rPr lang="en-US" dirty="0"/>
-              <a:t>Init the Interrupts (because the SPI handling is based on interrupts)</a:t>
-            </a:r>
-          </a:p>
-          <a:p>
-            <a:pPr marL="0" indent="0" rtl="0" fontAlgn="ctr">
-              <a:spcBef>
-                <a:spcPts val="0"/>
-              </a:spcBef>
-              <a:spcAft>
-                <a:spcPts val="0"/>
-              </a:spcAft>
-              <a:buNone/>
-            </a:pPr>
-            <a:endParaRPr lang="en-US" dirty="0"/>
-          </a:p>
-          <a:p>
-            <a:pPr marL="0" indent="0" rtl="0" fontAlgn="ctr">
-              <a:spcBef>
-                <a:spcPts val="0"/>
-              </a:spcBef>
-              <a:spcAft>
-                <a:spcPts val="0"/>
-              </a:spcAft>
-              <a:buNone/>
-            </a:pPr>
-            <a:r>
-              <a:rPr lang="en-US" dirty="0"/>
-              <a:t>The display can be initialized with </a:t>
-            </a:r>
-            <a:r>
-              <a:rPr lang="en-US" dirty="0">
-                <a:latin typeface="Courier New" panose="02070309020205020404" pitchFamily="49" charset="0"/>
-                <a:cs typeface="Courier New" panose="02070309020205020404" pitchFamily="49" charset="0"/>
-              </a:rPr>
-              <a:t>gfx_mono_ssd1306_init()</a:t>
-            </a:r>
-          </a:p>
-          <a:p>
-            <a:pPr marL="0" indent="0" rtl="0" fontAlgn="ctr">
-              <a:spcBef>
-                <a:spcPts val="0"/>
-              </a:spcBef>
-              <a:spcAft>
-                <a:spcPts val="0"/>
-              </a:spcAft>
-              <a:buNone/>
-            </a:pPr>
-            <a:endParaRPr lang="en-US" dirty="0"/>
-          </a:p>
-          <a:p>
-            <a:pPr marL="0" indent="0" rtl="0" fontAlgn="ctr">
-              <a:spcBef>
-                <a:spcPts val="0"/>
-              </a:spcBef>
-              <a:spcAft>
-                <a:spcPts val="0"/>
-              </a:spcAft>
-              <a:buNone/>
-            </a:pPr>
-            <a:r>
-              <a:rPr lang="en-US" dirty="0"/>
-              <a:t>Init the display with </a:t>
-            </a:r>
-            <a:r>
-              <a:rPr lang="en-US" dirty="0">
-                <a:latin typeface="Courier New" panose="02070309020205020404" pitchFamily="49" charset="0"/>
-                <a:cs typeface="Courier New" panose="02070309020205020404" pitchFamily="49" charset="0"/>
-              </a:rPr>
-              <a:t>gfx_mono_ssd1306_init()</a:t>
-            </a:r>
-          </a:p>
-          <a:p>
-            <a:pPr marL="0" indent="0" rtl="0" fontAlgn="ctr">
-              <a:spcBef>
-                <a:spcPts val="0"/>
-              </a:spcBef>
-              <a:spcAft>
-                <a:spcPts val="0"/>
-              </a:spcAft>
-              <a:buNone/>
-            </a:pPr>
-            <a:endParaRPr lang="en-US" dirty="0"/>
-          </a:p>
-          <a:p>
-            <a:pPr marL="0" indent="0" rtl="0" fontAlgn="ctr">
-              <a:spcBef>
-                <a:spcPts val="0"/>
-              </a:spcBef>
-              <a:spcAft>
-                <a:spcPts val="0"/>
-              </a:spcAft>
-              <a:buNone/>
-            </a:pPr>
-            <a:r>
-              <a:rPr lang="en-US" dirty="0"/>
-              <a:t>The </a:t>
-            </a:r>
-            <a:r>
-              <a:rPr lang="en-US" dirty="0" err="1"/>
-              <a:t>gfx_mono</a:t>
-            </a:r>
-            <a:r>
-              <a:rPr lang="en-US" dirty="0"/>
-              <a:t> graphic library offer a lot of generic functions also for circles, lines, etc. see documentation “gfxMonoDoc.pdf”</a:t>
-            </a:r>
-            <a:br>
-              <a:rPr lang="en-US" dirty="0"/>
-            </a:br>
-            <a:endParaRPr lang="en-US" dirty="0"/>
-          </a:p>
-          <a:p>
-            <a:pPr marL="0" indent="0" rtl="0" fontAlgn="ctr">
-              <a:spcBef>
-                <a:spcPts val="0"/>
-              </a:spcBef>
-              <a:spcAft>
-                <a:spcPts val="0"/>
-              </a:spcAft>
-              <a:buNone/>
-            </a:pPr>
-            <a:r>
-              <a:rPr lang="en-US" dirty="0"/>
-              <a:t>We have added and use only a “Line Print Function with automatic scroll” in this project:</a:t>
-            </a:r>
-          </a:p>
-          <a:p>
-            <a:pPr marL="457200" lvl="1" indent="0" rtl="0" fontAlgn="ctr">
-              <a:spcBef>
-                <a:spcPts val="0"/>
-              </a:spcBef>
-              <a:spcAft>
-                <a:spcPts val="0"/>
-              </a:spcAft>
-              <a:buNone/>
-            </a:pPr>
-            <a:br>
-              <a:rPr lang="en-US" dirty="0"/>
-            </a:br>
-            <a:r>
-              <a:rPr lang="en-US" dirty="0"/>
-              <a:t>       Example usage:  </a:t>
-            </a:r>
-            <a:r>
-              <a:rPr lang="en-US" dirty="0">
-                <a:latin typeface="Courier New" panose="02070309020205020404" pitchFamily="49" charset="0"/>
-                <a:cs typeface="Courier New" panose="02070309020205020404" pitchFamily="49" charset="0"/>
-              </a:rPr>
-              <a:t> </a:t>
-            </a:r>
-            <a:r>
-              <a:rPr lang="en-US" dirty="0" err="1">
-                <a:latin typeface="Courier New" panose="02070309020205020404" pitchFamily="49" charset="0"/>
-                <a:cs typeface="Courier New" panose="02070309020205020404" pitchFamily="49" charset="0"/>
-              </a:rPr>
-              <a:t>gfx_mono_print_scroll</a:t>
-            </a:r>
-            <a:r>
-              <a:rPr lang="en-US" dirty="0">
-                <a:latin typeface="Courier New" panose="02070309020205020404" pitchFamily="49" charset="0"/>
-                <a:cs typeface="Courier New" panose="02070309020205020404" pitchFamily="49" charset="0"/>
-              </a:rPr>
-              <a:t>("LAN867x PLCA");</a:t>
-            </a:r>
-          </a:p>
-          <a:p>
-            <a:endParaRPr lang="de-DE" dirty="0"/>
-          </a:p>
-        </p:txBody>
-      </p:sp>
-    </p:spTree>
-    <p:extLst>
-      <p:ext uri="{BB962C8B-B14F-4D97-AF65-F5344CB8AC3E}">
-        <p14:creationId xmlns:p14="http://schemas.microsoft.com/office/powerpoint/2010/main" val="1180749696"/>
-      </p:ext>
-    </p:extLst>
-  </p:cSld>
-  <p:clrMapOvr>
-    <a:masterClrMapping/>
-  </p:clrMapOvr>
-</p:sld>
-</file>
-
 <file path=ppt/slides/slide8.xml><?xml version="1.0" encoding="utf-8"?>
 <p:sld xmlns:a="http://schemas.openxmlformats.org/drawingml/2006/main" xmlns:r="http://schemas.openxmlformats.org/officeDocument/2006/relationships" xmlns:p="http://schemas.openxmlformats.org/presentationml/2006/main">
   <p:cSld>
@@ -5902,7 +8082,7 @@
           <p:cNvPr id="2" name="Title 1">
             <a:extLst>
               <a:ext uri="{FF2B5EF4-FFF2-40B4-BE49-F238E27FC236}">
-                <a16:creationId xmlns:a16="http://schemas.microsoft.com/office/drawing/2014/main" id="{A4EFFCAE-BDED-2745-84BF-7C0ED2DC6553}"/>
+                <a16:creationId xmlns:a16="http://schemas.microsoft.com/office/drawing/2014/main" id="{FC4DB905-EFCA-8CC0-50A1-8A734727D02C}"/>
               </a:ext>
             </a:extLst>
           </p:cNvPr>
@@ -5918,16 +8098,136 @@
           <a:bodyPr/>
           <a:lstStyle/>
           <a:p>
-            <a:endParaRPr lang="en-US" dirty="0"/>
+            <a:endParaRPr lang="de-DE"/>
           </a:p>
         </p:txBody>
       </p:sp>
+      <p:pic>
+        <p:nvPicPr>
+          <p:cNvPr id="5" name="Picture 4">
+            <a:extLst>
+              <a:ext uri="{FF2B5EF4-FFF2-40B4-BE49-F238E27FC236}">
+                <a16:creationId xmlns:a16="http://schemas.microsoft.com/office/drawing/2014/main" id="{8A13EED2-37DD-8692-9737-41DBE60C6BAE}"/>
+              </a:ext>
+            </a:extLst>
+          </p:cNvPr>
+          <p:cNvPicPr>
+            <a:picLocks noChangeAspect="1"/>
+          </p:cNvPicPr>
+          <p:nvPr/>
+        </p:nvPicPr>
+        <p:blipFill>
+          <a:blip r:embed="rId2"/>
+          <a:stretch>
+            <a:fillRect/>
+          </a:stretch>
+        </p:blipFill>
+        <p:spPr>
+          <a:xfrm>
+            <a:off x="286284" y="1034515"/>
+            <a:ext cx="3452159" cy="1615580"/>
+          </a:xfrm>
+          <a:prstGeom prst="rect">
+            <a:avLst/>
+          </a:prstGeom>
+        </p:spPr>
+      </p:pic>
+      <p:pic>
+        <p:nvPicPr>
+          <p:cNvPr id="7" name="Picture 6">
+            <a:extLst>
+              <a:ext uri="{FF2B5EF4-FFF2-40B4-BE49-F238E27FC236}">
+                <a16:creationId xmlns:a16="http://schemas.microsoft.com/office/drawing/2014/main" id="{09A16063-20F6-5419-4D3E-366187DDCA2F}"/>
+              </a:ext>
+            </a:extLst>
+          </p:cNvPr>
+          <p:cNvPicPr>
+            <a:picLocks noChangeAspect="1"/>
+          </p:cNvPicPr>
+          <p:nvPr/>
+        </p:nvPicPr>
+        <p:blipFill>
+          <a:blip r:embed="rId3"/>
+          <a:stretch>
+            <a:fillRect/>
+          </a:stretch>
+        </p:blipFill>
+        <p:spPr>
+          <a:xfrm>
+            <a:off x="4257363" y="1131249"/>
+            <a:ext cx="3596952" cy="4282811"/>
+          </a:xfrm>
+          <a:prstGeom prst="rect">
+            <a:avLst/>
+          </a:prstGeom>
+        </p:spPr>
+      </p:pic>
+      <p:pic>
+        <p:nvPicPr>
+          <p:cNvPr id="9" name="Picture 8">
+            <a:extLst>
+              <a:ext uri="{FF2B5EF4-FFF2-40B4-BE49-F238E27FC236}">
+                <a16:creationId xmlns:a16="http://schemas.microsoft.com/office/drawing/2014/main" id="{43695E73-BA65-432E-A721-057FE40983E7}"/>
+              </a:ext>
+            </a:extLst>
+          </p:cNvPr>
+          <p:cNvPicPr>
+            <a:picLocks noChangeAspect="1"/>
+          </p:cNvPicPr>
+          <p:nvPr/>
+        </p:nvPicPr>
+        <p:blipFill>
+          <a:blip r:embed="rId4"/>
+          <a:stretch>
+            <a:fillRect/>
+          </a:stretch>
+        </p:blipFill>
+        <p:spPr>
+          <a:xfrm>
+            <a:off x="8913664" y="4459666"/>
+            <a:ext cx="2842506" cy="1204064"/>
+          </a:xfrm>
+          <a:prstGeom prst="rect">
+            <a:avLst/>
+          </a:prstGeom>
+        </p:spPr>
+      </p:pic>
+    </p:spTree>
+    <p:extLst>
+      <p:ext uri="{BB962C8B-B14F-4D97-AF65-F5344CB8AC3E}">
+        <p14:creationId xmlns:p14="http://schemas.microsoft.com/office/powerpoint/2010/main" val="3709573163"/>
+      </p:ext>
+    </p:extLst>
+  </p:cSld>
+  <p:clrMapOvr>
+    <a:masterClrMapping/>
+  </p:clrMapOvr>
+</p:sld>
+</file>
+
+<file path=ppt/slides/slide9.xml><?xml version="1.0" encoding="utf-8"?>
+<p:sld xmlns:a="http://schemas.openxmlformats.org/drawingml/2006/main" xmlns:r="http://schemas.openxmlformats.org/officeDocument/2006/relationships" xmlns:p="http://schemas.openxmlformats.org/presentationml/2006/main">
+  <p:cSld>
+    <p:spTree>
+      <p:nvGrpSpPr>
+        <p:cNvPr id="1" name=""/>
+        <p:cNvGrpSpPr/>
+        <p:nvPr/>
+      </p:nvGrpSpPr>
+      <p:grpSpPr>
+        <a:xfrm>
+          <a:off x="0" y="0"/>
+          <a:ext cx="0" cy="0"/>
+          <a:chOff x="0" y="0"/>
+          <a:chExt cx="0" cy="0"/>
+        </a:xfrm>
+      </p:grpSpPr>
       <p:sp>
         <p:nvSpPr>
-          <p:cNvPr id="3" name="Text Placeholder 2">
-            <a:extLst>
-              <a:ext uri="{FF2B5EF4-FFF2-40B4-BE49-F238E27FC236}">
-                <a16:creationId xmlns:a16="http://schemas.microsoft.com/office/drawing/2014/main" id="{63243689-041C-E840-A442-34D397287D77}"/>
+          <p:cNvPr id="2" name="Title 1">
+            <a:extLst>
+              <a:ext uri="{FF2B5EF4-FFF2-40B4-BE49-F238E27FC236}">
+                <a16:creationId xmlns:a16="http://schemas.microsoft.com/office/drawing/2014/main" id="{4989FE14-905F-F5BC-C105-B5343E1CC9C7}"/>
               </a:ext>
             </a:extLst>
           </p:cNvPr>
@@ -5935,7 +8235,7 @@
             <a:spLocks noGrp="1"/>
           </p:cNvSpPr>
           <p:nvPr>
-            <p:ph type="body" sz="quarter" idx="13"/>
+            <p:ph type="title"/>
           </p:nvPr>
         </p:nvSpPr>
         <p:spPr/>
@@ -5943,39 +8243,74 @@
           <a:bodyPr/>
           <a:lstStyle/>
           <a:p>
-            <a:endParaRPr lang="en-US"/>
+            <a:endParaRPr lang="de-DE"/>
           </a:p>
         </p:txBody>
       </p:sp>
-      <p:sp>
-        <p:nvSpPr>
-          <p:cNvPr id="4" name="Content Placeholder 3">
-            <a:extLst>
-              <a:ext uri="{FF2B5EF4-FFF2-40B4-BE49-F238E27FC236}">
-                <a16:creationId xmlns:a16="http://schemas.microsoft.com/office/drawing/2014/main" id="{9A6FC5AF-200C-E244-8F0A-68FB1F10D72C}"/>
-              </a:ext>
-            </a:extLst>
-          </p:cNvPr>
-          <p:cNvSpPr>
-            <a:spLocks noGrp="1"/>
-          </p:cNvSpPr>
-          <p:nvPr>
-            <p:ph sz="quarter" idx="15"/>
-          </p:nvPr>
-        </p:nvSpPr>
-        <p:spPr/>
-        <p:txBody>
-          <a:bodyPr/>
-          <a:lstStyle/>
-          <a:p>
-            <a:endParaRPr lang="en-US"/>
-          </a:p>
-        </p:txBody>
-      </p:sp>
+      <p:pic>
+        <p:nvPicPr>
+          <p:cNvPr id="4" name="Picture 3">
+            <a:extLst>
+              <a:ext uri="{FF2B5EF4-FFF2-40B4-BE49-F238E27FC236}">
+                <a16:creationId xmlns:a16="http://schemas.microsoft.com/office/drawing/2014/main" id="{81A4AF39-5980-EE67-A046-89DBCC5968D4}"/>
+              </a:ext>
+            </a:extLst>
+          </p:cNvPr>
+          <p:cNvPicPr>
+            <a:picLocks noChangeAspect="1"/>
+          </p:cNvPicPr>
+          <p:nvPr/>
+        </p:nvPicPr>
+        <p:blipFill>
+          <a:blip r:embed="rId2"/>
+          <a:stretch>
+            <a:fillRect/>
+          </a:stretch>
+        </p:blipFill>
+        <p:spPr>
+          <a:xfrm>
+            <a:off x="2730317" y="1309244"/>
+            <a:ext cx="5029636" cy="4107536"/>
+          </a:xfrm>
+          <a:prstGeom prst="rect">
+            <a:avLst/>
+          </a:prstGeom>
+        </p:spPr>
+      </p:pic>
+      <p:pic>
+        <p:nvPicPr>
+          <p:cNvPr id="5" name="Picture 4">
+            <a:extLst>
+              <a:ext uri="{FF2B5EF4-FFF2-40B4-BE49-F238E27FC236}">
+                <a16:creationId xmlns:a16="http://schemas.microsoft.com/office/drawing/2014/main" id="{D08C41CF-57F2-B179-CFF1-91EB2A9E300B}"/>
+              </a:ext>
+            </a:extLst>
+          </p:cNvPr>
+          <p:cNvPicPr>
+            <a:picLocks noChangeAspect="1"/>
+          </p:cNvPicPr>
+          <p:nvPr/>
+        </p:nvPicPr>
+        <p:blipFill>
+          <a:blip r:embed="rId3"/>
+          <a:stretch>
+            <a:fillRect/>
+          </a:stretch>
+        </p:blipFill>
+        <p:spPr>
+          <a:xfrm>
+            <a:off x="410004" y="2107386"/>
+            <a:ext cx="2400508" cy="2171888"/>
+          </a:xfrm>
+          <a:prstGeom prst="rect">
+            <a:avLst/>
+          </a:prstGeom>
+        </p:spPr>
+      </p:pic>
     </p:spTree>
     <p:extLst>
       <p:ext uri="{BB962C8B-B14F-4D97-AF65-F5344CB8AC3E}">
-        <p14:creationId xmlns:p14="http://schemas.microsoft.com/office/powerpoint/2010/main" val="19653411"/>
+        <p14:creationId xmlns:p14="http://schemas.microsoft.com/office/powerpoint/2010/main" val="2908039754"/>
       </p:ext>
     </p:extLst>
   </p:cSld>
@@ -6918,6 +9253,74 @@
 </file>
 
 <file path=customXml/item1.xml><?xml version="1.0" encoding="utf-8"?>
+<?mso-contentType ?>
+<spe:Receivers xmlns:spe="http://schemas.microsoft.com/sharepoint/events">
+  <Receiver>
+    <Name>Document ID Generator</Name>
+    <Synchronization>Synchronous</Synchronization>
+    <Type>10001</Type>
+    <SequenceNumber>1000</SequenceNumber>
+    <Assembly>Microsoft.Office.DocumentManagement, Version=14.0.0.0, Culture=neutral, PublicKeyToken=71e9bce111e9429c</Assembly>
+    <Class>Microsoft.Office.DocumentManagement.Internal.DocIdHandler</Class>
+    <Data/>
+    <Filter/>
+  </Receiver>
+  <Receiver>
+    <Name>Document ID Generator</Name>
+    <Synchronization>Synchronous</Synchronization>
+    <Type>10002</Type>
+    <SequenceNumber>1001</SequenceNumber>
+    <Assembly>Microsoft.Office.DocumentManagement, Version=14.0.0.0, Culture=neutral, PublicKeyToken=71e9bce111e9429c</Assembly>
+    <Class>Microsoft.Office.DocumentManagement.Internal.DocIdHandler</Class>
+    <Data/>
+    <Filter/>
+  </Receiver>
+  <Receiver>
+    <Name>Document ID Generator</Name>
+    <Synchronization>Synchronous</Synchronization>
+    <Type>10004</Type>
+    <SequenceNumber>1002</SequenceNumber>
+    <Assembly>Microsoft.Office.DocumentManagement, Version=14.0.0.0, Culture=neutral, PublicKeyToken=71e9bce111e9429c</Assembly>
+    <Class>Microsoft.Office.DocumentManagement.Internal.DocIdHandler</Class>
+    <Data/>
+    <Filter/>
+  </Receiver>
+  <Receiver>
+    <Name>Document ID Generator</Name>
+    <Synchronization>Synchronous</Synchronization>
+    <Type>10006</Type>
+    <SequenceNumber>1003</SequenceNumber>
+    <Assembly>Microsoft.Office.DocumentManagement, Version=14.0.0.0, Culture=neutral, PublicKeyToken=71e9bce111e9429c</Assembly>
+    <Class>Microsoft.Office.DocumentManagement.Internal.DocIdHandler</Class>
+    <Data/>
+    <Filter/>
+  </Receiver>
+</spe:Receivers>
+</file>
+
+<file path=customXml/item2.xml><?xml version="1.0" encoding="utf-8"?>
+<p:properties xmlns:p="http://schemas.microsoft.com/office/2006/metadata/properties" xmlns:xsi="http://www.w3.org/2001/XMLSchema-instance" xmlns:pc="http://schemas.microsoft.com/office/infopath/2007/PartnerControls">
+  <documentManagement>
+    <Content_x0020_Archived xmlns="df7acb31-37ac-40e2-81bb-c44e3630f613">false</Content_x0020_Archived>
+    <_dlc_DocId xmlns="38ef598d-997c-498b-b737-2f6b2c50ccab">SV5CHKDEWJXD-84-133</_dlc_DocId>
+    <_dlc_DocIdUrl xmlns="38ef598d-997c-498b-b737-2f6b2c50ccab">
+      <Url>http://mchpweb-2010/marcom/home/Resources/_layouts/DocIdRedir.aspx?ID=SV5CHKDEWJXD-84-133</Url>
+      <Description>SV5CHKDEWJXD-84-133</Description>
+    </_dlc_DocIdUrl>
+  </documentManagement>
+</p:properties>
+</file>
+
+<file path=customXml/item3.xml><?xml version="1.0" encoding="utf-8"?>
+<?mso-contentType ?>
+<FormTemplates xmlns="http://schemas.microsoft.com/sharepoint/v3/contenttype/forms">
+  <Display>DocumentLibraryForm</Display>
+  <Edit>DocumentLibraryForm</Edit>
+  <New>DocumentLibraryForm</New>
+</FormTemplates>
+</file>
+
+<file path=customXml/item4.xml><?xml version="1.0" encoding="utf-8"?>
 <ct:contentTypeSchema xmlns:ct="http://schemas.microsoft.com/office/2006/metadata/contentType" xmlns:ma="http://schemas.microsoft.com/office/2006/metadata/properties/metaAttributes" ct:_="" ma:_="" ma:contentTypeName="Document" ma:contentTypeID="0x01010006EF9829FE6FB94D84D3D1D5B1820991" ma:contentTypeVersion="2" ma:contentTypeDescription="Create a new document." ma:contentTypeScope="" ma:versionID="84d427fd2fb92a215479da5b0fe5e4ad">
   <xsd:schema xmlns:xsd="http://www.w3.org/2001/XMLSchema" xmlns:xs="http://www.w3.org/2001/XMLSchema" xmlns:p="http://schemas.microsoft.com/office/2006/metadata/properties" xmlns:ns2="38ef598d-997c-498b-b737-2f6b2c50ccab" xmlns:ns3="df7acb31-37ac-40e2-81bb-c44e3630f613" targetNamespace="http://schemas.microsoft.com/office/2006/metadata/properties" ma:root="true" ma:fieldsID="156788901a84a305ff90b9b24ba2d9fb" ns2:_="" ns3:_="">
     <xsd:import namespace="38ef598d-997c-498b-b737-2f6b2c50ccab"/>
@@ -7073,75 +9476,34 @@
 </ct:contentTypeSchema>
 </file>
 
-<file path=customXml/item2.xml><?xml version="1.0" encoding="utf-8"?>
-<?mso-contentType ?>
-<FormTemplates xmlns="http://schemas.microsoft.com/sharepoint/v3/contenttype/forms">
-  <Display>DocumentLibraryForm</Display>
-  <Edit>DocumentLibraryForm</Edit>
-  <New>DocumentLibraryForm</New>
-</FormTemplates>
+<file path=customXml/itemProps1.xml><?xml version="1.0" encoding="utf-8"?>
+<ds:datastoreItem xmlns:ds="http://schemas.openxmlformats.org/officeDocument/2006/customXml" ds:itemID="{36ECED7C-7E24-4B80-B6AD-5BF0A508FB7B}">
+  <ds:schemaRefs>
+    <ds:schemaRef ds:uri="http://schemas.microsoft.com/sharepoint/events"/>
+  </ds:schemaRefs>
+</ds:datastoreItem>
 </file>
 
-<file path=customXml/item3.xml><?xml version="1.0" encoding="utf-8"?>
-<p:properties xmlns:p="http://schemas.microsoft.com/office/2006/metadata/properties" xmlns:xsi="http://www.w3.org/2001/XMLSchema-instance" xmlns:pc="http://schemas.microsoft.com/office/infopath/2007/PartnerControls">
-  <documentManagement>
-    <Content_x0020_Archived xmlns="df7acb31-37ac-40e2-81bb-c44e3630f613">false</Content_x0020_Archived>
-    <_dlc_DocId xmlns="38ef598d-997c-498b-b737-2f6b2c50ccab">SV5CHKDEWJXD-84-133</_dlc_DocId>
-    <_dlc_DocIdUrl xmlns="38ef598d-997c-498b-b737-2f6b2c50ccab">
-      <Url>http://mchpweb-2010/marcom/home/Resources/_layouts/DocIdRedir.aspx?ID=SV5CHKDEWJXD-84-133</Url>
-      <Description>SV5CHKDEWJXD-84-133</Description>
-    </_dlc_DocIdUrl>
-  </documentManagement>
-</p:properties>
+<file path=customXml/itemProps2.xml><?xml version="1.0" encoding="utf-8"?>
+<ds:datastoreItem xmlns:ds="http://schemas.openxmlformats.org/officeDocument/2006/customXml" ds:itemID="{15774815-801A-4D0C-AAC8-304A8EA5EAE0}">
+  <ds:schemaRefs>
+    <ds:schemaRef ds:uri="http://schemas.microsoft.com/office/2006/metadata/properties"/>
+    <ds:schemaRef ds:uri="http://schemas.microsoft.com/office/infopath/2007/PartnerControls"/>
+    <ds:schemaRef ds:uri="df7acb31-37ac-40e2-81bb-c44e3630f613"/>
+    <ds:schemaRef ds:uri="38ef598d-997c-498b-b737-2f6b2c50ccab"/>
+  </ds:schemaRefs>
+</ds:datastoreItem>
 </file>
 
-<file path=customXml/item4.xml><?xml version="1.0" encoding="utf-8"?>
-<?mso-contentType ?>
-<spe:Receivers xmlns:spe="http://schemas.microsoft.com/sharepoint/events">
-  <Receiver>
-    <Name>Document ID Generator</Name>
-    <Synchronization>Synchronous</Synchronization>
-    <Type>10001</Type>
-    <SequenceNumber>1000</SequenceNumber>
-    <Assembly>Microsoft.Office.DocumentManagement, Version=14.0.0.0, Culture=neutral, PublicKeyToken=71e9bce111e9429c</Assembly>
-    <Class>Microsoft.Office.DocumentManagement.Internal.DocIdHandler</Class>
-    <Data/>
-    <Filter/>
-  </Receiver>
-  <Receiver>
-    <Name>Document ID Generator</Name>
-    <Synchronization>Synchronous</Synchronization>
-    <Type>10002</Type>
-    <SequenceNumber>1001</SequenceNumber>
-    <Assembly>Microsoft.Office.DocumentManagement, Version=14.0.0.0, Culture=neutral, PublicKeyToken=71e9bce111e9429c</Assembly>
-    <Class>Microsoft.Office.DocumentManagement.Internal.DocIdHandler</Class>
-    <Data/>
-    <Filter/>
-  </Receiver>
-  <Receiver>
-    <Name>Document ID Generator</Name>
-    <Synchronization>Synchronous</Synchronization>
-    <Type>10004</Type>
-    <SequenceNumber>1002</SequenceNumber>
-    <Assembly>Microsoft.Office.DocumentManagement, Version=14.0.0.0, Culture=neutral, PublicKeyToken=71e9bce111e9429c</Assembly>
-    <Class>Microsoft.Office.DocumentManagement.Internal.DocIdHandler</Class>
-    <Data/>
-    <Filter/>
-  </Receiver>
-  <Receiver>
-    <Name>Document ID Generator</Name>
-    <Synchronization>Synchronous</Synchronization>
-    <Type>10006</Type>
-    <SequenceNumber>1003</SequenceNumber>
-    <Assembly>Microsoft.Office.DocumentManagement, Version=14.0.0.0, Culture=neutral, PublicKeyToken=71e9bce111e9429c</Assembly>
-    <Class>Microsoft.Office.DocumentManagement.Internal.DocIdHandler</Class>
-    <Data/>
-    <Filter/>
-  </Receiver>
-</spe:Receivers>
+<file path=customXml/itemProps3.xml><?xml version="1.0" encoding="utf-8"?>
+<ds:datastoreItem xmlns:ds="http://schemas.openxmlformats.org/officeDocument/2006/customXml" ds:itemID="{0CE24DD7-9317-4AD8-82D4-5A6998DA79C7}">
+  <ds:schemaRefs>
+    <ds:schemaRef ds:uri="http://schemas.microsoft.com/sharepoint/v3/contenttype/forms"/>
+  </ds:schemaRefs>
+</ds:datastoreItem>
 </file>
 
-<file path=customXml/itemProps1.xml><?xml version="1.0" encoding="utf-8"?>
+<file path=customXml/itemProps4.xml><?xml version="1.0" encoding="utf-8"?>
 <ds:datastoreItem xmlns:ds="http://schemas.openxmlformats.org/officeDocument/2006/customXml" ds:itemID="{AF9647E8-EA5A-4469-8198-396AF1DA17E0}">
   <ds:schemaRefs>
     <ds:schemaRef ds:uri="http://schemas.microsoft.com/office/2006/metadata/contentType"/>
@@ -7158,31 +9520,4 @@
     <ds:schemaRef ds:uri="http://schemas.microsoft.com/internal/obd"/>
   </ds:schemaRefs>
 </ds:datastoreItem>
-</file>
-
-<file path=customXml/itemProps2.xml><?xml version="1.0" encoding="utf-8"?>
-<ds:datastoreItem xmlns:ds="http://schemas.openxmlformats.org/officeDocument/2006/customXml" ds:itemID="{0CE24DD7-9317-4AD8-82D4-5A6998DA79C7}">
-  <ds:schemaRefs>
-    <ds:schemaRef ds:uri="http://schemas.microsoft.com/sharepoint/v3/contenttype/forms"/>
-  </ds:schemaRefs>
-</ds:datastoreItem>
-</file>
-
-<file path=customXml/itemProps3.xml><?xml version="1.0" encoding="utf-8"?>
-<ds:datastoreItem xmlns:ds="http://schemas.openxmlformats.org/officeDocument/2006/customXml" ds:itemID="{15774815-801A-4D0C-AAC8-304A8EA5EAE0}">
-  <ds:schemaRefs>
-    <ds:schemaRef ds:uri="http://schemas.microsoft.com/office/2006/metadata/properties"/>
-    <ds:schemaRef ds:uri="http://schemas.microsoft.com/office/infopath/2007/PartnerControls"/>
-    <ds:schemaRef ds:uri="df7acb31-37ac-40e2-81bb-c44e3630f613"/>
-    <ds:schemaRef ds:uri="38ef598d-997c-498b-b737-2f6b2c50ccab"/>
-  </ds:schemaRefs>
-</ds:datastoreItem>
-</file>
-
-<file path=customXml/itemProps4.xml><?xml version="1.0" encoding="utf-8"?>
-<ds:datastoreItem xmlns:ds="http://schemas.openxmlformats.org/officeDocument/2006/customXml" ds:itemID="{36ECED7C-7E24-4B80-B6AD-5BF0A508FB7B}">
-  <ds:schemaRefs>
-    <ds:schemaRef ds:uri="http://schemas.microsoft.com/sharepoint/events"/>
-  </ds:schemaRefs>
-</ds:datastoreItem>
 </file>
--- a/doc/OLED1.pptx
+++ b/doc/OLED1.pptx
@@ -5,28 +5,27 @@
     <p:sldMasterId id="2147483648" r:id="rId5"/>
   </p:sldMasterIdLst>
   <p:notesMasterIdLst>
-    <p:notesMasterId r:id="rId22"/>
+    <p:notesMasterId r:id="rId21"/>
   </p:notesMasterIdLst>
   <p:handoutMasterIdLst>
-    <p:handoutMasterId r:id="rId23"/>
+    <p:handoutMasterId r:id="rId22"/>
   </p:handoutMasterIdLst>
   <p:sldIdLst>
     <p:sldId id="1954" r:id="rId6"/>
     <p:sldId id="1959" r:id="rId7"/>
     <p:sldId id="1967" r:id="rId8"/>
-    <p:sldId id="1963" r:id="rId9"/>
-    <p:sldId id="1964" r:id="rId10"/>
-    <p:sldId id="1974" r:id="rId11"/>
-    <p:sldId id="1962" r:id="rId12"/>
-    <p:sldId id="1968" r:id="rId13"/>
-    <p:sldId id="1969" r:id="rId14"/>
-    <p:sldId id="1971" r:id="rId15"/>
-    <p:sldId id="1972" r:id="rId16"/>
-    <p:sldId id="1966" r:id="rId17"/>
-    <p:sldId id="1960" r:id="rId18"/>
-    <p:sldId id="1975" r:id="rId19"/>
-    <p:sldId id="1976" r:id="rId20"/>
-    <p:sldId id="1973" r:id="rId21"/>
+    <p:sldId id="1964" r:id="rId9"/>
+    <p:sldId id="1974" r:id="rId10"/>
+    <p:sldId id="1962" r:id="rId11"/>
+    <p:sldId id="1968" r:id="rId12"/>
+    <p:sldId id="1969" r:id="rId13"/>
+    <p:sldId id="1971" r:id="rId14"/>
+    <p:sldId id="1972" r:id="rId15"/>
+    <p:sldId id="1966" r:id="rId16"/>
+    <p:sldId id="1960" r:id="rId17"/>
+    <p:sldId id="1975" r:id="rId18"/>
+    <p:sldId id="1976" r:id="rId19"/>
+    <p:sldId id="1973" r:id="rId20"/>
   </p:sldIdLst>
   <p:sldSz cx="12188825" cy="6858000"/>
   <p:notesSz cx="6858000" cy="9144000"/>
@@ -251,7 +250,7 @@
           <a:p>
             <a:fld id="{98615C2D-FB91-8740-95C2-23C11A10F2F2}" type="datetimeFigureOut">
               <a:rPr lang="en-US" smtClean="0"/>
-              <a:t>6/5/2023</a:t>
+              <a:t>6/15/2023</a:t>
             </a:fld>
             <a:endParaRPr lang="en-US"/>
           </a:p>
@@ -429,7 +428,7 @@
           <a:p>
             <a:fld id="{F154E49F-5C3A-ED4E-A68A-CCB3AA3B5D59}" type="datetimeFigureOut">
               <a:rPr lang="en-US" smtClean="0"/>
-              <a:t>6/5/2023</a:t>
+              <a:t>6/15/2023</a:t>
             </a:fld>
             <a:endParaRPr lang="en-US"/>
           </a:p>
@@ -4594,151 +4593,6 @@
           <p:cNvPr id="2" name="Title 1">
             <a:extLst>
               <a:ext uri="{FF2B5EF4-FFF2-40B4-BE49-F238E27FC236}">
-                <a16:creationId xmlns:a16="http://schemas.microsoft.com/office/drawing/2014/main" id="{DA897B50-70D2-CAE0-2E3C-3BF8DEFE2CD3}"/>
-              </a:ext>
-            </a:extLst>
-          </p:cNvPr>
-          <p:cNvSpPr>
-            <a:spLocks noGrp="1"/>
-          </p:cNvSpPr>
-          <p:nvPr>
-            <p:ph type="title"/>
-          </p:nvPr>
-        </p:nvSpPr>
-        <p:spPr/>
-        <p:txBody>
-          <a:bodyPr/>
-          <a:lstStyle/>
-          <a:p>
-            <a:endParaRPr lang="de-DE"/>
-          </a:p>
-        </p:txBody>
-      </p:sp>
-      <p:pic>
-        <p:nvPicPr>
-          <p:cNvPr id="5" name="Picture 4">
-            <a:extLst>
-              <a:ext uri="{FF2B5EF4-FFF2-40B4-BE49-F238E27FC236}">
-                <a16:creationId xmlns:a16="http://schemas.microsoft.com/office/drawing/2014/main" id="{CB695B64-BF58-BBC2-F2C1-F1F1405C8133}"/>
-              </a:ext>
-            </a:extLst>
-          </p:cNvPr>
-          <p:cNvPicPr>
-            <a:picLocks noChangeAspect="1"/>
-          </p:cNvPicPr>
-          <p:nvPr/>
-        </p:nvPicPr>
-        <p:blipFill>
-          <a:blip r:embed="rId2"/>
-          <a:stretch>
-            <a:fillRect/>
-          </a:stretch>
-        </p:blipFill>
-        <p:spPr>
-          <a:xfrm>
-            <a:off x="3468460" y="1560803"/>
-            <a:ext cx="6025233" cy="4123560"/>
-          </a:xfrm>
-          <a:prstGeom prst="rect">
-            <a:avLst/>
-          </a:prstGeom>
-        </p:spPr>
-      </p:pic>
-      <p:pic>
-        <p:nvPicPr>
-          <p:cNvPr id="6" name="Picture 5">
-            <a:extLst>
-              <a:ext uri="{FF2B5EF4-FFF2-40B4-BE49-F238E27FC236}">
-                <a16:creationId xmlns:a16="http://schemas.microsoft.com/office/drawing/2014/main" id="{B5E2CC5F-EA3D-5E7E-2E5F-1E8801133550}"/>
-              </a:ext>
-            </a:extLst>
-          </p:cNvPr>
-          <p:cNvPicPr>
-            <a:picLocks noChangeAspect="1"/>
-          </p:cNvPicPr>
-          <p:nvPr/>
-        </p:nvPicPr>
-        <p:blipFill>
-          <a:blip r:embed="rId3"/>
-          <a:stretch>
-            <a:fillRect/>
-          </a:stretch>
-        </p:blipFill>
-        <p:spPr>
-          <a:xfrm>
-            <a:off x="355509" y="1005547"/>
-            <a:ext cx="2679922" cy="1723195"/>
-          </a:xfrm>
-          <a:prstGeom prst="rect">
-            <a:avLst/>
-          </a:prstGeom>
-        </p:spPr>
-      </p:pic>
-      <p:pic>
-        <p:nvPicPr>
-          <p:cNvPr id="8" name="Picture 7">
-            <a:extLst>
-              <a:ext uri="{FF2B5EF4-FFF2-40B4-BE49-F238E27FC236}">
-                <a16:creationId xmlns:a16="http://schemas.microsoft.com/office/drawing/2014/main" id="{99F18C78-23A8-1715-4C94-931735EA16DA}"/>
-              </a:ext>
-            </a:extLst>
-          </p:cNvPr>
-          <p:cNvPicPr>
-            <a:picLocks noChangeAspect="1"/>
-          </p:cNvPicPr>
-          <p:nvPr/>
-        </p:nvPicPr>
-        <p:blipFill>
-          <a:blip r:embed="rId4"/>
-          <a:stretch>
-            <a:fillRect/>
-          </a:stretch>
-        </p:blipFill>
-        <p:spPr>
-          <a:xfrm>
-            <a:off x="9741817" y="2121031"/>
-            <a:ext cx="2404923" cy="3966271"/>
-          </a:xfrm>
-          <a:prstGeom prst="rect">
-            <a:avLst/>
-          </a:prstGeom>
-        </p:spPr>
-      </p:pic>
-    </p:spTree>
-    <p:extLst>
-      <p:ext uri="{BB962C8B-B14F-4D97-AF65-F5344CB8AC3E}">
-        <p14:creationId xmlns:p14="http://schemas.microsoft.com/office/powerpoint/2010/main" val="1876001676"/>
-      </p:ext>
-    </p:extLst>
-  </p:cSld>
-  <p:clrMapOvr>
-    <a:masterClrMapping/>
-  </p:clrMapOvr>
-</p:sld>
-</file>
-
-<file path=ppt/slides/slide11.xml><?xml version="1.0" encoding="utf-8"?>
-<p:sld xmlns:a="http://schemas.openxmlformats.org/drawingml/2006/main" xmlns:r="http://schemas.openxmlformats.org/officeDocument/2006/relationships" xmlns:p="http://schemas.openxmlformats.org/presentationml/2006/main">
-  <p:cSld>
-    <p:spTree>
-      <p:nvGrpSpPr>
-        <p:cNvPr id="1" name=""/>
-        <p:cNvGrpSpPr/>
-        <p:nvPr/>
-      </p:nvGrpSpPr>
-      <p:grpSpPr>
-        <a:xfrm>
-          <a:off x="0" y="0"/>
-          <a:ext cx="0" cy="0"/>
-          <a:chOff x="0" y="0"/>
-          <a:chExt cx="0" cy="0"/>
-        </a:xfrm>
-      </p:grpSpPr>
-      <p:sp>
-        <p:nvSpPr>
-          <p:cNvPr id="2" name="Title 1">
-            <a:extLst>
-              <a:ext uri="{FF2B5EF4-FFF2-40B4-BE49-F238E27FC236}">
                 <a16:creationId xmlns:a16="http://schemas.microsoft.com/office/drawing/2014/main" id="{265CE20D-44E6-33BE-26E6-49FE8F951793}"/>
               </a:ext>
             </a:extLst>
@@ -5078,7 +4932,7 @@
 </p:sld>
 </file>
 
-<file path=ppt/slides/slide12.xml><?xml version="1.0" encoding="utf-8"?>
+<file path=ppt/slides/slide11.xml><?xml version="1.0" encoding="utf-8"?>
 <p:sld xmlns:a="http://schemas.openxmlformats.org/drawingml/2006/main" xmlns:r="http://schemas.openxmlformats.org/officeDocument/2006/relationships" xmlns:p="http://schemas.openxmlformats.org/presentationml/2006/main">
   <p:cSld>
     <p:spTree>
@@ -5620,6 +5474,452 @@
 </p:sld>
 </file>
 
+<file path=ppt/slides/slide12.xml><?xml version="1.0" encoding="utf-8"?>
+<p:sld xmlns:a="http://schemas.openxmlformats.org/drawingml/2006/main" xmlns:r="http://schemas.openxmlformats.org/officeDocument/2006/relationships" xmlns:p="http://schemas.openxmlformats.org/presentationml/2006/main">
+  <p:cSld>
+    <p:spTree>
+      <p:nvGrpSpPr>
+        <p:cNvPr id="1" name=""/>
+        <p:cNvGrpSpPr/>
+        <p:nvPr/>
+      </p:nvGrpSpPr>
+      <p:grpSpPr>
+        <a:xfrm>
+          <a:off x="0" y="0"/>
+          <a:ext cx="0" cy="0"/>
+          <a:chOff x="0" y="0"/>
+          <a:chExt cx="0" cy="0"/>
+        </a:xfrm>
+      </p:grpSpPr>
+      <p:sp>
+        <p:nvSpPr>
+          <p:cNvPr id="2" name="Title 1">
+            <a:extLst>
+              <a:ext uri="{FF2B5EF4-FFF2-40B4-BE49-F238E27FC236}">
+                <a16:creationId xmlns:a16="http://schemas.microsoft.com/office/drawing/2014/main" id="{A4EFFCAE-BDED-2745-84BF-7C0ED2DC6553}"/>
+              </a:ext>
+            </a:extLst>
+          </p:cNvPr>
+          <p:cNvSpPr>
+            <a:spLocks noGrp="1"/>
+          </p:cNvSpPr>
+          <p:nvPr>
+            <p:ph type="title"/>
+          </p:nvPr>
+        </p:nvSpPr>
+        <p:spPr/>
+        <p:txBody>
+          <a:bodyPr/>
+          <a:lstStyle/>
+          <a:p>
+            <a:r>
+              <a:rPr lang="en-US" dirty="0"/>
+              <a:t>Wait 1000 milli seconds</a:t>
+            </a:r>
+          </a:p>
+        </p:txBody>
+      </p:sp>
+      <p:sp>
+        <p:nvSpPr>
+          <p:cNvPr id="3" name="Text Placeholder 2">
+            <a:extLst>
+              <a:ext uri="{FF2B5EF4-FFF2-40B4-BE49-F238E27FC236}">
+                <a16:creationId xmlns:a16="http://schemas.microsoft.com/office/drawing/2014/main" id="{63243689-041C-E840-A442-34D397287D77}"/>
+              </a:ext>
+            </a:extLst>
+          </p:cNvPr>
+          <p:cNvSpPr>
+            <a:spLocks noGrp="1"/>
+          </p:cNvSpPr>
+          <p:nvPr>
+            <p:ph type="body" sz="quarter" idx="13"/>
+          </p:nvPr>
+        </p:nvSpPr>
+        <p:spPr/>
+        <p:txBody>
+          <a:bodyPr/>
+          <a:lstStyle/>
+          <a:p>
+            <a:endParaRPr lang="en-US"/>
+          </a:p>
+        </p:txBody>
+      </p:sp>
+      <p:sp>
+        <p:nvSpPr>
+          <p:cNvPr id="4" name="Content Placeholder 3">
+            <a:extLst>
+              <a:ext uri="{FF2B5EF4-FFF2-40B4-BE49-F238E27FC236}">
+                <a16:creationId xmlns:a16="http://schemas.microsoft.com/office/drawing/2014/main" id="{9A6FC5AF-200C-E244-8F0A-68FB1F10D72C}"/>
+              </a:ext>
+            </a:extLst>
+          </p:cNvPr>
+          <p:cNvSpPr>
+            <a:spLocks noGrp="1"/>
+          </p:cNvSpPr>
+          <p:nvPr>
+            <p:ph sz="quarter" idx="15"/>
+          </p:nvPr>
+        </p:nvSpPr>
+        <p:spPr/>
+        <p:txBody>
+          <a:bodyPr>
+            <a:normAutofit/>
+          </a:bodyPr>
+          <a:lstStyle/>
+          <a:p>
+            <a:pPr marL="0" indent="0">
+              <a:buNone/>
+            </a:pPr>
+            <a:r>
+              <a:rPr lang="en-US" sz="1700" dirty="0">
+                <a:latin typeface="Courier New" panose="02070309020205020404" pitchFamily="49" charset="0"/>
+                <a:cs typeface="Courier New" panose="02070309020205020404" pitchFamily="49" charset="0"/>
+              </a:rPr>
+              <a:t>SYS_TIME_HANDLE </a:t>
+            </a:r>
+            <a:r>
+              <a:rPr lang="en-US" sz="1700" dirty="0" err="1">
+                <a:latin typeface="Courier New" panose="02070309020205020404" pitchFamily="49" charset="0"/>
+                <a:cs typeface="Courier New" panose="02070309020205020404" pitchFamily="49" charset="0"/>
+              </a:rPr>
+              <a:t>tm_hdl</a:t>
+            </a:r>
+            <a:r>
+              <a:rPr lang="en-US" sz="1700" dirty="0">
+                <a:latin typeface="Courier New" panose="02070309020205020404" pitchFamily="49" charset="0"/>
+                <a:cs typeface="Courier New" panose="02070309020205020404" pitchFamily="49" charset="0"/>
+              </a:rPr>
+              <a:t>;</a:t>
+            </a:r>
+          </a:p>
+          <a:p>
+            <a:pPr marL="0" indent="0">
+              <a:buNone/>
+            </a:pPr>
+            <a:endParaRPr lang="en-US" sz="1700" dirty="0">
+              <a:latin typeface="Courier New" panose="02070309020205020404" pitchFamily="49" charset="0"/>
+              <a:cs typeface="Courier New" panose="02070309020205020404" pitchFamily="49" charset="0"/>
+            </a:endParaRPr>
+          </a:p>
+          <a:p>
+            <a:pPr marL="0" indent="0">
+              <a:buNone/>
+            </a:pPr>
+            <a:r>
+              <a:rPr lang="en-US" sz="1700" dirty="0">
+                <a:latin typeface="Courier New" panose="02070309020205020404" pitchFamily="49" charset="0"/>
+                <a:cs typeface="Courier New" panose="02070309020205020404" pitchFamily="49" charset="0"/>
+              </a:rPr>
+              <a:t>while(1){</a:t>
+            </a:r>
+          </a:p>
+          <a:p>
+            <a:pPr marL="0" indent="0">
+              <a:buNone/>
+            </a:pPr>
+            <a:r>
+              <a:rPr lang="en-US" sz="1700" dirty="0">
+                <a:latin typeface="Courier New" panose="02070309020205020404" pitchFamily="49" charset="0"/>
+                <a:cs typeface="Courier New" panose="02070309020205020404" pitchFamily="49" charset="0"/>
+              </a:rPr>
+              <a:t>   </a:t>
+            </a:r>
+            <a:r>
+              <a:rPr lang="en-US" sz="1700" dirty="0" err="1">
+                <a:latin typeface="Courier New" panose="02070309020205020404" pitchFamily="49" charset="0"/>
+                <a:cs typeface="Courier New" panose="02070309020205020404" pitchFamily="49" charset="0"/>
+              </a:rPr>
+              <a:t>SYS_TIME_DelayMS</a:t>
+            </a:r>
+            <a:r>
+              <a:rPr lang="en-US" sz="1700" dirty="0">
+                <a:latin typeface="Courier New" panose="02070309020205020404" pitchFamily="49" charset="0"/>
+                <a:cs typeface="Courier New" panose="02070309020205020404" pitchFamily="49" charset="0"/>
+              </a:rPr>
+              <a:t> ( 1000, &amp;</a:t>
+            </a:r>
+            <a:r>
+              <a:rPr lang="en-US" sz="1700" dirty="0" err="1">
+                <a:latin typeface="Courier New" panose="02070309020205020404" pitchFamily="49" charset="0"/>
+                <a:cs typeface="Courier New" panose="02070309020205020404" pitchFamily="49" charset="0"/>
+              </a:rPr>
+              <a:t>tm_hdl</a:t>
+            </a:r>
+            <a:r>
+              <a:rPr lang="en-US" sz="1700" dirty="0">
+                <a:latin typeface="Courier New" panose="02070309020205020404" pitchFamily="49" charset="0"/>
+                <a:cs typeface="Courier New" panose="02070309020205020404" pitchFamily="49" charset="0"/>
+              </a:rPr>
+              <a:t> );</a:t>
+            </a:r>
+          </a:p>
+          <a:p>
+            <a:pPr marL="0" indent="0">
+              <a:buNone/>
+            </a:pPr>
+            <a:r>
+              <a:rPr lang="en-US" sz="1700" dirty="0">
+                <a:latin typeface="Courier New" panose="02070309020205020404" pitchFamily="49" charset="0"/>
+                <a:cs typeface="Courier New" panose="02070309020205020404" pitchFamily="49" charset="0"/>
+              </a:rPr>
+              <a:t>   while(</a:t>
+            </a:r>
+            <a:r>
+              <a:rPr lang="en-US" sz="1700" dirty="0" err="1">
+                <a:latin typeface="Courier New" panose="02070309020205020404" pitchFamily="49" charset="0"/>
+                <a:cs typeface="Courier New" panose="02070309020205020404" pitchFamily="49" charset="0"/>
+              </a:rPr>
+              <a:t>SYS_TIME_DelayIsComplete</a:t>
+            </a:r>
+            <a:r>
+              <a:rPr lang="en-US" sz="1700" dirty="0">
+                <a:latin typeface="Courier New" panose="02070309020205020404" pitchFamily="49" charset="0"/>
+                <a:cs typeface="Courier New" panose="02070309020205020404" pitchFamily="49" charset="0"/>
+              </a:rPr>
+              <a:t>(</a:t>
+            </a:r>
+            <a:r>
+              <a:rPr lang="en-US" sz="1700" dirty="0" err="1">
+                <a:latin typeface="Courier New" panose="02070309020205020404" pitchFamily="49" charset="0"/>
+                <a:cs typeface="Courier New" panose="02070309020205020404" pitchFamily="49" charset="0"/>
+              </a:rPr>
+              <a:t>tm_hdl</a:t>
+            </a:r>
+            <a:r>
+              <a:rPr lang="en-US" sz="1700" dirty="0">
+                <a:latin typeface="Courier New" panose="02070309020205020404" pitchFamily="49" charset="0"/>
+                <a:cs typeface="Courier New" panose="02070309020205020404" pitchFamily="49" charset="0"/>
+              </a:rPr>
+              <a:t>)==false);</a:t>
+            </a:r>
+          </a:p>
+          <a:p>
+            <a:pPr marL="0" indent="0">
+              <a:buNone/>
+            </a:pPr>
+            <a:r>
+              <a:rPr lang="en-US" sz="1700" dirty="0">
+                <a:latin typeface="Courier New" panose="02070309020205020404" pitchFamily="49" charset="0"/>
+                <a:cs typeface="Courier New" panose="02070309020205020404" pitchFamily="49" charset="0"/>
+              </a:rPr>
+              <a:t>   LED3_Toggle();</a:t>
+            </a:r>
+          </a:p>
+          <a:p>
+            <a:pPr marL="0" indent="0">
+              <a:buNone/>
+            </a:pPr>
+            <a:r>
+              <a:rPr lang="en-US" sz="1700" dirty="0">
+                <a:latin typeface="Courier New" panose="02070309020205020404" pitchFamily="49" charset="0"/>
+                <a:cs typeface="Courier New" panose="02070309020205020404" pitchFamily="49" charset="0"/>
+              </a:rPr>
+              <a:t>}</a:t>
+            </a:r>
+          </a:p>
+          <a:p>
+            <a:pPr marL="0" indent="0">
+              <a:buNone/>
+            </a:pPr>
+            <a:endParaRPr lang="en-US" sz="1700" dirty="0">
+              <a:latin typeface="Courier New" panose="02070309020205020404" pitchFamily="49" charset="0"/>
+              <a:cs typeface="Courier New" panose="02070309020205020404" pitchFamily="49" charset="0"/>
+            </a:endParaRPr>
+          </a:p>
+          <a:p>
+            <a:pPr marL="0" indent="0">
+              <a:buNone/>
+            </a:pPr>
+            <a:endParaRPr lang="en-US" sz="1700" dirty="0">
+              <a:latin typeface="Courier New" panose="02070309020205020404" pitchFamily="49" charset="0"/>
+              <a:cs typeface="Courier New" panose="02070309020205020404" pitchFamily="49" charset="0"/>
+            </a:endParaRPr>
+          </a:p>
+          <a:p>
+            <a:pPr marL="0" indent="0">
+              <a:buNone/>
+            </a:pPr>
+            <a:r>
+              <a:rPr lang="en-US" sz="1700" dirty="0" err="1">
+                <a:latin typeface="Courier New" panose="02070309020205020404" pitchFamily="49" charset="0"/>
+                <a:cs typeface="Courier New" panose="02070309020205020404" pitchFamily="49" charset="0"/>
+              </a:rPr>
+              <a:t>SYS_TIME_DelayMS</a:t>
+            </a:r>
+            <a:r>
+              <a:rPr lang="en-US" sz="1700" dirty="0">
+                <a:latin typeface="Courier New" panose="02070309020205020404" pitchFamily="49" charset="0"/>
+                <a:cs typeface="Courier New" panose="02070309020205020404" pitchFamily="49" charset="0"/>
+              </a:rPr>
+              <a:t> ( 1000, &amp;</a:t>
+            </a:r>
+            <a:r>
+              <a:rPr lang="en-US" sz="1700" dirty="0" err="1">
+                <a:latin typeface="Courier New" panose="02070309020205020404" pitchFamily="49" charset="0"/>
+                <a:cs typeface="Courier New" panose="02070309020205020404" pitchFamily="49" charset="0"/>
+              </a:rPr>
+              <a:t>tm_hdl</a:t>
+            </a:r>
+            <a:r>
+              <a:rPr lang="en-US" sz="1700" dirty="0">
+                <a:latin typeface="Courier New" panose="02070309020205020404" pitchFamily="49" charset="0"/>
+                <a:cs typeface="Courier New" panose="02070309020205020404" pitchFamily="49" charset="0"/>
+              </a:rPr>
+              <a:t> );</a:t>
+            </a:r>
+          </a:p>
+          <a:p>
+            <a:pPr marL="0" indent="0">
+              <a:buNone/>
+            </a:pPr>
+            <a:r>
+              <a:rPr lang="en-US" sz="1700" dirty="0">
+                <a:latin typeface="Courier New" panose="02070309020205020404" pitchFamily="49" charset="0"/>
+                <a:cs typeface="Courier New" panose="02070309020205020404" pitchFamily="49" charset="0"/>
+              </a:rPr>
+              <a:t>while(1){        </a:t>
+            </a:r>
+          </a:p>
+          <a:p>
+            <a:pPr marL="0" indent="0">
+              <a:buNone/>
+            </a:pPr>
+            <a:r>
+              <a:rPr lang="en-US" sz="1700" dirty="0">
+                <a:latin typeface="Courier New" panose="02070309020205020404" pitchFamily="49" charset="0"/>
+                <a:cs typeface="Courier New" panose="02070309020205020404" pitchFamily="49" charset="0"/>
+              </a:rPr>
+              <a:t>   if(</a:t>
+            </a:r>
+            <a:r>
+              <a:rPr lang="en-US" sz="1700" dirty="0" err="1">
+                <a:latin typeface="Courier New" panose="02070309020205020404" pitchFamily="49" charset="0"/>
+                <a:cs typeface="Courier New" panose="02070309020205020404" pitchFamily="49" charset="0"/>
+              </a:rPr>
+              <a:t>SYS_TIME_DelayIsComplete</a:t>
+            </a:r>
+            <a:r>
+              <a:rPr lang="en-US" sz="1700" dirty="0">
+                <a:latin typeface="Courier New" panose="02070309020205020404" pitchFamily="49" charset="0"/>
+                <a:cs typeface="Courier New" panose="02070309020205020404" pitchFamily="49" charset="0"/>
+              </a:rPr>
+              <a:t>(</a:t>
+            </a:r>
+            <a:r>
+              <a:rPr lang="en-US" sz="1700" dirty="0" err="1">
+                <a:latin typeface="Courier New" panose="02070309020205020404" pitchFamily="49" charset="0"/>
+                <a:cs typeface="Courier New" panose="02070309020205020404" pitchFamily="49" charset="0"/>
+              </a:rPr>
+              <a:t>tm_hdl</a:t>
+            </a:r>
+            <a:r>
+              <a:rPr lang="en-US" sz="1700" dirty="0">
+                <a:latin typeface="Courier New" panose="02070309020205020404" pitchFamily="49" charset="0"/>
+                <a:cs typeface="Courier New" panose="02070309020205020404" pitchFamily="49" charset="0"/>
+              </a:rPr>
+              <a:t>)==true){</a:t>
+            </a:r>
+          </a:p>
+          <a:p>
+            <a:pPr marL="0" indent="0">
+              <a:buNone/>
+            </a:pPr>
+            <a:r>
+              <a:rPr lang="en-US" sz="1700" dirty="0">
+                <a:latin typeface="Courier New" panose="02070309020205020404" pitchFamily="49" charset="0"/>
+                <a:cs typeface="Courier New" panose="02070309020205020404" pitchFamily="49" charset="0"/>
+              </a:rPr>
+              <a:t>      LED3_Toggle();</a:t>
+            </a:r>
+          </a:p>
+          <a:p>
+            <a:pPr marL="0" indent="0">
+              <a:buNone/>
+            </a:pPr>
+            <a:r>
+              <a:rPr lang="en-US" sz="1700" dirty="0">
+                <a:latin typeface="Courier New" panose="02070309020205020404" pitchFamily="49" charset="0"/>
+                <a:cs typeface="Courier New" panose="02070309020205020404" pitchFamily="49" charset="0"/>
+              </a:rPr>
+              <a:t>      </a:t>
+            </a:r>
+            <a:r>
+              <a:rPr lang="en-US" sz="1700" dirty="0" err="1">
+                <a:latin typeface="Courier New" panose="02070309020205020404" pitchFamily="49" charset="0"/>
+                <a:cs typeface="Courier New" panose="02070309020205020404" pitchFamily="49" charset="0"/>
+              </a:rPr>
+              <a:t>SYS_TIME_DelayMS</a:t>
+            </a:r>
+            <a:r>
+              <a:rPr lang="en-US" sz="1700" dirty="0">
+                <a:latin typeface="Courier New" panose="02070309020205020404" pitchFamily="49" charset="0"/>
+                <a:cs typeface="Courier New" panose="02070309020205020404" pitchFamily="49" charset="0"/>
+              </a:rPr>
+              <a:t> ( 1000, &amp;</a:t>
+            </a:r>
+            <a:r>
+              <a:rPr lang="en-US" sz="1700" dirty="0" err="1">
+                <a:latin typeface="Courier New" panose="02070309020205020404" pitchFamily="49" charset="0"/>
+                <a:cs typeface="Courier New" panose="02070309020205020404" pitchFamily="49" charset="0"/>
+              </a:rPr>
+              <a:t>tm_hdl</a:t>
+            </a:r>
+            <a:r>
+              <a:rPr lang="en-US" sz="1700" dirty="0">
+                <a:latin typeface="Courier New" panose="02070309020205020404" pitchFamily="49" charset="0"/>
+                <a:cs typeface="Courier New" panose="02070309020205020404" pitchFamily="49" charset="0"/>
+              </a:rPr>
+              <a:t> );</a:t>
+            </a:r>
+          </a:p>
+          <a:p>
+            <a:pPr marL="0" indent="0">
+              <a:buNone/>
+            </a:pPr>
+            <a:r>
+              <a:rPr lang="en-US" sz="1700" dirty="0">
+                <a:latin typeface="Courier New" panose="02070309020205020404" pitchFamily="49" charset="0"/>
+                <a:cs typeface="Courier New" panose="02070309020205020404" pitchFamily="49" charset="0"/>
+              </a:rPr>
+              <a:t>   }</a:t>
+            </a:r>
+          </a:p>
+          <a:p>
+            <a:pPr marL="0" indent="0">
+              <a:buNone/>
+            </a:pPr>
+            <a:r>
+              <a:rPr lang="en-US" sz="1700" dirty="0">
+                <a:latin typeface="Courier New" panose="02070309020205020404" pitchFamily="49" charset="0"/>
+                <a:cs typeface="Courier New" panose="02070309020205020404" pitchFamily="49" charset="0"/>
+              </a:rPr>
+              <a:t>}</a:t>
+            </a:r>
+          </a:p>
+          <a:p>
+            <a:pPr marL="0" indent="0">
+              <a:buNone/>
+            </a:pPr>
+            <a:endParaRPr lang="en-US" sz="2000" dirty="0">
+              <a:latin typeface="Courier New" panose="02070309020205020404" pitchFamily="49" charset="0"/>
+              <a:cs typeface="Courier New" panose="02070309020205020404" pitchFamily="49" charset="0"/>
+            </a:endParaRPr>
+          </a:p>
+        </p:txBody>
+      </p:sp>
+    </p:spTree>
+    <p:extLst>
+      <p:ext uri="{BB962C8B-B14F-4D97-AF65-F5344CB8AC3E}">
+        <p14:creationId xmlns:p14="http://schemas.microsoft.com/office/powerpoint/2010/main" val="19653411"/>
+      </p:ext>
+    </p:extLst>
+  </p:cSld>
+  <p:clrMapOvr>
+    <a:masterClrMapping/>
+  </p:clrMapOvr>
+</p:sld>
+</file>
+
 <file path=ppt/slides/slide13.xml><?xml version="1.0" encoding="utf-8"?>
 <p:sld xmlns:a="http://schemas.openxmlformats.org/drawingml/2006/main" xmlns:r="http://schemas.openxmlformats.org/officeDocument/2006/relationships" xmlns:p="http://schemas.openxmlformats.org/presentationml/2006/main">
   <p:cSld>
@@ -5642,7 +5942,7 @@
           <p:cNvPr id="2" name="Title 1">
             <a:extLst>
               <a:ext uri="{FF2B5EF4-FFF2-40B4-BE49-F238E27FC236}">
-                <a16:creationId xmlns:a16="http://schemas.microsoft.com/office/drawing/2014/main" id="{A4EFFCAE-BDED-2745-84BF-7C0ED2DC6553}"/>
+                <a16:creationId xmlns:a16="http://schemas.microsoft.com/office/drawing/2014/main" id="{710A8873-7487-0842-3F44-9784C8AC5497}"/>
               </a:ext>
             </a:extLst>
           </p:cNvPr>
@@ -5659,8 +5959,8 @@
           <a:lstStyle/>
           <a:p>
             <a:r>
-              <a:rPr lang="en-US" dirty="0"/>
-              <a:t>Wait 1000 milli seconds</a:t>
+              <a:rPr lang="de-DE" dirty="0"/>
+              <a:t>Add Virtuel UART Receive Funtion </a:t>
             </a:r>
           </a:p>
         </p:txBody>
@@ -5670,7 +5970,7 @@
           <p:cNvPr id="3" name="Text Placeholder 2">
             <a:extLst>
               <a:ext uri="{FF2B5EF4-FFF2-40B4-BE49-F238E27FC236}">
-                <a16:creationId xmlns:a16="http://schemas.microsoft.com/office/drawing/2014/main" id="{63243689-041C-E840-A442-34D397287D77}"/>
+                <a16:creationId xmlns:a16="http://schemas.microsoft.com/office/drawing/2014/main" id="{26B6EE00-5CF9-94C4-02BB-DAC9714B6C89}"/>
               </a:ext>
             </a:extLst>
           </p:cNvPr>
@@ -5686,7 +5986,10 @@
           <a:bodyPr/>
           <a:lstStyle/>
           <a:p>
-            <a:endParaRPr lang="en-US"/>
+            <a:r>
+              <a:rPr lang="de-DE" dirty="0"/>
+              <a:t>„send to terminal commands from firmware“</a:t>
+            </a:r>
           </a:p>
         </p:txBody>
       </p:sp>
@@ -5695,7 +5998,7 @@
           <p:cNvPr id="4" name="Content Placeholder 3">
             <a:extLst>
               <a:ext uri="{FF2B5EF4-FFF2-40B4-BE49-F238E27FC236}">
-                <a16:creationId xmlns:a16="http://schemas.microsoft.com/office/drawing/2014/main" id="{9A6FC5AF-200C-E244-8F0A-68FB1F10D72C}"/>
+                <a16:creationId xmlns:a16="http://schemas.microsoft.com/office/drawing/2014/main" id="{DCD7F7A2-4CB6-7A3A-A584-DAEA41519843}"/>
               </a:ext>
             </a:extLst>
           </p:cNvPr>
@@ -5717,32 +6020,18 @@
               <a:buNone/>
             </a:pPr>
             <a:r>
-              <a:rPr lang="en-US" sz="1700" dirty="0">
-                <a:latin typeface="Courier New" panose="02070309020205020404" pitchFamily="49" charset="0"/>
-                <a:cs typeface="Courier New" panose="02070309020205020404" pitchFamily="49" charset="0"/>
-              </a:rPr>
-              <a:t>SYS_TIME_HANDLE </a:t>
-            </a:r>
-            <a:r>
-              <a:rPr lang="en-US" sz="1700" dirty="0" err="1">
-                <a:latin typeface="Courier New" panose="02070309020205020404" pitchFamily="49" charset="0"/>
-                <a:cs typeface="Courier New" panose="02070309020205020404" pitchFamily="49" charset="0"/>
-              </a:rPr>
-              <a:t>tm_hdl</a:t>
-            </a:r>
-            <a:r>
-              <a:rPr lang="en-US" sz="1700" dirty="0">
-                <a:latin typeface="Courier New" panose="02070309020205020404" pitchFamily="49" charset="0"/>
-                <a:cs typeface="Courier New" panose="02070309020205020404" pitchFamily="49" charset="0"/>
-              </a:rPr>
-              <a:t>;</a:t>
+              <a:rPr lang="de-DE" sz="1600" dirty="0">
+                <a:latin typeface="Courier New" panose="02070309020205020404" pitchFamily="49" charset="0"/>
+                <a:cs typeface="Courier New" panose="02070309020205020404" pitchFamily="49" charset="0"/>
+              </a:rPr>
+              <a:t>\peripheral\sercom\usart\plib_sercom1_usart.c</a:t>
             </a:r>
           </a:p>
           <a:p>
             <a:pPr marL="0" indent="0">
               <a:buNone/>
             </a:pPr>
-            <a:endParaRPr lang="en-US" sz="1700" dirty="0">
+            <a:endParaRPr lang="de-DE" sz="1600" dirty="0">
               <a:latin typeface="Courier New" panose="02070309020205020404" pitchFamily="49" charset="0"/>
               <a:cs typeface="Courier New" panose="02070309020205020404" pitchFamily="49" charset="0"/>
             </a:endParaRPr>
@@ -5752,11 +6041,11 @@
               <a:buNone/>
             </a:pPr>
             <a:r>
-              <a:rPr lang="en-US" sz="1700" dirty="0">
-                <a:latin typeface="Courier New" panose="02070309020205020404" pitchFamily="49" charset="0"/>
-                <a:cs typeface="Courier New" panose="02070309020205020404" pitchFamily="49" charset="0"/>
-              </a:rPr>
-              <a:t>while(1){</a:t>
+              <a:rPr lang="de-DE" sz="1600" dirty="0">
+                <a:latin typeface="Courier New" panose="02070309020205020404" pitchFamily="49" charset="0"/>
+                <a:cs typeface="Courier New" panose="02070309020205020404" pitchFamily="49" charset="0"/>
+              </a:rPr>
+              <a:t>void SERCOM1_USART_Virtual_Receive(char *str) {</a:t>
             </a:r>
           </a:p>
           <a:p>
@@ -5764,39 +6053,11 @@
               <a:buNone/>
             </a:pPr>
             <a:r>
-              <a:rPr lang="en-US" sz="1700" dirty="0">
-                <a:latin typeface="Courier New" panose="02070309020205020404" pitchFamily="49" charset="0"/>
-                <a:cs typeface="Courier New" panose="02070309020205020404" pitchFamily="49" charset="0"/>
-              </a:rPr>
-              <a:t>   </a:t>
-            </a:r>
-            <a:r>
-              <a:rPr lang="en-US" sz="1700" dirty="0" err="1">
-                <a:latin typeface="Courier New" panose="02070309020205020404" pitchFamily="49" charset="0"/>
-                <a:cs typeface="Courier New" panose="02070309020205020404" pitchFamily="49" charset="0"/>
-              </a:rPr>
-              <a:t>SYS_TIME_DelayMS</a:t>
-            </a:r>
-            <a:r>
-              <a:rPr lang="en-US" sz="1700" dirty="0">
-                <a:latin typeface="Courier New" panose="02070309020205020404" pitchFamily="49" charset="0"/>
-                <a:cs typeface="Courier New" panose="02070309020205020404" pitchFamily="49" charset="0"/>
-              </a:rPr>
-              <a:t> ( 1000, &amp;</a:t>
-            </a:r>
-            <a:r>
-              <a:rPr lang="en-US" sz="1700" dirty="0" err="1">
-                <a:latin typeface="Courier New" panose="02070309020205020404" pitchFamily="49" charset="0"/>
-                <a:cs typeface="Courier New" panose="02070309020205020404" pitchFamily="49" charset="0"/>
-              </a:rPr>
-              <a:t>tm_hdl</a:t>
-            </a:r>
-            <a:r>
-              <a:rPr lang="en-US" sz="1700" dirty="0">
-                <a:latin typeface="Courier New" panose="02070309020205020404" pitchFamily="49" charset="0"/>
-                <a:cs typeface="Courier New" panose="02070309020205020404" pitchFamily="49" charset="0"/>
-              </a:rPr>
-              <a:t> );</a:t>
+              <a:rPr lang="de-DE" sz="1600" dirty="0">
+                <a:latin typeface="Courier New" panose="02070309020205020404" pitchFamily="49" charset="0"/>
+                <a:cs typeface="Courier New" panose="02070309020205020404" pitchFamily="49" charset="0"/>
+              </a:rPr>
+              <a:t>    while (*str!=0) {</a:t>
             </a:r>
           </a:p>
           <a:p>
@@ -5804,39 +6065,11 @@
               <a:buNone/>
             </a:pPr>
             <a:r>
-              <a:rPr lang="en-US" sz="1700" dirty="0">
-                <a:latin typeface="Courier New" panose="02070309020205020404" pitchFamily="49" charset="0"/>
-                <a:cs typeface="Courier New" panose="02070309020205020404" pitchFamily="49" charset="0"/>
-              </a:rPr>
-              <a:t>   while(</a:t>
-            </a:r>
-            <a:r>
-              <a:rPr lang="en-US" sz="1700" dirty="0" err="1">
-                <a:latin typeface="Courier New" panose="02070309020205020404" pitchFamily="49" charset="0"/>
-                <a:cs typeface="Courier New" panose="02070309020205020404" pitchFamily="49" charset="0"/>
-              </a:rPr>
-              <a:t>SYS_TIME_DelayIsComplete</a:t>
-            </a:r>
-            <a:r>
-              <a:rPr lang="en-US" sz="1700" dirty="0">
-                <a:latin typeface="Courier New" panose="02070309020205020404" pitchFamily="49" charset="0"/>
-                <a:cs typeface="Courier New" panose="02070309020205020404" pitchFamily="49" charset="0"/>
-              </a:rPr>
-              <a:t>(</a:t>
-            </a:r>
-            <a:r>
-              <a:rPr lang="en-US" sz="1700" dirty="0" err="1">
-                <a:latin typeface="Courier New" panose="02070309020205020404" pitchFamily="49" charset="0"/>
-                <a:cs typeface="Courier New" panose="02070309020205020404" pitchFamily="49" charset="0"/>
-              </a:rPr>
-              <a:t>tm_hdl</a:t>
-            </a:r>
-            <a:r>
-              <a:rPr lang="en-US" sz="1700" dirty="0">
-                <a:latin typeface="Courier New" panose="02070309020205020404" pitchFamily="49" charset="0"/>
-                <a:cs typeface="Courier New" panose="02070309020205020404" pitchFamily="49" charset="0"/>
-              </a:rPr>
-              <a:t>)==false);</a:t>
+              <a:rPr lang="de-DE" sz="1600" dirty="0">
+                <a:latin typeface="Courier New" panose="02070309020205020404" pitchFamily="49" charset="0"/>
+                <a:cs typeface="Courier New" panose="02070309020205020404" pitchFamily="49" charset="0"/>
+              </a:rPr>
+              <a:t>        if (SERCOM1_USART_RxPushByte(*str) == true) {</a:t>
             </a:r>
           </a:p>
           <a:p>
@@ -5844,11 +6077,11 @@
               <a:buNone/>
             </a:pPr>
             <a:r>
-              <a:rPr lang="en-US" sz="1700" dirty="0">
-                <a:latin typeface="Courier New" panose="02070309020205020404" pitchFamily="49" charset="0"/>
-                <a:cs typeface="Courier New" panose="02070309020205020404" pitchFamily="49" charset="0"/>
-              </a:rPr>
-              <a:t>   LED3_Toggle();</a:t>
+              <a:rPr lang="de-DE" sz="1600" dirty="0">
+                <a:latin typeface="Courier New" panose="02070309020205020404" pitchFamily="49" charset="0"/>
+                <a:cs typeface="Courier New" panose="02070309020205020404" pitchFamily="49" charset="0"/>
+              </a:rPr>
+              <a:t>            SERCOM1_USART_ReadNotificationSend();</a:t>
             </a:r>
           </a:p>
           <a:p>
@@ -5856,7 +6089,43 @@
               <a:buNone/>
             </a:pPr>
             <a:r>
-              <a:rPr lang="en-US" sz="1700" dirty="0">
+              <a:rPr lang="de-DE" sz="1600" dirty="0">
+                <a:latin typeface="Courier New" panose="02070309020205020404" pitchFamily="49" charset="0"/>
+                <a:cs typeface="Courier New" panose="02070309020205020404" pitchFamily="49" charset="0"/>
+              </a:rPr>
+              <a:t>        }</a:t>
+            </a:r>
+          </a:p>
+          <a:p>
+            <a:pPr marL="0" indent="0">
+              <a:buNone/>
+            </a:pPr>
+            <a:r>
+              <a:rPr lang="de-DE" sz="1600" dirty="0">
+                <a:latin typeface="Courier New" panose="02070309020205020404" pitchFamily="49" charset="0"/>
+                <a:cs typeface="Courier New" panose="02070309020205020404" pitchFamily="49" charset="0"/>
+              </a:rPr>
+              <a:t>        str++;</a:t>
+            </a:r>
+          </a:p>
+          <a:p>
+            <a:pPr marL="0" indent="0">
+              <a:buNone/>
+            </a:pPr>
+            <a:r>
+              <a:rPr lang="de-DE" sz="1600" dirty="0">
+                <a:latin typeface="Courier New" panose="02070309020205020404" pitchFamily="49" charset="0"/>
+                <a:cs typeface="Courier New" panose="02070309020205020404" pitchFamily="49" charset="0"/>
+              </a:rPr>
+              <a:t>    }</a:t>
+            </a:r>
+          </a:p>
+          <a:p>
+            <a:pPr marL="0" indent="0">
+              <a:buNone/>
+            </a:pPr>
+            <a:r>
+              <a:rPr lang="de-DE" sz="1600" dirty="0">
                 <a:latin typeface="Courier New" panose="02070309020205020404" pitchFamily="49" charset="0"/>
                 <a:cs typeface="Courier New" panose="02070309020205020404" pitchFamily="49" charset="0"/>
               </a:rPr>
@@ -5867,7 +6136,7 @@
             <a:pPr marL="0" indent="0">
               <a:buNone/>
             </a:pPr>
-            <a:endParaRPr lang="en-US" sz="1700" dirty="0">
+            <a:endParaRPr lang="de-DE" sz="1600" dirty="0">
               <a:latin typeface="Courier New" panose="02070309020205020404" pitchFamily="49" charset="0"/>
               <a:cs typeface="Courier New" panose="02070309020205020404" pitchFamily="49" charset="0"/>
             </a:endParaRPr>
@@ -5876,7 +6145,19 @@
             <a:pPr marL="0" indent="0">
               <a:buNone/>
             </a:pPr>
-            <a:endParaRPr lang="en-US" sz="1700" dirty="0">
+            <a:r>
+              <a:rPr lang="de-DE" sz="1600" dirty="0">
+                <a:latin typeface="Courier New" panose="02070309020205020404" pitchFamily="49" charset="0"/>
+                <a:cs typeface="Courier New" panose="02070309020205020404" pitchFamily="49" charset="0"/>
+              </a:rPr>
+              <a:t>\peripheral\sercom\usart\plib_sercom1_usart.h</a:t>
+            </a:r>
+          </a:p>
+          <a:p>
+            <a:pPr marL="0" indent="0">
+              <a:buNone/>
+            </a:pPr>
+            <a:endParaRPr lang="de-DE" sz="1600" dirty="0">
               <a:latin typeface="Courier New" panose="02070309020205020404" pitchFamily="49" charset="0"/>
               <a:cs typeface="Courier New" panose="02070309020205020404" pitchFamily="49" charset="0"/>
             </a:endParaRPr>
@@ -5886,167 +6167,13 @@
               <a:buNone/>
             </a:pPr>
             <a:r>
-              <a:rPr lang="en-US" sz="1700" dirty="0" err="1">
-                <a:latin typeface="Courier New" panose="02070309020205020404" pitchFamily="49" charset="0"/>
-                <a:cs typeface="Courier New" panose="02070309020205020404" pitchFamily="49" charset="0"/>
-              </a:rPr>
-              <a:t>SYS_TIME_DelayMS</a:t>
-            </a:r>
-            <a:r>
-              <a:rPr lang="en-US" sz="1700" dirty="0">
-                <a:latin typeface="Courier New" panose="02070309020205020404" pitchFamily="49" charset="0"/>
-                <a:cs typeface="Courier New" panose="02070309020205020404" pitchFamily="49" charset="0"/>
-              </a:rPr>
-              <a:t> ( 1000, &amp;</a:t>
-            </a:r>
-            <a:r>
-              <a:rPr lang="en-US" sz="1700" dirty="0" err="1">
-                <a:latin typeface="Courier New" panose="02070309020205020404" pitchFamily="49" charset="0"/>
-                <a:cs typeface="Courier New" panose="02070309020205020404" pitchFamily="49" charset="0"/>
-              </a:rPr>
-              <a:t>tm_hdl</a:t>
-            </a:r>
-            <a:r>
-              <a:rPr lang="en-US" sz="1700" dirty="0">
-                <a:latin typeface="Courier New" panose="02070309020205020404" pitchFamily="49" charset="0"/>
-                <a:cs typeface="Courier New" panose="02070309020205020404" pitchFamily="49" charset="0"/>
-              </a:rPr>
-              <a:t> );</a:t>
-            </a:r>
-          </a:p>
-          <a:p>
-            <a:pPr marL="0" indent="0">
-              <a:buNone/>
-            </a:pPr>
-            <a:r>
-              <a:rPr lang="en-US" sz="1700" dirty="0">
-                <a:latin typeface="Courier New" panose="02070309020205020404" pitchFamily="49" charset="0"/>
-                <a:cs typeface="Courier New" panose="02070309020205020404" pitchFamily="49" charset="0"/>
-              </a:rPr>
-              <a:t>while(1){        </a:t>
-            </a:r>
-          </a:p>
-          <a:p>
-            <a:pPr marL="0" indent="0">
-              <a:buNone/>
-            </a:pPr>
-            <a:r>
-              <a:rPr lang="en-US" sz="1700" dirty="0">
-                <a:latin typeface="Courier New" panose="02070309020205020404" pitchFamily="49" charset="0"/>
-                <a:cs typeface="Courier New" panose="02070309020205020404" pitchFamily="49" charset="0"/>
-              </a:rPr>
-              <a:t>   if(</a:t>
-            </a:r>
-            <a:r>
-              <a:rPr lang="en-US" sz="1700" dirty="0" err="1">
-                <a:latin typeface="Courier New" panose="02070309020205020404" pitchFamily="49" charset="0"/>
-                <a:cs typeface="Courier New" panose="02070309020205020404" pitchFamily="49" charset="0"/>
-              </a:rPr>
-              <a:t>SYS_TIME_DelayIsComplete</a:t>
-            </a:r>
-            <a:r>
-              <a:rPr lang="en-US" sz="1700" dirty="0">
-                <a:latin typeface="Courier New" panose="02070309020205020404" pitchFamily="49" charset="0"/>
-                <a:cs typeface="Courier New" panose="02070309020205020404" pitchFamily="49" charset="0"/>
-              </a:rPr>
-              <a:t>(</a:t>
-            </a:r>
-            <a:r>
-              <a:rPr lang="en-US" sz="1700" dirty="0" err="1">
-                <a:latin typeface="Courier New" panose="02070309020205020404" pitchFamily="49" charset="0"/>
-                <a:cs typeface="Courier New" panose="02070309020205020404" pitchFamily="49" charset="0"/>
-              </a:rPr>
-              <a:t>tm_hdl</a:t>
-            </a:r>
-            <a:r>
-              <a:rPr lang="en-US" sz="1700" dirty="0">
-                <a:latin typeface="Courier New" panose="02070309020205020404" pitchFamily="49" charset="0"/>
-                <a:cs typeface="Courier New" panose="02070309020205020404" pitchFamily="49" charset="0"/>
-              </a:rPr>
-              <a:t>)==true){</a:t>
-            </a:r>
-          </a:p>
-          <a:p>
-            <a:pPr marL="0" indent="0">
-              <a:buNone/>
-            </a:pPr>
-            <a:r>
-              <a:rPr lang="en-US" sz="1700" dirty="0">
-                <a:latin typeface="Courier New" panose="02070309020205020404" pitchFamily="49" charset="0"/>
-                <a:cs typeface="Courier New" panose="02070309020205020404" pitchFamily="49" charset="0"/>
-              </a:rPr>
-              <a:t>      LED3_Toggle();</a:t>
-            </a:r>
-          </a:p>
-          <a:p>
-            <a:pPr marL="0" indent="0">
-              <a:buNone/>
-            </a:pPr>
-            <a:r>
-              <a:rPr lang="en-US" sz="1700" dirty="0">
-                <a:latin typeface="Courier New" panose="02070309020205020404" pitchFamily="49" charset="0"/>
-                <a:cs typeface="Courier New" panose="02070309020205020404" pitchFamily="49" charset="0"/>
-              </a:rPr>
-              <a:t>      </a:t>
-            </a:r>
-            <a:r>
-              <a:rPr lang="en-US" sz="1700" dirty="0" err="1">
-                <a:latin typeface="Courier New" panose="02070309020205020404" pitchFamily="49" charset="0"/>
-                <a:cs typeface="Courier New" panose="02070309020205020404" pitchFamily="49" charset="0"/>
-              </a:rPr>
-              <a:t>SYS_TIME_DelayMS</a:t>
-            </a:r>
-            <a:r>
-              <a:rPr lang="en-US" sz="1700" dirty="0">
-                <a:latin typeface="Courier New" panose="02070309020205020404" pitchFamily="49" charset="0"/>
-                <a:cs typeface="Courier New" panose="02070309020205020404" pitchFamily="49" charset="0"/>
-              </a:rPr>
-              <a:t> ( 1000, &amp;</a:t>
-            </a:r>
-            <a:r>
-              <a:rPr lang="en-US" sz="1700" dirty="0" err="1">
-                <a:latin typeface="Courier New" panose="02070309020205020404" pitchFamily="49" charset="0"/>
-                <a:cs typeface="Courier New" panose="02070309020205020404" pitchFamily="49" charset="0"/>
-              </a:rPr>
-              <a:t>tm_hdl</a:t>
-            </a:r>
-            <a:r>
-              <a:rPr lang="en-US" sz="1700" dirty="0">
-                <a:latin typeface="Courier New" panose="02070309020205020404" pitchFamily="49" charset="0"/>
-                <a:cs typeface="Courier New" panose="02070309020205020404" pitchFamily="49" charset="0"/>
-              </a:rPr>
-              <a:t> );</a:t>
-            </a:r>
-          </a:p>
-          <a:p>
-            <a:pPr marL="0" indent="0">
-              <a:buNone/>
-            </a:pPr>
-            <a:r>
-              <a:rPr lang="en-US" sz="1700" dirty="0">
-                <a:latin typeface="Courier New" panose="02070309020205020404" pitchFamily="49" charset="0"/>
-                <a:cs typeface="Courier New" panose="02070309020205020404" pitchFamily="49" charset="0"/>
-              </a:rPr>
-              <a:t>   }</a:t>
-            </a:r>
-          </a:p>
-          <a:p>
-            <a:pPr marL="0" indent="0">
-              <a:buNone/>
-            </a:pPr>
-            <a:r>
-              <a:rPr lang="en-US" sz="1700" dirty="0">
-                <a:latin typeface="Courier New" panose="02070309020205020404" pitchFamily="49" charset="0"/>
-                <a:cs typeface="Courier New" panose="02070309020205020404" pitchFamily="49" charset="0"/>
-              </a:rPr>
-              <a:t>}</a:t>
-            </a:r>
-          </a:p>
-          <a:p>
-            <a:pPr marL="0" indent="0">
-              <a:buNone/>
-            </a:pPr>
-            <a:endParaRPr lang="en-US" sz="2000" dirty="0">
+              <a:rPr lang="en-US" sz="1600" dirty="0">
+                <a:latin typeface="Courier New" panose="02070309020205020404" pitchFamily="49" charset="0"/>
+                <a:cs typeface="Courier New" panose="02070309020205020404" pitchFamily="49" charset="0"/>
+              </a:rPr>
+              <a:t>void SERCOM1_USART_Virtual_Receive(char *str);</a:t>
+            </a:r>
+            <a:endParaRPr lang="de-DE" sz="1600" dirty="0">
               <a:latin typeface="Courier New" panose="02070309020205020404" pitchFamily="49" charset="0"/>
               <a:cs typeface="Courier New" panose="02070309020205020404" pitchFamily="49" charset="0"/>
             </a:endParaRPr>
@@ -6056,7 +6183,7 @@
     </p:spTree>
     <p:extLst>
       <p:ext uri="{BB962C8B-B14F-4D97-AF65-F5344CB8AC3E}">
-        <p14:creationId xmlns:p14="http://schemas.microsoft.com/office/powerpoint/2010/main" val="19653411"/>
+        <p14:creationId xmlns:p14="http://schemas.microsoft.com/office/powerpoint/2010/main" val="1765707923"/>
       </p:ext>
     </p:extLst>
   </p:cSld>
@@ -6088,7 +6215,7 @@
           <p:cNvPr id="2" name="Title 1">
             <a:extLst>
               <a:ext uri="{FF2B5EF4-FFF2-40B4-BE49-F238E27FC236}">
-                <a16:creationId xmlns:a16="http://schemas.microsoft.com/office/drawing/2014/main" id="{710A8873-7487-0842-3F44-9784C8AC5497}"/>
+                <a16:creationId xmlns:a16="http://schemas.microsoft.com/office/drawing/2014/main" id="{4A3E75E6-5891-CDC6-490A-07C11D7CA17E}"/>
               </a:ext>
             </a:extLst>
           </p:cNvPr>
@@ -6106,35 +6233,7 @@
           <a:p>
             <a:r>
               <a:rPr lang="de-DE" dirty="0"/>
-              <a:t>Add Virtuel UART Receive Funtion </a:t>
-            </a:r>
-          </a:p>
-        </p:txBody>
-      </p:sp>
-      <p:sp>
-        <p:nvSpPr>
-          <p:cNvPr id="3" name="Text Placeholder 2">
-            <a:extLst>
-              <a:ext uri="{FF2B5EF4-FFF2-40B4-BE49-F238E27FC236}">
-                <a16:creationId xmlns:a16="http://schemas.microsoft.com/office/drawing/2014/main" id="{26B6EE00-5CF9-94C4-02BB-DAC9714B6C89}"/>
-              </a:ext>
-            </a:extLst>
-          </p:cNvPr>
-          <p:cNvSpPr>
-            <a:spLocks noGrp="1"/>
-          </p:cNvSpPr>
-          <p:nvPr>
-            <p:ph type="body" sz="quarter" idx="13"/>
-          </p:nvPr>
-        </p:nvSpPr>
-        <p:spPr/>
-        <p:txBody>
-          <a:bodyPr/>
-          <a:lstStyle/>
-          <a:p>
-            <a:r>
-              <a:rPr lang="de-DE" dirty="0"/>
-              <a:t>„send to terminal commands from firmware“</a:t>
+              <a:t>Add Button Poll and Action</a:t>
             </a:r>
           </a:p>
         </p:txBody>
@@ -6144,7 +6243,7 @@
           <p:cNvPr id="4" name="Content Placeholder 3">
             <a:extLst>
               <a:ext uri="{FF2B5EF4-FFF2-40B4-BE49-F238E27FC236}">
-                <a16:creationId xmlns:a16="http://schemas.microsoft.com/office/drawing/2014/main" id="{DCD7F7A2-4CB6-7A3A-A584-DAEA41519843}"/>
+                <a16:creationId xmlns:a16="http://schemas.microsoft.com/office/drawing/2014/main" id="{97C75FC7-01C6-1B46-586C-4EFA45A569FF}"/>
               </a:ext>
             </a:extLst>
           </p:cNvPr>
@@ -6155,10 +6254,15 @@
             <p:ph sz="quarter" idx="15"/>
           </p:nvPr>
         </p:nvSpPr>
-        <p:spPr/>
+        <p:spPr>
+          <a:xfrm>
+            <a:off x="355509" y="952107"/>
+            <a:ext cx="4141077" cy="5356929"/>
+          </a:xfrm>
+        </p:spPr>
         <p:txBody>
           <a:bodyPr>
-            <a:normAutofit/>
+            <a:noAutofit/>
           </a:bodyPr>
           <a:lstStyle/>
           <a:p>
@@ -6166,18 +6270,164 @@
               <a:buNone/>
             </a:pPr>
             <a:r>
-              <a:rPr lang="de-DE" sz="1600" dirty="0">
-                <a:latin typeface="Courier New" panose="02070309020205020404" pitchFamily="49" charset="0"/>
-                <a:cs typeface="Courier New" panose="02070309020205020404" pitchFamily="49" charset="0"/>
-              </a:rPr>
-              <a:t>\peripheral\sercom\usart\plib_sercom1_usart.c</a:t>
+              <a:rPr lang="en-US" sz="700" dirty="0">
+                <a:latin typeface="Courier New" panose="02070309020205020404" pitchFamily="49" charset="0"/>
+                <a:cs typeface="Courier New" panose="02070309020205020404" pitchFamily="49" charset="0"/>
+              </a:rPr>
+              <a:t>{</a:t>
             </a:r>
           </a:p>
           <a:p>
             <a:pPr marL="0" indent="0">
               <a:buNone/>
             </a:pPr>
-            <a:endParaRPr lang="de-DE" sz="1600" dirty="0">
+            <a:r>
+              <a:rPr lang="en-US" sz="700" dirty="0">
+                <a:latin typeface="Courier New" panose="02070309020205020404" pitchFamily="49" charset="0"/>
+                <a:cs typeface="Courier New" panose="02070309020205020404" pitchFamily="49" charset="0"/>
+              </a:rPr>
+              <a:t>    static int old_but1 = 0;</a:t>
+            </a:r>
+          </a:p>
+          <a:p>
+            <a:pPr marL="0" indent="0">
+              <a:buNone/>
+            </a:pPr>
+            <a:r>
+              <a:rPr lang="en-US" sz="700" dirty="0">
+                <a:latin typeface="Courier New" panose="02070309020205020404" pitchFamily="49" charset="0"/>
+                <a:cs typeface="Courier New" panose="02070309020205020404" pitchFamily="49" charset="0"/>
+              </a:rPr>
+              <a:t>    int temp_but1 = BUTTON1_Get();</a:t>
+            </a:r>
+          </a:p>
+          <a:p>
+            <a:pPr marL="0" indent="0">
+              <a:buNone/>
+            </a:pPr>
+            <a:r>
+              <a:rPr lang="en-US" sz="700" dirty="0">
+                <a:latin typeface="Courier New" panose="02070309020205020404" pitchFamily="49" charset="0"/>
+                <a:cs typeface="Courier New" panose="02070309020205020404" pitchFamily="49" charset="0"/>
+              </a:rPr>
+              <a:t>    if (temp_but1 &amp;&amp; !old_but1) {</a:t>
+            </a:r>
+          </a:p>
+          <a:p>
+            <a:pPr marL="0" indent="0">
+              <a:buNone/>
+            </a:pPr>
+            <a:r>
+              <a:rPr lang="en-US" sz="700" dirty="0">
+                <a:latin typeface="Courier New" panose="02070309020205020404" pitchFamily="49" charset="0"/>
+                <a:cs typeface="Courier New" panose="02070309020205020404" pitchFamily="49" charset="0"/>
+              </a:rPr>
+              <a:t>        LED1_Set();</a:t>
+            </a:r>
+          </a:p>
+          <a:p>
+            <a:pPr marL="0" indent="0">
+              <a:buNone/>
+            </a:pPr>
+            <a:r>
+              <a:rPr lang="en-US" sz="700" dirty="0">
+                <a:latin typeface="Courier New" panose="02070309020205020404" pitchFamily="49" charset="0"/>
+                <a:cs typeface="Courier New" panose="02070309020205020404" pitchFamily="49" charset="0"/>
+              </a:rPr>
+              <a:t>    }</a:t>
+            </a:r>
+          </a:p>
+          <a:p>
+            <a:pPr marL="0" indent="0">
+              <a:buNone/>
+            </a:pPr>
+            <a:r>
+              <a:rPr lang="en-US" sz="700" dirty="0">
+                <a:latin typeface="Courier New" panose="02070309020205020404" pitchFamily="49" charset="0"/>
+                <a:cs typeface="Courier New" panose="02070309020205020404" pitchFamily="49" charset="0"/>
+              </a:rPr>
+              <a:t>    if (!temp_but1 &amp;&amp; old_but1) {</a:t>
+            </a:r>
+          </a:p>
+          <a:p>
+            <a:pPr marL="0" indent="0">
+              <a:buNone/>
+            </a:pPr>
+            <a:r>
+              <a:rPr lang="en-US" sz="700" dirty="0">
+                <a:latin typeface="Courier New" panose="02070309020205020404" pitchFamily="49" charset="0"/>
+                <a:cs typeface="Courier New" panose="02070309020205020404" pitchFamily="49" charset="0"/>
+              </a:rPr>
+              <a:t>        LED1_Clear();</a:t>
+            </a:r>
+          </a:p>
+          <a:p>
+            <a:pPr marL="0" indent="0">
+              <a:buNone/>
+            </a:pPr>
+            <a:r>
+              <a:rPr lang="en-US" sz="700" dirty="0">
+                <a:latin typeface="Courier New" panose="02070309020205020404" pitchFamily="49" charset="0"/>
+                <a:cs typeface="Courier New" panose="02070309020205020404" pitchFamily="49" charset="0"/>
+              </a:rPr>
+              <a:t>        SERCOM1_USART_Virtual_Receive("iperf -s\n");</a:t>
+            </a:r>
+          </a:p>
+          <a:p>
+            <a:pPr marL="0" indent="0">
+              <a:buNone/>
+            </a:pPr>
+            <a:r>
+              <a:rPr lang="en-US" sz="700" dirty="0">
+                <a:latin typeface="Courier New" panose="02070309020205020404" pitchFamily="49" charset="0"/>
+                <a:cs typeface="Courier New" panose="02070309020205020404" pitchFamily="49" charset="0"/>
+              </a:rPr>
+              <a:t>        </a:t>
+            </a:r>
+            <a:r>
+              <a:rPr lang="en-US" sz="700" dirty="0" err="1">
+                <a:latin typeface="Courier New" panose="02070309020205020404" pitchFamily="49" charset="0"/>
+                <a:cs typeface="Courier New" panose="02070309020205020404" pitchFamily="49" charset="0"/>
+              </a:rPr>
+              <a:t>gfx_mono_print_scroll</a:t>
+            </a:r>
+            <a:r>
+              <a:rPr lang="en-US" sz="700" dirty="0">
+                <a:latin typeface="Courier New" panose="02070309020205020404" pitchFamily="49" charset="0"/>
+                <a:cs typeface="Courier New" panose="02070309020205020404" pitchFamily="49" charset="0"/>
+              </a:rPr>
+              <a:t>("iperf TCP server");</a:t>
+            </a:r>
+          </a:p>
+          <a:p>
+            <a:pPr marL="0" indent="0">
+              <a:buNone/>
+            </a:pPr>
+            <a:r>
+              <a:rPr lang="en-US" sz="700" dirty="0">
+                <a:latin typeface="Courier New" panose="02070309020205020404" pitchFamily="49" charset="0"/>
+                <a:cs typeface="Courier New" panose="02070309020205020404" pitchFamily="49" charset="0"/>
+              </a:rPr>
+              <a:t>    }</a:t>
+            </a:r>
+          </a:p>
+          <a:p>
+            <a:pPr marL="0" indent="0">
+              <a:buNone/>
+            </a:pPr>
+            <a:r>
+              <a:rPr lang="en-US" sz="700" dirty="0">
+                <a:latin typeface="Courier New" panose="02070309020205020404" pitchFamily="49" charset="0"/>
+                <a:cs typeface="Courier New" panose="02070309020205020404" pitchFamily="49" charset="0"/>
+              </a:rPr>
+              <a:t>    old_but1 = temp_but1;</a:t>
+            </a:r>
+          </a:p>
+          <a:p>
+            <a:pPr marL="0" indent="0">
+              <a:buNone/>
+            </a:pPr>
+            <a:endParaRPr lang="en-US" sz="700" dirty="0">
               <a:latin typeface="Courier New" panose="02070309020205020404" pitchFamily="49" charset="0"/>
               <a:cs typeface="Courier New" panose="02070309020205020404" pitchFamily="49" charset="0"/>
             </a:endParaRPr>
@@ -6187,11 +6437,11 @@
               <a:buNone/>
             </a:pPr>
             <a:r>
-              <a:rPr lang="de-DE" sz="1600" dirty="0">
-                <a:latin typeface="Courier New" panose="02070309020205020404" pitchFamily="49" charset="0"/>
-                <a:cs typeface="Courier New" panose="02070309020205020404" pitchFamily="49" charset="0"/>
-              </a:rPr>
-              <a:t>void SERCOM1_USART_Virtual_Receive(char *str) {</a:t>
+              <a:rPr lang="en-US" sz="700" dirty="0">
+                <a:latin typeface="Courier New" panose="02070309020205020404" pitchFamily="49" charset="0"/>
+                <a:cs typeface="Courier New" panose="02070309020205020404" pitchFamily="49" charset="0"/>
+              </a:rPr>
+              <a:t>    static int old_but2 = 0;</a:t>
             </a:r>
           </a:p>
           <a:p>
@@ -6199,11 +6449,11 @@
               <a:buNone/>
             </a:pPr>
             <a:r>
-              <a:rPr lang="de-DE" sz="1600" dirty="0">
-                <a:latin typeface="Courier New" panose="02070309020205020404" pitchFamily="49" charset="0"/>
-                <a:cs typeface="Courier New" panose="02070309020205020404" pitchFamily="49" charset="0"/>
-              </a:rPr>
-              <a:t>    while (*str!=0) {</a:t>
+              <a:rPr lang="en-US" sz="700" dirty="0">
+                <a:latin typeface="Courier New" panose="02070309020205020404" pitchFamily="49" charset="0"/>
+                <a:cs typeface="Courier New" panose="02070309020205020404" pitchFamily="49" charset="0"/>
+              </a:rPr>
+              <a:t>    int temp_but2 = BUTTON2_Get();</a:t>
             </a:r>
           </a:p>
           <a:p>
@@ -6211,11 +6461,11 @@
               <a:buNone/>
             </a:pPr>
             <a:r>
-              <a:rPr lang="de-DE" sz="1600" dirty="0">
-                <a:latin typeface="Courier New" panose="02070309020205020404" pitchFamily="49" charset="0"/>
-                <a:cs typeface="Courier New" panose="02070309020205020404" pitchFamily="49" charset="0"/>
-              </a:rPr>
-              <a:t>        if (SERCOM1_USART_RxPushByte(*str) == true) {</a:t>
+              <a:rPr lang="en-US" sz="700" dirty="0">
+                <a:latin typeface="Courier New" panose="02070309020205020404" pitchFamily="49" charset="0"/>
+                <a:cs typeface="Courier New" panose="02070309020205020404" pitchFamily="49" charset="0"/>
+              </a:rPr>
+              <a:t>    if (temp_but2 &amp;&amp; !old_but2) {</a:t>
             </a:r>
           </a:p>
           <a:p>
@@ -6223,11 +6473,11 @@
               <a:buNone/>
             </a:pPr>
             <a:r>
-              <a:rPr lang="de-DE" sz="1600" dirty="0">
-                <a:latin typeface="Courier New" panose="02070309020205020404" pitchFamily="49" charset="0"/>
-                <a:cs typeface="Courier New" panose="02070309020205020404" pitchFamily="49" charset="0"/>
-              </a:rPr>
-              <a:t>            SERCOM1_USART_ReadNotificationSend();</a:t>
+              <a:rPr lang="en-US" sz="700" dirty="0">
+                <a:latin typeface="Courier New" panose="02070309020205020404" pitchFamily="49" charset="0"/>
+                <a:cs typeface="Courier New" panose="02070309020205020404" pitchFamily="49" charset="0"/>
+              </a:rPr>
+              <a:t>        LED2_Set();</a:t>
             </a:r>
           </a:p>
           <a:p>
@@ -6235,11 +6485,11 @@
               <a:buNone/>
             </a:pPr>
             <a:r>
-              <a:rPr lang="de-DE" sz="1600" dirty="0">
-                <a:latin typeface="Courier New" panose="02070309020205020404" pitchFamily="49" charset="0"/>
-                <a:cs typeface="Courier New" panose="02070309020205020404" pitchFamily="49" charset="0"/>
-              </a:rPr>
-              <a:t>        }</a:t>
+              <a:rPr lang="en-US" sz="700" dirty="0">
+                <a:latin typeface="Courier New" panose="02070309020205020404" pitchFamily="49" charset="0"/>
+                <a:cs typeface="Courier New" panose="02070309020205020404" pitchFamily="49" charset="0"/>
+              </a:rPr>
+              <a:t>    }</a:t>
             </a:r>
           </a:p>
           <a:p>
@@ -6247,11 +6497,11 @@
               <a:buNone/>
             </a:pPr>
             <a:r>
-              <a:rPr lang="de-DE" sz="1600" dirty="0">
-                <a:latin typeface="Courier New" panose="02070309020205020404" pitchFamily="49" charset="0"/>
-                <a:cs typeface="Courier New" panose="02070309020205020404" pitchFamily="49" charset="0"/>
-              </a:rPr>
-              <a:t>        str++;</a:t>
+              <a:rPr lang="en-US" sz="700" dirty="0">
+                <a:latin typeface="Courier New" panose="02070309020205020404" pitchFamily="49" charset="0"/>
+                <a:cs typeface="Courier New" panose="02070309020205020404" pitchFamily="49" charset="0"/>
+              </a:rPr>
+              <a:t>    if (!temp_but2 &amp;&amp; old_but2) {</a:t>
             </a:r>
           </a:p>
           <a:p>
@@ -6259,7 +6509,57 @@
               <a:buNone/>
             </a:pPr>
             <a:r>
-              <a:rPr lang="de-DE" sz="1600" dirty="0">
+              <a:rPr lang="en-US" sz="700" dirty="0">
+                <a:latin typeface="Courier New" panose="02070309020205020404" pitchFamily="49" charset="0"/>
+                <a:cs typeface="Courier New" panose="02070309020205020404" pitchFamily="49" charset="0"/>
+              </a:rPr>
+              <a:t>        LED2_Clear();</a:t>
+            </a:r>
+          </a:p>
+          <a:p>
+            <a:pPr marL="0" indent="0">
+              <a:buNone/>
+            </a:pPr>
+            <a:r>
+              <a:rPr lang="en-US" sz="700" dirty="0">
+                <a:latin typeface="Courier New" panose="02070309020205020404" pitchFamily="49" charset="0"/>
+                <a:cs typeface="Courier New" panose="02070309020205020404" pitchFamily="49" charset="0"/>
+              </a:rPr>
+              <a:t>        SERCOM1_USART_Virtual_Receive("iperf -s -u\n");</a:t>
+            </a:r>
+          </a:p>
+          <a:p>
+            <a:pPr marL="0" indent="0">
+              <a:buNone/>
+            </a:pPr>
+            <a:r>
+              <a:rPr lang="en-US" sz="700" dirty="0">
+                <a:latin typeface="Courier New" panose="02070309020205020404" pitchFamily="49" charset="0"/>
+                <a:cs typeface="Courier New" panose="02070309020205020404" pitchFamily="49" charset="0"/>
+              </a:rPr>
+              <a:t>        </a:t>
+            </a:r>
+            <a:r>
+              <a:rPr lang="en-US" sz="700" dirty="0" err="1">
+                <a:latin typeface="Courier New" panose="02070309020205020404" pitchFamily="49" charset="0"/>
+                <a:cs typeface="Courier New" panose="02070309020205020404" pitchFamily="49" charset="0"/>
+              </a:rPr>
+              <a:t>gfx_mono_print_scroll</a:t>
+            </a:r>
+            <a:r>
+              <a:rPr lang="en-US" sz="700" dirty="0">
+                <a:latin typeface="Courier New" panose="02070309020205020404" pitchFamily="49" charset="0"/>
+                <a:cs typeface="Courier New" panose="02070309020205020404" pitchFamily="49" charset="0"/>
+              </a:rPr>
+              <a:t>("iperf UDP server");</a:t>
+            </a:r>
+          </a:p>
+          <a:p>
+            <a:pPr marL="0" indent="0">
+              <a:buNone/>
+            </a:pPr>
+            <a:r>
+              <a:rPr lang="en-US" sz="700" dirty="0">
                 <a:latin typeface="Courier New" panose="02070309020205020404" pitchFamily="49" charset="0"/>
                 <a:cs typeface="Courier New" panose="02070309020205020404" pitchFamily="49" charset="0"/>
               </a:rPr>
@@ -6271,18 +6571,18 @@
               <a:buNone/>
             </a:pPr>
             <a:r>
-              <a:rPr lang="de-DE" sz="1600" dirty="0">
-                <a:latin typeface="Courier New" panose="02070309020205020404" pitchFamily="49" charset="0"/>
-                <a:cs typeface="Courier New" panose="02070309020205020404" pitchFamily="49" charset="0"/>
-              </a:rPr>
-              <a:t>}</a:t>
+              <a:rPr lang="en-US" sz="700" dirty="0">
+                <a:latin typeface="Courier New" panose="02070309020205020404" pitchFamily="49" charset="0"/>
+                <a:cs typeface="Courier New" panose="02070309020205020404" pitchFamily="49" charset="0"/>
+              </a:rPr>
+              <a:t>    old_but2 = temp_but2;</a:t>
             </a:r>
           </a:p>
           <a:p>
             <a:pPr marL="0" indent="0">
               <a:buNone/>
             </a:pPr>
-            <a:endParaRPr lang="de-DE" sz="1600" dirty="0">
+            <a:endParaRPr lang="en-US" sz="700" dirty="0">
               <a:latin typeface="Courier New" panose="02070309020205020404" pitchFamily="49" charset="0"/>
               <a:cs typeface="Courier New" panose="02070309020205020404" pitchFamily="49" charset="0"/>
             </a:endParaRPr>
@@ -6292,44 +6592,469 @@
               <a:buNone/>
             </a:pPr>
             <a:r>
-              <a:rPr lang="de-DE" sz="1600" dirty="0">
-                <a:latin typeface="Courier New" panose="02070309020205020404" pitchFamily="49" charset="0"/>
-                <a:cs typeface="Courier New" panose="02070309020205020404" pitchFamily="49" charset="0"/>
-              </a:rPr>
-              <a:t>\peripheral\sercom\usart\plib_sercom1_usart.h</a:t>
+              <a:rPr lang="en-US" sz="700" dirty="0">
+                <a:latin typeface="Courier New" panose="02070309020205020404" pitchFamily="49" charset="0"/>
+                <a:cs typeface="Courier New" panose="02070309020205020404" pitchFamily="49" charset="0"/>
+              </a:rPr>
+              <a:t>    static int old_but3 = 0;</a:t>
             </a:r>
           </a:p>
           <a:p>
             <a:pPr marL="0" indent="0">
               <a:buNone/>
             </a:pPr>
-            <a:endParaRPr lang="de-DE" sz="1600" dirty="0">
-              <a:latin typeface="Courier New" panose="02070309020205020404" pitchFamily="49" charset="0"/>
-              <a:cs typeface="Courier New" panose="02070309020205020404" pitchFamily="49" charset="0"/>
-            </a:endParaRPr>
+            <a:r>
+              <a:rPr lang="en-US" sz="700" dirty="0">
+                <a:latin typeface="Courier New" panose="02070309020205020404" pitchFamily="49" charset="0"/>
+                <a:cs typeface="Courier New" panose="02070309020205020404" pitchFamily="49" charset="0"/>
+              </a:rPr>
+              <a:t>    int temp_but3 = BUTTON3_Get();</a:t>
+            </a:r>
           </a:p>
           <a:p>
             <a:pPr marL="0" indent="0">
               <a:buNone/>
             </a:pPr>
             <a:r>
-              <a:rPr lang="en-US" sz="1600" dirty="0">
-                <a:latin typeface="Courier New" panose="02070309020205020404" pitchFamily="49" charset="0"/>
-                <a:cs typeface="Courier New" panose="02070309020205020404" pitchFamily="49" charset="0"/>
-              </a:rPr>
-              <a:t>void SERCOM1_USART_Virtual_Receive(char *str);</a:t>
-            </a:r>
-            <a:endParaRPr lang="de-DE" sz="1600" dirty="0">
-              <a:latin typeface="Courier New" panose="02070309020205020404" pitchFamily="49" charset="0"/>
-              <a:cs typeface="Courier New" panose="02070309020205020404" pitchFamily="49" charset="0"/>
-            </a:endParaRPr>
+              <a:rPr lang="en-US" sz="700" dirty="0">
+                <a:latin typeface="Courier New" panose="02070309020205020404" pitchFamily="49" charset="0"/>
+                <a:cs typeface="Courier New" panose="02070309020205020404" pitchFamily="49" charset="0"/>
+              </a:rPr>
+              <a:t>    if (temp_but3 &amp;&amp; !old_but3) {</a:t>
+            </a:r>
+          </a:p>
+          <a:p>
+            <a:pPr marL="0" indent="0">
+              <a:buNone/>
+            </a:pPr>
+            <a:r>
+              <a:rPr lang="en-US" sz="700" dirty="0">
+                <a:latin typeface="Courier New" panose="02070309020205020404" pitchFamily="49" charset="0"/>
+                <a:cs typeface="Courier New" panose="02070309020205020404" pitchFamily="49" charset="0"/>
+              </a:rPr>
+              <a:t>        LED3_Set();</a:t>
+            </a:r>
+          </a:p>
+          <a:p>
+            <a:pPr marL="0" indent="0">
+              <a:buNone/>
+            </a:pPr>
+            <a:r>
+              <a:rPr lang="en-US" sz="700" dirty="0">
+                <a:latin typeface="Courier New" panose="02070309020205020404" pitchFamily="49" charset="0"/>
+                <a:cs typeface="Courier New" panose="02070309020205020404" pitchFamily="49" charset="0"/>
+              </a:rPr>
+              <a:t>    }</a:t>
+            </a:r>
+          </a:p>
+          <a:p>
+            <a:pPr marL="0" indent="0">
+              <a:buNone/>
+            </a:pPr>
+            <a:r>
+              <a:rPr lang="en-US" sz="700" dirty="0">
+                <a:latin typeface="Courier New" panose="02070309020205020404" pitchFamily="49" charset="0"/>
+                <a:cs typeface="Courier New" panose="02070309020205020404" pitchFamily="49" charset="0"/>
+              </a:rPr>
+              <a:t>    if (!temp_but3 &amp;&amp; old_but3) {</a:t>
+            </a:r>
+          </a:p>
+          <a:p>
+            <a:pPr marL="0" indent="0">
+              <a:buNone/>
+            </a:pPr>
+            <a:r>
+              <a:rPr lang="en-US" sz="700" dirty="0">
+                <a:latin typeface="Courier New" panose="02070309020205020404" pitchFamily="49" charset="0"/>
+                <a:cs typeface="Courier New" panose="02070309020205020404" pitchFamily="49" charset="0"/>
+              </a:rPr>
+              <a:t>        LED3_Clear();</a:t>
+            </a:r>
+          </a:p>
+          <a:p>
+            <a:pPr marL="0" indent="0">
+              <a:buNone/>
+            </a:pPr>
+            <a:r>
+              <a:rPr lang="en-US" sz="700" dirty="0">
+                <a:latin typeface="Courier New" panose="02070309020205020404" pitchFamily="49" charset="0"/>
+                <a:cs typeface="Courier New" panose="02070309020205020404" pitchFamily="49" charset="0"/>
+              </a:rPr>
+              <a:t>        SERCOM1_USART_Virtual_Receive("</a:t>
+            </a:r>
+            <a:r>
+              <a:rPr lang="en-US" sz="700" dirty="0" err="1">
+                <a:latin typeface="Courier New" panose="02070309020205020404" pitchFamily="49" charset="0"/>
+                <a:cs typeface="Courier New" panose="02070309020205020404" pitchFamily="49" charset="0"/>
+              </a:rPr>
+              <a:t>iperfk</a:t>
+            </a:r>
+            <a:r>
+              <a:rPr lang="en-US" sz="700" dirty="0">
+                <a:latin typeface="Courier New" panose="02070309020205020404" pitchFamily="49" charset="0"/>
+                <a:cs typeface="Courier New" panose="02070309020205020404" pitchFamily="49" charset="0"/>
+              </a:rPr>
+              <a:t>\n");</a:t>
+            </a:r>
+          </a:p>
+          <a:p>
+            <a:pPr marL="0" indent="0">
+              <a:buNone/>
+            </a:pPr>
+            <a:r>
+              <a:rPr lang="en-US" sz="700" dirty="0">
+                <a:latin typeface="Courier New" panose="02070309020205020404" pitchFamily="49" charset="0"/>
+                <a:cs typeface="Courier New" panose="02070309020205020404" pitchFamily="49" charset="0"/>
+              </a:rPr>
+              <a:t>        </a:t>
+            </a:r>
+            <a:r>
+              <a:rPr lang="en-US" sz="700" dirty="0" err="1">
+                <a:latin typeface="Courier New" panose="02070309020205020404" pitchFamily="49" charset="0"/>
+                <a:cs typeface="Courier New" panose="02070309020205020404" pitchFamily="49" charset="0"/>
+              </a:rPr>
+              <a:t>gfx_mono_print_scroll</a:t>
+            </a:r>
+            <a:r>
+              <a:rPr lang="en-US" sz="700" dirty="0">
+                <a:latin typeface="Courier New" panose="02070309020205020404" pitchFamily="49" charset="0"/>
+                <a:cs typeface="Courier New" panose="02070309020205020404" pitchFamily="49" charset="0"/>
+              </a:rPr>
+              <a:t>("iperf kill server");</a:t>
+            </a:r>
+          </a:p>
+          <a:p>
+            <a:pPr marL="0" indent="0">
+              <a:buNone/>
+            </a:pPr>
+            <a:r>
+              <a:rPr lang="en-US" sz="700" dirty="0">
+                <a:latin typeface="Courier New" panose="02070309020205020404" pitchFamily="49" charset="0"/>
+                <a:cs typeface="Courier New" panose="02070309020205020404" pitchFamily="49" charset="0"/>
+              </a:rPr>
+              <a:t>    }</a:t>
+            </a:r>
+          </a:p>
+          <a:p>
+            <a:pPr marL="0" indent="0">
+              <a:buNone/>
+            </a:pPr>
+            <a:r>
+              <a:rPr lang="en-US" sz="700" dirty="0">
+                <a:latin typeface="Courier New" panose="02070309020205020404" pitchFamily="49" charset="0"/>
+                <a:cs typeface="Courier New" panose="02070309020205020404" pitchFamily="49" charset="0"/>
+              </a:rPr>
+              <a:t>    old_but3 = temp_but3;</a:t>
+            </a:r>
+          </a:p>
+          <a:p>
+            <a:pPr marL="0" indent="0">
+              <a:buNone/>
+            </a:pPr>
+            <a:r>
+              <a:rPr lang="en-US" sz="700" dirty="0">
+                <a:latin typeface="Courier New" panose="02070309020205020404" pitchFamily="49" charset="0"/>
+                <a:cs typeface="Courier New" panose="02070309020205020404" pitchFamily="49" charset="0"/>
+              </a:rPr>
+              <a:t>}</a:t>
+            </a:r>
+          </a:p>
+        </p:txBody>
+      </p:sp>
+      <p:sp>
+        <p:nvSpPr>
+          <p:cNvPr id="3" name="Content Placeholder 3">
+            <a:extLst>
+              <a:ext uri="{FF2B5EF4-FFF2-40B4-BE49-F238E27FC236}">
+                <a16:creationId xmlns:a16="http://schemas.microsoft.com/office/drawing/2014/main" id="{75A86346-3737-A301-F5AD-AF37727B37F0}"/>
+              </a:ext>
+            </a:extLst>
+          </p:cNvPr>
+          <p:cNvSpPr txBox="1">
+            <a:spLocks/>
+          </p:cNvSpPr>
+          <p:nvPr/>
+        </p:nvSpPr>
+        <p:spPr>
+          <a:xfrm>
+            <a:off x="5621701" y="1077799"/>
+            <a:ext cx="5190843" cy="1731390"/>
+          </a:xfrm>
+          <a:prstGeom prst="rect">
+            <a:avLst/>
+          </a:prstGeom>
+        </p:spPr>
+        <p:txBody>
+          <a:bodyPr vert="horz" lIns="121888" tIns="60944" rIns="121888" bIns="60944" rtlCol="0">
+            <a:noAutofit/>
+          </a:bodyPr>
+          <a:lstStyle>
+            <a:lvl1pPr marL="274201" indent="-274201" algn="l" defTabSz="609443" rtl="0" eaLnBrk="1" latinLnBrk="0" hangingPunct="1">
+              <a:spcBef>
+                <a:spcPts val="300"/>
+              </a:spcBef>
+              <a:buClr>
+                <a:srgbClr val="0E3689"/>
+              </a:buClr>
+              <a:buFont typeface="Arial"/>
+              <a:buChar char="•"/>
+              <a:defRPr sz="3200" b="1" kern="1200">
+                <a:solidFill>
+                  <a:srgbClr val="070707"/>
+                </a:solidFill>
+                <a:latin typeface="+mn-lt"/>
+                <a:ea typeface="+mn-ea"/>
+                <a:cs typeface="+mn-cs"/>
+              </a:defRPr>
+            </a:lvl1pPr>
+            <a:lvl2pPr marL="576072" indent="-274320" algn="l" defTabSz="609443" rtl="0" eaLnBrk="1" latinLnBrk="0" hangingPunct="1">
+              <a:spcBef>
+                <a:spcPts val="300"/>
+              </a:spcBef>
+              <a:buClr>
+                <a:srgbClr val="1D9CE4"/>
+              </a:buClr>
+              <a:buFont typeface="Arial" panose="020B0604020202020204" pitchFamily="34" charset="0"/>
+              <a:buChar char="•"/>
+              <a:defRPr sz="2800" kern="1200">
+                <a:solidFill>
+                  <a:srgbClr val="070707"/>
+                </a:solidFill>
+                <a:latin typeface="+mn-lt"/>
+                <a:ea typeface="+mn-ea"/>
+                <a:cs typeface="+mn-cs"/>
+              </a:defRPr>
+            </a:lvl2pPr>
+            <a:lvl3pPr marL="868680" indent="-274320" algn="l" defTabSz="609443" rtl="0" eaLnBrk="1" latinLnBrk="0" hangingPunct="1">
+              <a:spcBef>
+                <a:spcPts val="300"/>
+              </a:spcBef>
+              <a:buClr>
+                <a:srgbClr val="1D9CE4"/>
+              </a:buClr>
+              <a:buFont typeface="Arial"/>
+              <a:buChar char="•"/>
+              <a:defRPr sz="2400" kern="1200">
+                <a:solidFill>
+                  <a:srgbClr val="070707"/>
+                </a:solidFill>
+                <a:latin typeface="+mn-lt"/>
+                <a:ea typeface="+mn-ea"/>
+                <a:cs typeface="+mn-cs"/>
+              </a:defRPr>
+            </a:lvl3pPr>
+            <a:lvl4pPr marL="1143000" indent="-274320" algn="l" defTabSz="609443" rtl="0" eaLnBrk="1" latinLnBrk="0" hangingPunct="1">
+              <a:spcBef>
+                <a:spcPts val="300"/>
+              </a:spcBef>
+              <a:buClr>
+                <a:srgbClr val="1D9CE4"/>
+              </a:buClr>
+              <a:buFont typeface="Arial" panose="020B0604020202020204" pitchFamily="34" charset="0"/>
+              <a:buChar char="•"/>
+              <a:defRPr sz="2000" kern="1200">
+                <a:solidFill>
+                  <a:srgbClr val="070707"/>
+                </a:solidFill>
+                <a:latin typeface="+mn-lt"/>
+                <a:ea typeface="+mn-ea"/>
+                <a:cs typeface="+mn-cs"/>
+              </a:defRPr>
+            </a:lvl4pPr>
+            <a:lvl5pPr marL="1435608" indent="-274320" algn="l" defTabSz="609443" rtl="0" eaLnBrk="1" latinLnBrk="0" hangingPunct="1">
+              <a:spcBef>
+                <a:spcPts val="300"/>
+              </a:spcBef>
+              <a:buClr>
+                <a:srgbClr val="1D9CE4"/>
+              </a:buClr>
+              <a:buFont typeface="Arial" panose="020B0604020202020204" pitchFamily="34" charset="0"/>
+              <a:buChar char="•"/>
+              <a:defRPr sz="2000" kern="1200">
+                <a:solidFill>
+                  <a:srgbClr val="070707"/>
+                </a:solidFill>
+                <a:latin typeface="+mn-lt"/>
+                <a:ea typeface="+mn-ea"/>
+                <a:cs typeface="+mn-cs"/>
+              </a:defRPr>
+            </a:lvl5pPr>
+            <a:lvl6pPr marL="3351933" indent="-304723" algn="l" defTabSz="609443" rtl="0" eaLnBrk="1" latinLnBrk="0" hangingPunct="1">
+              <a:spcBef>
+                <a:spcPct val="20000"/>
+              </a:spcBef>
+              <a:buFont typeface="Arial"/>
+              <a:buChar char="•"/>
+              <a:defRPr sz="2700" kern="1200">
+                <a:solidFill>
+                  <a:schemeClr val="tx1"/>
+                </a:solidFill>
+                <a:latin typeface="+mn-lt"/>
+                <a:ea typeface="+mn-ea"/>
+                <a:cs typeface="+mn-cs"/>
+              </a:defRPr>
+            </a:lvl6pPr>
+            <a:lvl7pPr marL="3961376" indent="-304723" algn="l" defTabSz="609443" rtl="0" eaLnBrk="1" latinLnBrk="0" hangingPunct="1">
+              <a:spcBef>
+                <a:spcPct val="20000"/>
+              </a:spcBef>
+              <a:buFont typeface="Arial"/>
+              <a:buChar char="•"/>
+              <a:defRPr sz="2700" kern="1200">
+                <a:solidFill>
+                  <a:schemeClr val="tx1"/>
+                </a:solidFill>
+                <a:latin typeface="+mn-lt"/>
+                <a:ea typeface="+mn-ea"/>
+                <a:cs typeface="+mn-cs"/>
+              </a:defRPr>
+            </a:lvl7pPr>
+            <a:lvl8pPr marL="4570819" indent="-304723" algn="l" defTabSz="609443" rtl="0" eaLnBrk="1" latinLnBrk="0" hangingPunct="1">
+              <a:spcBef>
+                <a:spcPct val="20000"/>
+              </a:spcBef>
+              <a:buFont typeface="Arial"/>
+              <a:buChar char="•"/>
+              <a:defRPr sz="2700" kern="1200">
+                <a:solidFill>
+                  <a:schemeClr val="tx1"/>
+                </a:solidFill>
+                <a:latin typeface="+mn-lt"/>
+                <a:ea typeface="+mn-ea"/>
+                <a:cs typeface="+mn-cs"/>
+              </a:defRPr>
+            </a:lvl8pPr>
+            <a:lvl9pPr marL="5180261" indent="-304723" algn="l" defTabSz="609443" rtl="0" eaLnBrk="1" latinLnBrk="0" hangingPunct="1">
+              <a:spcBef>
+                <a:spcPct val="20000"/>
+              </a:spcBef>
+              <a:buFont typeface="Arial"/>
+              <a:buChar char="•"/>
+              <a:defRPr sz="2700" kern="1200">
+                <a:solidFill>
+                  <a:schemeClr val="tx1"/>
+                </a:solidFill>
+                <a:latin typeface="+mn-lt"/>
+                <a:ea typeface="+mn-ea"/>
+                <a:cs typeface="+mn-cs"/>
+              </a:defRPr>
+            </a:lvl9pPr>
+          </a:lstStyle>
+          <a:p>
+            <a:pPr marL="0" indent="0">
+              <a:buFont typeface="Arial"/>
+              <a:buNone/>
+            </a:pPr>
+            <a:r>
+              <a:rPr lang="en-US" sz="700" b="0" dirty="0">
+                <a:latin typeface="Courier New" panose="02070309020205020404" pitchFamily="49" charset="0"/>
+                <a:cs typeface="Courier New" panose="02070309020205020404" pitchFamily="49" charset="0"/>
+              </a:rPr>
+              <a:t>#include "config/default/peripheral/port/</a:t>
+            </a:r>
+            <a:r>
+              <a:rPr lang="en-US" sz="700" b="0" dirty="0" err="1">
+                <a:latin typeface="Courier New" panose="02070309020205020404" pitchFamily="49" charset="0"/>
+                <a:cs typeface="Courier New" panose="02070309020205020404" pitchFamily="49" charset="0"/>
+              </a:rPr>
+              <a:t>plib_port.h</a:t>
+            </a:r>
+            <a:r>
+              <a:rPr lang="en-US" sz="700" b="0" dirty="0">
+                <a:latin typeface="Courier New" panose="02070309020205020404" pitchFamily="49" charset="0"/>
+                <a:cs typeface="Courier New" panose="02070309020205020404" pitchFamily="49" charset="0"/>
+              </a:rPr>
+              <a:t>"</a:t>
+            </a:r>
+          </a:p>
+          <a:p>
+            <a:pPr marL="0" indent="0">
+              <a:buFont typeface="Arial"/>
+              <a:buNone/>
+            </a:pPr>
+            <a:r>
+              <a:rPr lang="en-US" sz="700" b="0" dirty="0">
+                <a:latin typeface="Courier New" panose="02070309020205020404" pitchFamily="49" charset="0"/>
+                <a:cs typeface="Courier New" panose="02070309020205020404" pitchFamily="49" charset="0"/>
+              </a:rPr>
+              <a:t>#include "config/default/peripheral/</a:t>
+            </a:r>
+            <a:r>
+              <a:rPr lang="en-US" sz="700" b="0" dirty="0" err="1">
+                <a:latin typeface="Courier New" panose="02070309020205020404" pitchFamily="49" charset="0"/>
+                <a:cs typeface="Courier New" panose="02070309020205020404" pitchFamily="49" charset="0"/>
+              </a:rPr>
+              <a:t>sercom</a:t>
+            </a:r>
+            <a:r>
+              <a:rPr lang="en-US" sz="700" b="0" dirty="0">
+                <a:latin typeface="Courier New" panose="02070309020205020404" pitchFamily="49" charset="0"/>
+                <a:cs typeface="Courier New" panose="02070309020205020404" pitchFamily="49" charset="0"/>
+              </a:rPr>
+              <a:t>/</a:t>
+            </a:r>
+            <a:r>
+              <a:rPr lang="en-US" sz="700" b="0" dirty="0" err="1">
+                <a:latin typeface="Courier New" panose="02070309020205020404" pitchFamily="49" charset="0"/>
+                <a:cs typeface="Courier New" panose="02070309020205020404" pitchFamily="49" charset="0"/>
+              </a:rPr>
+              <a:t>usart</a:t>
+            </a:r>
+            <a:r>
+              <a:rPr lang="en-US" sz="700" b="0" dirty="0">
+                <a:latin typeface="Courier New" panose="02070309020205020404" pitchFamily="49" charset="0"/>
+                <a:cs typeface="Courier New" panose="02070309020205020404" pitchFamily="49" charset="0"/>
+              </a:rPr>
+              <a:t>/plib_sercom1_usart.h"</a:t>
+            </a:r>
+          </a:p>
+          <a:p>
+            <a:pPr marL="0" indent="0">
+              <a:buFont typeface="Arial"/>
+              <a:buNone/>
+            </a:pPr>
+            <a:r>
+              <a:rPr lang="en-US" sz="700" b="0" dirty="0">
+                <a:latin typeface="Courier New" panose="02070309020205020404" pitchFamily="49" charset="0"/>
+                <a:cs typeface="Courier New" panose="02070309020205020404" pitchFamily="49" charset="0"/>
+              </a:rPr>
+              <a:t>#include "</a:t>
+            </a:r>
+            <a:r>
+              <a:rPr lang="en-US" sz="700" b="0" dirty="0" err="1">
+                <a:latin typeface="Courier New" panose="02070309020205020404" pitchFamily="49" charset="0"/>
+                <a:cs typeface="Courier New" panose="02070309020205020404" pitchFamily="49" charset="0"/>
+              </a:rPr>
+              <a:t>gfx_mono</a:t>
+            </a:r>
+            <a:r>
+              <a:rPr lang="en-US" sz="700" b="0" dirty="0">
+                <a:latin typeface="Courier New" panose="02070309020205020404" pitchFamily="49" charset="0"/>
+                <a:cs typeface="Courier New" panose="02070309020205020404" pitchFamily="49" charset="0"/>
+              </a:rPr>
+              <a:t>/</a:t>
+            </a:r>
+            <a:r>
+              <a:rPr lang="en-US" sz="700" b="0" dirty="0" err="1">
+                <a:latin typeface="Courier New" panose="02070309020205020404" pitchFamily="49" charset="0"/>
+                <a:cs typeface="Courier New" panose="02070309020205020404" pitchFamily="49" charset="0"/>
+              </a:rPr>
+              <a:t>gfx_definitions.h</a:t>
+            </a:r>
+            <a:r>
+              <a:rPr lang="en-US" sz="700" b="0" dirty="0">
+                <a:latin typeface="Courier New" panose="02070309020205020404" pitchFamily="49" charset="0"/>
+                <a:cs typeface="Courier New" panose="02070309020205020404" pitchFamily="49" charset="0"/>
+              </a:rPr>
+              <a:t>"</a:t>
+            </a:r>
           </a:p>
         </p:txBody>
       </p:sp>
     </p:spTree>
     <p:extLst>
       <p:ext uri="{BB962C8B-B14F-4D97-AF65-F5344CB8AC3E}">
-        <p14:creationId xmlns:p14="http://schemas.microsoft.com/office/powerpoint/2010/main" val="1765707923"/>
+        <p14:creationId xmlns:p14="http://schemas.microsoft.com/office/powerpoint/2010/main" val="1895587039"/>
       </p:ext>
     </p:extLst>
   </p:cSld>
@@ -6361,7 +7086,7 @@
           <p:cNvPr id="2" name="Title 1">
             <a:extLst>
               <a:ext uri="{FF2B5EF4-FFF2-40B4-BE49-F238E27FC236}">
-                <a16:creationId xmlns:a16="http://schemas.microsoft.com/office/drawing/2014/main" id="{4A3E75E6-5891-CDC6-490A-07C11D7CA17E}"/>
+                <a16:creationId xmlns:a16="http://schemas.microsoft.com/office/drawing/2014/main" id="{E2E933C6-1DE3-1BB9-EAEA-7849290D9641}"/>
               </a:ext>
             </a:extLst>
           </p:cNvPr>
@@ -6379,588 +7104,7 @@
           <a:p>
             <a:r>
               <a:rPr lang="de-DE" dirty="0"/>
-              <a:t>Add Button Poll and Action</a:t>
-            </a:r>
-          </a:p>
-        </p:txBody>
-      </p:sp>
-      <p:sp>
-        <p:nvSpPr>
-          <p:cNvPr id="4" name="Content Placeholder 3">
-            <a:extLst>
-              <a:ext uri="{FF2B5EF4-FFF2-40B4-BE49-F238E27FC236}">
-                <a16:creationId xmlns:a16="http://schemas.microsoft.com/office/drawing/2014/main" id="{97C75FC7-01C6-1B46-586C-4EFA45A569FF}"/>
-              </a:ext>
-            </a:extLst>
-          </p:cNvPr>
-          <p:cNvSpPr>
-            <a:spLocks noGrp="1"/>
-          </p:cNvSpPr>
-          <p:nvPr>
-            <p:ph sz="quarter" idx="15"/>
-          </p:nvPr>
-        </p:nvSpPr>
-        <p:spPr>
-          <a:xfrm>
-            <a:off x="355509" y="952107"/>
-            <a:ext cx="11400660" cy="5356929"/>
-          </a:xfrm>
-        </p:spPr>
-        <p:txBody>
-          <a:bodyPr>
-            <a:noAutofit/>
-          </a:bodyPr>
-          <a:lstStyle/>
-          <a:p>
-            <a:pPr marL="0" indent="0">
-              <a:buNone/>
-            </a:pPr>
-            <a:r>
-              <a:rPr lang="en-US" sz="700" dirty="0">
-                <a:latin typeface="Courier New" panose="02070309020205020404" pitchFamily="49" charset="0"/>
-                <a:cs typeface="Courier New" panose="02070309020205020404" pitchFamily="49" charset="0"/>
-              </a:rPr>
-              <a:t>{</a:t>
-            </a:r>
-          </a:p>
-          <a:p>
-            <a:pPr marL="0" indent="0">
-              <a:buNone/>
-            </a:pPr>
-            <a:r>
-              <a:rPr lang="en-US" sz="700" dirty="0">
-                <a:latin typeface="Courier New" panose="02070309020205020404" pitchFamily="49" charset="0"/>
-                <a:cs typeface="Courier New" panose="02070309020205020404" pitchFamily="49" charset="0"/>
-              </a:rPr>
-              <a:t>    static int old_but1 = 0;</a:t>
-            </a:r>
-          </a:p>
-          <a:p>
-            <a:pPr marL="0" indent="0">
-              <a:buNone/>
-            </a:pPr>
-            <a:r>
-              <a:rPr lang="en-US" sz="700" dirty="0">
-                <a:latin typeface="Courier New" panose="02070309020205020404" pitchFamily="49" charset="0"/>
-                <a:cs typeface="Courier New" panose="02070309020205020404" pitchFamily="49" charset="0"/>
-              </a:rPr>
-              <a:t>    int temp_but1 = BUTTON1_Get();</a:t>
-            </a:r>
-          </a:p>
-          <a:p>
-            <a:pPr marL="0" indent="0">
-              <a:buNone/>
-            </a:pPr>
-            <a:r>
-              <a:rPr lang="en-US" sz="700" dirty="0">
-                <a:latin typeface="Courier New" panose="02070309020205020404" pitchFamily="49" charset="0"/>
-                <a:cs typeface="Courier New" panose="02070309020205020404" pitchFamily="49" charset="0"/>
-              </a:rPr>
-              <a:t>    if (temp_but1 &amp;&amp; !old_but1) {</a:t>
-            </a:r>
-          </a:p>
-          <a:p>
-            <a:pPr marL="0" indent="0">
-              <a:buNone/>
-            </a:pPr>
-            <a:r>
-              <a:rPr lang="en-US" sz="700" dirty="0">
-                <a:latin typeface="Courier New" panose="02070309020205020404" pitchFamily="49" charset="0"/>
-                <a:cs typeface="Courier New" panose="02070309020205020404" pitchFamily="49" charset="0"/>
-              </a:rPr>
-              <a:t>        LED1_Set();</a:t>
-            </a:r>
-          </a:p>
-          <a:p>
-            <a:pPr marL="0" indent="0">
-              <a:buNone/>
-            </a:pPr>
-            <a:r>
-              <a:rPr lang="en-US" sz="700" dirty="0">
-                <a:latin typeface="Courier New" panose="02070309020205020404" pitchFamily="49" charset="0"/>
-                <a:cs typeface="Courier New" panose="02070309020205020404" pitchFamily="49" charset="0"/>
-              </a:rPr>
-              <a:t>    }</a:t>
-            </a:r>
-          </a:p>
-          <a:p>
-            <a:pPr marL="0" indent="0">
-              <a:buNone/>
-            </a:pPr>
-            <a:r>
-              <a:rPr lang="en-US" sz="700" dirty="0">
-                <a:latin typeface="Courier New" panose="02070309020205020404" pitchFamily="49" charset="0"/>
-                <a:cs typeface="Courier New" panose="02070309020205020404" pitchFamily="49" charset="0"/>
-              </a:rPr>
-              <a:t>    if (!temp_but1 &amp;&amp; old_but1) {</a:t>
-            </a:r>
-          </a:p>
-          <a:p>
-            <a:pPr marL="0" indent="0">
-              <a:buNone/>
-            </a:pPr>
-            <a:r>
-              <a:rPr lang="en-US" sz="700" dirty="0">
-                <a:latin typeface="Courier New" panose="02070309020205020404" pitchFamily="49" charset="0"/>
-                <a:cs typeface="Courier New" panose="02070309020205020404" pitchFamily="49" charset="0"/>
-              </a:rPr>
-              <a:t>        LED1_Clear();</a:t>
-            </a:r>
-          </a:p>
-          <a:p>
-            <a:pPr marL="0" indent="0">
-              <a:buNone/>
-            </a:pPr>
-            <a:r>
-              <a:rPr lang="en-US" sz="700" dirty="0">
-                <a:latin typeface="Courier New" panose="02070309020205020404" pitchFamily="49" charset="0"/>
-                <a:cs typeface="Courier New" panose="02070309020205020404" pitchFamily="49" charset="0"/>
-              </a:rPr>
-              <a:t>        SERCOM1_USART_Virtual_Receive("iperf -s\n");</a:t>
-            </a:r>
-          </a:p>
-          <a:p>
-            <a:pPr marL="0" indent="0">
-              <a:buNone/>
-            </a:pPr>
-            <a:r>
-              <a:rPr lang="en-US" sz="700" dirty="0">
-                <a:latin typeface="Courier New" panose="02070309020205020404" pitchFamily="49" charset="0"/>
-                <a:cs typeface="Courier New" panose="02070309020205020404" pitchFamily="49" charset="0"/>
-              </a:rPr>
-              <a:t>        </a:t>
-            </a:r>
-            <a:r>
-              <a:rPr lang="en-US" sz="700" dirty="0" err="1">
-                <a:latin typeface="Courier New" panose="02070309020205020404" pitchFamily="49" charset="0"/>
-                <a:cs typeface="Courier New" panose="02070309020205020404" pitchFamily="49" charset="0"/>
-              </a:rPr>
-              <a:t>gfx_mono_print_scroll</a:t>
-            </a:r>
-            <a:r>
-              <a:rPr lang="en-US" sz="700" dirty="0">
-                <a:latin typeface="Courier New" panose="02070309020205020404" pitchFamily="49" charset="0"/>
-                <a:cs typeface="Courier New" panose="02070309020205020404" pitchFamily="49" charset="0"/>
-              </a:rPr>
-              <a:t>("iperf TCP server");</a:t>
-            </a:r>
-          </a:p>
-          <a:p>
-            <a:pPr marL="0" indent="0">
-              <a:buNone/>
-            </a:pPr>
-            <a:r>
-              <a:rPr lang="en-US" sz="700" dirty="0">
-                <a:latin typeface="Courier New" panose="02070309020205020404" pitchFamily="49" charset="0"/>
-                <a:cs typeface="Courier New" panose="02070309020205020404" pitchFamily="49" charset="0"/>
-              </a:rPr>
-              <a:t>    }</a:t>
-            </a:r>
-          </a:p>
-          <a:p>
-            <a:pPr marL="0" indent="0">
-              <a:buNone/>
-            </a:pPr>
-            <a:r>
-              <a:rPr lang="en-US" sz="700" dirty="0">
-                <a:latin typeface="Courier New" panose="02070309020205020404" pitchFamily="49" charset="0"/>
-                <a:cs typeface="Courier New" panose="02070309020205020404" pitchFamily="49" charset="0"/>
-              </a:rPr>
-              <a:t>    old_but1 = temp_but1;</a:t>
-            </a:r>
-          </a:p>
-          <a:p>
-            <a:pPr marL="0" indent="0">
-              <a:buNone/>
-            </a:pPr>
-            <a:endParaRPr lang="en-US" sz="700" dirty="0">
-              <a:latin typeface="Courier New" panose="02070309020205020404" pitchFamily="49" charset="0"/>
-              <a:cs typeface="Courier New" panose="02070309020205020404" pitchFamily="49" charset="0"/>
-            </a:endParaRPr>
-          </a:p>
-          <a:p>
-            <a:pPr marL="0" indent="0">
-              <a:buNone/>
-            </a:pPr>
-            <a:r>
-              <a:rPr lang="en-US" sz="700" dirty="0">
-                <a:latin typeface="Courier New" panose="02070309020205020404" pitchFamily="49" charset="0"/>
-                <a:cs typeface="Courier New" panose="02070309020205020404" pitchFamily="49" charset="0"/>
-              </a:rPr>
-              <a:t>    static int old_but2 = 0;</a:t>
-            </a:r>
-          </a:p>
-          <a:p>
-            <a:pPr marL="0" indent="0">
-              <a:buNone/>
-            </a:pPr>
-            <a:r>
-              <a:rPr lang="en-US" sz="700" dirty="0">
-                <a:latin typeface="Courier New" panose="02070309020205020404" pitchFamily="49" charset="0"/>
-                <a:cs typeface="Courier New" panose="02070309020205020404" pitchFamily="49" charset="0"/>
-              </a:rPr>
-              <a:t>    int temp_but2 = BUTTON2_Get();</a:t>
-            </a:r>
-          </a:p>
-          <a:p>
-            <a:pPr marL="0" indent="0">
-              <a:buNone/>
-            </a:pPr>
-            <a:r>
-              <a:rPr lang="en-US" sz="700" dirty="0">
-                <a:latin typeface="Courier New" panose="02070309020205020404" pitchFamily="49" charset="0"/>
-                <a:cs typeface="Courier New" panose="02070309020205020404" pitchFamily="49" charset="0"/>
-              </a:rPr>
-              <a:t>    if (temp_but2 &amp;&amp; !old_but2) {</a:t>
-            </a:r>
-          </a:p>
-          <a:p>
-            <a:pPr marL="0" indent="0">
-              <a:buNone/>
-            </a:pPr>
-            <a:r>
-              <a:rPr lang="en-US" sz="700" dirty="0">
-                <a:latin typeface="Courier New" panose="02070309020205020404" pitchFamily="49" charset="0"/>
-                <a:cs typeface="Courier New" panose="02070309020205020404" pitchFamily="49" charset="0"/>
-              </a:rPr>
-              <a:t>        LED2_Set();</a:t>
-            </a:r>
-          </a:p>
-          <a:p>
-            <a:pPr marL="0" indent="0">
-              <a:buNone/>
-            </a:pPr>
-            <a:r>
-              <a:rPr lang="en-US" sz="700" dirty="0">
-                <a:latin typeface="Courier New" panose="02070309020205020404" pitchFamily="49" charset="0"/>
-                <a:cs typeface="Courier New" panose="02070309020205020404" pitchFamily="49" charset="0"/>
-              </a:rPr>
-              <a:t>    }</a:t>
-            </a:r>
-          </a:p>
-          <a:p>
-            <a:pPr marL="0" indent="0">
-              <a:buNone/>
-            </a:pPr>
-            <a:r>
-              <a:rPr lang="en-US" sz="700" dirty="0">
-                <a:latin typeface="Courier New" panose="02070309020205020404" pitchFamily="49" charset="0"/>
-                <a:cs typeface="Courier New" panose="02070309020205020404" pitchFamily="49" charset="0"/>
-              </a:rPr>
-              <a:t>    if (!temp_but2 &amp;&amp; old_but2) {</a:t>
-            </a:r>
-          </a:p>
-          <a:p>
-            <a:pPr marL="0" indent="0">
-              <a:buNone/>
-            </a:pPr>
-            <a:r>
-              <a:rPr lang="en-US" sz="700" dirty="0">
-                <a:latin typeface="Courier New" panose="02070309020205020404" pitchFamily="49" charset="0"/>
-                <a:cs typeface="Courier New" panose="02070309020205020404" pitchFamily="49" charset="0"/>
-              </a:rPr>
-              <a:t>        LED2_Clear();</a:t>
-            </a:r>
-          </a:p>
-          <a:p>
-            <a:pPr marL="0" indent="0">
-              <a:buNone/>
-            </a:pPr>
-            <a:r>
-              <a:rPr lang="en-US" sz="700" dirty="0">
-                <a:latin typeface="Courier New" panose="02070309020205020404" pitchFamily="49" charset="0"/>
-                <a:cs typeface="Courier New" panose="02070309020205020404" pitchFamily="49" charset="0"/>
-              </a:rPr>
-              <a:t>        SERCOM1_USART_Virtual_Receive("iperf -s -u\n");</a:t>
-            </a:r>
-          </a:p>
-          <a:p>
-            <a:pPr marL="0" indent="0">
-              <a:buNone/>
-            </a:pPr>
-            <a:r>
-              <a:rPr lang="en-US" sz="700" dirty="0">
-                <a:latin typeface="Courier New" panose="02070309020205020404" pitchFamily="49" charset="0"/>
-                <a:cs typeface="Courier New" panose="02070309020205020404" pitchFamily="49" charset="0"/>
-              </a:rPr>
-              <a:t>        </a:t>
-            </a:r>
-            <a:r>
-              <a:rPr lang="en-US" sz="700" dirty="0" err="1">
-                <a:latin typeface="Courier New" panose="02070309020205020404" pitchFamily="49" charset="0"/>
-                <a:cs typeface="Courier New" panose="02070309020205020404" pitchFamily="49" charset="0"/>
-              </a:rPr>
-              <a:t>gfx_mono_print_scroll</a:t>
-            </a:r>
-            <a:r>
-              <a:rPr lang="en-US" sz="700" dirty="0">
-                <a:latin typeface="Courier New" panose="02070309020205020404" pitchFamily="49" charset="0"/>
-                <a:cs typeface="Courier New" panose="02070309020205020404" pitchFamily="49" charset="0"/>
-              </a:rPr>
-              <a:t>("iperf UDP server");</a:t>
-            </a:r>
-          </a:p>
-          <a:p>
-            <a:pPr marL="0" indent="0">
-              <a:buNone/>
-            </a:pPr>
-            <a:r>
-              <a:rPr lang="en-US" sz="700" dirty="0">
-                <a:latin typeface="Courier New" panose="02070309020205020404" pitchFamily="49" charset="0"/>
-                <a:cs typeface="Courier New" panose="02070309020205020404" pitchFamily="49" charset="0"/>
-              </a:rPr>
-              <a:t>    }</a:t>
-            </a:r>
-          </a:p>
-          <a:p>
-            <a:pPr marL="0" indent="0">
-              <a:buNone/>
-            </a:pPr>
-            <a:r>
-              <a:rPr lang="en-US" sz="700" dirty="0">
-                <a:latin typeface="Courier New" panose="02070309020205020404" pitchFamily="49" charset="0"/>
-                <a:cs typeface="Courier New" panose="02070309020205020404" pitchFamily="49" charset="0"/>
-              </a:rPr>
-              <a:t>    old_but2 = temp_but2;</a:t>
-            </a:r>
-          </a:p>
-          <a:p>
-            <a:pPr marL="0" indent="0">
-              <a:buNone/>
-            </a:pPr>
-            <a:endParaRPr lang="en-US" sz="700" dirty="0">
-              <a:latin typeface="Courier New" panose="02070309020205020404" pitchFamily="49" charset="0"/>
-              <a:cs typeface="Courier New" panose="02070309020205020404" pitchFamily="49" charset="0"/>
-            </a:endParaRPr>
-          </a:p>
-          <a:p>
-            <a:pPr marL="0" indent="0">
-              <a:buNone/>
-            </a:pPr>
-            <a:r>
-              <a:rPr lang="en-US" sz="700" dirty="0">
-                <a:latin typeface="Courier New" panose="02070309020205020404" pitchFamily="49" charset="0"/>
-                <a:cs typeface="Courier New" panose="02070309020205020404" pitchFamily="49" charset="0"/>
-              </a:rPr>
-              <a:t>    static int old_but3 = 0;</a:t>
-            </a:r>
-          </a:p>
-          <a:p>
-            <a:pPr marL="0" indent="0">
-              <a:buNone/>
-            </a:pPr>
-            <a:r>
-              <a:rPr lang="en-US" sz="700" dirty="0">
-                <a:latin typeface="Courier New" panose="02070309020205020404" pitchFamily="49" charset="0"/>
-                <a:cs typeface="Courier New" panose="02070309020205020404" pitchFamily="49" charset="0"/>
-              </a:rPr>
-              <a:t>    int temp_but3 = BUTTON3_Get();</a:t>
-            </a:r>
-          </a:p>
-          <a:p>
-            <a:pPr marL="0" indent="0">
-              <a:buNone/>
-            </a:pPr>
-            <a:r>
-              <a:rPr lang="en-US" sz="700" dirty="0">
-                <a:latin typeface="Courier New" panose="02070309020205020404" pitchFamily="49" charset="0"/>
-                <a:cs typeface="Courier New" panose="02070309020205020404" pitchFamily="49" charset="0"/>
-              </a:rPr>
-              <a:t>    if (temp_but3 &amp;&amp; !old_but3) {</a:t>
-            </a:r>
-          </a:p>
-          <a:p>
-            <a:pPr marL="0" indent="0">
-              <a:buNone/>
-            </a:pPr>
-            <a:r>
-              <a:rPr lang="en-US" sz="700" dirty="0">
-                <a:latin typeface="Courier New" panose="02070309020205020404" pitchFamily="49" charset="0"/>
-                <a:cs typeface="Courier New" panose="02070309020205020404" pitchFamily="49" charset="0"/>
-              </a:rPr>
-              <a:t>        LED3_Set();</a:t>
-            </a:r>
-          </a:p>
-          <a:p>
-            <a:pPr marL="0" indent="0">
-              <a:buNone/>
-            </a:pPr>
-            <a:r>
-              <a:rPr lang="en-US" sz="700" dirty="0">
-                <a:latin typeface="Courier New" panose="02070309020205020404" pitchFamily="49" charset="0"/>
-                <a:cs typeface="Courier New" panose="02070309020205020404" pitchFamily="49" charset="0"/>
-              </a:rPr>
-              <a:t>    }</a:t>
-            </a:r>
-          </a:p>
-          <a:p>
-            <a:pPr marL="0" indent="0">
-              <a:buNone/>
-            </a:pPr>
-            <a:r>
-              <a:rPr lang="en-US" sz="700" dirty="0">
-                <a:latin typeface="Courier New" panose="02070309020205020404" pitchFamily="49" charset="0"/>
-                <a:cs typeface="Courier New" panose="02070309020205020404" pitchFamily="49" charset="0"/>
-              </a:rPr>
-              <a:t>    if (!temp_but3 &amp;&amp; old_but3) {</a:t>
-            </a:r>
-          </a:p>
-          <a:p>
-            <a:pPr marL="0" indent="0">
-              <a:buNone/>
-            </a:pPr>
-            <a:r>
-              <a:rPr lang="en-US" sz="700" dirty="0">
-                <a:latin typeface="Courier New" panose="02070309020205020404" pitchFamily="49" charset="0"/>
-                <a:cs typeface="Courier New" panose="02070309020205020404" pitchFamily="49" charset="0"/>
-              </a:rPr>
-              <a:t>        LED3_Clear();</a:t>
-            </a:r>
-          </a:p>
-          <a:p>
-            <a:pPr marL="0" indent="0">
-              <a:buNone/>
-            </a:pPr>
-            <a:r>
-              <a:rPr lang="en-US" sz="700" dirty="0">
-                <a:latin typeface="Courier New" panose="02070309020205020404" pitchFamily="49" charset="0"/>
-                <a:cs typeface="Courier New" panose="02070309020205020404" pitchFamily="49" charset="0"/>
-              </a:rPr>
-              <a:t>        SERCOM1_USART_Virtual_Receive("</a:t>
-            </a:r>
-            <a:r>
-              <a:rPr lang="en-US" sz="700" dirty="0" err="1">
-                <a:latin typeface="Courier New" panose="02070309020205020404" pitchFamily="49" charset="0"/>
-                <a:cs typeface="Courier New" panose="02070309020205020404" pitchFamily="49" charset="0"/>
-              </a:rPr>
-              <a:t>iperfk</a:t>
-            </a:r>
-            <a:r>
-              <a:rPr lang="en-US" sz="700" dirty="0">
-                <a:latin typeface="Courier New" panose="02070309020205020404" pitchFamily="49" charset="0"/>
-                <a:cs typeface="Courier New" panose="02070309020205020404" pitchFamily="49" charset="0"/>
-              </a:rPr>
-              <a:t>\n");</a:t>
-            </a:r>
-          </a:p>
-          <a:p>
-            <a:pPr marL="0" indent="0">
-              <a:buNone/>
-            </a:pPr>
-            <a:r>
-              <a:rPr lang="en-US" sz="700" dirty="0">
-                <a:latin typeface="Courier New" panose="02070309020205020404" pitchFamily="49" charset="0"/>
-                <a:cs typeface="Courier New" panose="02070309020205020404" pitchFamily="49" charset="0"/>
-              </a:rPr>
-              <a:t>        </a:t>
-            </a:r>
-            <a:r>
-              <a:rPr lang="en-US" sz="700" dirty="0" err="1">
-                <a:latin typeface="Courier New" panose="02070309020205020404" pitchFamily="49" charset="0"/>
-                <a:cs typeface="Courier New" panose="02070309020205020404" pitchFamily="49" charset="0"/>
-              </a:rPr>
-              <a:t>gfx_mono_print_scroll</a:t>
-            </a:r>
-            <a:r>
-              <a:rPr lang="en-US" sz="700" dirty="0">
-                <a:latin typeface="Courier New" panose="02070309020205020404" pitchFamily="49" charset="0"/>
-                <a:cs typeface="Courier New" panose="02070309020205020404" pitchFamily="49" charset="0"/>
-              </a:rPr>
-              <a:t>("iperf kill server");</a:t>
-            </a:r>
-          </a:p>
-          <a:p>
-            <a:pPr marL="0" indent="0">
-              <a:buNone/>
-            </a:pPr>
-            <a:r>
-              <a:rPr lang="en-US" sz="700" dirty="0">
-                <a:latin typeface="Courier New" panose="02070309020205020404" pitchFamily="49" charset="0"/>
-                <a:cs typeface="Courier New" panose="02070309020205020404" pitchFamily="49" charset="0"/>
-              </a:rPr>
-              <a:t>    }</a:t>
-            </a:r>
-          </a:p>
-          <a:p>
-            <a:pPr marL="0" indent="0">
-              <a:buNone/>
-            </a:pPr>
-            <a:r>
-              <a:rPr lang="en-US" sz="700" dirty="0">
-                <a:latin typeface="Courier New" panose="02070309020205020404" pitchFamily="49" charset="0"/>
-                <a:cs typeface="Courier New" panose="02070309020205020404" pitchFamily="49" charset="0"/>
-              </a:rPr>
-              <a:t>    old_but3 = temp_but3;</a:t>
-            </a:r>
-          </a:p>
-          <a:p>
-            <a:pPr marL="0" indent="0">
-              <a:buNone/>
-            </a:pPr>
-            <a:r>
-              <a:rPr lang="en-US" sz="700" dirty="0">
-                <a:latin typeface="Courier New" panose="02070309020205020404" pitchFamily="49" charset="0"/>
-                <a:cs typeface="Courier New" panose="02070309020205020404" pitchFamily="49" charset="0"/>
-              </a:rPr>
-              <a:t>}</a:t>
-            </a:r>
-          </a:p>
-        </p:txBody>
-      </p:sp>
-    </p:spTree>
-    <p:extLst>
-      <p:ext uri="{BB962C8B-B14F-4D97-AF65-F5344CB8AC3E}">
-        <p14:creationId xmlns:p14="http://schemas.microsoft.com/office/powerpoint/2010/main" val="1895587039"/>
-      </p:ext>
-    </p:extLst>
-  </p:cSld>
-  <p:clrMapOvr>
-    <a:masterClrMapping/>
-  </p:clrMapOvr>
-</p:sld>
-</file>
-
-<file path=ppt/slides/slide16.xml><?xml version="1.0" encoding="utf-8"?>
-<p:sld xmlns:a="http://schemas.openxmlformats.org/drawingml/2006/main" xmlns:r="http://schemas.openxmlformats.org/officeDocument/2006/relationships" xmlns:p="http://schemas.openxmlformats.org/presentationml/2006/main">
-  <p:cSld>
-    <p:spTree>
-      <p:nvGrpSpPr>
-        <p:cNvPr id="1" name=""/>
-        <p:cNvGrpSpPr/>
-        <p:nvPr/>
-      </p:nvGrpSpPr>
-      <p:grpSpPr>
-        <a:xfrm>
-          <a:off x="0" y="0"/>
-          <a:ext cx="0" cy="0"/>
-          <a:chOff x="0" y="0"/>
-          <a:chExt cx="0" cy="0"/>
-        </a:xfrm>
-      </p:grpSpPr>
-      <p:sp>
-        <p:nvSpPr>
-          <p:cNvPr id="2" name="Title 1">
-            <a:extLst>
-              <a:ext uri="{FF2B5EF4-FFF2-40B4-BE49-F238E27FC236}">
-                <a16:creationId xmlns:a16="http://schemas.microsoft.com/office/drawing/2014/main" id="{E2E933C6-1DE3-1BB9-EAEA-7849290D9641}"/>
-              </a:ext>
-            </a:extLst>
-          </p:cNvPr>
-          <p:cNvSpPr>
-            <a:spLocks noGrp="1"/>
-          </p:cNvSpPr>
-          <p:nvPr>
-            <p:ph type="title"/>
-          </p:nvPr>
-        </p:nvSpPr>
-        <p:spPr/>
-        <p:txBody>
-          <a:bodyPr/>
-          <a:lstStyle/>
-          <a:p>
-            <a:r>
-              <a:rPr lang="de-DE" dirty="0"/>
-              <a:t>set programming speed up</a:t>
+              <a:t>Tips&amp;Tricks: Set Programming Speed Up</a:t>
             </a:r>
           </a:p>
         </p:txBody>
@@ -7377,7 +7521,11 @@
           <a:bodyPr/>
           <a:lstStyle/>
           <a:p>
-            <a:endParaRPr lang="de-DE"/>
+            <a:r>
+              <a:rPr lang="en-US" dirty="0"/>
+              <a:t>Configure the SERCOM0 with MCC</a:t>
+            </a:r>
+            <a:endParaRPr lang="de-DE" dirty="0"/>
           </a:p>
         </p:txBody>
       </p:sp>
@@ -7403,97 +7551,8 @@
         </p:blipFill>
         <p:spPr>
           <a:xfrm>
-            <a:off x="1358338" y="1094329"/>
+            <a:off x="519352" y="971780"/>
             <a:ext cx="2911092" cy="5555461"/>
-          </a:xfrm>
-          <a:prstGeom prst="rect">
-            <a:avLst/>
-          </a:prstGeom>
-        </p:spPr>
-      </p:pic>
-    </p:spTree>
-    <p:extLst>
-      <p:ext uri="{BB962C8B-B14F-4D97-AF65-F5344CB8AC3E}">
-        <p14:creationId xmlns:p14="http://schemas.microsoft.com/office/powerpoint/2010/main" val="4267731009"/>
-      </p:ext>
-    </p:extLst>
-  </p:cSld>
-  <p:clrMapOvr>
-    <a:masterClrMapping/>
-  </p:clrMapOvr>
-</p:sld>
-</file>
-
-<file path=ppt/slides/slide4.xml><?xml version="1.0" encoding="utf-8"?>
-<p:sld xmlns:a="http://schemas.openxmlformats.org/drawingml/2006/main" xmlns:r="http://schemas.openxmlformats.org/officeDocument/2006/relationships" xmlns:p="http://schemas.openxmlformats.org/presentationml/2006/main">
-  <p:cSld>
-    <p:spTree>
-      <p:nvGrpSpPr>
-        <p:cNvPr id="1" name=""/>
-        <p:cNvGrpSpPr/>
-        <p:nvPr/>
-      </p:nvGrpSpPr>
-      <p:grpSpPr>
-        <a:xfrm>
-          <a:off x="0" y="0"/>
-          <a:ext cx="0" cy="0"/>
-          <a:chOff x="0" y="0"/>
-          <a:chExt cx="0" cy="0"/>
-        </a:xfrm>
-      </p:grpSpPr>
-      <p:sp>
-        <p:nvSpPr>
-          <p:cNvPr id="2" name="Title 1">
-            <a:extLst>
-              <a:ext uri="{FF2B5EF4-FFF2-40B4-BE49-F238E27FC236}">
-                <a16:creationId xmlns:a16="http://schemas.microsoft.com/office/drawing/2014/main" id="{5C13664B-7434-C67B-6D25-B81B08DA4B11}"/>
-              </a:ext>
-            </a:extLst>
-          </p:cNvPr>
-          <p:cNvSpPr>
-            <a:spLocks noGrp="1"/>
-          </p:cNvSpPr>
-          <p:nvPr>
-            <p:ph type="title"/>
-          </p:nvPr>
-        </p:nvSpPr>
-        <p:spPr/>
-        <p:txBody>
-          <a:bodyPr/>
-          <a:lstStyle/>
-          <a:p>
-            <a:r>
-              <a:rPr lang="en-US" dirty="0"/>
-              <a:t>Configure the SERCOM0 with MCC</a:t>
-            </a:r>
-            <a:endParaRPr lang="de-DE" dirty="0"/>
-          </a:p>
-        </p:txBody>
-      </p:sp>
-      <p:pic>
-        <p:nvPicPr>
-          <p:cNvPr id="5" name="Picture 4">
-            <a:extLst>
-              <a:ext uri="{FF2B5EF4-FFF2-40B4-BE49-F238E27FC236}">
-                <a16:creationId xmlns:a16="http://schemas.microsoft.com/office/drawing/2014/main" id="{64BDD029-ADA7-6BAC-9EA0-ABDEDA6A12FD}"/>
-              </a:ext>
-            </a:extLst>
-          </p:cNvPr>
-          <p:cNvPicPr>
-            <a:picLocks noChangeAspect="1"/>
-          </p:cNvPicPr>
-          <p:nvPr/>
-        </p:nvPicPr>
-        <p:blipFill>
-          <a:blip r:embed="rId2"/>
-          <a:stretch>
-            <a:fillRect/>
-          </a:stretch>
-        </p:blipFill>
-        <p:spPr>
-          <a:xfrm>
-            <a:off x="2176236" y="2712319"/>
-            <a:ext cx="8155131" cy="3776008"/>
           </a:xfrm>
           <a:prstGeom prst="rect">
             <a:avLst/>
@@ -7502,10 +7561,40 @@
       </p:pic>
       <p:pic>
         <p:nvPicPr>
-          <p:cNvPr id="6" name="Picture 2" descr="Figure 8-5 : Write procedure in 4-wire Serial interface mode &#10;SDIN/ &#10;SCLK &#10;SCI-K &#10;SDIN(DI) &#10;DBI &#10;DB2 &#10;DBn &#10;D2 &#10;DI ">
-            <a:extLst>
-              <a:ext uri="{FF2B5EF4-FFF2-40B4-BE49-F238E27FC236}">
-                <a16:creationId xmlns:a16="http://schemas.microsoft.com/office/drawing/2014/main" id="{11435534-4F27-1DEE-D00B-317FC0E6D977}"/>
+          <p:cNvPr id="3" name="Picture 2">
+            <a:extLst>
+              <a:ext uri="{FF2B5EF4-FFF2-40B4-BE49-F238E27FC236}">
+                <a16:creationId xmlns:a16="http://schemas.microsoft.com/office/drawing/2014/main" id="{797D4A94-BE35-A876-9886-A2985128ADAF}"/>
+              </a:ext>
+            </a:extLst>
+          </p:cNvPr>
+          <p:cNvPicPr>
+            <a:picLocks noChangeAspect="1"/>
+          </p:cNvPicPr>
+          <p:nvPr/>
+        </p:nvPicPr>
+        <p:blipFill>
+          <a:blip r:embed="rId3"/>
+          <a:stretch>
+            <a:fillRect/>
+          </a:stretch>
+        </p:blipFill>
+        <p:spPr>
+          <a:xfrm>
+            <a:off x="3901342" y="2907677"/>
+            <a:ext cx="7151726" cy="3311409"/>
+          </a:xfrm>
+          <a:prstGeom prst="rect">
+            <a:avLst/>
+          </a:prstGeom>
+        </p:spPr>
+      </p:pic>
+      <p:pic>
+        <p:nvPicPr>
+          <p:cNvPr id="4" name="Picture 2" descr="Figure 8-5 : Write procedure in 4-wire Serial interface mode &#10;SDIN/ &#10;SCLK &#10;SCI-K &#10;SDIN(DI) &#10;DBI &#10;DB2 &#10;DBn &#10;D2 &#10;DI ">
+            <a:extLst>
+              <a:ext uri="{FF2B5EF4-FFF2-40B4-BE49-F238E27FC236}">
+                <a16:creationId xmlns:a16="http://schemas.microsoft.com/office/drawing/2014/main" id="{9169D15F-32ED-3E62-72C4-62EC292B32CF}"/>
               </a:ext>
             </a:extLst>
           </p:cNvPr>
@@ -7515,7 +7604,7 @@
           <p:nvPr/>
         </p:nvPicPr>
         <p:blipFill>
-          <a:blip r:embed="rId3">
+          <a:blip r:embed="rId4">
             <a:extLst>
               <a:ext uri="{28A0092B-C50C-407E-A947-70E740481C1C}">
                 <a14:useLocalDpi xmlns:a14="http://schemas.microsoft.com/office/drawing/2010/main" val="0"/>
@@ -7529,8 +7618,8 @@
         </p:blipFill>
         <p:spPr bwMode="auto">
           <a:xfrm>
-            <a:off x="4222028" y="776422"/>
-            <a:ext cx="4318656" cy="1844995"/>
+            <a:off x="5947133" y="971780"/>
+            <a:ext cx="3787289" cy="1617987"/>
           </a:xfrm>
           <a:prstGeom prst="rect">
             <a:avLst/>
@@ -7550,7 +7639,7 @@
     </p:spTree>
     <p:extLst>
       <p:ext uri="{BB962C8B-B14F-4D97-AF65-F5344CB8AC3E}">
-        <p14:creationId xmlns:p14="http://schemas.microsoft.com/office/powerpoint/2010/main" val="2511541698"/>
+        <p14:creationId xmlns:p14="http://schemas.microsoft.com/office/powerpoint/2010/main" val="4267731009"/>
       </p:ext>
     </p:extLst>
   </p:cSld>
@@ -7560,7 +7649,7 @@
 </p:sld>
 </file>
 
-<file path=ppt/slides/slide5.xml><?xml version="1.0" encoding="utf-8"?>
+<file path=ppt/slides/slide4.xml><?xml version="1.0" encoding="utf-8"?>
 <p:sld xmlns:a="http://schemas.openxmlformats.org/drawingml/2006/main" xmlns:r="http://schemas.openxmlformats.org/officeDocument/2006/relationships" xmlns:p="http://schemas.openxmlformats.org/presentationml/2006/main">
   <p:cSld>
     <p:spTree>
@@ -7854,7 +7943,7 @@
 </p:sld>
 </file>
 
-<file path=ppt/slides/slide6.xml><?xml version="1.0" encoding="utf-8"?>
+<file path=ppt/slides/slide5.xml><?xml version="1.0" encoding="utf-8"?>
 <p:sld xmlns:a="http://schemas.openxmlformats.org/drawingml/2006/main" xmlns:r="http://schemas.openxmlformats.org/officeDocument/2006/relationships" xmlns:p="http://schemas.openxmlformats.org/presentationml/2006/main">
   <p:cSld>
     <p:spTree>
@@ -7942,7 +8031,7 @@
 </p:sld>
 </file>
 
-<file path=ppt/slides/slide7.xml><?xml version="1.0" encoding="utf-8"?>
+<file path=ppt/slides/slide6.xml><?xml version="1.0" encoding="utf-8"?>
 <p:sld xmlns:a="http://schemas.openxmlformats.org/drawingml/2006/main" xmlns:r="http://schemas.openxmlformats.org/officeDocument/2006/relationships" xmlns:p="http://schemas.openxmlformats.org/presentationml/2006/main">
   <p:cSld>
     <p:spTree>
@@ -8060,7 +8149,7 @@
 </p:sld>
 </file>
 
-<file path=ppt/slides/slide8.xml><?xml version="1.0" encoding="utf-8"?>
+<file path=ppt/slides/slide7.xml><?xml version="1.0" encoding="utf-8"?>
 <p:sld xmlns:a="http://schemas.openxmlformats.org/drawingml/2006/main" xmlns:r="http://schemas.openxmlformats.org/officeDocument/2006/relationships" xmlns:p="http://schemas.openxmlformats.org/presentationml/2006/main">
   <p:cSld>
     <p:spTree>
@@ -8205,7 +8294,7 @@
 </p:sld>
 </file>
 
-<file path=ppt/slides/slide9.xml><?xml version="1.0" encoding="utf-8"?>
+<file path=ppt/slides/slide8.xml><?xml version="1.0" encoding="utf-8"?>
 <p:sld xmlns:a="http://schemas.openxmlformats.org/drawingml/2006/main" xmlns:r="http://schemas.openxmlformats.org/officeDocument/2006/relationships" xmlns:p="http://schemas.openxmlformats.org/presentationml/2006/main">
   <p:cSld>
     <p:spTree>
@@ -8311,6 +8400,151 @@
     <p:extLst>
       <p:ext uri="{BB962C8B-B14F-4D97-AF65-F5344CB8AC3E}">
         <p14:creationId xmlns:p14="http://schemas.microsoft.com/office/powerpoint/2010/main" val="2908039754"/>
+      </p:ext>
+    </p:extLst>
+  </p:cSld>
+  <p:clrMapOvr>
+    <a:masterClrMapping/>
+  </p:clrMapOvr>
+</p:sld>
+</file>
+
+<file path=ppt/slides/slide9.xml><?xml version="1.0" encoding="utf-8"?>
+<p:sld xmlns:a="http://schemas.openxmlformats.org/drawingml/2006/main" xmlns:r="http://schemas.openxmlformats.org/officeDocument/2006/relationships" xmlns:p="http://schemas.openxmlformats.org/presentationml/2006/main">
+  <p:cSld>
+    <p:spTree>
+      <p:nvGrpSpPr>
+        <p:cNvPr id="1" name=""/>
+        <p:cNvGrpSpPr/>
+        <p:nvPr/>
+      </p:nvGrpSpPr>
+      <p:grpSpPr>
+        <a:xfrm>
+          <a:off x="0" y="0"/>
+          <a:ext cx="0" cy="0"/>
+          <a:chOff x="0" y="0"/>
+          <a:chExt cx="0" cy="0"/>
+        </a:xfrm>
+      </p:grpSpPr>
+      <p:sp>
+        <p:nvSpPr>
+          <p:cNvPr id="2" name="Title 1">
+            <a:extLst>
+              <a:ext uri="{FF2B5EF4-FFF2-40B4-BE49-F238E27FC236}">
+                <a16:creationId xmlns:a16="http://schemas.microsoft.com/office/drawing/2014/main" id="{DA897B50-70D2-CAE0-2E3C-3BF8DEFE2CD3}"/>
+              </a:ext>
+            </a:extLst>
+          </p:cNvPr>
+          <p:cNvSpPr>
+            <a:spLocks noGrp="1"/>
+          </p:cNvSpPr>
+          <p:nvPr>
+            <p:ph type="title"/>
+          </p:nvPr>
+        </p:nvSpPr>
+        <p:spPr/>
+        <p:txBody>
+          <a:bodyPr/>
+          <a:lstStyle/>
+          <a:p>
+            <a:endParaRPr lang="de-DE"/>
+          </a:p>
+        </p:txBody>
+      </p:sp>
+      <p:pic>
+        <p:nvPicPr>
+          <p:cNvPr id="5" name="Picture 4">
+            <a:extLst>
+              <a:ext uri="{FF2B5EF4-FFF2-40B4-BE49-F238E27FC236}">
+                <a16:creationId xmlns:a16="http://schemas.microsoft.com/office/drawing/2014/main" id="{CB695B64-BF58-BBC2-F2C1-F1F1405C8133}"/>
+              </a:ext>
+            </a:extLst>
+          </p:cNvPr>
+          <p:cNvPicPr>
+            <a:picLocks noChangeAspect="1"/>
+          </p:cNvPicPr>
+          <p:nvPr/>
+        </p:nvPicPr>
+        <p:blipFill>
+          <a:blip r:embed="rId2"/>
+          <a:stretch>
+            <a:fillRect/>
+          </a:stretch>
+        </p:blipFill>
+        <p:spPr>
+          <a:xfrm>
+            <a:off x="3468460" y="1560803"/>
+            <a:ext cx="6025233" cy="4123560"/>
+          </a:xfrm>
+          <a:prstGeom prst="rect">
+            <a:avLst/>
+          </a:prstGeom>
+        </p:spPr>
+      </p:pic>
+      <p:pic>
+        <p:nvPicPr>
+          <p:cNvPr id="6" name="Picture 5">
+            <a:extLst>
+              <a:ext uri="{FF2B5EF4-FFF2-40B4-BE49-F238E27FC236}">
+                <a16:creationId xmlns:a16="http://schemas.microsoft.com/office/drawing/2014/main" id="{B5E2CC5F-EA3D-5E7E-2E5F-1E8801133550}"/>
+              </a:ext>
+            </a:extLst>
+          </p:cNvPr>
+          <p:cNvPicPr>
+            <a:picLocks noChangeAspect="1"/>
+          </p:cNvPicPr>
+          <p:nvPr/>
+        </p:nvPicPr>
+        <p:blipFill>
+          <a:blip r:embed="rId3"/>
+          <a:stretch>
+            <a:fillRect/>
+          </a:stretch>
+        </p:blipFill>
+        <p:spPr>
+          <a:xfrm>
+            <a:off x="355509" y="1005547"/>
+            <a:ext cx="2679922" cy="1723195"/>
+          </a:xfrm>
+          <a:prstGeom prst="rect">
+            <a:avLst/>
+          </a:prstGeom>
+        </p:spPr>
+      </p:pic>
+      <p:pic>
+        <p:nvPicPr>
+          <p:cNvPr id="8" name="Picture 7">
+            <a:extLst>
+              <a:ext uri="{FF2B5EF4-FFF2-40B4-BE49-F238E27FC236}">
+                <a16:creationId xmlns:a16="http://schemas.microsoft.com/office/drawing/2014/main" id="{99F18C78-23A8-1715-4C94-931735EA16DA}"/>
+              </a:ext>
+            </a:extLst>
+          </p:cNvPr>
+          <p:cNvPicPr>
+            <a:picLocks noChangeAspect="1"/>
+          </p:cNvPicPr>
+          <p:nvPr/>
+        </p:nvPicPr>
+        <p:blipFill>
+          <a:blip r:embed="rId4"/>
+          <a:stretch>
+            <a:fillRect/>
+          </a:stretch>
+        </p:blipFill>
+        <p:spPr>
+          <a:xfrm>
+            <a:off x="9741817" y="2121031"/>
+            <a:ext cx="2404923" cy="3966271"/>
+          </a:xfrm>
+          <a:prstGeom prst="rect">
+            <a:avLst/>
+          </a:prstGeom>
+        </p:spPr>
+      </p:pic>
+    </p:spTree>
+    <p:extLst>
+      <p:ext uri="{BB962C8B-B14F-4D97-AF65-F5344CB8AC3E}">
+        <p14:creationId xmlns:p14="http://schemas.microsoft.com/office/powerpoint/2010/main" val="1876001676"/>
       </p:ext>
     </p:extLst>
   </p:cSld>
@@ -9253,74 +9487,6 @@
 </file>
 
 <file path=customXml/item1.xml><?xml version="1.0" encoding="utf-8"?>
-<?mso-contentType ?>
-<spe:Receivers xmlns:spe="http://schemas.microsoft.com/sharepoint/events">
-  <Receiver>
-    <Name>Document ID Generator</Name>
-    <Synchronization>Synchronous</Synchronization>
-    <Type>10001</Type>
-    <SequenceNumber>1000</SequenceNumber>
-    <Assembly>Microsoft.Office.DocumentManagement, Version=14.0.0.0, Culture=neutral, PublicKeyToken=71e9bce111e9429c</Assembly>
-    <Class>Microsoft.Office.DocumentManagement.Internal.DocIdHandler</Class>
-    <Data/>
-    <Filter/>
-  </Receiver>
-  <Receiver>
-    <Name>Document ID Generator</Name>
-    <Synchronization>Synchronous</Synchronization>
-    <Type>10002</Type>
-    <SequenceNumber>1001</SequenceNumber>
-    <Assembly>Microsoft.Office.DocumentManagement, Version=14.0.0.0, Culture=neutral, PublicKeyToken=71e9bce111e9429c</Assembly>
-    <Class>Microsoft.Office.DocumentManagement.Internal.DocIdHandler</Class>
-    <Data/>
-    <Filter/>
-  </Receiver>
-  <Receiver>
-    <Name>Document ID Generator</Name>
-    <Synchronization>Synchronous</Synchronization>
-    <Type>10004</Type>
-    <SequenceNumber>1002</SequenceNumber>
-    <Assembly>Microsoft.Office.DocumentManagement, Version=14.0.0.0, Culture=neutral, PublicKeyToken=71e9bce111e9429c</Assembly>
-    <Class>Microsoft.Office.DocumentManagement.Internal.DocIdHandler</Class>
-    <Data/>
-    <Filter/>
-  </Receiver>
-  <Receiver>
-    <Name>Document ID Generator</Name>
-    <Synchronization>Synchronous</Synchronization>
-    <Type>10006</Type>
-    <SequenceNumber>1003</SequenceNumber>
-    <Assembly>Microsoft.Office.DocumentManagement, Version=14.0.0.0, Culture=neutral, PublicKeyToken=71e9bce111e9429c</Assembly>
-    <Class>Microsoft.Office.DocumentManagement.Internal.DocIdHandler</Class>
-    <Data/>
-    <Filter/>
-  </Receiver>
-</spe:Receivers>
-</file>
-
-<file path=customXml/item2.xml><?xml version="1.0" encoding="utf-8"?>
-<p:properties xmlns:p="http://schemas.microsoft.com/office/2006/metadata/properties" xmlns:xsi="http://www.w3.org/2001/XMLSchema-instance" xmlns:pc="http://schemas.microsoft.com/office/infopath/2007/PartnerControls">
-  <documentManagement>
-    <Content_x0020_Archived xmlns="df7acb31-37ac-40e2-81bb-c44e3630f613">false</Content_x0020_Archived>
-    <_dlc_DocId xmlns="38ef598d-997c-498b-b737-2f6b2c50ccab">SV5CHKDEWJXD-84-133</_dlc_DocId>
-    <_dlc_DocIdUrl xmlns="38ef598d-997c-498b-b737-2f6b2c50ccab">
-      <Url>http://mchpweb-2010/marcom/home/Resources/_layouts/DocIdRedir.aspx?ID=SV5CHKDEWJXD-84-133</Url>
-      <Description>SV5CHKDEWJXD-84-133</Description>
-    </_dlc_DocIdUrl>
-  </documentManagement>
-</p:properties>
-</file>
-
-<file path=customXml/item3.xml><?xml version="1.0" encoding="utf-8"?>
-<?mso-contentType ?>
-<FormTemplates xmlns="http://schemas.microsoft.com/sharepoint/v3/contenttype/forms">
-  <Display>DocumentLibraryForm</Display>
-  <Edit>DocumentLibraryForm</Edit>
-  <New>DocumentLibraryForm</New>
-</FormTemplates>
-</file>
-
-<file path=customXml/item4.xml><?xml version="1.0" encoding="utf-8"?>
 <ct:contentTypeSchema xmlns:ct="http://schemas.microsoft.com/office/2006/metadata/contentType" xmlns:ma="http://schemas.microsoft.com/office/2006/metadata/properties/metaAttributes" ct:_="" ma:_="" ma:contentTypeName="Document" ma:contentTypeID="0x01010006EF9829FE6FB94D84D3D1D5B1820991" ma:contentTypeVersion="2" ma:contentTypeDescription="Create a new document." ma:contentTypeScope="" ma:versionID="84d427fd2fb92a215479da5b0fe5e4ad">
   <xsd:schema xmlns:xsd="http://www.w3.org/2001/XMLSchema" xmlns:xs="http://www.w3.org/2001/XMLSchema" xmlns:p="http://schemas.microsoft.com/office/2006/metadata/properties" xmlns:ns2="38ef598d-997c-498b-b737-2f6b2c50ccab" xmlns:ns3="df7acb31-37ac-40e2-81bb-c44e3630f613" targetNamespace="http://schemas.microsoft.com/office/2006/metadata/properties" ma:root="true" ma:fieldsID="156788901a84a305ff90b9b24ba2d9fb" ns2:_="" ns3:_="">
     <xsd:import namespace="38ef598d-997c-498b-b737-2f6b2c50ccab"/>
@@ -9476,34 +9642,75 @@
 </ct:contentTypeSchema>
 </file>
 
-<file path=customXml/itemProps1.xml><?xml version="1.0" encoding="utf-8"?>
-<ds:datastoreItem xmlns:ds="http://schemas.openxmlformats.org/officeDocument/2006/customXml" ds:itemID="{36ECED7C-7E24-4B80-B6AD-5BF0A508FB7B}">
-  <ds:schemaRefs>
-    <ds:schemaRef ds:uri="http://schemas.microsoft.com/sharepoint/events"/>
-  </ds:schemaRefs>
-</ds:datastoreItem>
+<file path=customXml/item2.xml><?xml version="1.0" encoding="utf-8"?>
+<?mso-contentType ?>
+<spe:Receivers xmlns:spe="http://schemas.microsoft.com/sharepoint/events">
+  <Receiver>
+    <Name>Document ID Generator</Name>
+    <Synchronization>Synchronous</Synchronization>
+    <Type>10001</Type>
+    <SequenceNumber>1000</SequenceNumber>
+    <Assembly>Microsoft.Office.DocumentManagement, Version=14.0.0.0, Culture=neutral, PublicKeyToken=71e9bce111e9429c</Assembly>
+    <Class>Microsoft.Office.DocumentManagement.Internal.DocIdHandler</Class>
+    <Data/>
+    <Filter/>
+  </Receiver>
+  <Receiver>
+    <Name>Document ID Generator</Name>
+    <Synchronization>Synchronous</Synchronization>
+    <Type>10002</Type>
+    <SequenceNumber>1001</SequenceNumber>
+    <Assembly>Microsoft.Office.DocumentManagement, Version=14.0.0.0, Culture=neutral, PublicKeyToken=71e9bce111e9429c</Assembly>
+    <Class>Microsoft.Office.DocumentManagement.Internal.DocIdHandler</Class>
+    <Data/>
+    <Filter/>
+  </Receiver>
+  <Receiver>
+    <Name>Document ID Generator</Name>
+    <Synchronization>Synchronous</Synchronization>
+    <Type>10004</Type>
+    <SequenceNumber>1002</SequenceNumber>
+    <Assembly>Microsoft.Office.DocumentManagement, Version=14.0.0.0, Culture=neutral, PublicKeyToken=71e9bce111e9429c</Assembly>
+    <Class>Microsoft.Office.DocumentManagement.Internal.DocIdHandler</Class>
+    <Data/>
+    <Filter/>
+  </Receiver>
+  <Receiver>
+    <Name>Document ID Generator</Name>
+    <Synchronization>Synchronous</Synchronization>
+    <Type>10006</Type>
+    <SequenceNumber>1003</SequenceNumber>
+    <Assembly>Microsoft.Office.DocumentManagement, Version=14.0.0.0, Culture=neutral, PublicKeyToken=71e9bce111e9429c</Assembly>
+    <Class>Microsoft.Office.DocumentManagement.Internal.DocIdHandler</Class>
+    <Data/>
+    <Filter/>
+  </Receiver>
+</spe:Receivers>
 </file>
 
-<file path=customXml/itemProps2.xml><?xml version="1.0" encoding="utf-8"?>
-<ds:datastoreItem xmlns:ds="http://schemas.openxmlformats.org/officeDocument/2006/customXml" ds:itemID="{15774815-801A-4D0C-AAC8-304A8EA5EAE0}">
-  <ds:schemaRefs>
-    <ds:schemaRef ds:uri="http://schemas.microsoft.com/office/2006/metadata/properties"/>
-    <ds:schemaRef ds:uri="http://schemas.microsoft.com/office/infopath/2007/PartnerControls"/>
-    <ds:schemaRef ds:uri="df7acb31-37ac-40e2-81bb-c44e3630f613"/>
-    <ds:schemaRef ds:uri="38ef598d-997c-498b-b737-2f6b2c50ccab"/>
-  </ds:schemaRefs>
-</ds:datastoreItem>
+<file path=customXml/item3.xml><?xml version="1.0" encoding="utf-8"?>
+<p:properties xmlns:p="http://schemas.microsoft.com/office/2006/metadata/properties" xmlns:xsi="http://www.w3.org/2001/XMLSchema-instance" xmlns:pc="http://schemas.microsoft.com/office/infopath/2007/PartnerControls">
+  <documentManagement>
+    <Content_x0020_Archived xmlns="df7acb31-37ac-40e2-81bb-c44e3630f613">false</Content_x0020_Archived>
+    <_dlc_DocId xmlns="38ef598d-997c-498b-b737-2f6b2c50ccab">SV5CHKDEWJXD-84-133</_dlc_DocId>
+    <_dlc_DocIdUrl xmlns="38ef598d-997c-498b-b737-2f6b2c50ccab">
+      <Url>http://mchpweb-2010/marcom/home/Resources/_layouts/DocIdRedir.aspx?ID=SV5CHKDEWJXD-84-133</Url>
+      <Description>SV5CHKDEWJXD-84-133</Description>
+    </_dlc_DocIdUrl>
+  </documentManagement>
+</p:properties>
 </file>
 
-<file path=customXml/itemProps3.xml><?xml version="1.0" encoding="utf-8"?>
-<ds:datastoreItem xmlns:ds="http://schemas.openxmlformats.org/officeDocument/2006/customXml" ds:itemID="{0CE24DD7-9317-4AD8-82D4-5A6998DA79C7}">
-  <ds:schemaRefs>
-    <ds:schemaRef ds:uri="http://schemas.microsoft.com/sharepoint/v3/contenttype/forms"/>
-  </ds:schemaRefs>
-</ds:datastoreItem>
+<file path=customXml/item4.xml><?xml version="1.0" encoding="utf-8"?>
+<?mso-contentType ?>
+<FormTemplates xmlns="http://schemas.microsoft.com/sharepoint/v3/contenttype/forms">
+  <Display>DocumentLibraryForm</Display>
+  <Edit>DocumentLibraryForm</Edit>
+  <New>DocumentLibraryForm</New>
+</FormTemplates>
 </file>
 
-<file path=customXml/itemProps4.xml><?xml version="1.0" encoding="utf-8"?>
+<file path=customXml/itemProps1.xml><?xml version="1.0" encoding="utf-8"?>
 <ds:datastoreItem xmlns:ds="http://schemas.openxmlformats.org/officeDocument/2006/customXml" ds:itemID="{AF9647E8-EA5A-4469-8198-396AF1DA17E0}">
   <ds:schemaRefs>
     <ds:schemaRef ds:uri="http://schemas.microsoft.com/office/2006/metadata/contentType"/>
@@ -9520,4 +9727,31 @@
     <ds:schemaRef ds:uri="http://schemas.microsoft.com/internal/obd"/>
   </ds:schemaRefs>
 </ds:datastoreItem>
+</file>
+
+<file path=customXml/itemProps2.xml><?xml version="1.0" encoding="utf-8"?>
+<ds:datastoreItem xmlns:ds="http://schemas.openxmlformats.org/officeDocument/2006/customXml" ds:itemID="{36ECED7C-7E24-4B80-B6AD-5BF0A508FB7B}">
+  <ds:schemaRefs>
+    <ds:schemaRef ds:uri="http://schemas.microsoft.com/sharepoint/events"/>
+  </ds:schemaRefs>
+</ds:datastoreItem>
+</file>
+
+<file path=customXml/itemProps3.xml><?xml version="1.0" encoding="utf-8"?>
+<ds:datastoreItem xmlns:ds="http://schemas.openxmlformats.org/officeDocument/2006/customXml" ds:itemID="{15774815-801A-4D0C-AAC8-304A8EA5EAE0}">
+  <ds:schemaRefs>
+    <ds:schemaRef ds:uri="http://schemas.microsoft.com/office/2006/metadata/properties"/>
+    <ds:schemaRef ds:uri="http://schemas.microsoft.com/office/infopath/2007/PartnerControls"/>
+    <ds:schemaRef ds:uri="df7acb31-37ac-40e2-81bb-c44e3630f613"/>
+    <ds:schemaRef ds:uri="38ef598d-997c-498b-b737-2f6b2c50ccab"/>
+  </ds:schemaRefs>
+</ds:datastoreItem>
+</file>
+
+<file path=customXml/itemProps4.xml><?xml version="1.0" encoding="utf-8"?>
+<ds:datastoreItem xmlns:ds="http://schemas.openxmlformats.org/officeDocument/2006/customXml" ds:itemID="{0CE24DD7-9317-4AD8-82D4-5A6998DA79C7}">
+  <ds:schemaRefs>
+    <ds:schemaRef ds:uri="http://schemas.microsoft.com/sharepoint/v3/contenttype/forms"/>
+  </ds:schemaRefs>
+</ds:datastoreItem>
 </file>
--- a/doc/OLED1.pptx
+++ b/doc/OLED1.pptx
@@ -17,15 +17,15 @@
     <p:sldId id="1964" r:id="rId9"/>
     <p:sldId id="1974" r:id="rId10"/>
     <p:sldId id="1962" r:id="rId11"/>
-    <p:sldId id="1968" r:id="rId12"/>
-    <p:sldId id="1969" r:id="rId13"/>
+    <p:sldId id="1969" r:id="rId12"/>
+    <p:sldId id="1968" r:id="rId13"/>
     <p:sldId id="1971" r:id="rId14"/>
     <p:sldId id="1972" r:id="rId15"/>
     <p:sldId id="1966" r:id="rId16"/>
-    <p:sldId id="1960" r:id="rId17"/>
-    <p:sldId id="1975" r:id="rId18"/>
-    <p:sldId id="1976" r:id="rId19"/>
-    <p:sldId id="1973" r:id="rId20"/>
+    <p:sldId id="1975" r:id="rId17"/>
+    <p:sldId id="1976" r:id="rId18"/>
+    <p:sldId id="1973" r:id="rId19"/>
+    <p:sldId id="1960" r:id="rId20"/>
   </p:sldIdLst>
   <p:sldSz cx="12188825" cy="6858000"/>
   <p:notesSz cx="6858000" cy="9144000"/>
@@ -250,7 +250,7 @@
           <a:p>
             <a:fld id="{98615C2D-FB91-8740-95C2-23C11A10F2F2}" type="datetimeFigureOut">
               <a:rPr lang="en-US" smtClean="0"/>
-              <a:t>6/15/2023</a:t>
+              <a:t>6/16/2023</a:t>
             </a:fld>
             <a:endParaRPr lang="en-US"/>
           </a:p>
@@ -428,7 +428,7 @@
           <a:p>
             <a:fld id="{F154E49F-5C3A-ED4E-A68A-CCB3AA3B5D59}" type="datetimeFigureOut">
               <a:rPr lang="en-US" smtClean="0"/>
-              <a:t>6/15/2023</a:t>
+              <a:t>6/16/2023</a:t>
             </a:fld>
             <a:endParaRPr lang="en-US"/>
           </a:p>
@@ -694,6 +694,90 @@
     </a:lvl9pPr>
   </p:notesStyle>
 </p:notesMaster>
+</file>
+
+<file path=ppt/notesSlides/notesSlide1.xml><?xml version="1.0" encoding="utf-8"?>
+<p:notes xmlns:a="http://schemas.openxmlformats.org/drawingml/2006/main" xmlns:r="http://schemas.openxmlformats.org/officeDocument/2006/relationships" xmlns:p="http://schemas.openxmlformats.org/presentationml/2006/main">
+  <p:cSld>
+    <p:spTree>
+      <p:nvGrpSpPr>
+        <p:cNvPr id="1" name=""/>
+        <p:cNvGrpSpPr/>
+        <p:nvPr/>
+      </p:nvGrpSpPr>
+      <p:grpSpPr>
+        <a:xfrm>
+          <a:off x="0" y="0"/>
+          <a:ext cx="0" cy="0"/>
+          <a:chOff x="0" y="0"/>
+          <a:chExt cx="0" cy="0"/>
+        </a:xfrm>
+      </p:grpSpPr>
+      <p:sp>
+        <p:nvSpPr>
+          <p:cNvPr id="2" name="Slide Image Placeholder 1"/>
+          <p:cNvSpPr>
+            <a:spLocks noGrp="1" noRot="1" noChangeAspect="1"/>
+          </p:cNvSpPr>
+          <p:nvPr>
+            <p:ph type="sldImg"/>
+          </p:nvPr>
+        </p:nvSpPr>
+        <p:spPr/>
+      </p:sp>
+      <p:sp>
+        <p:nvSpPr>
+          <p:cNvPr id="3" name="Notes Placeholder 2"/>
+          <p:cNvSpPr>
+            <a:spLocks noGrp="1"/>
+          </p:cNvSpPr>
+          <p:nvPr>
+            <p:ph type="body" idx="1"/>
+          </p:nvPr>
+        </p:nvSpPr>
+        <p:spPr/>
+        <p:txBody>
+          <a:bodyPr/>
+          <a:lstStyle/>
+          <a:p>
+            <a:endParaRPr lang="de-DE" dirty="0"/>
+          </a:p>
+        </p:txBody>
+      </p:sp>
+      <p:sp>
+        <p:nvSpPr>
+          <p:cNvPr id="4" name="Slide Number Placeholder 3"/>
+          <p:cNvSpPr>
+            <a:spLocks noGrp="1"/>
+          </p:cNvSpPr>
+          <p:nvPr>
+            <p:ph type="sldNum" sz="quarter" idx="5"/>
+          </p:nvPr>
+        </p:nvSpPr>
+        <p:spPr/>
+        <p:txBody>
+          <a:bodyPr/>
+          <a:lstStyle/>
+          <a:p>
+            <a:fld id="{BFF8CB49-A7FB-5E4A-B599-DE2118135120}" type="slidenum">
+              <a:rPr lang="en-US" smtClean="0"/>
+              <a:t>13</a:t>
+            </a:fld>
+            <a:endParaRPr lang="en-US"/>
+          </a:p>
+        </p:txBody>
+      </p:sp>
+    </p:spTree>
+    <p:extLst>
+      <p:ext uri="{BB962C8B-B14F-4D97-AF65-F5344CB8AC3E}">
+        <p14:creationId xmlns:p14="http://schemas.microsoft.com/office/powerpoint/2010/main" val="2192388529"/>
+      </p:ext>
+    </p:extLst>
+  </p:cSld>
+  <p:clrMapOvr>
+    <a:masterClrMapping/>
+  </p:clrMapOvr>
+</p:notes>
 </file>
 
 <file path=ppt/slideLayouts/slideLayout1.xml><?xml version="1.0" encoding="utf-8"?>
@@ -4611,7 +4695,7 @@
           <a:p>
             <a:r>
               <a:rPr lang="de-DE" dirty="0"/>
-              <a:t>Add gxf_mono Glue</a:t>
+              <a:t>Explanation of the gxf_mono Glue</a:t>
             </a:r>
           </a:p>
         </p:txBody>
@@ -4635,7 +4719,7 @@
         <p:spPr/>
         <p:txBody>
           <a:bodyPr>
-            <a:normAutofit fontScale="85000" lnSpcReduction="20000"/>
+            <a:normAutofit fontScale="77500" lnSpcReduction="20000"/>
           </a:bodyPr>
           <a:lstStyle/>
           <a:p>
@@ -4717,78 +4801,6 @@
             <a:pPr marL="0" indent="0">
               <a:buNone/>
             </a:pPr>
-            <a:r>
-              <a:rPr lang="de-DE" sz="1900" dirty="0">
-                <a:latin typeface="Courier New" panose="02070309020205020404" pitchFamily="49" charset="0"/>
-                <a:cs typeface="Courier New" panose="02070309020205020404" pitchFamily="49" charset="0"/>
-              </a:rPr>
-              <a:t>#define GFX_DELAY_FUNCTION(x)  \</a:t>
-            </a:r>
-          </a:p>
-          <a:p>
-            <a:pPr marL="0" indent="0">
-              <a:buNone/>
-            </a:pPr>
-            <a:r>
-              <a:rPr lang="de-DE" sz="1900" dirty="0">
-                <a:latin typeface="Courier New" panose="02070309020205020404" pitchFamily="49" charset="0"/>
-                <a:cs typeface="Courier New" panose="02070309020205020404" pitchFamily="49" charset="0"/>
-              </a:rPr>
-              <a:t>   { \</a:t>
-            </a:r>
-          </a:p>
-          <a:p>
-            <a:pPr marL="0" indent="0">
-              <a:buNone/>
-            </a:pPr>
-            <a:r>
-              <a:rPr lang="de-DE" sz="1900" dirty="0">
-                <a:latin typeface="Courier New" panose="02070309020205020404" pitchFamily="49" charset="0"/>
-                <a:cs typeface="Courier New" panose="02070309020205020404" pitchFamily="49" charset="0"/>
-              </a:rPr>
-              <a:t>      SYS_TIME_HANDLE tm_hdl; \</a:t>
-            </a:r>
-          </a:p>
-          <a:p>
-            <a:pPr marL="0" indent="0">
-              <a:buNone/>
-            </a:pPr>
-            <a:r>
-              <a:rPr lang="de-DE" sz="1900" dirty="0">
-                <a:latin typeface="Courier New" panose="02070309020205020404" pitchFamily="49" charset="0"/>
-                <a:cs typeface="Courier New" panose="02070309020205020404" pitchFamily="49" charset="0"/>
-              </a:rPr>
-              <a:t>      SYS_TIME_DelayMS ( x, &amp;tm_hdl ); \</a:t>
-            </a:r>
-          </a:p>
-          <a:p>
-            <a:pPr marL="0" indent="0">
-              <a:buNone/>
-            </a:pPr>
-            <a:r>
-              <a:rPr lang="de-DE" sz="1900" dirty="0">
-                <a:latin typeface="Courier New" panose="02070309020205020404" pitchFamily="49" charset="0"/>
-                <a:cs typeface="Courier New" panose="02070309020205020404" pitchFamily="49" charset="0"/>
-              </a:rPr>
-              <a:t>      while(SYS_TIME_DelayIsComplete(tm_hdl) == false); \</a:t>
-            </a:r>
-          </a:p>
-          <a:p>
-            <a:pPr marL="0" indent="0">
-              <a:buNone/>
-            </a:pPr>
-            <a:r>
-              <a:rPr lang="de-DE" sz="1900" dirty="0">
-                <a:latin typeface="Courier New" panose="02070309020205020404" pitchFamily="49" charset="0"/>
-                <a:cs typeface="Courier New" panose="02070309020205020404" pitchFamily="49" charset="0"/>
-              </a:rPr>
-              <a:t>   }</a:t>
-            </a:r>
-          </a:p>
-          <a:p>
-            <a:pPr marL="0" indent="0">
-              <a:buNone/>
-            </a:pPr>
             <a:endParaRPr lang="de-DE" sz="1900" dirty="0">
               <a:latin typeface="Courier New" panose="02070309020205020404" pitchFamily="49" charset="0"/>
               <a:cs typeface="Courier New" panose="02070309020205020404" pitchFamily="49" charset="0"/>
@@ -4803,6 +4815,87 @@
                 <a:latin typeface="Courier New" panose="02070309020205020404" pitchFamily="49" charset="0"/>
                 <a:cs typeface="Courier New" panose="02070309020205020404" pitchFamily="49" charset="0"/>
               </a:rPr>
+              <a:t>#define GFX_DELAY_FUNCTION(x)  \</a:t>
+            </a:r>
+          </a:p>
+          <a:p>
+            <a:pPr marL="0" indent="0">
+              <a:buNone/>
+            </a:pPr>
+            <a:r>
+              <a:rPr lang="de-DE" sz="1900" dirty="0">
+                <a:latin typeface="Courier New" panose="02070309020205020404" pitchFamily="49" charset="0"/>
+                <a:cs typeface="Courier New" panose="02070309020205020404" pitchFamily="49" charset="0"/>
+              </a:rPr>
+              <a:t>   { \</a:t>
+            </a:r>
+          </a:p>
+          <a:p>
+            <a:pPr marL="0" indent="0">
+              <a:buNone/>
+            </a:pPr>
+            <a:r>
+              <a:rPr lang="de-DE" sz="1900" dirty="0">
+                <a:latin typeface="Courier New" panose="02070309020205020404" pitchFamily="49" charset="0"/>
+                <a:cs typeface="Courier New" panose="02070309020205020404" pitchFamily="49" charset="0"/>
+              </a:rPr>
+              <a:t>      SYS_TIME_HANDLE tm_hdl; \</a:t>
+            </a:r>
+          </a:p>
+          <a:p>
+            <a:pPr marL="0" indent="0">
+              <a:buNone/>
+            </a:pPr>
+            <a:r>
+              <a:rPr lang="de-DE" sz="1900" dirty="0">
+                <a:latin typeface="Courier New" panose="02070309020205020404" pitchFamily="49" charset="0"/>
+                <a:cs typeface="Courier New" panose="02070309020205020404" pitchFamily="49" charset="0"/>
+              </a:rPr>
+              <a:t>      SYS_TIME_DelayMS ( x, &amp;tm_hdl ); \</a:t>
+            </a:r>
+          </a:p>
+          <a:p>
+            <a:pPr marL="0" indent="0">
+              <a:buNone/>
+            </a:pPr>
+            <a:r>
+              <a:rPr lang="de-DE" sz="1900" dirty="0">
+                <a:latin typeface="Courier New" panose="02070309020205020404" pitchFamily="49" charset="0"/>
+                <a:cs typeface="Courier New" panose="02070309020205020404" pitchFamily="49" charset="0"/>
+              </a:rPr>
+              <a:t>      while(SYS_TIME_DelayIsComplete(tm_hdl) == false); \</a:t>
+            </a:r>
+          </a:p>
+          <a:p>
+            <a:pPr marL="0" indent="0">
+              <a:buNone/>
+            </a:pPr>
+            <a:r>
+              <a:rPr lang="de-DE" sz="1900" dirty="0">
+                <a:latin typeface="Courier New" panose="02070309020205020404" pitchFamily="49" charset="0"/>
+                <a:cs typeface="Courier New" panose="02070309020205020404" pitchFamily="49" charset="0"/>
+              </a:rPr>
+              <a:t>   }</a:t>
+            </a:r>
+          </a:p>
+          <a:p>
+            <a:pPr marL="0" indent="0">
+              <a:buNone/>
+            </a:pPr>
+            <a:endParaRPr lang="de-DE" sz="1900" dirty="0">
+              <a:latin typeface="Courier New" panose="02070309020205020404" pitchFamily="49" charset="0"/>
+              <a:cs typeface="Courier New" panose="02070309020205020404" pitchFamily="49" charset="0"/>
+            </a:endParaRPr>
+          </a:p>
+          <a:p>
+            <a:pPr marL="0" indent="0">
+              <a:buNone/>
+            </a:pPr>
+            <a:r>
+              <a:rPr lang="de-DE" sz="1900" dirty="0">
+                <a:latin typeface="Courier New" panose="02070309020205020404" pitchFamily="49" charset="0"/>
+                <a:cs typeface="Courier New" panose="02070309020205020404" pitchFamily="49" charset="0"/>
+              </a:rPr>
               <a:t>#define GFX_SPI_WRITE_FUNCTION(x,y)     SERCOM0_SPI_Write(x,y)</a:t>
             </a:r>
           </a:p>
@@ -4916,6 +5009,108 @@
               <a:latin typeface="Courier New" panose="02070309020205020404" pitchFamily="49" charset="0"/>
               <a:cs typeface="Courier New" panose="02070309020205020404" pitchFamily="49" charset="0"/>
             </a:endParaRPr>
+          </a:p>
+        </p:txBody>
+      </p:sp>
+      <p:sp>
+        <p:nvSpPr>
+          <p:cNvPr id="4" name="Rectangle 3">
+            <a:extLst>
+              <a:ext uri="{FF2B5EF4-FFF2-40B4-BE49-F238E27FC236}">
+                <a16:creationId xmlns:a16="http://schemas.microsoft.com/office/drawing/2014/main" id="{60ED5231-9379-85D6-3640-3EA209DAF785}"/>
+              </a:ext>
+            </a:extLst>
+          </p:cNvPr>
+          <p:cNvSpPr/>
+          <p:nvPr/>
+        </p:nvSpPr>
+        <p:spPr>
+          <a:xfrm>
+            <a:off x="368901" y="1545996"/>
+            <a:ext cx="8505687" cy="888526"/>
+          </a:xfrm>
+          <a:prstGeom prst="rect">
+            <a:avLst/>
+          </a:prstGeom>
+          <a:noFill/>
+          <a:ln/>
+        </p:spPr>
+        <p:style>
+          <a:lnRef idx="2">
+            <a:schemeClr val="accent2"/>
+          </a:lnRef>
+          <a:fillRef idx="1">
+            <a:schemeClr val="lt1"/>
+          </a:fillRef>
+          <a:effectRef idx="0">
+            <a:schemeClr val="accent2"/>
+          </a:effectRef>
+          <a:fontRef idx="minor">
+            <a:schemeClr val="dk1"/>
+          </a:fontRef>
+        </p:style>
+        <p:txBody>
+          <a:bodyPr rot="0" spcFirstLastPara="0" vertOverflow="overflow" horzOverflow="overflow" vert="horz" wrap="square" lIns="91440" tIns="45720" rIns="91440" bIns="45720" numCol="1" spcCol="0" rtlCol="0" fromWordArt="0" anchor="ctr" anchorCtr="0" forceAA="0" compatLnSpc="1">
+            <a:prstTxWarp prst="textNoShape">
+              <a:avLst/>
+            </a:prstTxWarp>
+            <a:noAutofit/>
+          </a:bodyPr>
+          <a:lstStyle/>
+          <a:p>
+            <a:pPr algn="ctr"/>
+            <a:endParaRPr lang="de-DE"/>
+          </a:p>
+        </p:txBody>
+      </p:sp>
+      <p:sp>
+        <p:nvSpPr>
+          <p:cNvPr id="5" name="Rectangle 4">
+            <a:extLst>
+              <a:ext uri="{FF2B5EF4-FFF2-40B4-BE49-F238E27FC236}">
+                <a16:creationId xmlns:a16="http://schemas.microsoft.com/office/drawing/2014/main" id="{2108AC2D-B465-C208-EEA5-A62AE80F319A}"/>
+              </a:ext>
+            </a:extLst>
+          </p:cNvPr>
+          <p:cNvSpPr/>
+          <p:nvPr/>
+        </p:nvSpPr>
+        <p:spPr>
+          <a:xfrm>
+            <a:off x="355509" y="2683099"/>
+            <a:ext cx="8505687" cy="3480760"/>
+          </a:xfrm>
+          <a:prstGeom prst="rect">
+            <a:avLst/>
+          </a:prstGeom>
+          <a:noFill/>
+          <a:ln/>
+        </p:spPr>
+        <p:style>
+          <a:lnRef idx="2">
+            <a:schemeClr val="accent2"/>
+          </a:lnRef>
+          <a:fillRef idx="1">
+            <a:schemeClr val="lt1"/>
+          </a:fillRef>
+          <a:effectRef idx="0">
+            <a:schemeClr val="accent2"/>
+          </a:effectRef>
+          <a:fontRef idx="minor">
+            <a:schemeClr val="dk1"/>
+          </a:fontRef>
+        </p:style>
+        <p:txBody>
+          <a:bodyPr rot="0" spcFirstLastPara="0" vertOverflow="overflow" horzOverflow="overflow" vert="horz" wrap="square" lIns="91440" tIns="45720" rIns="91440" bIns="45720" numCol="1" spcCol="0" rtlCol="0" fromWordArt="0" anchor="ctr" anchorCtr="0" forceAA="0" compatLnSpc="1">
+            <a:prstTxWarp prst="textNoShape">
+              <a:avLst/>
+            </a:prstTxWarp>
+            <a:noAutofit/>
+          </a:bodyPr>
+          <a:lstStyle/>
+          <a:p>
+            <a:pPr algn="ctr"/>
+            <a:endParaRPr lang="de-DE"/>
           </a:p>
         </p:txBody>
       </p:sp>
@@ -4972,7 +5167,7 @@
           <a:p>
             <a:r>
               <a:rPr lang="de-DE" dirty="0"/>
-              <a:t>gfx_mono Initialization</a:t>
+              <a:t>Add the Code for the gfx_mono Initialization</a:t>
             </a:r>
           </a:p>
         </p:txBody>
@@ -4996,9 +5191,29 @@
         <p:spPr/>
         <p:txBody>
           <a:bodyPr>
-            <a:normAutofit/>
+            <a:normAutofit lnSpcReduction="10000"/>
           </a:bodyPr>
           <a:lstStyle/>
+          <a:p>
+            <a:pPr marL="0" indent="0" fontAlgn="ctr">
+              <a:spcBef>
+                <a:spcPts val="0"/>
+              </a:spcBef>
+              <a:buNone/>
+            </a:pPr>
+            <a:r>
+              <a:rPr lang="en-US" sz="2000" dirty="0"/>
+              <a:t>In </a:t>
+            </a:r>
+            <a:r>
+              <a:rPr lang="en-US" sz="2000" dirty="0" err="1"/>
+              <a:t>initialization.c</a:t>
+            </a:r>
+            <a:r>
+              <a:rPr lang="en-US" sz="2000" dirty="0"/>
+              <a:t> add includes add the top</a:t>
+            </a:r>
+          </a:p>
           <a:p>
             <a:pPr marL="0" indent="0" rtl="0" fontAlgn="ctr">
               <a:spcBef>
@@ -5009,18 +5224,10 @@
               </a:spcAft>
               <a:buNone/>
             </a:pPr>
-            <a:r>
-              <a:rPr lang="en-US" dirty="0"/>
-              <a:t>Add GFX Init at the end of </a:t>
-            </a:r>
-            <a:r>
-              <a:rPr lang="en-US" dirty="0" err="1"/>
-              <a:t>SYS_Initialize</a:t>
-            </a:r>
-            <a:r>
-              <a:rPr lang="en-US" dirty="0"/>
-              <a:t> </a:t>
-            </a:r>
+            <a:endParaRPr lang="en-US" sz="1600" dirty="0">
+              <a:latin typeface="Courier New" panose="02070309020205020404" pitchFamily="49" charset="0"/>
+              <a:cs typeface="Courier New" panose="02070309020205020404" pitchFamily="49" charset="0"/>
+            </a:endParaRPr>
           </a:p>
           <a:p>
             <a:pPr marL="0" indent="0" rtl="0" fontAlgn="ctr">
@@ -5032,10 +5239,27 @@
               </a:spcAft>
               <a:buNone/>
             </a:pPr>
-            <a:endParaRPr lang="en-US" sz="1600" dirty="0">
-              <a:latin typeface="Courier New" panose="02070309020205020404" pitchFamily="49" charset="0"/>
-              <a:cs typeface="Courier New" panose="02070309020205020404" pitchFamily="49" charset="0"/>
-            </a:endParaRPr>
+            <a:r>
+              <a:rPr lang="en-US" sz="1600" dirty="0">
+                <a:latin typeface="Courier New" panose="02070309020205020404" pitchFamily="49" charset="0"/>
+                <a:cs typeface="Courier New" panose="02070309020205020404" pitchFamily="49" charset="0"/>
+              </a:rPr>
+              <a:t>#include "peripheral/port/</a:t>
+            </a:r>
+            <a:r>
+              <a:rPr lang="en-US" sz="1600" dirty="0" err="1">
+                <a:latin typeface="Courier New" panose="02070309020205020404" pitchFamily="49" charset="0"/>
+                <a:cs typeface="Courier New" panose="02070309020205020404" pitchFamily="49" charset="0"/>
+              </a:rPr>
+              <a:t>plib_port.h</a:t>
+            </a:r>
+            <a:r>
+              <a:rPr lang="en-US" sz="1600" dirty="0">
+                <a:latin typeface="Courier New" panose="02070309020205020404" pitchFamily="49" charset="0"/>
+                <a:cs typeface="Courier New" panose="02070309020205020404" pitchFamily="49" charset="0"/>
+              </a:rPr>
+              <a:t>"</a:t>
+            </a:r>
           </a:p>
           <a:p>
             <a:pPr marL="0" indent="0" rtl="0" fontAlgn="ctr">
@@ -5052,21 +5276,35 @@
                 <a:latin typeface="Courier New" panose="02070309020205020404" pitchFamily="49" charset="0"/>
                 <a:cs typeface="Courier New" panose="02070309020205020404" pitchFamily="49" charset="0"/>
               </a:rPr>
-              <a:t>void </a:t>
+              <a:t>#include "../../</a:t>
             </a:r>
             <a:r>
               <a:rPr lang="en-US" sz="1600" dirty="0" err="1">
                 <a:latin typeface="Courier New" panose="02070309020205020404" pitchFamily="49" charset="0"/>
                 <a:cs typeface="Courier New" panose="02070309020205020404" pitchFamily="49" charset="0"/>
               </a:rPr>
-              <a:t>SYS_Initialize</a:t>
+              <a:t>gfx_mono</a:t>
             </a:r>
             <a:r>
               <a:rPr lang="en-US" sz="1600" dirty="0">
                 <a:latin typeface="Courier New" panose="02070309020205020404" pitchFamily="49" charset="0"/>
                 <a:cs typeface="Courier New" panose="02070309020205020404" pitchFamily="49" charset="0"/>
               </a:rPr>
-              <a:t> ( void* data )</a:t>
+              <a:t>/</a:t>
+            </a:r>
+            <a:r>
+              <a:rPr lang="en-US" sz="1600" dirty="0" err="1">
+                <a:latin typeface="Courier New" panose="02070309020205020404" pitchFamily="49" charset="0"/>
+                <a:cs typeface="Courier New" panose="02070309020205020404" pitchFamily="49" charset="0"/>
+              </a:rPr>
+              <a:t>gfx_definitions.h</a:t>
+            </a:r>
+            <a:r>
+              <a:rPr lang="en-US" sz="1600" dirty="0">
+                <a:latin typeface="Courier New" panose="02070309020205020404" pitchFamily="49" charset="0"/>
+                <a:cs typeface="Courier New" panose="02070309020205020404" pitchFamily="49" charset="0"/>
+              </a:rPr>
+              <a:t>"</a:t>
             </a:r>
           </a:p>
           <a:p>
@@ -5079,13 +5317,7 @@
               </a:spcAft>
               <a:buNone/>
             </a:pPr>
-            <a:r>
-              <a:rPr lang="en-US" sz="1600" dirty="0">
-                <a:latin typeface="Courier New" panose="02070309020205020404" pitchFamily="49" charset="0"/>
-                <a:cs typeface="Courier New" panose="02070309020205020404" pitchFamily="49" charset="0"/>
-              </a:rPr>
-              <a:t>{</a:t>
-            </a:r>
+            <a:endParaRPr lang="en-US" sz="2000" dirty="0"/>
           </a:p>
           <a:p>
             <a:pPr marL="0" indent="0" rtl="0" fontAlgn="ctr">
@@ -5098,11 +5330,24 @@
               <a:buNone/>
             </a:pPr>
             <a:r>
-              <a:rPr lang="en-US" sz="1600" dirty="0">
-                <a:latin typeface="Courier New" panose="02070309020205020404" pitchFamily="49" charset="0"/>
-                <a:cs typeface="Courier New" panose="02070309020205020404" pitchFamily="49" charset="0"/>
-              </a:rPr>
-              <a:t>   ...</a:t>
+              <a:rPr lang="en-US" sz="2000" dirty="0"/>
+              <a:t>In </a:t>
+            </a:r>
+            <a:r>
+              <a:rPr lang="en-US" sz="2000" dirty="0" err="1"/>
+              <a:t>initialization.c</a:t>
+            </a:r>
+            <a:r>
+              <a:rPr lang="en-US" sz="2000" dirty="0"/>
+              <a:t> add code and the end of </a:t>
+            </a:r>
+            <a:r>
+              <a:rPr lang="en-US" sz="2000" dirty="0" err="1"/>
+              <a:t>SYS_Initialize</a:t>
+            </a:r>
+            <a:r>
+              <a:rPr lang="en-US" sz="2000" dirty="0"/>
+              <a:t>() </a:t>
             </a:r>
           </a:p>
           <a:p>
@@ -5115,11 +5360,94 @@
               </a:spcAft>
               <a:buNone/>
             </a:pPr>
+            <a:endParaRPr lang="en-US" sz="1600" dirty="0">
+              <a:latin typeface="Courier New" panose="02070309020205020404" pitchFamily="49" charset="0"/>
+              <a:cs typeface="Courier New" panose="02070309020205020404" pitchFamily="49" charset="0"/>
+            </a:endParaRPr>
+          </a:p>
+          <a:p>
+            <a:pPr marL="0" indent="0" rtl="0" fontAlgn="ctr">
+              <a:spcBef>
+                <a:spcPts val="0"/>
+              </a:spcBef>
+              <a:spcAft>
+                <a:spcPts val="0"/>
+              </a:spcAft>
+              <a:buNone/>
+            </a:pPr>
             <a:r>
               <a:rPr lang="en-US" sz="1600" dirty="0">
                 <a:latin typeface="Courier New" panose="02070309020205020404" pitchFamily="49" charset="0"/>
                 <a:cs typeface="Courier New" panose="02070309020205020404" pitchFamily="49" charset="0"/>
               </a:rPr>
+              <a:t>void </a:t>
+            </a:r>
+            <a:r>
+              <a:rPr lang="en-US" sz="1600" dirty="0" err="1">
+                <a:latin typeface="Courier New" panose="02070309020205020404" pitchFamily="49" charset="0"/>
+                <a:cs typeface="Courier New" panose="02070309020205020404" pitchFamily="49" charset="0"/>
+              </a:rPr>
+              <a:t>SYS_Initialize</a:t>
+            </a:r>
+            <a:r>
+              <a:rPr lang="en-US" sz="1600" dirty="0">
+                <a:latin typeface="Courier New" panose="02070309020205020404" pitchFamily="49" charset="0"/>
+                <a:cs typeface="Courier New" panose="02070309020205020404" pitchFamily="49" charset="0"/>
+              </a:rPr>
+              <a:t> ( void* data )</a:t>
+            </a:r>
+          </a:p>
+          <a:p>
+            <a:pPr marL="0" indent="0" rtl="0" fontAlgn="ctr">
+              <a:spcBef>
+                <a:spcPts val="0"/>
+              </a:spcBef>
+              <a:spcAft>
+                <a:spcPts val="0"/>
+              </a:spcAft>
+              <a:buNone/>
+            </a:pPr>
+            <a:r>
+              <a:rPr lang="en-US" sz="1600" dirty="0">
+                <a:latin typeface="Courier New" panose="02070309020205020404" pitchFamily="49" charset="0"/>
+                <a:cs typeface="Courier New" panose="02070309020205020404" pitchFamily="49" charset="0"/>
+              </a:rPr>
+              <a:t>{</a:t>
+            </a:r>
+          </a:p>
+          <a:p>
+            <a:pPr marL="0" indent="0" rtl="0" fontAlgn="ctr">
+              <a:spcBef>
+                <a:spcPts val="0"/>
+              </a:spcBef>
+              <a:spcAft>
+                <a:spcPts val="0"/>
+              </a:spcAft>
+              <a:buNone/>
+            </a:pPr>
+            <a:r>
+              <a:rPr lang="en-US" sz="1600" dirty="0">
+                <a:latin typeface="Courier New" panose="02070309020205020404" pitchFamily="49" charset="0"/>
+                <a:cs typeface="Courier New" panose="02070309020205020404" pitchFamily="49" charset="0"/>
+              </a:rPr>
+              <a:t>   ...</a:t>
+            </a:r>
+          </a:p>
+          <a:p>
+            <a:pPr marL="0" indent="0" rtl="0" fontAlgn="ctr">
+              <a:spcBef>
+                <a:spcPts val="0"/>
+              </a:spcBef>
+              <a:spcAft>
+                <a:spcPts val="0"/>
+              </a:spcAft>
+              <a:buNone/>
+            </a:pPr>
+            <a:r>
+              <a:rPr lang="en-US" sz="1600" dirty="0">
+                <a:latin typeface="Courier New" panose="02070309020205020404" pitchFamily="49" charset="0"/>
+                <a:cs typeface="Courier New" panose="02070309020205020404" pitchFamily="49" charset="0"/>
+              </a:rPr>
               <a:t>   </a:t>
             </a:r>
             <a:r>
@@ -5134,7 +5462,7 @@
                 <a:latin typeface="Courier New" panose="02070309020205020404" pitchFamily="49" charset="0"/>
                 <a:cs typeface="Courier New" panose="02070309020205020404" pitchFamily="49" charset="0"/>
               </a:rPr>
-              <a:t> system function</a:t>
+              <a:t> system functions</a:t>
             </a:r>
           </a:p>
           <a:p>
@@ -5453,7 +5781,7 @@
         </p:blipFill>
         <p:spPr>
           <a:xfrm>
-            <a:off x="5806030" y="2259576"/>
+            <a:off x="4967046" y="2937815"/>
             <a:ext cx="3612193" cy="1356478"/>
           </a:xfrm>
           <a:prstGeom prst="rect">
@@ -5461,6 +5789,138 @@
           </a:prstGeom>
         </p:spPr>
       </p:pic>
+      <p:pic>
+        <p:nvPicPr>
+          <p:cNvPr id="6" name="Picture 5">
+            <a:extLst>
+              <a:ext uri="{FF2B5EF4-FFF2-40B4-BE49-F238E27FC236}">
+                <a16:creationId xmlns:a16="http://schemas.microsoft.com/office/drawing/2014/main" id="{825360D2-0410-CBF2-B74C-20FFB8C13570}"/>
+              </a:ext>
+            </a:extLst>
+          </p:cNvPr>
+          <p:cNvPicPr>
+            <a:picLocks noChangeAspect="1"/>
+          </p:cNvPicPr>
+          <p:nvPr/>
+        </p:nvPicPr>
+        <p:blipFill>
+          <a:blip r:embed="rId3"/>
+          <a:stretch>
+            <a:fillRect/>
+          </a:stretch>
+        </p:blipFill>
+        <p:spPr>
+          <a:xfrm>
+            <a:off x="9671916" y="1124097"/>
+            <a:ext cx="1988992" cy="2270957"/>
+          </a:xfrm>
+          <a:prstGeom prst="rect">
+            <a:avLst/>
+          </a:prstGeom>
+        </p:spPr>
+      </p:pic>
+      <p:sp>
+        <p:nvSpPr>
+          <p:cNvPr id="7" name="Rectangle 6">
+            <a:extLst>
+              <a:ext uri="{FF2B5EF4-FFF2-40B4-BE49-F238E27FC236}">
+                <a16:creationId xmlns:a16="http://schemas.microsoft.com/office/drawing/2014/main" id="{953DED45-A9D5-3D16-7C44-E245AED281A6}"/>
+              </a:ext>
+            </a:extLst>
+          </p:cNvPr>
+          <p:cNvSpPr/>
+          <p:nvPr/>
+        </p:nvSpPr>
+        <p:spPr>
+          <a:xfrm>
+            <a:off x="669303" y="4801304"/>
+            <a:ext cx="9813303" cy="1133623"/>
+          </a:xfrm>
+          <a:prstGeom prst="rect">
+            <a:avLst/>
+          </a:prstGeom>
+          <a:noFill/>
+          <a:ln/>
+        </p:spPr>
+        <p:style>
+          <a:lnRef idx="2">
+            <a:schemeClr val="accent2"/>
+          </a:lnRef>
+          <a:fillRef idx="1">
+            <a:schemeClr val="lt1"/>
+          </a:fillRef>
+          <a:effectRef idx="0">
+            <a:schemeClr val="accent2"/>
+          </a:effectRef>
+          <a:fontRef idx="minor">
+            <a:schemeClr val="dk1"/>
+          </a:fontRef>
+        </p:style>
+        <p:txBody>
+          <a:bodyPr rot="0" spcFirstLastPara="0" vertOverflow="overflow" horzOverflow="overflow" vert="horz" wrap="square" lIns="91440" tIns="45720" rIns="91440" bIns="45720" numCol="1" spcCol="0" rtlCol="0" fromWordArt="0" anchor="ctr" anchorCtr="0" forceAA="0" compatLnSpc="1">
+            <a:prstTxWarp prst="textNoShape">
+              <a:avLst/>
+            </a:prstTxWarp>
+            <a:noAutofit/>
+          </a:bodyPr>
+          <a:lstStyle/>
+          <a:p>
+            <a:pPr algn="ctr"/>
+            <a:endParaRPr lang="de-DE"/>
+          </a:p>
+        </p:txBody>
+      </p:sp>
+      <p:sp>
+        <p:nvSpPr>
+          <p:cNvPr id="8" name="Rectangle 7">
+            <a:extLst>
+              <a:ext uri="{FF2B5EF4-FFF2-40B4-BE49-F238E27FC236}">
+                <a16:creationId xmlns:a16="http://schemas.microsoft.com/office/drawing/2014/main" id="{6C6D3A1E-CB20-9002-5AA1-A1B645385FD5}"/>
+              </a:ext>
+            </a:extLst>
+          </p:cNvPr>
+          <p:cNvSpPr/>
+          <p:nvPr/>
+        </p:nvSpPr>
+        <p:spPr>
+          <a:xfrm>
+            <a:off x="355510" y="1397012"/>
+            <a:ext cx="5489110" cy="582617"/>
+          </a:xfrm>
+          <a:prstGeom prst="rect">
+            <a:avLst/>
+          </a:prstGeom>
+          <a:noFill/>
+          <a:ln/>
+        </p:spPr>
+        <p:style>
+          <a:lnRef idx="2">
+            <a:schemeClr val="accent2"/>
+          </a:lnRef>
+          <a:fillRef idx="1">
+            <a:schemeClr val="lt1"/>
+          </a:fillRef>
+          <a:effectRef idx="0">
+            <a:schemeClr val="accent2"/>
+          </a:effectRef>
+          <a:fontRef idx="minor">
+            <a:schemeClr val="dk1"/>
+          </a:fontRef>
+        </p:style>
+        <p:txBody>
+          <a:bodyPr rot="0" spcFirstLastPara="0" vertOverflow="overflow" horzOverflow="overflow" vert="horz" wrap="square" lIns="91440" tIns="45720" rIns="91440" bIns="45720" numCol="1" spcCol="0" rtlCol="0" fromWordArt="0" anchor="ctr" anchorCtr="0" forceAA="0" compatLnSpc="1">
+            <a:prstTxWarp prst="textNoShape">
+              <a:avLst/>
+            </a:prstTxWarp>
+            <a:noAutofit/>
+          </a:bodyPr>
+          <a:lstStyle/>
+          <a:p>
+            <a:pPr algn="ctr"/>
+            <a:endParaRPr lang="de-DE"/>
+          </a:p>
+        </p:txBody>
+      </p:sp>
     </p:spTree>
     <p:extLst>
       <p:ext uri="{BB962C8B-B14F-4D97-AF65-F5344CB8AC3E}">
@@ -5496,7 +5956,7 @@
           <p:cNvPr id="2" name="Title 1">
             <a:extLst>
               <a:ext uri="{FF2B5EF4-FFF2-40B4-BE49-F238E27FC236}">
-                <a16:creationId xmlns:a16="http://schemas.microsoft.com/office/drawing/2014/main" id="{A4EFFCAE-BDED-2745-84BF-7C0ED2DC6553}"/>
+                <a16:creationId xmlns:a16="http://schemas.microsoft.com/office/drawing/2014/main" id="{710A8873-7487-0842-3F44-9784C8AC5497}"/>
               </a:ext>
             </a:extLst>
           </p:cNvPr>
@@ -5507,14 +5967,19 @@
             <p:ph type="title"/>
           </p:nvPr>
         </p:nvSpPr>
-        <p:spPr/>
+        <p:spPr>
+          <a:xfrm>
+            <a:off x="355509" y="96295"/>
+            <a:ext cx="11833316" cy="777240"/>
+          </a:xfrm>
+        </p:spPr>
         <p:txBody>
           <a:bodyPr/>
           <a:lstStyle/>
           <a:p>
             <a:r>
-              <a:rPr lang="en-US" dirty="0"/>
-              <a:t>Wait 1000 milli seconds</a:t>
+              <a:rPr lang="de-DE" dirty="0"/>
+              <a:t>Add „virtual“ UART Receive Function </a:t>
             </a:r>
           </a:p>
         </p:txBody>
@@ -5524,7 +5989,7 @@
           <p:cNvPr id="3" name="Text Placeholder 2">
             <a:extLst>
               <a:ext uri="{FF2B5EF4-FFF2-40B4-BE49-F238E27FC236}">
-                <a16:creationId xmlns:a16="http://schemas.microsoft.com/office/drawing/2014/main" id="{63243689-041C-E840-A442-34D397287D77}"/>
+                <a16:creationId xmlns:a16="http://schemas.microsoft.com/office/drawing/2014/main" id="{26B6EE00-5CF9-94C4-02BB-DAC9714B6C89}"/>
               </a:ext>
             </a:extLst>
           </p:cNvPr>
@@ -5540,7 +6005,10 @@
           <a:bodyPr/>
           <a:lstStyle/>
           <a:p>
-            <a:endParaRPr lang="en-US"/>
+            <a:r>
+              <a:rPr lang="de-DE" dirty="0"/>
+              <a:t>send terminal commands from firmware „to myself“</a:t>
+            </a:r>
           </a:p>
         </p:txBody>
       </p:sp>
@@ -5549,7 +6017,7 @@
           <p:cNvPr id="4" name="Content Placeholder 3">
             <a:extLst>
               <a:ext uri="{FF2B5EF4-FFF2-40B4-BE49-F238E27FC236}">
-                <a16:creationId xmlns:a16="http://schemas.microsoft.com/office/drawing/2014/main" id="{9A6FC5AF-200C-E244-8F0A-68FB1F10D72C}"/>
+                <a16:creationId xmlns:a16="http://schemas.microsoft.com/office/drawing/2014/main" id="{DCD7F7A2-4CB6-7A3A-A584-DAEA41519843}"/>
               </a:ext>
             </a:extLst>
           </p:cNvPr>
@@ -5560,10 +6028,15 @@
             <p:ph sz="quarter" idx="15"/>
           </p:nvPr>
         </p:nvSpPr>
-        <p:spPr/>
+        <p:spPr>
+          <a:xfrm>
+            <a:off x="2551954" y="1397595"/>
+            <a:ext cx="8015494" cy="4905184"/>
+          </a:xfrm>
+        </p:spPr>
         <p:txBody>
           <a:bodyPr>
-            <a:normAutofit/>
+            <a:normAutofit fontScale="77500" lnSpcReduction="20000"/>
           </a:bodyPr>
           <a:lstStyle/>
           <a:p>
@@ -5571,32 +6044,34 @@
               <a:buNone/>
             </a:pPr>
             <a:r>
-              <a:rPr lang="en-US" sz="1700" dirty="0">
-                <a:latin typeface="Courier New" panose="02070309020205020404" pitchFamily="49" charset="0"/>
-                <a:cs typeface="Courier New" panose="02070309020205020404" pitchFamily="49" charset="0"/>
-              </a:rPr>
-              <a:t>SYS_TIME_HANDLE </a:t>
-            </a:r>
-            <a:r>
-              <a:rPr lang="en-US" sz="1700" dirty="0" err="1">
-                <a:latin typeface="Courier New" panose="02070309020205020404" pitchFamily="49" charset="0"/>
-                <a:cs typeface="Courier New" panose="02070309020205020404" pitchFamily="49" charset="0"/>
-              </a:rPr>
-              <a:t>tm_hdl</a:t>
-            </a:r>
-            <a:r>
-              <a:rPr lang="en-US" sz="1700" dirty="0">
-                <a:latin typeface="Courier New" panose="02070309020205020404" pitchFamily="49" charset="0"/>
-                <a:cs typeface="Courier New" panose="02070309020205020404" pitchFamily="49" charset="0"/>
-              </a:rPr>
-              <a:t>;</a:t>
+              <a:rPr lang="de-DE" dirty="0"/>
+              <a:t>Add function in</a:t>
+            </a:r>
+            <a:r>
+              <a:rPr lang="de-DE" sz="1600" dirty="0">
+                <a:latin typeface="Courier New" panose="02070309020205020404" pitchFamily="49" charset="0"/>
+                <a:cs typeface="Courier New" panose="02070309020205020404" pitchFamily="49" charset="0"/>
+              </a:rPr>
+              <a:t> </a:t>
             </a:r>
           </a:p>
           <a:p>
             <a:pPr marL="0" indent="0">
               <a:buNone/>
             </a:pPr>
-            <a:endParaRPr lang="en-US" sz="1700" dirty="0">
+            <a:r>
+              <a:rPr lang="de-DE" sz="1600" dirty="0">
+                <a:latin typeface="Courier New" panose="02070309020205020404" pitchFamily="49" charset="0"/>
+                <a:cs typeface="Courier New" panose="02070309020205020404" pitchFamily="49" charset="0"/>
+              </a:rPr>
+              <a:t>	\peripheral\sercom\usart\plib_sercom1_usart.c</a:t>
+            </a:r>
+          </a:p>
+          <a:p>
+            <a:pPr marL="0" indent="0">
+              <a:buNone/>
+            </a:pPr>
+            <a:endParaRPr lang="de-DE" sz="1600" dirty="0">
               <a:latin typeface="Courier New" panose="02070309020205020404" pitchFamily="49" charset="0"/>
               <a:cs typeface="Courier New" panose="02070309020205020404" pitchFamily="49" charset="0"/>
             </a:endParaRPr>
@@ -5605,123 +6080,7 @@
             <a:pPr marL="0" indent="0">
               <a:buNone/>
             </a:pPr>
-            <a:r>
-              <a:rPr lang="en-US" sz="1700" dirty="0">
-                <a:latin typeface="Courier New" panose="02070309020205020404" pitchFamily="49" charset="0"/>
-                <a:cs typeface="Courier New" panose="02070309020205020404" pitchFamily="49" charset="0"/>
-              </a:rPr>
-              <a:t>while(1){</a:t>
-            </a:r>
-          </a:p>
-          <a:p>
-            <a:pPr marL="0" indent="0">
-              <a:buNone/>
-            </a:pPr>
-            <a:r>
-              <a:rPr lang="en-US" sz="1700" dirty="0">
-                <a:latin typeface="Courier New" panose="02070309020205020404" pitchFamily="49" charset="0"/>
-                <a:cs typeface="Courier New" panose="02070309020205020404" pitchFamily="49" charset="0"/>
-              </a:rPr>
-              <a:t>   </a:t>
-            </a:r>
-            <a:r>
-              <a:rPr lang="en-US" sz="1700" dirty="0" err="1">
-                <a:latin typeface="Courier New" panose="02070309020205020404" pitchFamily="49" charset="0"/>
-                <a:cs typeface="Courier New" panose="02070309020205020404" pitchFamily="49" charset="0"/>
-              </a:rPr>
-              <a:t>SYS_TIME_DelayMS</a:t>
-            </a:r>
-            <a:r>
-              <a:rPr lang="en-US" sz="1700" dirty="0">
-                <a:latin typeface="Courier New" panose="02070309020205020404" pitchFamily="49" charset="0"/>
-                <a:cs typeface="Courier New" panose="02070309020205020404" pitchFamily="49" charset="0"/>
-              </a:rPr>
-              <a:t> ( 1000, &amp;</a:t>
-            </a:r>
-            <a:r>
-              <a:rPr lang="en-US" sz="1700" dirty="0" err="1">
-                <a:latin typeface="Courier New" panose="02070309020205020404" pitchFamily="49" charset="0"/>
-                <a:cs typeface="Courier New" panose="02070309020205020404" pitchFamily="49" charset="0"/>
-              </a:rPr>
-              <a:t>tm_hdl</a:t>
-            </a:r>
-            <a:r>
-              <a:rPr lang="en-US" sz="1700" dirty="0">
-                <a:latin typeface="Courier New" panose="02070309020205020404" pitchFamily="49" charset="0"/>
-                <a:cs typeface="Courier New" panose="02070309020205020404" pitchFamily="49" charset="0"/>
-              </a:rPr>
-              <a:t> );</a:t>
-            </a:r>
-          </a:p>
-          <a:p>
-            <a:pPr marL="0" indent="0">
-              <a:buNone/>
-            </a:pPr>
-            <a:r>
-              <a:rPr lang="en-US" sz="1700" dirty="0">
-                <a:latin typeface="Courier New" panose="02070309020205020404" pitchFamily="49" charset="0"/>
-                <a:cs typeface="Courier New" panose="02070309020205020404" pitchFamily="49" charset="0"/>
-              </a:rPr>
-              <a:t>   while(</a:t>
-            </a:r>
-            <a:r>
-              <a:rPr lang="en-US" sz="1700" dirty="0" err="1">
-                <a:latin typeface="Courier New" panose="02070309020205020404" pitchFamily="49" charset="0"/>
-                <a:cs typeface="Courier New" panose="02070309020205020404" pitchFamily="49" charset="0"/>
-              </a:rPr>
-              <a:t>SYS_TIME_DelayIsComplete</a:t>
-            </a:r>
-            <a:r>
-              <a:rPr lang="en-US" sz="1700" dirty="0">
-                <a:latin typeface="Courier New" panose="02070309020205020404" pitchFamily="49" charset="0"/>
-                <a:cs typeface="Courier New" panose="02070309020205020404" pitchFamily="49" charset="0"/>
-              </a:rPr>
-              <a:t>(</a:t>
-            </a:r>
-            <a:r>
-              <a:rPr lang="en-US" sz="1700" dirty="0" err="1">
-                <a:latin typeface="Courier New" panose="02070309020205020404" pitchFamily="49" charset="0"/>
-                <a:cs typeface="Courier New" panose="02070309020205020404" pitchFamily="49" charset="0"/>
-              </a:rPr>
-              <a:t>tm_hdl</a:t>
-            </a:r>
-            <a:r>
-              <a:rPr lang="en-US" sz="1700" dirty="0">
-                <a:latin typeface="Courier New" panose="02070309020205020404" pitchFamily="49" charset="0"/>
-                <a:cs typeface="Courier New" panose="02070309020205020404" pitchFamily="49" charset="0"/>
-              </a:rPr>
-              <a:t>)==false);</a:t>
-            </a:r>
-          </a:p>
-          <a:p>
-            <a:pPr marL="0" indent="0">
-              <a:buNone/>
-            </a:pPr>
-            <a:r>
-              <a:rPr lang="en-US" sz="1700" dirty="0">
-                <a:latin typeface="Courier New" panose="02070309020205020404" pitchFamily="49" charset="0"/>
-                <a:cs typeface="Courier New" panose="02070309020205020404" pitchFamily="49" charset="0"/>
-              </a:rPr>
-              <a:t>   LED3_Toggle();</a:t>
-            </a:r>
-          </a:p>
-          <a:p>
-            <a:pPr marL="0" indent="0">
-              <a:buNone/>
-            </a:pPr>
-            <a:r>
-              <a:rPr lang="en-US" sz="1700" dirty="0">
-                <a:latin typeface="Courier New" panose="02070309020205020404" pitchFamily="49" charset="0"/>
-                <a:cs typeface="Courier New" panose="02070309020205020404" pitchFamily="49" charset="0"/>
-              </a:rPr>
-              <a:t>}</a:t>
-            </a:r>
-          </a:p>
-          <a:p>
-            <a:pPr marL="0" indent="0">
-              <a:buNone/>
-            </a:pPr>
-            <a:endParaRPr lang="en-US" sz="1700" dirty="0">
+            <a:endParaRPr lang="de-DE" sz="1600" dirty="0">
               <a:latin typeface="Courier New" panose="02070309020205020404" pitchFamily="49" charset="0"/>
               <a:cs typeface="Courier New" panose="02070309020205020404" pitchFamily="49" charset="0"/>
             </a:endParaRPr>
@@ -5730,7 +6089,103 @@
             <a:pPr marL="0" indent="0">
               <a:buNone/>
             </a:pPr>
-            <a:endParaRPr lang="en-US" sz="1700" dirty="0">
+            <a:r>
+              <a:rPr lang="de-DE" sz="1600" dirty="0">
+                <a:latin typeface="Courier New" panose="02070309020205020404" pitchFamily="49" charset="0"/>
+                <a:cs typeface="Courier New" panose="02070309020205020404" pitchFamily="49" charset="0"/>
+              </a:rPr>
+              <a:t>	void SERCOM1_USART_Virtual_Receive(char *str) {</a:t>
+            </a:r>
+          </a:p>
+          <a:p>
+            <a:pPr marL="0" indent="0">
+              <a:buNone/>
+            </a:pPr>
+            <a:r>
+              <a:rPr lang="de-DE" sz="1600" dirty="0">
+                <a:latin typeface="Courier New" panose="02070309020205020404" pitchFamily="49" charset="0"/>
+                <a:cs typeface="Courier New" panose="02070309020205020404" pitchFamily="49" charset="0"/>
+              </a:rPr>
+              <a:t>    		while (*str!=0) {</a:t>
+            </a:r>
+          </a:p>
+          <a:p>
+            <a:pPr marL="0" indent="0">
+              <a:buNone/>
+            </a:pPr>
+            <a:r>
+              <a:rPr lang="de-DE" sz="1600" dirty="0">
+                <a:latin typeface="Courier New" panose="02070309020205020404" pitchFamily="49" charset="0"/>
+                <a:cs typeface="Courier New" panose="02070309020205020404" pitchFamily="49" charset="0"/>
+              </a:rPr>
+              <a:t>        		if (SERCOM1_USART_RxPushByte(*str) == true) {</a:t>
+            </a:r>
+          </a:p>
+          <a:p>
+            <a:pPr marL="0" indent="0">
+              <a:buNone/>
+            </a:pPr>
+            <a:r>
+              <a:rPr lang="de-DE" sz="1600" dirty="0">
+                <a:latin typeface="Courier New" panose="02070309020205020404" pitchFamily="49" charset="0"/>
+                <a:cs typeface="Courier New" panose="02070309020205020404" pitchFamily="49" charset="0"/>
+              </a:rPr>
+              <a:t>            		SERCOM1_USART_ReadNotificationSend();</a:t>
+            </a:r>
+          </a:p>
+          <a:p>
+            <a:pPr marL="0" indent="0">
+              <a:buNone/>
+            </a:pPr>
+            <a:r>
+              <a:rPr lang="de-DE" sz="1600" dirty="0">
+                <a:latin typeface="Courier New" panose="02070309020205020404" pitchFamily="49" charset="0"/>
+                <a:cs typeface="Courier New" panose="02070309020205020404" pitchFamily="49" charset="0"/>
+              </a:rPr>
+              <a:t>        		}</a:t>
+            </a:r>
+          </a:p>
+          <a:p>
+            <a:pPr marL="0" indent="0">
+              <a:buNone/>
+            </a:pPr>
+            <a:r>
+              <a:rPr lang="de-DE" sz="1600" dirty="0">
+                <a:latin typeface="Courier New" panose="02070309020205020404" pitchFamily="49" charset="0"/>
+                <a:cs typeface="Courier New" panose="02070309020205020404" pitchFamily="49" charset="0"/>
+              </a:rPr>
+              <a:t>        		str++;</a:t>
+            </a:r>
+          </a:p>
+          <a:p>
+            <a:pPr marL="0" indent="0">
+              <a:buNone/>
+            </a:pPr>
+            <a:r>
+              <a:rPr lang="de-DE" sz="1600" dirty="0">
+                <a:latin typeface="Courier New" panose="02070309020205020404" pitchFamily="49" charset="0"/>
+                <a:cs typeface="Courier New" panose="02070309020205020404" pitchFamily="49" charset="0"/>
+              </a:rPr>
+              <a:t>    		}</a:t>
+            </a:r>
+          </a:p>
+          <a:p>
+            <a:pPr marL="0" indent="0">
+              <a:buNone/>
+            </a:pPr>
+            <a:r>
+              <a:rPr lang="de-DE" sz="1600" dirty="0">
+                <a:latin typeface="Courier New" panose="02070309020205020404" pitchFamily="49" charset="0"/>
+                <a:cs typeface="Courier New" panose="02070309020205020404" pitchFamily="49" charset="0"/>
+              </a:rPr>
+              <a:t>	}</a:t>
+            </a:r>
+          </a:p>
+          <a:p>
+            <a:pPr marL="0" indent="0">
+              <a:buNone/>
+            </a:pPr>
+            <a:endParaRPr lang="de-DE" sz="1600" dirty="0">
               <a:latin typeface="Courier New" panose="02070309020205020404" pitchFamily="49" charset="0"/>
               <a:cs typeface="Courier New" panose="02070309020205020404" pitchFamily="49" charset="0"/>
             </a:endParaRPr>
@@ -5740,32 +6195,8 @@
               <a:buNone/>
             </a:pPr>
             <a:r>
-              <a:rPr lang="en-US" sz="1700" dirty="0" err="1">
-                <a:latin typeface="Courier New" panose="02070309020205020404" pitchFamily="49" charset="0"/>
-                <a:cs typeface="Courier New" panose="02070309020205020404" pitchFamily="49" charset="0"/>
-              </a:rPr>
-              <a:t>SYS_TIME_DelayMS</a:t>
-            </a:r>
-            <a:r>
-              <a:rPr lang="en-US" sz="1700" dirty="0">
-                <a:latin typeface="Courier New" panose="02070309020205020404" pitchFamily="49" charset="0"/>
-                <a:cs typeface="Courier New" panose="02070309020205020404" pitchFamily="49" charset="0"/>
-              </a:rPr>
-              <a:t> ( 1000, &amp;</a:t>
-            </a:r>
-            <a:r>
-              <a:rPr lang="en-US" sz="1700" dirty="0" err="1">
-                <a:latin typeface="Courier New" panose="02070309020205020404" pitchFamily="49" charset="0"/>
-                <a:cs typeface="Courier New" panose="02070309020205020404" pitchFamily="49" charset="0"/>
-              </a:rPr>
-              <a:t>tm_hdl</a:t>
-            </a:r>
-            <a:r>
-              <a:rPr lang="en-US" sz="1700" dirty="0">
-                <a:latin typeface="Courier New" panose="02070309020205020404" pitchFamily="49" charset="0"/>
-                <a:cs typeface="Courier New" panose="02070309020205020404" pitchFamily="49" charset="0"/>
-              </a:rPr>
-              <a:t> );</a:t>
+              <a:rPr lang="de-DE" dirty="0"/>
+              <a:t>Add function prototype in</a:t>
             </a:r>
           </a:p>
           <a:p>
@@ -5773,144 +6204,252 @@
               <a:buNone/>
             </a:pPr>
             <a:r>
-              <a:rPr lang="en-US" sz="1700" dirty="0">
-                <a:latin typeface="Courier New" panose="02070309020205020404" pitchFamily="49" charset="0"/>
-                <a:cs typeface="Courier New" panose="02070309020205020404" pitchFamily="49" charset="0"/>
-              </a:rPr>
-              <a:t>while(1){        </a:t>
+              <a:rPr lang="de-DE" dirty="0"/>
+              <a:t>	</a:t>
+            </a:r>
+            <a:r>
+              <a:rPr lang="de-DE" sz="1500" dirty="0">
+                <a:latin typeface="Courier New" panose="02070309020205020404" pitchFamily="49" charset="0"/>
+                <a:cs typeface="Courier New" panose="02070309020205020404" pitchFamily="49" charset="0"/>
+              </a:rPr>
+              <a:t>peripheral\sercom\usart\plib_sercom1_usart.h </a:t>
             </a:r>
           </a:p>
           <a:p>
             <a:pPr marL="0" indent="0">
               <a:buNone/>
             </a:pPr>
-            <a:r>
-              <a:rPr lang="en-US" sz="1700" dirty="0">
-                <a:latin typeface="Courier New" panose="02070309020205020404" pitchFamily="49" charset="0"/>
-                <a:cs typeface="Courier New" panose="02070309020205020404" pitchFamily="49" charset="0"/>
-              </a:rPr>
-              <a:t>   if(</a:t>
-            </a:r>
-            <a:r>
-              <a:rPr lang="en-US" sz="1700" dirty="0" err="1">
-                <a:latin typeface="Courier New" panose="02070309020205020404" pitchFamily="49" charset="0"/>
-                <a:cs typeface="Courier New" panose="02070309020205020404" pitchFamily="49" charset="0"/>
-              </a:rPr>
-              <a:t>SYS_TIME_DelayIsComplete</a:t>
-            </a:r>
-            <a:r>
-              <a:rPr lang="en-US" sz="1700" dirty="0">
-                <a:latin typeface="Courier New" panose="02070309020205020404" pitchFamily="49" charset="0"/>
-                <a:cs typeface="Courier New" panose="02070309020205020404" pitchFamily="49" charset="0"/>
-              </a:rPr>
-              <a:t>(</a:t>
-            </a:r>
-            <a:r>
-              <a:rPr lang="en-US" sz="1700" dirty="0" err="1">
-                <a:latin typeface="Courier New" panose="02070309020205020404" pitchFamily="49" charset="0"/>
-                <a:cs typeface="Courier New" panose="02070309020205020404" pitchFamily="49" charset="0"/>
-              </a:rPr>
-              <a:t>tm_hdl</a:t>
-            </a:r>
-            <a:r>
-              <a:rPr lang="en-US" sz="1700" dirty="0">
-                <a:latin typeface="Courier New" panose="02070309020205020404" pitchFamily="49" charset="0"/>
-                <a:cs typeface="Courier New" panose="02070309020205020404" pitchFamily="49" charset="0"/>
-              </a:rPr>
-              <a:t>)==true){</a:t>
-            </a:r>
-          </a:p>
-          <a:p>
-            <a:pPr marL="0" indent="0">
-              <a:buNone/>
-            </a:pPr>
-            <a:r>
-              <a:rPr lang="en-US" sz="1700" dirty="0">
-                <a:latin typeface="Courier New" panose="02070309020205020404" pitchFamily="49" charset="0"/>
-                <a:cs typeface="Courier New" panose="02070309020205020404" pitchFamily="49" charset="0"/>
-              </a:rPr>
-              <a:t>      LED3_Toggle();</a:t>
-            </a:r>
-          </a:p>
-          <a:p>
-            <a:pPr marL="0" indent="0">
-              <a:buNone/>
-            </a:pPr>
-            <a:r>
-              <a:rPr lang="en-US" sz="1700" dirty="0">
-                <a:latin typeface="Courier New" panose="02070309020205020404" pitchFamily="49" charset="0"/>
-                <a:cs typeface="Courier New" panose="02070309020205020404" pitchFamily="49" charset="0"/>
-              </a:rPr>
-              <a:t>      </a:t>
-            </a:r>
-            <a:r>
-              <a:rPr lang="en-US" sz="1700" dirty="0" err="1">
-                <a:latin typeface="Courier New" panose="02070309020205020404" pitchFamily="49" charset="0"/>
-                <a:cs typeface="Courier New" panose="02070309020205020404" pitchFamily="49" charset="0"/>
-              </a:rPr>
-              <a:t>SYS_TIME_DelayMS</a:t>
-            </a:r>
-            <a:r>
-              <a:rPr lang="en-US" sz="1700" dirty="0">
-                <a:latin typeface="Courier New" panose="02070309020205020404" pitchFamily="49" charset="0"/>
-                <a:cs typeface="Courier New" panose="02070309020205020404" pitchFamily="49" charset="0"/>
-              </a:rPr>
-              <a:t> ( 1000, &amp;</a:t>
-            </a:r>
-            <a:r>
-              <a:rPr lang="en-US" sz="1700" dirty="0" err="1">
-                <a:latin typeface="Courier New" panose="02070309020205020404" pitchFamily="49" charset="0"/>
-                <a:cs typeface="Courier New" panose="02070309020205020404" pitchFamily="49" charset="0"/>
-              </a:rPr>
-              <a:t>tm_hdl</a:t>
-            </a:r>
-            <a:r>
-              <a:rPr lang="en-US" sz="1700" dirty="0">
-                <a:latin typeface="Courier New" panose="02070309020205020404" pitchFamily="49" charset="0"/>
-                <a:cs typeface="Courier New" panose="02070309020205020404" pitchFamily="49" charset="0"/>
-              </a:rPr>
-              <a:t> );</a:t>
-            </a:r>
-          </a:p>
-          <a:p>
-            <a:pPr marL="0" indent="0">
-              <a:buNone/>
-            </a:pPr>
-            <a:r>
-              <a:rPr lang="en-US" sz="1700" dirty="0">
-                <a:latin typeface="Courier New" panose="02070309020205020404" pitchFamily="49" charset="0"/>
-                <a:cs typeface="Courier New" panose="02070309020205020404" pitchFamily="49" charset="0"/>
-              </a:rPr>
-              <a:t>   }</a:t>
-            </a:r>
-          </a:p>
-          <a:p>
-            <a:pPr marL="0" indent="0">
-              <a:buNone/>
-            </a:pPr>
-            <a:r>
-              <a:rPr lang="en-US" sz="1700" dirty="0">
-                <a:latin typeface="Courier New" panose="02070309020205020404" pitchFamily="49" charset="0"/>
-                <a:cs typeface="Courier New" panose="02070309020205020404" pitchFamily="49" charset="0"/>
-              </a:rPr>
-              <a:t>}</a:t>
-            </a:r>
-          </a:p>
-          <a:p>
-            <a:pPr marL="0" indent="0">
-              <a:buNone/>
-            </a:pPr>
-            <a:endParaRPr lang="en-US" sz="2000" dirty="0">
+            <a:endParaRPr lang="en-US" sz="1600" dirty="0">
               <a:latin typeface="Courier New" panose="02070309020205020404" pitchFamily="49" charset="0"/>
               <a:cs typeface="Courier New" panose="02070309020205020404" pitchFamily="49" charset="0"/>
             </a:endParaRPr>
+          </a:p>
+          <a:p>
+            <a:pPr marL="0" indent="0">
+              <a:buNone/>
+            </a:pPr>
+            <a:r>
+              <a:rPr lang="en-US" sz="1600" dirty="0">
+                <a:latin typeface="Courier New" panose="02070309020205020404" pitchFamily="49" charset="0"/>
+                <a:cs typeface="Courier New" panose="02070309020205020404" pitchFamily="49" charset="0"/>
+              </a:rPr>
+              <a:t>	void SERCOM1_USART_Virtual_Receive(char *str);</a:t>
+            </a:r>
+            <a:br>
+              <a:rPr lang="en-US" sz="1600" dirty="0">
+                <a:latin typeface="Courier New" panose="02070309020205020404" pitchFamily="49" charset="0"/>
+                <a:cs typeface="Courier New" panose="02070309020205020404" pitchFamily="49" charset="0"/>
+              </a:rPr>
+            </a:br>
+            <a:endParaRPr lang="en-US" sz="1600" dirty="0">
+              <a:latin typeface="Courier New" panose="02070309020205020404" pitchFamily="49" charset="0"/>
+              <a:cs typeface="Courier New" panose="02070309020205020404" pitchFamily="49" charset="0"/>
+            </a:endParaRPr>
+          </a:p>
+          <a:p>
+            <a:pPr marL="0" indent="0">
+              <a:buNone/>
+            </a:pPr>
+            <a:endParaRPr lang="en-US" sz="1600" dirty="0">
+              <a:latin typeface="Courier New" panose="02070309020205020404" pitchFamily="49" charset="0"/>
+              <a:cs typeface="Courier New" panose="02070309020205020404" pitchFamily="49" charset="0"/>
+            </a:endParaRPr>
+          </a:p>
+          <a:p>
+            <a:pPr marL="0" indent="0">
+              <a:buNone/>
+            </a:pPr>
+            <a:r>
+              <a:rPr lang="en-US" dirty="0"/>
+              <a:t>Usage in application</a:t>
+            </a:r>
+          </a:p>
+          <a:p>
+            <a:pPr marL="0" indent="0">
+              <a:buNone/>
+            </a:pPr>
+            <a:endParaRPr lang="en-US" dirty="0"/>
+          </a:p>
+          <a:p>
+            <a:pPr marL="0" indent="0">
+              <a:buNone/>
+            </a:pPr>
+            <a:r>
+              <a:rPr lang="en-US" sz="1600" dirty="0">
+                <a:latin typeface="Courier New" panose="02070309020205020404" pitchFamily="49" charset="0"/>
+                <a:cs typeface="Courier New" panose="02070309020205020404" pitchFamily="49" charset="0"/>
+              </a:rPr>
+              <a:t>	SERCOM1_USART_Virtual_Receive("iperf -s\n");</a:t>
+            </a:r>
+          </a:p>
+          <a:p>
+            <a:pPr marL="0" indent="0">
+              <a:buNone/>
+            </a:pPr>
+            <a:endParaRPr lang="de-DE" sz="1600" dirty="0">
+              <a:latin typeface="Courier New" panose="02070309020205020404" pitchFamily="49" charset="0"/>
+              <a:cs typeface="Courier New" panose="02070309020205020404" pitchFamily="49" charset="0"/>
+            </a:endParaRPr>
+          </a:p>
+        </p:txBody>
+      </p:sp>
+      <p:sp>
+        <p:nvSpPr>
+          <p:cNvPr id="5" name="Rectangle 4">
+            <a:extLst>
+              <a:ext uri="{FF2B5EF4-FFF2-40B4-BE49-F238E27FC236}">
+                <a16:creationId xmlns:a16="http://schemas.microsoft.com/office/drawing/2014/main" id="{27455CBD-4195-0427-74A3-606BC103D5D0}"/>
+              </a:ext>
+            </a:extLst>
+          </p:cNvPr>
+          <p:cNvSpPr/>
+          <p:nvPr/>
+        </p:nvSpPr>
+        <p:spPr>
+          <a:xfrm>
+            <a:off x="3109474" y="2217299"/>
+            <a:ext cx="6325386" cy="1657117"/>
+          </a:xfrm>
+          <a:prstGeom prst="rect">
+            <a:avLst/>
+          </a:prstGeom>
+          <a:noFill/>
+          <a:ln/>
+        </p:spPr>
+        <p:style>
+          <a:lnRef idx="2">
+            <a:schemeClr val="accent2"/>
+          </a:lnRef>
+          <a:fillRef idx="1">
+            <a:schemeClr val="lt1"/>
+          </a:fillRef>
+          <a:effectRef idx="0">
+            <a:schemeClr val="accent2"/>
+          </a:effectRef>
+          <a:fontRef idx="minor">
+            <a:schemeClr val="dk1"/>
+          </a:fontRef>
+        </p:style>
+        <p:txBody>
+          <a:bodyPr rot="0" spcFirstLastPara="0" vertOverflow="overflow" horzOverflow="overflow" vert="horz" wrap="square" lIns="91440" tIns="45720" rIns="91440" bIns="45720" numCol="1" spcCol="0" rtlCol="0" fromWordArt="0" anchor="ctr" anchorCtr="0" forceAA="0" compatLnSpc="1">
+            <a:prstTxWarp prst="textNoShape">
+              <a:avLst/>
+            </a:prstTxWarp>
+            <a:noAutofit/>
+          </a:bodyPr>
+          <a:lstStyle/>
+          <a:p>
+            <a:pPr algn="ctr"/>
+            <a:endParaRPr lang="de-DE"/>
+          </a:p>
+        </p:txBody>
+      </p:sp>
+      <p:sp>
+        <p:nvSpPr>
+          <p:cNvPr id="6" name="Rectangle 5">
+            <a:extLst>
+              <a:ext uri="{FF2B5EF4-FFF2-40B4-BE49-F238E27FC236}">
+                <a16:creationId xmlns:a16="http://schemas.microsoft.com/office/drawing/2014/main" id="{3E3E0F51-7217-0586-ED11-A712688A6AFA}"/>
+              </a:ext>
+            </a:extLst>
+          </p:cNvPr>
+          <p:cNvSpPr/>
+          <p:nvPr/>
+        </p:nvSpPr>
+        <p:spPr>
+          <a:xfrm>
+            <a:off x="3109474" y="4780961"/>
+            <a:ext cx="5242674" cy="384928"/>
+          </a:xfrm>
+          <a:prstGeom prst="rect">
+            <a:avLst/>
+          </a:prstGeom>
+          <a:noFill/>
+          <a:ln/>
+        </p:spPr>
+        <p:style>
+          <a:lnRef idx="2">
+            <a:schemeClr val="accent2"/>
+          </a:lnRef>
+          <a:fillRef idx="1">
+            <a:schemeClr val="lt1"/>
+          </a:fillRef>
+          <a:effectRef idx="0">
+            <a:schemeClr val="accent2"/>
+          </a:effectRef>
+          <a:fontRef idx="minor">
+            <a:schemeClr val="dk1"/>
+          </a:fontRef>
+        </p:style>
+        <p:txBody>
+          <a:bodyPr rot="0" spcFirstLastPara="0" vertOverflow="overflow" horzOverflow="overflow" vert="horz" wrap="square" lIns="91440" tIns="45720" rIns="91440" bIns="45720" numCol="1" spcCol="0" rtlCol="0" fromWordArt="0" anchor="ctr" anchorCtr="0" forceAA="0" compatLnSpc="1">
+            <a:prstTxWarp prst="textNoShape">
+              <a:avLst/>
+            </a:prstTxWarp>
+            <a:noAutofit/>
+          </a:bodyPr>
+          <a:lstStyle/>
+          <a:p>
+            <a:pPr algn="ctr"/>
+            <a:endParaRPr lang="de-DE"/>
+          </a:p>
+        </p:txBody>
+      </p:sp>
+      <p:sp>
+        <p:nvSpPr>
+          <p:cNvPr id="7" name="Rectangle 6">
+            <a:extLst>
+              <a:ext uri="{FF2B5EF4-FFF2-40B4-BE49-F238E27FC236}">
+                <a16:creationId xmlns:a16="http://schemas.microsoft.com/office/drawing/2014/main" id="{DC552E94-2E80-E58A-5CEB-AC7B4A8D8BA7}"/>
+              </a:ext>
+            </a:extLst>
+          </p:cNvPr>
+          <p:cNvSpPr/>
+          <p:nvPr/>
+        </p:nvSpPr>
+        <p:spPr>
+          <a:xfrm>
+            <a:off x="3109474" y="5945959"/>
+            <a:ext cx="5242674" cy="384928"/>
+          </a:xfrm>
+          <a:prstGeom prst="rect">
+            <a:avLst/>
+          </a:prstGeom>
+          <a:noFill/>
+          <a:ln/>
+        </p:spPr>
+        <p:style>
+          <a:lnRef idx="2">
+            <a:schemeClr val="accent2"/>
+          </a:lnRef>
+          <a:fillRef idx="1">
+            <a:schemeClr val="lt1"/>
+          </a:fillRef>
+          <a:effectRef idx="0">
+            <a:schemeClr val="accent2"/>
+          </a:effectRef>
+          <a:fontRef idx="minor">
+            <a:schemeClr val="dk1"/>
+          </a:fontRef>
+        </p:style>
+        <p:txBody>
+          <a:bodyPr rot="0" spcFirstLastPara="0" vertOverflow="overflow" horzOverflow="overflow" vert="horz" wrap="square" lIns="91440" tIns="45720" rIns="91440" bIns="45720" numCol="1" spcCol="0" rtlCol="0" fromWordArt="0" anchor="ctr" anchorCtr="0" forceAA="0" compatLnSpc="1">
+            <a:prstTxWarp prst="textNoShape">
+              <a:avLst/>
+            </a:prstTxWarp>
+            <a:noAutofit/>
+          </a:bodyPr>
+          <a:lstStyle/>
+          <a:p>
+            <a:pPr algn="ctr"/>
+            <a:endParaRPr lang="de-DE"/>
           </a:p>
         </p:txBody>
       </p:sp>
     </p:spTree>
     <p:extLst>
       <p:ext uri="{BB962C8B-B14F-4D97-AF65-F5344CB8AC3E}">
-        <p14:creationId xmlns:p14="http://schemas.microsoft.com/office/powerpoint/2010/main" val="19653411"/>
+        <p14:creationId xmlns:p14="http://schemas.microsoft.com/office/powerpoint/2010/main" val="1765707923"/>
       </p:ext>
     </p:extLst>
   </p:cSld>
@@ -5942,7 +6481,7 @@
           <p:cNvPr id="2" name="Title 1">
             <a:extLst>
               <a:ext uri="{FF2B5EF4-FFF2-40B4-BE49-F238E27FC236}">
-                <a16:creationId xmlns:a16="http://schemas.microsoft.com/office/drawing/2014/main" id="{710A8873-7487-0842-3F44-9784C8AC5497}"/>
+                <a16:creationId xmlns:a16="http://schemas.microsoft.com/office/drawing/2014/main" id="{4A3E75E6-5891-CDC6-490A-07C11D7CA17E}"/>
               </a:ext>
             </a:extLst>
           </p:cNvPr>
@@ -5960,280 +6499,7 @@
           <a:p>
             <a:r>
               <a:rPr lang="de-DE" dirty="0"/>
-              <a:t>Add Virtuel UART Receive Funtion </a:t>
-            </a:r>
-          </a:p>
-        </p:txBody>
-      </p:sp>
-      <p:sp>
-        <p:nvSpPr>
-          <p:cNvPr id="3" name="Text Placeholder 2">
-            <a:extLst>
-              <a:ext uri="{FF2B5EF4-FFF2-40B4-BE49-F238E27FC236}">
-                <a16:creationId xmlns:a16="http://schemas.microsoft.com/office/drawing/2014/main" id="{26B6EE00-5CF9-94C4-02BB-DAC9714B6C89}"/>
-              </a:ext>
-            </a:extLst>
-          </p:cNvPr>
-          <p:cNvSpPr>
-            <a:spLocks noGrp="1"/>
-          </p:cNvSpPr>
-          <p:nvPr>
-            <p:ph type="body" sz="quarter" idx="13"/>
-          </p:nvPr>
-        </p:nvSpPr>
-        <p:spPr/>
-        <p:txBody>
-          <a:bodyPr/>
-          <a:lstStyle/>
-          <a:p>
-            <a:r>
-              <a:rPr lang="de-DE" dirty="0"/>
-              <a:t>„send to terminal commands from firmware“</a:t>
-            </a:r>
-          </a:p>
-        </p:txBody>
-      </p:sp>
-      <p:sp>
-        <p:nvSpPr>
-          <p:cNvPr id="4" name="Content Placeholder 3">
-            <a:extLst>
-              <a:ext uri="{FF2B5EF4-FFF2-40B4-BE49-F238E27FC236}">
-                <a16:creationId xmlns:a16="http://schemas.microsoft.com/office/drawing/2014/main" id="{DCD7F7A2-4CB6-7A3A-A584-DAEA41519843}"/>
-              </a:ext>
-            </a:extLst>
-          </p:cNvPr>
-          <p:cNvSpPr>
-            <a:spLocks noGrp="1"/>
-          </p:cNvSpPr>
-          <p:nvPr>
-            <p:ph sz="quarter" idx="15"/>
-          </p:nvPr>
-        </p:nvSpPr>
-        <p:spPr/>
-        <p:txBody>
-          <a:bodyPr>
-            <a:normAutofit/>
-          </a:bodyPr>
-          <a:lstStyle/>
-          <a:p>
-            <a:pPr marL="0" indent="0">
-              <a:buNone/>
-            </a:pPr>
-            <a:r>
-              <a:rPr lang="de-DE" sz="1600" dirty="0">
-                <a:latin typeface="Courier New" panose="02070309020205020404" pitchFamily="49" charset="0"/>
-                <a:cs typeface="Courier New" panose="02070309020205020404" pitchFamily="49" charset="0"/>
-              </a:rPr>
-              <a:t>\peripheral\sercom\usart\plib_sercom1_usart.c</a:t>
-            </a:r>
-          </a:p>
-          <a:p>
-            <a:pPr marL="0" indent="0">
-              <a:buNone/>
-            </a:pPr>
-            <a:endParaRPr lang="de-DE" sz="1600" dirty="0">
-              <a:latin typeface="Courier New" panose="02070309020205020404" pitchFamily="49" charset="0"/>
-              <a:cs typeface="Courier New" panose="02070309020205020404" pitchFamily="49" charset="0"/>
-            </a:endParaRPr>
-          </a:p>
-          <a:p>
-            <a:pPr marL="0" indent="0">
-              <a:buNone/>
-            </a:pPr>
-            <a:r>
-              <a:rPr lang="de-DE" sz="1600" dirty="0">
-                <a:latin typeface="Courier New" panose="02070309020205020404" pitchFamily="49" charset="0"/>
-                <a:cs typeface="Courier New" panose="02070309020205020404" pitchFamily="49" charset="0"/>
-              </a:rPr>
-              <a:t>void SERCOM1_USART_Virtual_Receive(char *str) {</a:t>
-            </a:r>
-          </a:p>
-          <a:p>
-            <a:pPr marL="0" indent="0">
-              <a:buNone/>
-            </a:pPr>
-            <a:r>
-              <a:rPr lang="de-DE" sz="1600" dirty="0">
-                <a:latin typeface="Courier New" panose="02070309020205020404" pitchFamily="49" charset="0"/>
-                <a:cs typeface="Courier New" panose="02070309020205020404" pitchFamily="49" charset="0"/>
-              </a:rPr>
-              <a:t>    while (*str!=0) {</a:t>
-            </a:r>
-          </a:p>
-          <a:p>
-            <a:pPr marL="0" indent="0">
-              <a:buNone/>
-            </a:pPr>
-            <a:r>
-              <a:rPr lang="de-DE" sz="1600" dirty="0">
-                <a:latin typeface="Courier New" panose="02070309020205020404" pitchFamily="49" charset="0"/>
-                <a:cs typeface="Courier New" panose="02070309020205020404" pitchFamily="49" charset="0"/>
-              </a:rPr>
-              <a:t>        if (SERCOM1_USART_RxPushByte(*str) == true) {</a:t>
-            </a:r>
-          </a:p>
-          <a:p>
-            <a:pPr marL="0" indent="0">
-              <a:buNone/>
-            </a:pPr>
-            <a:r>
-              <a:rPr lang="de-DE" sz="1600" dirty="0">
-                <a:latin typeface="Courier New" panose="02070309020205020404" pitchFamily="49" charset="0"/>
-                <a:cs typeface="Courier New" panose="02070309020205020404" pitchFamily="49" charset="0"/>
-              </a:rPr>
-              <a:t>            SERCOM1_USART_ReadNotificationSend();</a:t>
-            </a:r>
-          </a:p>
-          <a:p>
-            <a:pPr marL="0" indent="0">
-              <a:buNone/>
-            </a:pPr>
-            <a:r>
-              <a:rPr lang="de-DE" sz="1600" dirty="0">
-                <a:latin typeface="Courier New" panose="02070309020205020404" pitchFamily="49" charset="0"/>
-                <a:cs typeface="Courier New" panose="02070309020205020404" pitchFamily="49" charset="0"/>
-              </a:rPr>
-              <a:t>        }</a:t>
-            </a:r>
-          </a:p>
-          <a:p>
-            <a:pPr marL="0" indent="0">
-              <a:buNone/>
-            </a:pPr>
-            <a:r>
-              <a:rPr lang="de-DE" sz="1600" dirty="0">
-                <a:latin typeface="Courier New" panose="02070309020205020404" pitchFamily="49" charset="0"/>
-                <a:cs typeface="Courier New" panose="02070309020205020404" pitchFamily="49" charset="0"/>
-              </a:rPr>
-              <a:t>        str++;</a:t>
-            </a:r>
-          </a:p>
-          <a:p>
-            <a:pPr marL="0" indent="0">
-              <a:buNone/>
-            </a:pPr>
-            <a:r>
-              <a:rPr lang="de-DE" sz="1600" dirty="0">
-                <a:latin typeface="Courier New" panose="02070309020205020404" pitchFamily="49" charset="0"/>
-                <a:cs typeface="Courier New" panose="02070309020205020404" pitchFamily="49" charset="0"/>
-              </a:rPr>
-              <a:t>    }</a:t>
-            </a:r>
-          </a:p>
-          <a:p>
-            <a:pPr marL="0" indent="0">
-              <a:buNone/>
-            </a:pPr>
-            <a:r>
-              <a:rPr lang="de-DE" sz="1600" dirty="0">
-                <a:latin typeface="Courier New" panose="02070309020205020404" pitchFamily="49" charset="0"/>
-                <a:cs typeface="Courier New" panose="02070309020205020404" pitchFamily="49" charset="0"/>
-              </a:rPr>
-              <a:t>}</a:t>
-            </a:r>
-          </a:p>
-          <a:p>
-            <a:pPr marL="0" indent="0">
-              <a:buNone/>
-            </a:pPr>
-            <a:endParaRPr lang="de-DE" sz="1600" dirty="0">
-              <a:latin typeface="Courier New" panose="02070309020205020404" pitchFamily="49" charset="0"/>
-              <a:cs typeface="Courier New" panose="02070309020205020404" pitchFamily="49" charset="0"/>
-            </a:endParaRPr>
-          </a:p>
-          <a:p>
-            <a:pPr marL="0" indent="0">
-              <a:buNone/>
-            </a:pPr>
-            <a:r>
-              <a:rPr lang="de-DE" sz="1600" dirty="0">
-                <a:latin typeface="Courier New" panose="02070309020205020404" pitchFamily="49" charset="0"/>
-                <a:cs typeface="Courier New" panose="02070309020205020404" pitchFamily="49" charset="0"/>
-              </a:rPr>
-              <a:t>\peripheral\sercom\usart\plib_sercom1_usart.h</a:t>
-            </a:r>
-          </a:p>
-          <a:p>
-            <a:pPr marL="0" indent="0">
-              <a:buNone/>
-            </a:pPr>
-            <a:endParaRPr lang="de-DE" sz="1600" dirty="0">
-              <a:latin typeface="Courier New" panose="02070309020205020404" pitchFamily="49" charset="0"/>
-              <a:cs typeface="Courier New" panose="02070309020205020404" pitchFamily="49" charset="0"/>
-            </a:endParaRPr>
-          </a:p>
-          <a:p>
-            <a:pPr marL="0" indent="0">
-              <a:buNone/>
-            </a:pPr>
-            <a:r>
-              <a:rPr lang="en-US" sz="1600" dirty="0">
-                <a:latin typeface="Courier New" panose="02070309020205020404" pitchFamily="49" charset="0"/>
-                <a:cs typeface="Courier New" panose="02070309020205020404" pitchFamily="49" charset="0"/>
-              </a:rPr>
-              <a:t>void SERCOM1_USART_Virtual_Receive(char *str);</a:t>
-            </a:r>
-            <a:endParaRPr lang="de-DE" sz="1600" dirty="0">
-              <a:latin typeface="Courier New" panose="02070309020205020404" pitchFamily="49" charset="0"/>
-              <a:cs typeface="Courier New" panose="02070309020205020404" pitchFamily="49" charset="0"/>
-            </a:endParaRPr>
-          </a:p>
-        </p:txBody>
-      </p:sp>
-    </p:spTree>
-    <p:extLst>
-      <p:ext uri="{BB962C8B-B14F-4D97-AF65-F5344CB8AC3E}">
-        <p14:creationId xmlns:p14="http://schemas.microsoft.com/office/powerpoint/2010/main" val="1765707923"/>
-      </p:ext>
-    </p:extLst>
-  </p:cSld>
-  <p:clrMapOvr>
-    <a:masterClrMapping/>
-  </p:clrMapOvr>
-</p:sld>
-</file>
-
-<file path=ppt/slides/slide14.xml><?xml version="1.0" encoding="utf-8"?>
-<p:sld xmlns:a="http://schemas.openxmlformats.org/drawingml/2006/main" xmlns:r="http://schemas.openxmlformats.org/officeDocument/2006/relationships" xmlns:p="http://schemas.openxmlformats.org/presentationml/2006/main">
-  <p:cSld>
-    <p:spTree>
-      <p:nvGrpSpPr>
-        <p:cNvPr id="1" name=""/>
-        <p:cNvGrpSpPr/>
-        <p:nvPr/>
-      </p:nvGrpSpPr>
-      <p:grpSpPr>
-        <a:xfrm>
-          <a:off x="0" y="0"/>
-          <a:ext cx="0" cy="0"/>
-          <a:chOff x="0" y="0"/>
-          <a:chExt cx="0" cy="0"/>
-        </a:xfrm>
-      </p:grpSpPr>
-      <p:sp>
-        <p:nvSpPr>
-          <p:cNvPr id="2" name="Title 1">
-            <a:extLst>
-              <a:ext uri="{FF2B5EF4-FFF2-40B4-BE49-F238E27FC236}">
-                <a16:creationId xmlns:a16="http://schemas.microsoft.com/office/drawing/2014/main" id="{4A3E75E6-5891-CDC6-490A-07C11D7CA17E}"/>
-              </a:ext>
-            </a:extLst>
-          </p:cNvPr>
-          <p:cNvSpPr>
-            <a:spLocks noGrp="1"/>
-          </p:cNvSpPr>
-          <p:nvPr>
-            <p:ph type="title"/>
-          </p:nvPr>
-        </p:nvSpPr>
-        <p:spPr/>
-        <p:txBody>
-          <a:bodyPr/>
-          <a:lstStyle/>
-          <a:p>
-            <a:r>
-              <a:rPr lang="de-DE" dirty="0"/>
-              <a:t>Add Button Poll and Action</a:t>
+              <a:t>Add Button Polling and Action</a:t>
             </a:r>
           </a:p>
         </p:txBody>
@@ -6256,10 +6522,24 @@
         </p:nvSpPr>
         <p:spPr>
           <a:xfrm>
-            <a:off x="355509" y="952107"/>
-            <a:ext cx="4141077" cy="5356929"/>
-          </a:xfrm>
-        </p:spPr>
+            <a:off x="7774404" y="945824"/>
+            <a:ext cx="3368079" cy="5445549"/>
+          </a:xfrm>
+        </p:spPr>
+        <p:style>
+          <a:lnRef idx="2">
+            <a:schemeClr val="accent2"/>
+          </a:lnRef>
+          <a:fillRef idx="1">
+            <a:schemeClr val="lt1"/>
+          </a:fillRef>
+          <a:effectRef idx="0">
+            <a:schemeClr val="accent2"/>
+          </a:effectRef>
+          <a:fontRef idx="minor">
+            <a:schemeClr val="dk1"/>
+          </a:fontRef>
+        </p:style>
         <p:txBody>
           <a:bodyPr>
             <a:noAutofit/>
@@ -6777,13 +7057,27 @@
         </p:nvSpPr>
         <p:spPr>
           <a:xfrm>
-            <a:off x="5621701" y="1077799"/>
-            <a:ext cx="5190843" cy="1731390"/>
+            <a:off x="2020661" y="945824"/>
+            <a:ext cx="5190843" cy="534185"/>
           </a:xfrm>
           <a:prstGeom prst="rect">
             <a:avLst/>
           </a:prstGeom>
         </p:spPr>
+        <p:style>
+          <a:lnRef idx="2">
+            <a:schemeClr val="accent2"/>
+          </a:lnRef>
+          <a:fillRef idx="1">
+            <a:schemeClr val="lt1"/>
+          </a:fillRef>
+          <a:effectRef idx="0">
+            <a:schemeClr val="accent2"/>
+          </a:effectRef>
+          <a:fontRef idx="minor">
+            <a:schemeClr val="dk1"/>
+          </a:fontRef>
+        </p:style>
         <p:txBody>
           <a:bodyPr vert="horz" lIns="121888" tIns="60944" rIns="121888" bIns="60944" rtlCol="0">
             <a:noAutofit/>
@@ -7051,10 +7345,385 @@
           </a:p>
         </p:txBody>
       </p:sp>
+      <p:pic>
+        <p:nvPicPr>
+          <p:cNvPr id="6" name="Picture 5">
+            <a:extLst>
+              <a:ext uri="{FF2B5EF4-FFF2-40B4-BE49-F238E27FC236}">
+                <a16:creationId xmlns:a16="http://schemas.microsoft.com/office/drawing/2014/main" id="{4D6A2B40-5B3B-1690-FAA4-F76029660A54}"/>
+              </a:ext>
+            </a:extLst>
+          </p:cNvPr>
+          <p:cNvPicPr>
+            <a:picLocks noChangeAspect="1"/>
+          </p:cNvPicPr>
+          <p:nvPr/>
+        </p:nvPicPr>
+        <p:blipFill>
+          <a:blip r:embed="rId3"/>
+          <a:stretch>
+            <a:fillRect/>
+          </a:stretch>
+        </p:blipFill>
+        <p:spPr>
+          <a:xfrm>
+            <a:off x="557955" y="2170109"/>
+            <a:ext cx="1287892" cy="1348857"/>
+          </a:xfrm>
+          <a:prstGeom prst="rect">
+            <a:avLst/>
+          </a:prstGeom>
+        </p:spPr>
+      </p:pic>
+      <p:pic>
+        <p:nvPicPr>
+          <p:cNvPr id="8" name="Picture 7">
+            <a:extLst>
+              <a:ext uri="{FF2B5EF4-FFF2-40B4-BE49-F238E27FC236}">
+                <a16:creationId xmlns:a16="http://schemas.microsoft.com/office/drawing/2014/main" id="{07D78333-271E-7C32-CBD7-395CDBCE85F2}"/>
+              </a:ext>
+            </a:extLst>
+          </p:cNvPr>
+          <p:cNvPicPr>
+            <a:picLocks noChangeAspect="1"/>
+          </p:cNvPicPr>
+          <p:nvPr/>
+        </p:nvPicPr>
+        <p:blipFill>
+          <a:blip r:embed="rId4"/>
+          <a:stretch>
+            <a:fillRect/>
+          </a:stretch>
+        </p:blipFill>
+        <p:spPr>
+          <a:xfrm>
+            <a:off x="355509" y="4061094"/>
+            <a:ext cx="3254022" cy="1508891"/>
+          </a:xfrm>
+          <a:prstGeom prst="rect">
+            <a:avLst/>
+          </a:prstGeom>
+        </p:spPr>
+      </p:pic>
+      <p:sp>
+        <p:nvSpPr>
+          <p:cNvPr id="9" name="TextBox 8">
+            <a:extLst>
+              <a:ext uri="{FF2B5EF4-FFF2-40B4-BE49-F238E27FC236}">
+                <a16:creationId xmlns:a16="http://schemas.microsoft.com/office/drawing/2014/main" id="{CC8A4E34-715E-30C8-EB73-85BC4C20D5F4}"/>
+              </a:ext>
+            </a:extLst>
+          </p:cNvPr>
+          <p:cNvSpPr txBox="1"/>
+          <p:nvPr/>
+        </p:nvSpPr>
+        <p:spPr>
+          <a:xfrm>
+            <a:off x="2334563" y="1934565"/>
+            <a:ext cx="4951125" cy="707886"/>
+          </a:xfrm>
+          <a:prstGeom prst="rect">
+            <a:avLst/>
+          </a:prstGeom>
+          <a:noFill/>
+        </p:spPr>
+        <p:txBody>
+          <a:bodyPr wrap="square" rtlCol="0">
+            <a:spAutoFit/>
+          </a:bodyPr>
+          <a:lstStyle/>
+          <a:p>
+            <a:r>
+              <a:rPr lang="de-DE" sz="2000" dirty="0"/>
+              <a:t>Step 1: copy include at the top of app.c</a:t>
+            </a:r>
+          </a:p>
+          <a:p>
+            <a:r>
+              <a:rPr lang="de-DE" sz="2000" dirty="0"/>
+              <a:t>Step 2: copy code at begin of APP_Tasks()</a:t>
+            </a:r>
+          </a:p>
+        </p:txBody>
+      </p:sp>
+      <p:pic>
+        <p:nvPicPr>
+          <p:cNvPr id="11" name="Picture 10">
+            <a:extLst>
+              <a:ext uri="{FF2B5EF4-FFF2-40B4-BE49-F238E27FC236}">
+                <a16:creationId xmlns:a16="http://schemas.microsoft.com/office/drawing/2014/main" id="{19D26931-F9A3-87AA-6FBC-ECC4989147F6}"/>
+              </a:ext>
+            </a:extLst>
+          </p:cNvPr>
+          <p:cNvPicPr>
+            <a:picLocks noChangeAspect="1"/>
+          </p:cNvPicPr>
+          <p:nvPr/>
+        </p:nvPicPr>
+        <p:blipFill>
+          <a:blip r:embed="rId5"/>
+          <a:stretch>
+            <a:fillRect/>
+          </a:stretch>
+        </p:blipFill>
+        <p:spPr>
+          <a:xfrm>
+            <a:off x="4188518" y="3135524"/>
+            <a:ext cx="2919292" cy="2160052"/>
+          </a:xfrm>
+          <a:prstGeom prst="rect">
+            <a:avLst/>
+          </a:prstGeom>
+        </p:spPr>
+      </p:pic>
+      <p:sp>
+        <p:nvSpPr>
+          <p:cNvPr id="12" name="TextBox 11">
+            <a:extLst>
+              <a:ext uri="{FF2B5EF4-FFF2-40B4-BE49-F238E27FC236}">
+                <a16:creationId xmlns:a16="http://schemas.microsoft.com/office/drawing/2014/main" id="{E2A7C3AF-7F2D-9964-6072-F3901D6AB4C9}"/>
+              </a:ext>
+            </a:extLst>
+          </p:cNvPr>
+          <p:cNvSpPr txBox="1"/>
+          <p:nvPr/>
+        </p:nvSpPr>
+        <p:spPr>
+          <a:xfrm>
+            <a:off x="2684382" y="6085127"/>
+            <a:ext cx="4251485" cy="230832"/>
+          </a:xfrm>
+          <a:prstGeom prst="rect">
+            <a:avLst/>
+          </a:prstGeom>
+        </p:spPr>
+        <p:style>
+          <a:lnRef idx="2">
+            <a:schemeClr val="accent2"/>
+          </a:lnRef>
+          <a:fillRef idx="1">
+            <a:schemeClr val="lt1"/>
+          </a:fillRef>
+          <a:effectRef idx="0">
+            <a:schemeClr val="accent2"/>
+          </a:effectRef>
+          <a:fontRef idx="minor">
+            <a:schemeClr val="dk1"/>
+          </a:fontRef>
+        </p:style>
+        <p:txBody>
+          <a:bodyPr wrap="none" rtlCol="0">
+            <a:spAutoFit/>
+          </a:bodyPr>
+          <a:lstStyle/>
+          <a:p>
+            <a:r>
+              <a:rPr lang="pt-BR" sz="900" b="1" dirty="0">
+                <a:solidFill>
+                  <a:schemeClr val="dk1"/>
+                </a:solidFill>
+                <a:latin typeface="Courier New" panose="02070309020205020404" pitchFamily="49" charset="0"/>
+                <a:cs typeface="Courier New" panose="02070309020205020404" pitchFamily="49" charset="0"/>
+              </a:rPr>
+              <a:t>SERCOM1_USART_Virtual_Receive("iperf –c 192.168.100.20\n");</a:t>
+            </a:r>
+            <a:endParaRPr lang="de-DE" sz="900" b="1" dirty="0">
+              <a:solidFill>
+                <a:schemeClr val="dk1"/>
+              </a:solidFill>
+              <a:latin typeface="Courier New" panose="02070309020205020404" pitchFamily="49" charset="0"/>
+              <a:cs typeface="Courier New" panose="02070309020205020404" pitchFamily="49" charset="0"/>
+            </a:endParaRPr>
+          </a:p>
+        </p:txBody>
+      </p:sp>
+      <p:sp>
+        <p:nvSpPr>
+          <p:cNvPr id="14" name="TextBox 13">
+            <a:extLst>
+              <a:ext uri="{FF2B5EF4-FFF2-40B4-BE49-F238E27FC236}">
+                <a16:creationId xmlns:a16="http://schemas.microsoft.com/office/drawing/2014/main" id="{05697BB5-53E7-6634-A80D-FDBF87E8B0E0}"/>
+              </a:ext>
+            </a:extLst>
+          </p:cNvPr>
+          <p:cNvSpPr txBox="1"/>
+          <p:nvPr/>
+        </p:nvSpPr>
+        <p:spPr>
+          <a:xfrm>
+            <a:off x="8180314" y="6315959"/>
+            <a:ext cx="2311146" cy="461665"/>
+          </a:xfrm>
+          <a:prstGeom prst="rect">
+            <a:avLst/>
+          </a:prstGeom>
+          <a:noFill/>
+        </p:spPr>
+        <p:txBody>
+          <a:bodyPr wrap="none" rtlCol="0">
+            <a:spAutoFit/>
+          </a:bodyPr>
+          <a:lstStyle/>
+          <a:p>
+            <a:r>
+              <a:rPr lang="de-DE" dirty="0"/>
+              <a:t>Start iperf Server</a:t>
+            </a:r>
+          </a:p>
+        </p:txBody>
+      </p:sp>
+      <p:sp>
+        <p:nvSpPr>
+          <p:cNvPr id="15" name="TextBox 14">
+            <a:extLst>
+              <a:ext uri="{FF2B5EF4-FFF2-40B4-BE49-F238E27FC236}">
+                <a16:creationId xmlns:a16="http://schemas.microsoft.com/office/drawing/2014/main" id="{D4FF255A-ACE1-9DC0-2A75-E7490E189E8E}"/>
+              </a:ext>
+            </a:extLst>
+          </p:cNvPr>
+          <p:cNvSpPr txBox="1"/>
+          <p:nvPr/>
+        </p:nvSpPr>
+        <p:spPr>
+          <a:xfrm>
+            <a:off x="3609531" y="6252554"/>
+            <a:ext cx="2228239" cy="461665"/>
+          </a:xfrm>
+          <a:prstGeom prst="rect">
+            <a:avLst/>
+          </a:prstGeom>
+          <a:noFill/>
+        </p:spPr>
+        <p:txBody>
+          <a:bodyPr wrap="none" rtlCol="0">
+            <a:spAutoFit/>
+          </a:bodyPr>
+          <a:lstStyle/>
+          <a:p>
+            <a:r>
+              <a:rPr lang="de-DE" dirty="0"/>
+              <a:t>Start iperf Client</a:t>
+            </a:r>
+          </a:p>
+        </p:txBody>
+      </p:sp>
     </p:spTree>
     <p:extLst>
       <p:ext uri="{BB962C8B-B14F-4D97-AF65-F5344CB8AC3E}">
         <p14:creationId xmlns:p14="http://schemas.microsoft.com/office/powerpoint/2010/main" val="1895587039"/>
+      </p:ext>
+    </p:extLst>
+  </p:cSld>
+  <p:clrMapOvr>
+    <a:masterClrMapping/>
+  </p:clrMapOvr>
+</p:sld>
+</file>
+
+<file path=ppt/slides/slide14.xml><?xml version="1.0" encoding="utf-8"?>
+<p:sld xmlns:a="http://schemas.openxmlformats.org/drawingml/2006/main" xmlns:r="http://schemas.openxmlformats.org/officeDocument/2006/relationships" xmlns:p="http://schemas.openxmlformats.org/presentationml/2006/main">
+  <p:cSld>
+    <p:spTree>
+      <p:nvGrpSpPr>
+        <p:cNvPr id="1" name=""/>
+        <p:cNvGrpSpPr/>
+        <p:nvPr/>
+      </p:nvGrpSpPr>
+      <p:grpSpPr>
+        <a:xfrm>
+          <a:off x="0" y="0"/>
+          <a:ext cx="0" cy="0"/>
+          <a:chOff x="0" y="0"/>
+          <a:chExt cx="0" cy="0"/>
+        </a:xfrm>
+      </p:grpSpPr>
+      <p:sp>
+        <p:nvSpPr>
+          <p:cNvPr id="2" name="Title 1">
+            <a:extLst>
+              <a:ext uri="{FF2B5EF4-FFF2-40B4-BE49-F238E27FC236}">
+                <a16:creationId xmlns:a16="http://schemas.microsoft.com/office/drawing/2014/main" id="{E2E933C6-1DE3-1BB9-EAEA-7849290D9641}"/>
+              </a:ext>
+            </a:extLst>
+          </p:cNvPr>
+          <p:cNvSpPr>
+            <a:spLocks noGrp="1"/>
+          </p:cNvSpPr>
+          <p:nvPr>
+            <p:ph type="title"/>
+          </p:nvPr>
+        </p:nvSpPr>
+        <p:spPr/>
+        <p:txBody>
+          <a:bodyPr/>
+          <a:lstStyle/>
+          <a:p>
+            <a:r>
+              <a:rPr lang="de-DE" dirty="0"/>
+              <a:t>Tips&amp;Tricks: Set Programming Speed Up</a:t>
+            </a:r>
+          </a:p>
+        </p:txBody>
+      </p:sp>
+      <p:sp>
+        <p:nvSpPr>
+          <p:cNvPr id="3" name="Text Placeholder 2">
+            <a:extLst>
+              <a:ext uri="{FF2B5EF4-FFF2-40B4-BE49-F238E27FC236}">
+                <a16:creationId xmlns:a16="http://schemas.microsoft.com/office/drawing/2014/main" id="{6F493E74-1A24-2F29-9DBE-43088592C3C2}"/>
+              </a:ext>
+            </a:extLst>
+          </p:cNvPr>
+          <p:cNvSpPr>
+            <a:spLocks noGrp="1"/>
+          </p:cNvSpPr>
+          <p:nvPr>
+            <p:ph type="body" sz="quarter" idx="13"/>
+          </p:nvPr>
+        </p:nvSpPr>
+        <p:spPr/>
+        <p:txBody>
+          <a:bodyPr/>
+          <a:lstStyle/>
+          <a:p>
+            <a:endParaRPr lang="de-DE"/>
+          </a:p>
+        </p:txBody>
+      </p:sp>
+      <p:pic>
+        <p:nvPicPr>
+          <p:cNvPr id="6" name="Picture 5">
+            <a:extLst>
+              <a:ext uri="{FF2B5EF4-FFF2-40B4-BE49-F238E27FC236}">
+                <a16:creationId xmlns:a16="http://schemas.microsoft.com/office/drawing/2014/main" id="{1EB03FEA-B36F-6189-0219-2E82EC8483EA}"/>
+              </a:ext>
+            </a:extLst>
+          </p:cNvPr>
+          <p:cNvPicPr>
+            <a:picLocks noChangeAspect="1"/>
+          </p:cNvPicPr>
+          <p:nvPr/>
+        </p:nvPicPr>
+        <p:blipFill>
+          <a:blip r:embed="rId2"/>
+          <a:stretch>
+            <a:fillRect/>
+          </a:stretch>
+        </p:blipFill>
+        <p:spPr>
+          <a:xfrm>
+            <a:off x="2962321" y="2514521"/>
+            <a:ext cx="6264183" cy="1828958"/>
+          </a:xfrm>
+          <a:prstGeom prst="rect">
+            <a:avLst/>
+          </a:prstGeom>
+        </p:spPr>
+      </p:pic>
+    </p:spTree>
+    <p:extLst>
+      <p:ext uri="{BB962C8B-B14F-4D97-AF65-F5344CB8AC3E}">
+        <p14:creationId xmlns:p14="http://schemas.microsoft.com/office/powerpoint/2010/main" val="250667662"/>
       </p:ext>
     </p:extLst>
   </p:cSld>
@@ -7086,7 +7755,7 @@
           <p:cNvPr id="2" name="Title 1">
             <a:extLst>
               <a:ext uri="{FF2B5EF4-FFF2-40B4-BE49-F238E27FC236}">
-                <a16:creationId xmlns:a16="http://schemas.microsoft.com/office/drawing/2014/main" id="{E2E933C6-1DE3-1BB9-EAEA-7849290D9641}"/>
+                <a16:creationId xmlns:a16="http://schemas.microsoft.com/office/drawing/2014/main" id="{A4EFFCAE-BDED-2745-84BF-7C0ED2DC6553}"/>
               </a:ext>
             </a:extLst>
           </p:cNvPr>
@@ -7104,7 +7773,11 @@
           <a:p>
             <a:r>
               <a:rPr lang="de-DE" dirty="0"/>
-              <a:t>Tips&amp;Tricks: Set Programming Speed Up</a:t>
+              <a:t>Tips&amp;Tricks: </a:t>
+            </a:r>
+            <a:r>
+              <a:rPr lang="en-US" dirty="0"/>
+              <a:t>Toggle LED every Second</a:t>
             </a:r>
           </a:p>
         </p:txBody>
@@ -7114,7 +7787,7 @@
           <p:cNvPr id="3" name="Text Placeholder 2">
             <a:extLst>
               <a:ext uri="{FF2B5EF4-FFF2-40B4-BE49-F238E27FC236}">
-                <a16:creationId xmlns:a16="http://schemas.microsoft.com/office/drawing/2014/main" id="{6F493E74-1A24-2F29-9DBE-43088592C3C2}"/>
+                <a16:creationId xmlns:a16="http://schemas.microsoft.com/office/drawing/2014/main" id="{63243689-041C-E840-A442-34D397287D77}"/>
               </a:ext>
             </a:extLst>
           </p:cNvPr>
@@ -7130,44 +7803,404 @@
           <a:bodyPr/>
           <a:lstStyle/>
           <a:p>
-            <a:endParaRPr lang="de-DE"/>
+            <a:endParaRPr lang="en-US"/>
           </a:p>
         </p:txBody>
       </p:sp>
-      <p:pic>
-        <p:nvPicPr>
-          <p:cNvPr id="6" name="Picture 5">
-            <a:extLst>
-              <a:ext uri="{FF2B5EF4-FFF2-40B4-BE49-F238E27FC236}">
-                <a16:creationId xmlns:a16="http://schemas.microsoft.com/office/drawing/2014/main" id="{1EB03FEA-B36F-6189-0219-2E82EC8483EA}"/>
-              </a:ext>
-            </a:extLst>
-          </p:cNvPr>
-          <p:cNvPicPr>
-            <a:picLocks noChangeAspect="1"/>
-          </p:cNvPicPr>
-          <p:nvPr/>
-        </p:nvPicPr>
-        <p:blipFill>
-          <a:blip r:embed="rId2"/>
-          <a:stretch>
-            <a:fillRect/>
-          </a:stretch>
-        </p:blipFill>
-        <p:spPr>
-          <a:xfrm>
-            <a:off x="2962321" y="2514521"/>
-            <a:ext cx="6264183" cy="1828958"/>
-          </a:xfrm>
-          <a:prstGeom prst="rect">
-            <a:avLst/>
-          </a:prstGeom>
-        </p:spPr>
-      </p:pic>
+      <p:sp>
+        <p:nvSpPr>
+          <p:cNvPr id="4" name="Content Placeholder 3">
+            <a:extLst>
+              <a:ext uri="{FF2B5EF4-FFF2-40B4-BE49-F238E27FC236}">
+                <a16:creationId xmlns:a16="http://schemas.microsoft.com/office/drawing/2014/main" id="{9A6FC5AF-200C-E244-8F0A-68FB1F10D72C}"/>
+              </a:ext>
+            </a:extLst>
+          </p:cNvPr>
+          <p:cNvSpPr>
+            <a:spLocks noGrp="1"/>
+          </p:cNvSpPr>
+          <p:nvPr>
+            <p:ph sz="quarter" idx="15"/>
+          </p:nvPr>
+        </p:nvSpPr>
+        <p:spPr/>
+        <p:txBody>
+          <a:bodyPr>
+            <a:normAutofit fontScale="92500" lnSpcReduction="20000"/>
+          </a:bodyPr>
+          <a:lstStyle/>
+          <a:p>
+            <a:pPr marL="0" indent="0">
+              <a:buNone/>
+            </a:pPr>
+            <a:r>
+              <a:rPr lang="en-US" sz="1700" dirty="0">
+                <a:latin typeface="Courier New" panose="02070309020205020404" pitchFamily="49" charset="0"/>
+                <a:cs typeface="Courier New" panose="02070309020205020404" pitchFamily="49" charset="0"/>
+              </a:rPr>
+              <a:t>SYS_TIME_HANDLE </a:t>
+            </a:r>
+            <a:r>
+              <a:rPr lang="en-US" sz="1700" dirty="0" err="1">
+                <a:latin typeface="Courier New" panose="02070309020205020404" pitchFamily="49" charset="0"/>
+                <a:cs typeface="Courier New" panose="02070309020205020404" pitchFamily="49" charset="0"/>
+              </a:rPr>
+              <a:t>tm_hdl</a:t>
+            </a:r>
+            <a:r>
+              <a:rPr lang="en-US" sz="1700" dirty="0">
+                <a:latin typeface="Courier New" panose="02070309020205020404" pitchFamily="49" charset="0"/>
+                <a:cs typeface="Courier New" panose="02070309020205020404" pitchFamily="49" charset="0"/>
+              </a:rPr>
+              <a:t>;</a:t>
+            </a:r>
+          </a:p>
+          <a:p>
+            <a:pPr marL="0" indent="0">
+              <a:buNone/>
+            </a:pPr>
+            <a:endParaRPr lang="en-US" sz="1700" dirty="0">
+              <a:latin typeface="Courier New" panose="02070309020205020404" pitchFamily="49" charset="0"/>
+              <a:cs typeface="Courier New" panose="02070309020205020404" pitchFamily="49" charset="0"/>
+            </a:endParaRPr>
+          </a:p>
+          <a:p>
+            <a:pPr marL="0" indent="0">
+              <a:buNone/>
+            </a:pPr>
+            <a:r>
+              <a:rPr lang="en-US" dirty="0"/>
+              <a:t>Blocking Version:</a:t>
+            </a:r>
+          </a:p>
+          <a:p>
+            <a:pPr marL="0" indent="0">
+              <a:buNone/>
+            </a:pPr>
+            <a:endParaRPr lang="en-US" sz="1700" dirty="0">
+              <a:latin typeface="Courier New" panose="02070309020205020404" pitchFamily="49" charset="0"/>
+              <a:cs typeface="Courier New" panose="02070309020205020404" pitchFamily="49" charset="0"/>
+            </a:endParaRPr>
+          </a:p>
+          <a:p>
+            <a:pPr marL="0" indent="0">
+              <a:buNone/>
+            </a:pPr>
+            <a:r>
+              <a:rPr lang="en-US" sz="1700" dirty="0">
+                <a:latin typeface="Courier New" panose="02070309020205020404" pitchFamily="49" charset="0"/>
+                <a:cs typeface="Courier New" panose="02070309020205020404" pitchFamily="49" charset="0"/>
+              </a:rPr>
+              <a:t>while(1){</a:t>
+            </a:r>
+          </a:p>
+          <a:p>
+            <a:pPr marL="0" indent="0">
+              <a:buNone/>
+            </a:pPr>
+            <a:r>
+              <a:rPr lang="en-US" sz="1700" dirty="0">
+                <a:latin typeface="Courier New" panose="02070309020205020404" pitchFamily="49" charset="0"/>
+                <a:cs typeface="Courier New" panose="02070309020205020404" pitchFamily="49" charset="0"/>
+              </a:rPr>
+              <a:t>   </a:t>
+            </a:r>
+            <a:r>
+              <a:rPr lang="en-US" sz="1700" dirty="0" err="1">
+                <a:latin typeface="Courier New" panose="02070309020205020404" pitchFamily="49" charset="0"/>
+                <a:cs typeface="Courier New" panose="02070309020205020404" pitchFamily="49" charset="0"/>
+              </a:rPr>
+              <a:t>SYS_TIME_DelayMS</a:t>
+            </a:r>
+            <a:r>
+              <a:rPr lang="en-US" sz="1700" dirty="0">
+                <a:latin typeface="Courier New" panose="02070309020205020404" pitchFamily="49" charset="0"/>
+                <a:cs typeface="Courier New" panose="02070309020205020404" pitchFamily="49" charset="0"/>
+              </a:rPr>
+              <a:t> ( 1000, &amp;</a:t>
+            </a:r>
+            <a:r>
+              <a:rPr lang="en-US" sz="1700" dirty="0" err="1">
+                <a:latin typeface="Courier New" panose="02070309020205020404" pitchFamily="49" charset="0"/>
+                <a:cs typeface="Courier New" panose="02070309020205020404" pitchFamily="49" charset="0"/>
+              </a:rPr>
+              <a:t>tm_hdl</a:t>
+            </a:r>
+            <a:r>
+              <a:rPr lang="en-US" sz="1700" dirty="0">
+                <a:latin typeface="Courier New" panose="02070309020205020404" pitchFamily="49" charset="0"/>
+                <a:cs typeface="Courier New" panose="02070309020205020404" pitchFamily="49" charset="0"/>
+              </a:rPr>
+              <a:t> );</a:t>
+            </a:r>
+          </a:p>
+          <a:p>
+            <a:pPr marL="0" indent="0">
+              <a:buNone/>
+            </a:pPr>
+            <a:r>
+              <a:rPr lang="en-US" sz="1700" dirty="0">
+                <a:latin typeface="Courier New" panose="02070309020205020404" pitchFamily="49" charset="0"/>
+                <a:cs typeface="Courier New" panose="02070309020205020404" pitchFamily="49" charset="0"/>
+              </a:rPr>
+              <a:t>   while(</a:t>
+            </a:r>
+            <a:r>
+              <a:rPr lang="en-US" sz="1700" dirty="0" err="1">
+                <a:latin typeface="Courier New" panose="02070309020205020404" pitchFamily="49" charset="0"/>
+                <a:cs typeface="Courier New" panose="02070309020205020404" pitchFamily="49" charset="0"/>
+              </a:rPr>
+              <a:t>SYS_TIME_DelayIsComplete</a:t>
+            </a:r>
+            <a:r>
+              <a:rPr lang="en-US" sz="1700" dirty="0">
+                <a:latin typeface="Courier New" panose="02070309020205020404" pitchFamily="49" charset="0"/>
+                <a:cs typeface="Courier New" panose="02070309020205020404" pitchFamily="49" charset="0"/>
+              </a:rPr>
+              <a:t>(</a:t>
+            </a:r>
+            <a:r>
+              <a:rPr lang="en-US" sz="1700" dirty="0" err="1">
+                <a:latin typeface="Courier New" panose="02070309020205020404" pitchFamily="49" charset="0"/>
+                <a:cs typeface="Courier New" panose="02070309020205020404" pitchFamily="49" charset="0"/>
+              </a:rPr>
+              <a:t>tm_hdl</a:t>
+            </a:r>
+            <a:r>
+              <a:rPr lang="en-US" sz="1700" dirty="0">
+                <a:latin typeface="Courier New" panose="02070309020205020404" pitchFamily="49" charset="0"/>
+                <a:cs typeface="Courier New" panose="02070309020205020404" pitchFamily="49" charset="0"/>
+              </a:rPr>
+              <a:t>)==false);</a:t>
+            </a:r>
+          </a:p>
+          <a:p>
+            <a:pPr marL="0" indent="0">
+              <a:buNone/>
+            </a:pPr>
+            <a:r>
+              <a:rPr lang="en-US" sz="1700" dirty="0">
+                <a:latin typeface="Courier New" panose="02070309020205020404" pitchFamily="49" charset="0"/>
+                <a:cs typeface="Courier New" panose="02070309020205020404" pitchFamily="49" charset="0"/>
+              </a:rPr>
+              <a:t>   LED3_Toggle();</a:t>
+            </a:r>
+          </a:p>
+          <a:p>
+            <a:pPr marL="0" indent="0">
+              <a:buNone/>
+            </a:pPr>
+            <a:r>
+              <a:rPr lang="en-US" sz="1700" dirty="0">
+                <a:latin typeface="Courier New" panose="02070309020205020404" pitchFamily="49" charset="0"/>
+                <a:cs typeface="Courier New" panose="02070309020205020404" pitchFamily="49" charset="0"/>
+              </a:rPr>
+              <a:t>}</a:t>
+            </a:r>
+          </a:p>
+          <a:p>
+            <a:pPr marL="0" indent="0">
+              <a:buNone/>
+            </a:pPr>
+            <a:endParaRPr lang="en-US" sz="1700" dirty="0">
+              <a:latin typeface="Courier New" panose="02070309020205020404" pitchFamily="49" charset="0"/>
+              <a:cs typeface="Courier New" panose="02070309020205020404" pitchFamily="49" charset="0"/>
+            </a:endParaRPr>
+          </a:p>
+          <a:p>
+            <a:pPr marL="0" indent="0">
+              <a:buNone/>
+            </a:pPr>
+            <a:r>
+              <a:rPr lang="en-US" dirty="0"/>
+              <a:t>Unblocking Version:</a:t>
+            </a:r>
+          </a:p>
+          <a:p>
+            <a:pPr marL="0" indent="0">
+              <a:buNone/>
+            </a:pPr>
+            <a:endParaRPr lang="en-US" sz="1700" dirty="0">
+              <a:latin typeface="Courier New" panose="02070309020205020404" pitchFamily="49" charset="0"/>
+              <a:cs typeface="Courier New" panose="02070309020205020404" pitchFamily="49" charset="0"/>
+            </a:endParaRPr>
+          </a:p>
+          <a:p>
+            <a:pPr marL="0" indent="0">
+              <a:buNone/>
+            </a:pPr>
+            <a:r>
+              <a:rPr lang="en-US" sz="1700" dirty="0" err="1">
+                <a:latin typeface="Courier New" panose="02070309020205020404" pitchFamily="49" charset="0"/>
+                <a:cs typeface="Courier New" panose="02070309020205020404" pitchFamily="49" charset="0"/>
+              </a:rPr>
+              <a:t>SYS_TIME_DelayMS</a:t>
+            </a:r>
+            <a:r>
+              <a:rPr lang="en-US" sz="1700" dirty="0">
+                <a:latin typeface="Courier New" panose="02070309020205020404" pitchFamily="49" charset="0"/>
+                <a:cs typeface="Courier New" panose="02070309020205020404" pitchFamily="49" charset="0"/>
+              </a:rPr>
+              <a:t> ( 1000, &amp;</a:t>
+            </a:r>
+            <a:r>
+              <a:rPr lang="en-US" sz="1700" dirty="0" err="1">
+                <a:latin typeface="Courier New" panose="02070309020205020404" pitchFamily="49" charset="0"/>
+                <a:cs typeface="Courier New" panose="02070309020205020404" pitchFamily="49" charset="0"/>
+              </a:rPr>
+              <a:t>tm_hdl</a:t>
+            </a:r>
+            <a:r>
+              <a:rPr lang="en-US" sz="1700" dirty="0">
+                <a:latin typeface="Courier New" panose="02070309020205020404" pitchFamily="49" charset="0"/>
+                <a:cs typeface="Courier New" panose="02070309020205020404" pitchFamily="49" charset="0"/>
+              </a:rPr>
+              <a:t> );</a:t>
+            </a:r>
+          </a:p>
+          <a:p>
+            <a:pPr marL="0" indent="0">
+              <a:buNone/>
+            </a:pPr>
+            <a:r>
+              <a:rPr lang="en-US" sz="1700" dirty="0">
+                <a:latin typeface="Courier New" panose="02070309020205020404" pitchFamily="49" charset="0"/>
+                <a:cs typeface="Courier New" panose="02070309020205020404" pitchFamily="49" charset="0"/>
+              </a:rPr>
+              <a:t>while(1){        </a:t>
+            </a:r>
+          </a:p>
+          <a:p>
+            <a:pPr marL="0" indent="0">
+              <a:buNone/>
+            </a:pPr>
+            <a:r>
+              <a:rPr lang="en-US" sz="1700" dirty="0">
+                <a:latin typeface="Courier New" panose="02070309020205020404" pitchFamily="49" charset="0"/>
+                <a:cs typeface="Courier New" panose="02070309020205020404" pitchFamily="49" charset="0"/>
+              </a:rPr>
+              <a:t>   if(</a:t>
+            </a:r>
+            <a:r>
+              <a:rPr lang="en-US" sz="1700" dirty="0" err="1">
+                <a:latin typeface="Courier New" panose="02070309020205020404" pitchFamily="49" charset="0"/>
+                <a:cs typeface="Courier New" panose="02070309020205020404" pitchFamily="49" charset="0"/>
+              </a:rPr>
+              <a:t>SYS_TIME_DelayIsComplete</a:t>
+            </a:r>
+            <a:r>
+              <a:rPr lang="en-US" sz="1700" dirty="0">
+                <a:latin typeface="Courier New" panose="02070309020205020404" pitchFamily="49" charset="0"/>
+                <a:cs typeface="Courier New" panose="02070309020205020404" pitchFamily="49" charset="0"/>
+              </a:rPr>
+              <a:t>(</a:t>
+            </a:r>
+            <a:r>
+              <a:rPr lang="en-US" sz="1700" dirty="0" err="1">
+                <a:latin typeface="Courier New" panose="02070309020205020404" pitchFamily="49" charset="0"/>
+                <a:cs typeface="Courier New" panose="02070309020205020404" pitchFamily="49" charset="0"/>
+              </a:rPr>
+              <a:t>tm_hdl</a:t>
+            </a:r>
+            <a:r>
+              <a:rPr lang="en-US" sz="1700" dirty="0">
+                <a:latin typeface="Courier New" panose="02070309020205020404" pitchFamily="49" charset="0"/>
+                <a:cs typeface="Courier New" panose="02070309020205020404" pitchFamily="49" charset="0"/>
+              </a:rPr>
+              <a:t>)==true){</a:t>
+            </a:r>
+          </a:p>
+          <a:p>
+            <a:pPr marL="0" indent="0">
+              <a:buNone/>
+            </a:pPr>
+            <a:r>
+              <a:rPr lang="en-US" sz="1700" dirty="0">
+                <a:latin typeface="Courier New" panose="02070309020205020404" pitchFamily="49" charset="0"/>
+                <a:cs typeface="Courier New" panose="02070309020205020404" pitchFamily="49" charset="0"/>
+              </a:rPr>
+              <a:t>      LED3_Toggle();</a:t>
+            </a:r>
+          </a:p>
+          <a:p>
+            <a:pPr marL="0" indent="0">
+              <a:buNone/>
+            </a:pPr>
+            <a:r>
+              <a:rPr lang="en-US" sz="1700" dirty="0">
+                <a:latin typeface="Courier New" panose="02070309020205020404" pitchFamily="49" charset="0"/>
+                <a:cs typeface="Courier New" panose="02070309020205020404" pitchFamily="49" charset="0"/>
+              </a:rPr>
+              <a:t>      </a:t>
+            </a:r>
+            <a:r>
+              <a:rPr lang="en-US" sz="1700" dirty="0" err="1">
+                <a:latin typeface="Courier New" panose="02070309020205020404" pitchFamily="49" charset="0"/>
+                <a:cs typeface="Courier New" panose="02070309020205020404" pitchFamily="49" charset="0"/>
+              </a:rPr>
+              <a:t>SYS_TIME_DelayMS</a:t>
+            </a:r>
+            <a:r>
+              <a:rPr lang="en-US" sz="1700" dirty="0">
+                <a:latin typeface="Courier New" panose="02070309020205020404" pitchFamily="49" charset="0"/>
+                <a:cs typeface="Courier New" panose="02070309020205020404" pitchFamily="49" charset="0"/>
+              </a:rPr>
+              <a:t> ( 1000, &amp;</a:t>
+            </a:r>
+            <a:r>
+              <a:rPr lang="en-US" sz="1700" dirty="0" err="1">
+                <a:latin typeface="Courier New" panose="02070309020205020404" pitchFamily="49" charset="0"/>
+                <a:cs typeface="Courier New" panose="02070309020205020404" pitchFamily="49" charset="0"/>
+              </a:rPr>
+              <a:t>tm_hdl</a:t>
+            </a:r>
+            <a:r>
+              <a:rPr lang="en-US" sz="1700" dirty="0">
+                <a:latin typeface="Courier New" panose="02070309020205020404" pitchFamily="49" charset="0"/>
+                <a:cs typeface="Courier New" panose="02070309020205020404" pitchFamily="49" charset="0"/>
+              </a:rPr>
+              <a:t> );</a:t>
+            </a:r>
+          </a:p>
+          <a:p>
+            <a:pPr marL="0" indent="0">
+              <a:buNone/>
+            </a:pPr>
+            <a:r>
+              <a:rPr lang="en-US" sz="1700" dirty="0">
+                <a:latin typeface="Courier New" panose="02070309020205020404" pitchFamily="49" charset="0"/>
+                <a:cs typeface="Courier New" panose="02070309020205020404" pitchFamily="49" charset="0"/>
+              </a:rPr>
+              <a:t>   }</a:t>
+            </a:r>
+          </a:p>
+          <a:p>
+            <a:pPr marL="0" indent="0">
+              <a:buNone/>
+            </a:pPr>
+            <a:r>
+              <a:rPr lang="en-US" sz="1700" dirty="0">
+                <a:latin typeface="Courier New" panose="02070309020205020404" pitchFamily="49" charset="0"/>
+                <a:cs typeface="Courier New" panose="02070309020205020404" pitchFamily="49" charset="0"/>
+              </a:rPr>
+              <a:t>}</a:t>
+            </a:r>
+          </a:p>
+          <a:p>
+            <a:pPr marL="0" indent="0">
+              <a:buNone/>
+            </a:pPr>
+            <a:endParaRPr lang="en-US" sz="2000" dirty="0">
+              <a:latin typeface="Courier New" panose="02070309020205020404" pitchFamily="49" charset="0"/>
+              <a:cs typeface="Courier New" panose="02070309020205020404" pitchFamily="49" charset="0"/>
+            </a:endParaRPr>
+          </a:p>
+        </p:txBody>
+      </p:sp>
     </p:spTree>
     <p:extLst>
       <p:ext uri="{BB962C8B-B14F-4D97-AF65-F5344CB8AC3E}">
-        <p14:creationId xmlns:p14="http://schemas.microsoft.com/office/powerpoint/2010/main" val="250667662"/>
+        <p14:creationId xmlns:p14="http://schemas.microsoft.com/office/powerpoint/2010/main" val="19653411"/>
       </p:ext>
     </p:extLst>
   </p:cSld>
@@ -8171,7 +9204,7 @@
           <p:cNvPr id="2" name="Title 1">
             <a:extLst>
               <a:ext uri="{FF2B5EF4-FFF2-40B4-BE49-F238E27FC236}">
-                <a16:creationId xmlns:a16="http://schemas.microsoft.com/office/drawing/2014/main" id="{FC4DB905-EFCA-8CC0-50A1-8A734727D02C}"/>
+                <a16:creationId xmlns:a16="http://schemas.microsoft.com/office/drawing/2014/main" id="{4989FE14-905F-F5BC-C105-B5343E1CC9C7}"/>
               </a:ext>
             </a:extLst>
           </p:cNvPr>
@@ -8187,16 +9220,19 @@
           <a:bodyPr/>
           <a:lstStyle/>
           <a:p>
-            <a:endParaRPr lang="de-DE"/>
+            <a:r>
+              <a:rPr lang="de-DE" dirty="0"/>
+              <a:t>Copy over Files with Windows Explorer</a:t>
+            </a:r>
           </a:p>
         </p:txBody>
       </p:sp>
       <p:pic>
         <p:nvPicPr>
-          <p:cNvPr id="5" name="Picture 4">
-            <a:extLst>
-              <a:ext uri="{FF2B5EF4-FFF2-40B4-BE49-F238E27FC236}">
-                <a16:creationId xmlns:a16="http://schemas.microsoft.com/office/drawing/2014/main" id="{8A13EED2-37DD-8692-9737-41DBE60C6BAE}"/>
+          <p:cNvPr id="4" name="Picture 3">
+            <a:extLst>
+              <a:ext uri="{FF2B5EF4-FFF2-40B4-BE49-F238E27FC236}">
+                <a16:creationId xmlns:a16="http://schemas.microsoft.com/office/drawing/2014/main" id="{81A4AF39-5980-EE67-A046-89DBCC5968D4}"/>
               </a:ext>
             </a:extLst>
           </p:cNvPr>
@@ -8213,8 +9249,8 @@
         </p:blipFill>
         <p:spPr>
           <a:xfrm>
-            <a:off x="286284" y="1034515"/>
-            <a:ext cx="3452159" cy="1615580"/>
+            <a:off x="2730317" y="1309244"/>
+            <a:ext cx="5029636" cy="4107536"/>
           </a:xfrm>
           <a:prstGeom prst="rect">
             <a:avLst/>
@@ -8223,10 +9259,10 @@
       </p:pic>
       <p:pic>
         <p:nvPicPr>
-          <p:cNvPr id="7" name="Picture 6">
-            <a:extLst>
-              <a:ext uri="{FF2B5EF4-FFF2-40B4-BE49-F238E27FC236}">
-                <a16:creationId xmlns:a16="http://schemas.microsoft.com/office/drawing/2014/main" id="{09A16063-20F6-5419-4D3E-366187DDCA2F}"/>
+          <p:cNvPr id="5" name="Picture 4">
+            <a:extLst>
+              <a:ext uri="{FF2B5EF4-FFF2-40B4-BE49-F238E27FC236}">
+                <a16:creationId xmlns:a16="http://schemas.microsoft.com/office/drawing/2014/main" id="{D08C41CF-57F2-B179-CFF1-91EB2A9E300B}"/>
               </a:ext>
             </a:extLst>
           </p:cNvPr>
@@ -8243,48 +9279,277 @@
         </p:blipFill>
         <p:spPr>
           <a:xfrm>
-            <a:off x="4257363" y="1131249"/>
-            <a:ext cx="3596952" cy="4282811"/>
+            <a:off x="410004" y="2107386"/>
+            <a:ext cx="2400508" cy="2171888"/>
           </a:xfrm>
           <a:prstGeom prst="rect">
             <a:avLst/>
           </a:prstGeom>
         </p:spPr>
       </p:pic>
-      <p:pic>
-        <p:nvPicPr>
-          <p:cNvPr id="9" name="Picture 8">
-            <a:extLst>
-              <a:ext uri="{FF2B5EF4-FFF2-40B4-BE49-F238E27FC236}">
-                <a16:creationId xmlns:a16="http://schemas.microsoft.com/office/drawing/2014/main" id="{43695E73-BA65-432E-A721-057FE40983E7}"/>
-              </a:ext>
-            </a:extLst>
-          </p:cNvPr>
-          <p:cNvPicPr>
-            <a:picLocks noChangeAspect="1"/>
-          </p:cNvPicPr>
+      <p:sp>
+        <p:nvSpPr>
+          <p:cNvPr id="3" name="TextBox 2">
+            <a:extLst>
+              <a:ext uri="{FF2B5EF4-FFF2-40B4-BE49-F238E27FC236}">
+                <a16:creationId xmlns:a16="http://schemas.microsoft.com/office/drawing/2014/main" id="{2C02E093-C239-3292-5A9F-CC32CF5AF228}"/>
+              </a:ext>
+            </a:extLst>
+          </p:cNvPr>
+          <p:cNvSpPr txBox="1"/>
           <p:nvPr/>
-        </p:nvPicPr>
-        <p:blipFill>
-          <a:blip r:embed="rId4"/>
-          <a:stretch>
-            <a:fillRect/>
-          </a:stretch>
-        </p:blipFill>
+        </p:nvSpPr>
         <p:spPr>
           <a:xfrm>
-            <a:off x="8913664" y="4459666"/>
-            <a:ext cx="2842506" cy="1204064"/>
+            <a:off x="1610258" y="5560607"/>
+            <a:ext cx="6052008" cy="830997"/>
           </a:xfrm>
           <a:prstGeom prst="rect">
             <a:avLst/>
           </a:prstGeom>
-        </p:spPr>
-      </p:pic>
+          <a:noFill/>
+        </p:spPr>
+        <p:txBody>
+          <a:bodyPr wrap="square" rtlCol="0">
+            <a:spAutoFit/>
+          </a:bodyPr>
+          <a:lstStyle/>
+          <a:p>
+            <a:r>
+              <a:rPr lang="de-DE" dirty="0">
+                <a:hlinkClick r:id="rId4"/>
+              </a:rPr>
+              <a:t>https://github.com/zabooh/T1S_Lab.git</a:t>
+            </a:r>
+            <a:endParaRPr lang="de-DE" dirty="0"/>
+          </a:p>
+          <a:p>
+            <a:r>
+              <a:rPr lang="de-DE" dirty="0"/>
+              <a:t>=&gt; firmware/src/gfx_mono  </a:t>
+            </a:r>
+          </a:p>
+        </p:txBody>
+      </p:sp>
+      <p:sp>
+        <p:nvSpPr>
+          <p:cNvPr id="7" name="TextBox 6">
+            <a:extLst>
+              <a:ext uri="{FF2B5EF4-FFF2-40B4-BE49-F238E27FC236}">
+                <a16:creationId xmlns:a16="http://schemas.microsoft.com/office/drawing/2014/main" id="{AF7A2EEF-9627-CB04-1560-B6F6B2D80D3B}"/>
+              </a:ext>
+            </a:extLst>
+          </p:cNvPr>
+          <p:cNvSpPr txBox="1"/>
+          <p:nvPr/>
+        </p:nvSpPr>
+        <p:spPr>
+          <a:xfrm>
+            <a:off x="7787107" y="1069671"/>
+            <a:ext cx="4439742" cy="5724644"/>
+          </a:xfrm>
+          <a:prstGeom prst="rect">
+            <a:avLst/>
+          </a:prstGeom>
+          <a:noFill/>
+        </p:spPr>
+        <p:txBody>
+          <a:bodyPr wrap="none" rtlCol="0">
+            <a:spAutoFit/>
+          </a:bodyPr>
+          <a:lstStyle/>
+          <a:p>
+            <a:r>
+              <a:rPr lang="de-DE" sz="1800" dirty="0"/>
+              <a:t>Step 1: goto github (see link below)</a:t>
+            </a:r>
+          </a:p>
+          <a:p>
+            <a:r>
+              <a:rPr lang="de-DE" sz="1800" dirty="0"/>
+              <a:t>Step 2: clone or download Repo</a:t>
+            </a:r>
+          </a:p>
+          <a:p>
+            <a:r>
+              <a:rPr lang="de-DE" sz="1800" dirty="0"/>
+              <a:t>Step 3: and with using Windows File Explorer</a:t>
+            </a:r>
+          </a:p>
+          <a:p>
+            <a:r>
+              <a:rPr lang="de-DE" sz="1800" dirty="0"/>
+              <a:t>              Create Subfolder in project </a:t>
+            </a:r>
+          </a:p>
+          <a:p>
+            <a:r>
+              <a:rPr lang="de-DE" sz="1800" dirty="0"/>
+              <a:t>              /src named gfx_mono </a:t>
+            </a:r>
+          </a:p>
+          <a:p>
+            <a:endParaRPr lang="de-DE" sz="1800" dirty="0"/>
+          </a:p>
+          <a:p>
+            <a:endParaRPr lang="de-DE" sz="1800" dirty="0"/>
+          </a:p>
+          <a:p>
+            <a:endParaRPr lang="de-DE" sz="1800" dirty="0"/>
+          </a:p>
+          <a:p>
+            <a:endParaRPr lang="de-DE" sz="1800" dirty="0"/>
+          </a:p>
+          <a:p>
+            <a:endParaRPr lang="de-DE" sz="1800" dirty="0"/>
+          </a:p>
+          <a:p>
+            <a:endParaRPr lang="de-DE" sz="1800" dirty="0"/>
+          </a:p>
+          <a:p>
+            <a:endParaRPr lang="de-DE" sz="1800" dirty="0"/>
+          </a:p>
+          <a:p>
+            <a:endParaRPr lang="de-DE" sz="1800" dirty="0"/>
+          </a:p>
+          <a:p>
+            <a:endParaRPr lang="de-DE" sz="1800" dirty="0"/>
+          </a:p>
+          <a:p>
+            <a:endParaRPr lang="de-DE" sz="1800" dirty="0"/>
+          </a:p>
+          <a:p>
+            <a:endParaRPr lang="de-DE" sz="1800" dirty="0"/>
+          </a:p>
+          <a:p>
+            <a:endParaRPr lang="de-DE" sz="1800" dirty="0"/>
+          </a:p>
+          <a:p>
+            <a:r>
+              <a:rPr lang="de-DE" sz="1800" dirty="0"/>
+              <a:t>Step 4: Copy GFX Mono Files from</a:t>
+            </a:r>
+          </a:p>
+          <a:p>
+            <a:r>
+              <a:rPr lang="de-DE" sz="1400" dirty="0"/>
+              <a:t>\T1S_Lab-main.zip\T1S_Lab-main\firmware\src\gfx_mono</a:t>
+            </a:r>
+          </a:p>
+          <a:p>
+            <a:r>
+              <a:rPr lang="de-DE" sz="1800" dirty="0"/>
+              <a:t>Into the folder you created</a:t>
+            </a:r>
+          </a:p>
+        </p:txBody>
+      </p:sp>
+      <p:grpSp>
+        <p:nvGrpSpPr>
+          <p:cNvPr id="11" name="Group 10">
+            <a:extLst>
+              <a:ext uri="{FF2B5EF4-FFF2-40B4-BE49-F238E27FC236}">
+                <a16:creationId xmlns:a16="http://schemas.microsoft.com/office/drawing/2014/main" id="{2DADC203-6632-41C0-727C-C6C0C68F7697}"/>
+              </a:ext>
+            </a:extLst>
+          </p:cNvPr>
+          <p:cNvGrpSpPr/>
+          <p:nvPr/>
+        </p:nvGrpSpPr>
+        <p:grpSpPr>
+          <a:xfrm>
+            <a:off x="8017657" y="2769478"/>
+            <a:ext cx="3225183" cy="2791129"/>
+            <a:chOff x="7971641" y="3550286"/>
+            <a:chExt cx="3225183" cy="2791129"/>
+          </a:xfrm>
+        </p:grpSpPr>
+        <p:pic>
+          <p:nvPicPr>
+            <p:cNvPr id="9" name="Picture 8">
+              <a:extLst>
+                <a:ext uri="{FF2B5EF4-FFF2-40B4-BE49-F238E27FC236}">
+                  <a16:creationId xmlns:a16="http://schemas.microsoft.com/office/drawing/2014/main" id="{103DEBD8-A2EC-A6E0-411F-FDE098EECD44}"/>
+                </a:ext>
+              </a:extLst>
+            </p:cNvPr>
+            <p:cNvPicPr>
+              <a:picLocks noChangeAspect="1"/>
+            </p:cNvPicPr>
+            <p:nvPr/>
+          </p:nvPicPr>
+          <p:blipFill>
+            <a:blip r:embed="rId5"/>
+            <a:stretch>
+              <a:fillRect/>
+            </a:stretch>
+          </p:blipFill>
+          <p:spPr>
+            <a:xfrm>
+              <a:off x="7971641" y="3550286"/>
+              <a:ext cx="3225183" cy="2791129"/>
+            </a:xfrm>
+            <a:prstGeom prst="rect">
+              <a:avLst/>
+            </a:prstGeom>
+          </p:spPr>
+        </p:pic>
+        <p:sp>
+          <p:nvSpPr>
+            <p:cNvPr id="10" name="Rectangle 9">
+              <a:extLst>
+                <a:ext uri="{FF2B5EF4-FFF2-40B4-BE49-F238E27FC236}">
+                  <a16:creationId xmlns:a16="http://schemas.microsoft.com/office/drawing/2014/main" id="{2045AE68-8924-A895-B2DC-54107B49B08C}"/>
+                </a:ext>
+              </a:extLst>
+            </p:cNvPr>
+            <p:cNvSpPr/>
+            <p:nvPr/>
+          </p:nvSpPr>
+          <p:spPr>
+            <a:xfrm>
+              <a:off x="8193586" y="5852488"/>
+              <a:ext cx="1242645" cy="291881"/>
+            </a:xfrm>
+            <a:prstGeom prst="rect">
+              <a:avLst/>
+            </a:prstGeom>
+            <a:noFill/>
+            <a:ln/>
+          </p:spPr>
+          <p:style>
+            <a:lnRef idx="2">
+              <a:schemeClr val="accent2"/>
+            </a:lnRef>
+            <a:fillRef idx="1">
+              <a:schemeClr val="lt1"/>
+            </a:fillRef>
+            <a:effectRef idx="0">
+              <a:schemeClr val="accent2"/>
+            </a:effectRef>
+            <a:fontRef idx="minor">
+              <a:schemeClr val="dk1"/>
+            </a:fontRef>
+          </p:style>
+          <p:txBody>
+            <a:bodyPr rot="0" spcFirstLastPara="0" vertOverflow="overflow" horzOverflow="overflow" vert="horz" wrap="square" lIns="91440" tIns="45720" rIns="91440" bIns="45720" numCol="1" spcCol="0" rtlCol="0" fromWordArt="0" anchor="ctr" anchorCtr="0" forceAA="0" compatLnSpc="1">
+              <a:prstTxWarp prst="textNoShape">
+                <a:avLst/>
+              </a:prstTxWarp>
+              <a:noAutofit/>
+            </a:bodyPr>
+            <a:lstStyle/>
+            <a:p>
+              <a:pPr algn="ctr"/>
+              <a:endParaRPr lang="de-DE"/>
+            </a:p>
+          </p:txBody>
+        </p:sp>
+      </p:grpSp>
     </p:spTree>
     <p:extLst>
       <p:ext uri="{BB962C8B-B14F-4D97-AF65-F5344CB8AC3E}">
-        <p14:creationId xmlns:p14="http://schemas.microsoft.com/office/powerpoint/2010/main" val="3709573163"/>
+        <p14:creationId xmlns:p14="http://schemas.microsoft.com/office/powerpoint/2010/main" val="2908039754"/>
       </p:ext>
     </p:extLst>
   </p:cSld>
@@ -8316,7 +9581,7 @@
           <p:cNvPr id="2" name="Title 1">
             <a:extLst>
               <a:ext uri="{FF2B5EF4-FFF2-40B4-BE49-F238E27FC236}">
-                <a16:creationId xmlns:a16="http://schemas.microsoft.com/office/drawing/2014/main" id="{4989FE14-905F-F5BC-C105-B5343E1CC9C7}"/>
+                <a16:creationId xmlns:a16="http://schemas.microsoft.com/office/drawing/2014/main" id="{FC4DB905-EFCA-8CC0-50A1-8A734727D02C}"/>
               </a:ext>
             </a:extLst>
           </p:cNvPr>
@@ -8332,16 +9597,19 @@
           <a:bodyPr/>
           <a:lstStyle/>
           <a:p>
-            <a:endParaRPr lang="de-DE"/>
+            <a:r>
+              <a:rPr lang="de-DE" dirty="0"/>
+              <a:t>Create Logical Folder in MPLABX</a:t>
+            </a:r>
           </a:p>
         </p:txBody>
       </p:sp>
       <p:pic>
         <p:nvPicPr>
-          <p:cNvPr id="4" name="Picture 3">
-            <a:extLst>
-              <a:ext uri="{FF2B5EF4-FFF2-40B4-BE49-F238E27FC236}">
-                <a16:creationId xmlns:a16="http://schemas.microsoft.com/office/drawing/2014/main" id="{81A4AF39-5980-EE67-A046-89DBCC5968D4}"/>
+          <p:cNvPr id="5" name="Picture 4">
+            <a:extLst>
+              <a:ext uri="{FF2B5EF4-FFF2-40B4-BE49-F238E27FC236}">
+                <a16:creationId xmlns:a16="http://schemas.microsoft.com/office/drawing/2014/main" id="{8A13EED2-37DD-8692-9737-41DBE60C6BAE}"/>
               </a:ext>
             </a:extLst>
           </p:cNvPr>
@@ -8358,8 +9626,8 @@
         </p:blipFill>
         <p:spPr>
           <a:xfrm>
-            <a:off x="2730317" y="1309244"/>
-            <a:ext cx="5029636" cy="4107536"/>
+            <a:off x="286284" y="1034515"/>
+            <a:ext cx="3452159" cy="1615580"/>
           </a:xfrm>
           <a:prstGeom prst="rect">
             <a:avLst/>
@@ -8368,10 +9636,10 @@
       </p:pic>
       <p:pic>
         <p:nvPicPr>
-          <p:cNvPr id="5" name="Picture 4">
-            <a:extLst>
-              <a:ext uri="{FF2B5EF4-FFF2-40B4-BE49-F238E27FC236}">
-                <a16:creationId xmlns:a16="http://schemas.microsoft.com/office/drawing/2014/main" id="{D08C41CF-57F2-B179-CFF1-91EB2A9E300B}"/>
+          <p:cNvPr id="7" name="Picture 6">
+            <a:extLst>
+              <a:ext uri="{FF2B5EF4-FFF2-40B4-BE49-F238E27FC236}">
+                <a16:creationId xmlns:a16="http://schemas.microsoft.com/office/drawing/2014/main" id="{09A16063-20F6-5419-4D3E-366187DDCA2F}"/>
               </a:ext>
             </a:extLst>
           </p:cNvPr>
@@ -8388,8 +9656,38 @@
         </p:blipFill>
         <p:spPr>
           <a:xfrm>
-            <a:off x="410004" y="2107386"/>
-            <a:ext cx="2400508" cy="2171888"/>
+            <a:off x="4257363" y="1131249"/>
+            <a:ext cx="3596952" cy="4282811"/>
+          </a:xfrm>
+          <a:prstGeom prst="rect">
+            <a:avLst/>
+          </a:prstGeom>
+        </p:spPr>
+      </p:pic>
+      <p:pic>
+        <p:nvPicPr>
+          <p:cNvPr id="9" name="Picture 8">
+            <a:extLst>
+              <a:ext uri="{FF2B5EF4-FFF2-40B4-BE49-F238E27FC236}">
+                <a16:creationId xmlns:a16="http://schemas.microsoft.com/office/drawing/2014/main" id="{43695E73-BA65-432E-A721-057FE40983E7}"/>
+              </a:ext>
+            </a:extLst>
+          </p:cNvPr>
+          <p:cNvPicPr>
+            <a:picLocks noChangeAspect="1"/>
+          </p:cNvPicPr>
+          <p:nvPr/>
+        </p:nvPicPr>
+        <p:blipFill>
+          <a:blip r:embed="rId4"/>
+          <a:stretch>
+            <a:fillRect/>
+          </a:stretch>
+        </p:blipFill>
+        <p:spPr>
+          <a:xfrm>
+            <a:off x="8913664" y="4459666"/>
+            <a:ext cx="2842506" cy="1204064"/>
           </a:xfrm>
           <a:prstGeom prst="rect">
             <a:avLst/>
@@ -8399,7 +9697,7 @@
     </p:spTree>
     <p:extLst>
       <p:ext uri="{BB962C8B-B14F-4D97-AF65-F5344CB8AC3E}">
-        <p14:creationId xmlns:p14="http://schemas.microsoft.com/office/powerpoint/2010/main" val="2908039754"/>
+        <p14:creationId xmlns:p14="http://schemas.microsoft.com/office/powerpoint/2010/main" val="3709573163"/>
       </p:ext>
     </p:extLst>
   </p:cSld>
@@ -8447,7 +9745,10 @@
           <a:bodyPr/>
           <a:lstStyle/>
           <a:p>
-            <a:endParaRPr lang="de-DE"/>
+            <a:r>
+              <a:rPr lang="de-DE" dirty="0"/>
+              <a:t>Add Files to the Project</a:t>
+            </a:r>
           </a:p>
         </p:txBody>
       </p:sp>
@@ -9487,6 +10788,74 @@
 </file>
 
 <file path=customXml/item1.xml><?xml version="1.0" encoding="utf-8"?>
+<?mso-contentType ?>
+<FormTemplates xmlns="http://schemas.microsoft.com/sharepoint/v3/contenttype/forms">
+  <Display>DocumentLibraryForm</Display>
+  <Edit>DocumentLibraryForm</Edit>
+  <New>DocumentLibraryForm</New>
+</FormTemplates>
+</file>
+
+<file path=customXml/item2.xml><?xml version="1.0" encoding="utf-8"?>
+<p:properties xmlns:p="http://schemas.microsoft.com/office/2006/metadata/properties" xmlns:xsi="http://www.w3.org/2001/XMLSchema-instance" xmlns:pc="http://schemas.microsoft.com/office/infopath/2007/PartnerControls">
+  <documentManagement>
+    <Content_x0020_Archived xmlns="df7acb31-37ac-40e2-81bb-c44e3630f613">false</Content_x0020_Archived>
+    <_dlc_DocId xmlns="38ef598d-997c-498b-b737-2f6b2c50ccab">SV5CHKDEWJXD-84-133</_dlc_DocId>
+    <_dlc_DocIdUrl xmlns="38ef598d-997c-498b-b737-2f6b2c50ccab">
+      <Url>http://mchpweb-2010/marcom/home/Resources/_layouts/DocIdRedir.aspx?ID=SV5CHKDEWJXD-84-133</Url>
+      <Description>SV5CHKDEWJXD-84-133</Description>
+    </_dlc_DocIdUrl>
+  </documentManagement>
+</p:properties>
+</file>
+
+<file path=customXml/item3.xml><?xml version="1.0" encoding="utf-8"?>
+<?mso-contentType ?>
+<spe:Receivers xmlns:spe="http://schemas.microsoft.com/sharepoint/events">
+  <Receiver>
+    <Name>Document ID Generator</Name>
+    <Synchronization>Synchronous</Synchronization>
+    <Type>10001</Type>
+    <SequenceNumber>1000</SequenceNumber>
+    <Assembly>Microsoft.Office.DocumentManagement, Version=14.0.0.0, Culture=neutral, PublicKeyToken=71e9bce111e9429c</Assembly>
+    <Class>Microsoft.Office.DocumentManagement.Internal.DocIdHandler</Class>
+    <Data/>
+    <Filter/>
+  </Receiver>
+  <Receiver>
+    <Name>Document ID Generator</Name>
+    <Synchronization>Synchronous</Synchronization>
+    <Type>10002</Type>
+    <SequenceNumber>1001</SequenceNumber>
+    <Assembly>Microsoft.Office.DocumentManagement, Version=14.0.0.0, Culture=neutral, PublicKeyToken=71e9bce111e9429c</Assembly>
+    <Class>Microsoft.Office.DocumentManagement.Internal.DocIdHandler</Class>
+    <Data/>
+    <Filter/>
+  </Receiver>
+  <Receiver>
+    <Name>Document ID Generator</Name>
+    <Synchronization>Synchronous</Synchronization>
+    <Type>10004</Type>
+    <SequenceNumber>1002</SequenceNumber>
+    <Assembly>Microsoft.Office.DocumentManagement, Version=14.0.0.0, Culture=neutral, PublicKeyToken=71e9bce111e9429c</Assembly>
+    <Class>Microsoft.Office.DocumentManagement.Internal.DocIdHandler</Class>
+    <Data/>
+    <Filter/>
+  </Receiver>
+  <Receiver>
+    <Name>Document ID Generator</Name>
+    <Synchronization>Synchronous</Synchronization>
+    <Type>10006</Type>
+    <SequenceNumber>1003</SequenceNumber>
+    <Assembly>Microsoft.Office.DocumentManagement, Version=14.0.0.0, Culture=neutral, PublicKeyToken=71e9bce111e9429c</Assembly>
+    <Class>Microsoft.Office.DocumentManagement.Internal.DocIdHandler</Class>
+    <Data/>
+    <Filter/>
+  </Receiver>
+</spe:Receivers>
+</file>
+
+<file path=customXml/item4.xml><?xml version="1.0" encoding="utf-8"?>
 <ct:contentTypeSchema xmlns:ct="http://schemas.microsoft.com/office/2006/metadata/contentType" xmlns:ma="http://schemas.microsoft.com/office/2006/metadata/properties/metaAttributes" ct:_="" ma:_="" ma:contentTypeName="Document" ma:contentTypeID="0x01010006EF9829FE6FB94D84D3D1D5B1820991" ma:contentTypeVersion="2" ma:contentTypeDescription="Create a new document." ma:contentTypeScope="" ma:versionID="84d427fd2fb92a215479da5b0fe5e4ad">
   <xsd:schema xmlns:xsd="http://www.w3.org/2001/XMLSchema" xmlns:xs="http://www.w3.org/2001/XMLSchema" xmlns:p="http://schemas.microsoft.com/office/2006/metadata/properties" xmlns:ns2="38ef598d-997c-498b-b737-2f6b2c50ccab" xmlns:ns3="df7acb31-37ac-40e2-81bb-c44e3630f613" targetNamespace="http://schemas.microsoft.com/office/2006/metadata/properties" ma:root="true" ma:fieldsID="156788901a84a305ff90b9b24ba2d9fb" ns2:_="" ns3:_="">
     <xsd:import namespace="38ef598d-997c-498b-b737-2f6b2c50ccab"/>
@@ -9642,75 +11011,34 @@
 </ct:contentTypeSchema>
 </file>
 
-<file path=customXml/item2.xml><?xml version="1.0" encoding="utf-8"?>
-<?mso-contentType ?>
-<spe:Receivers xmlns:spe="http://schemas.microsoft.com/sharepoint/events">
-  <Receiver>
-    <Name>Document ID Generator</Name>
-    <Synchronization>Synchronous</Synchronization>
-    <Type>10001</Type>
-    <SequenceNumber>1000</SequenceNumber>
-    <Assembly>Microsoft.Office.DocumentManagement, Version=14.0.0.0, Culture=neutral, PublicKeyToken=71e9bce111e9429c</Assembly>
-    <Class>Microsoft.Office.DocumentManagement.Internal.DocIdHandler</Class>
-    <Data/>
-    <Filter/>
-  </Receiver>
-  <Receiver>
-    <Name>Document ID Generator</Name>
-    <Synchronization>Synchronous</Synchronization>
-    <Type>10002</Type>
-    <SequenceNumber>1001</SequenceNumber>
-    <Assembly>Microsoft.Office.DocumentManagement, Version=14.0.0.0, Culture=neutral, PublicKeyToken=71e9bce111e9429c</Assembly>
-    <Class>Microsoft.Office.DocumentManagement.Internal.DocIdHandler</Class>
-    <Data/>
-    <Filter/>
-  </Receiver>
-  <Receiver>
-    <Name>Document ID Generator</Name>
-    <Synchronization>Synchronous</Synchronization>
-    <Type>10004</Type>
-    <SequenceNumber>1002</SequenceNumber>
-    <Assembly>Microsoft.Office.DocumentManagement, Version=14.0.0.0, Culture=neutral, PublicKeyToken=71e9bce111e9429c</Assembly>
-    <Class>Microsoft.Office.DocumentManagement.Internal.DocIdHandler</Class>
-    <Data/>
-    <Filter/>
-  </Receiver>
-  <Receiver>
-    <Name>Document ID Generator</Name>
-    <Synchronization>Synchronous</Synchronization>
-    <Type>10006</Type>
-    <SequenceNumber>1003</SequenceNumber>
-    <Assembly>Microsoft.Office.DocumentManagement, Version=14.0.0.0, Culture=neutral, PublicKeyToken=71e9bce111e9429c</Assembly>
-    <Class>Microsoft.Office.DocumentManagement.Internal.DocIdHandler</Class>
-    <Data/>
-    <Filter/>
-  </Receiver>
-</spe:Receivers>
+<file path=customXml/itemProps1.xml><?xml version="1.0" encoding="utf-8"?>
+<ds:datastoreItem xmlns:ds="http://schemas.openxmlformats.org/officeDocument/2006/customXml" ds:itemID="{0CE24DD7-9317-4AD8-82D4-5A6998DA79C7}">
+  <ds:schemaRefs>
+    <ds:schemaRef ds:uri="http://schemas.microsoft.com/sharepoint/v3/contenttype/forms"/>
+  </ds:schemaRefs>
+</ds:datastoreItem>
 </file>
 
-<file path=customXml/item3.xml><?xml version="1.0" encoding="utf-8"?>
-<p:properties xmlns:p="http://schemas.microsoft.com/office/2006/metadata/properties" xmlns:xsi="http://www.w3.org/2001/XMLSchema-instance" xmlns:pc="http://schemas.microsoft.com/office/infopath/2007/PartnerControls">
-  <documentManagement>
-    <Content_x0020_Archived xmlns="df7acb31-37ac-40e2-81bb-c44e3630f613">false</Content_x0020_Archived>
-    <_dlc_DocId xmlns="38ef598d-997c-498b-b737-2f6b2c50ccab">SV5CHKDEWJXD-84-133</_dlc_DocId>
-    <_dlc_DocIdUrl xmlns="38ef598d-997c-498b-b737-2f6b2c50ccab">
-      <Url>http://mchpweb-2010/marcom/home/Resources/_layouts/DocIdRedir.aspx?ID=SV5CHKDEWJXD-84-133</Url>
-      <Description>SV5CHKDEWJXD-84-133</Description>
-    </_dlc_DocIdUrl>
-  </documentManagement>
-</p:properties>
+<file path=customXml/itemProps2.xml><?xml version="1.0" encoding="utf-8"?>
+<ds:datastoreItem xmlns:ds="http://schemas.openxmlformats.org/officeDocument/2006/customXml" ds:itemID="{15774815-801A-4D0C-AAC8-304A8EA5EAE0}">
+  <ds:schemaRefs>
+    <ds:schemaRef ds:uri="http://schemas.microsoft.com/office/2006/metadata/properties"/>
+    <ds:schemaRef ds:uri="http://schemas.microsoft.com/office/infopath/2007/PartnerControls"/>
+    <ds:schemaRef ds:uri="df7acb31-37ac-40e2-81bb-c44e3630f613"/>
+    <ds:schemaRef ds:uri="38ef598d-997c-498b-b737-2f6b2c50ccab"/>
+  </ds:schemaRefs>
+</ds:datastoreItem>
 </file>
 
-<file path=customXml/item4.xml><?xml version="1.0" encoding="utf-8"?>
-<?mso-contentType ?>
-<FormTemplates xmlns="http://schemas.microsoft.com/sharepoint/v3/contenttype/forms">
-  <Display>DocumentLibraryForm</Display>
-  <Edit>DocumentLibraryForm</Edit>
-  <New>DocumentLibraryForm</New>
-</FormTemplates>
+<file path=customXml/itemProps3.xml><?xml version="1.0" encoding="utf-8"?>
+<ds:datastoreItem xmlns:ds="http://schemas.openxmlformats.org/officeDocument/2006/customXml" ds:itemID="{36ECED7C-7E24-4B80-B6AD-5BF0A508FB7B}">
+  <ds:schemaRefs>
+    <ds:schemaRef ds:uri="http://schemas.microsoft.com/sharepoint/events"/>
+  </ds:schemaRefs>
+</ds:datastoreItem>
 </file>
 
-<file path=customXml/itemProps1.xml><?xml version="1.0" encoding="utf-8"?>
+<file path=customXml/itemProps4.xml><?xml version="1.0" encoding="utf-8"?>
 <ds:datastoreItem xmlns:ds="http://schemas.openxmlformats.org/officeDocument/2006/customXml" ds:itemID="{AF9647E8-EA5A-4469-8198-396AF1DA17E0}">
   <ds:schemaRefs>
     <ds:schemaRef ds:uri="http://schemas.microsoft.com/office/2006/metadata/contentType"/>
@@ -9727,31 +11055,4 @@
     <ds:schemaRef ds:uri="http://schemas.microsoft.com/internal/obd"/>
   </ds:schemaRefs>
 </ds:datastoreItem>
-</file>
-
-<file path=customXml/itemProps2.xml><?xml version="1.0" encoding="utf-8"?>
-<ds:datastoreItem xmlns:ds="http://schemas.openxmlformats.org/officeDocument/2006/customXml" ds:itemID="{36ECED7C-7E24-4B80-B6AD-5BF0A508FB7B}">
-  <ds:schemaRefs>
-    <ds:schemaRef ds:uri="http://schemas.microsoft.com/sharepoint/events"/>
-  </ds:schemaRefs>
-</ds:datastoreItem>
-</file>
-
-<file path=customXml/itemProps3.xml><?xml version="1.0" encoding="utf-8"?>
-<ds:datastoreItem xmlns:ds="http://schemas.openxmlformats.org/officeDocument/2006/customXml" ds:itemID="{15774815-801A-4D0C-AAC8-304A8EA5EAE0}">
-  <ds:schemaRefs>
-    <ds:schemaRef ds:uri="http://schemas.microsoft.com/office/2006/metadata/properties"/>
-    <ds:schemaRef ds:uri="http://schemas.microsoft.com/office/infopath/2007/PartnerControls"/>
-    <ds:schemaRef ds:uri="df7acb31-37ac-40e2-81bb-c44e3630f613"/>
-    <ds:schemaRef ds:uri="38ef598d-997c-498b-b737-2f6b2c50ccab"/>
-  </ds:schemaRefs>
-</ds:datastoreItem>
-</file>
-
-<file path=customXml/itemProps4.xml><?xml version="1.0" encoding="utf-8"?>
-<ds:datastoreItem xmlns:ds="http://schemas.openxmlformats.org/officeDocument/2006/customXml" ds:itemID="{0CE24DD7-9317-4AD8-82D4-5A6998DA79C7}">
-  <ds:schemaRefs>
-    <ds:schemaRef ds:uri="http://schemas.microsoft.com/sharepoint/v3/contenttype/forms"/>
-  </ds:schemaRefs>
-</ds:datastoreItem>
 </file>